--- a/ikt projektfeladat.pptx
+++ b/ikt projektfeladat.pptx
@@ -10,6 +10,13 @@
     <p:sldId id="258" r:id="rId4"/>
     <p:sldId id="257" r:id="rId5"/>
     <p:sldId id="260" r:id="rId6"/>
+    <p:sldId id="266" r:id="rId7"/>
+    <p:sldId id="267" r:id="rId8"/>
+    <p:sldId id="261" r:id="rId9"/>
+    <p:sldId id="262" r:id="rId10"/>
+    <p:sldId id="263" r:id="rId11"/>
+    <p:sldId id="264" r:id="rId12"/>
+    <p:sldId id="265" r:id="rId13"/>
   </p:sldIdLst>
   <p:sldSz cx="12192000" cy="6858000"/>
   <p:notesSz cx="6858000" cy="9144000"/>
@@ -247,7 +254,7 @@
           <a:p>
             <a:fld id="{38C4BF85-5AB0-4169-A990-10DF94846CFA}" type="datetimeFigureOut">
               <a:rPr lang="hu-HU" smtClean="0"/>
-              <a:t>2023.02.02.</a:t>
+              <a:t>2023.02.03.</a:t>
             </a:fld>
             <a:endParaRPr lang="hu-HU"/>
           </a:p>
@@ -417,7 +424,7 @@
           <a:p>
             <a:fld id="{38C4BF85-5AB0-4169-A990-10DF94846CFA}" type="datetimeFigureOut">
               <a:rPr lang="hu-HU" smtClean="0"/>
-              <a:t>2023.02.02.</a:t>
+              <a:t>2023.02.03.</a:t>
             </a:fld>
             <a:endParaRPr lang="hu-HU"/>
           </a:p>
@@ -597,7 +604,7 @@
           <a:p>
             <a:fld id="{38C4BF85-5AB0-4169-A990-10DF94846CFA}" type="datetimeFigureOut">
               <a:rPr lang="hu-HU" smtClean="0"/>
-              <a:t>2023.02.02.</a:t>
+              <a:t>2023.02.03.</a:t>
             </a:fld>
             <a:endParaRPr lang="hu-HU"/>
           </a:p>
@@ -767,7 +774,7 @@
           <a:p>
             <a:fld id="{38C4BF85-5AB0-4169-A990-10DF94846CFA}" type="datetimeFigureOut">
               <a:rPr lang="hu-HU" smtClean="0"/>
-              <a:t>2023.02.02.</a:t>
+              <a:t>2023.02.03.</a:t>
             </a:fld>
             <a:endParaRPr lang="hu-HU"/>
           </a:p>
@@ -1013,7 +1020,7 @@
           <a:p>
             <a:fld id="{38C4BF85-5AB0-4169-A990-10DF94846CFA}" type="datetimeFigureOut">
               <a:rPr lang="hu-HU" smtClean="0"/>
-              <a:t>2023.02.02.</a:t>
+              <a:t>2023.02.03.</a:t>
             </a:fld>
             <a:endParaRPr lang="hu-HU"/>
           </a:p>
@@ -1245,7 +1252,7 @@
           <a:p>
             <a:fld id="{38C4BF85-5AB0-4169-A990-10DF94846CFA}" type="datetimeFigureOut">
               <a:rPr lang="hu-HU" smtClean="0"/>
-              <a:t>2023.02.02.</a:t>
+              <a:t>2023.02.03.</a:t>
             </a:fld>
             <a:endParaRPr lang="hu-HU"/>
           </a:p>
@@ -1612,7 +1619,7 @@
           <a:p>
             <a:fld id="{38C4BF85-5AB0-4169-A990-10DF94846CFA}" type="datetimeFigureOut">
               <a:rPr lang="hu-HU" smtClean="0"/>
-              <a:t>2023.02.02.</a:t>
+              <a:t>2023.02.03.</a:t>
             </a:fld>
             <a:endParaRPr lang="hu-HU"/>
           </a:p>
@@ -1730,7 +1737,7 @@
           <a:p>
             <a:fld id="{38C4BF85-5AB0-4169-A990-10DF94846CFA}" type="datetimeFigureOut">
               <a:rPr lang="hu-HU" smtClean="0"/>
-              <a:t>2023.02.02.</a:t>
+              <a:t>2023.02.03.</a:t>
             </a:fld>
             <a:endParaRPr lang="hu-HU"/>
           </a:p>
@@ -1825,7 +1832,7 @@
           <a:p>
             <a:fld id="{38C4BF85-5AB0-4169-A990-10DF94846CFA}" type="datetimeFigureOut">
               <a:rPr lang="hu-HU" smtClean="0"/>
-              <a:t>2023.02.02.</a:t>
+              <a:t>2023.02.03.</a:t>
             </a:fld>
             <a:endParaRPr lang="hu-HU"/>
           </a:p>
@@ -2102,7 +2109,7 @@
           <a:p>
             <a:fld id="{38C4BF85-5AB0-4169-A990-10DF94846CFA}" type="datetimeFigureOut">
               <a:rPr lang="hu-HU" smtClean="0"/>
-              <a:t>2023.02.02.</a:t>
+              <a:t>2023.02.03.</a:t>
             </a:fld>
             <a:endParaRPr lang="hu-HU"/>
           </a:p>
@@ -2359,7 +2366,7 @@
           <a:p>
             <a:fld id="{38C4BF85-5AB0-4169-A990-10DF94846CFA}" type="datetimeFigureOut">
               <a:rPr lang="hu-HU" smtClean="0"/>
-              <a:t>2023.02.02.</a:t>
+              <a:t>2023.02.03.</a:t>
             </a:fld>
             <a:endParaRPr lang="hu-HU"/>
           </a:p>
@@ -2572,7 +2579,7 @@
           <a:p>
             <a:fld id="{38C4BF85-5AB0-4169-A990-10DF94846CFA}" type="datetimeFigureOut">
               <a:rPr lang="hu-HU" smtClean="0"/>
-              <a:t>2023.02.02.</a:t>
+              <a:t>2023.02.03.</a:t>
             </a:fld>
             <a:endParaRPr lang="hu-HU"/>
           </a:p>
@@ -3105,11 +3112,332 @@
   <p:clrMapOvr>
     <a:masterClrMapping/>
   </p:clrMapOvr>
-  <mc:AlternateContent xmlns:mc="http://schemas.openxmlformats.org/markup-compatibility/2006">
-    <mc:Choice xmlns:p14="http://schemas.microsoft.com/office/powerpoint/2010/main" Requires="p14">
+  <mc:AlternateContent xmlns:mc="http://schemas.openxmlformats.org/markup-compatibility/2006" xmlns:p14="http://schemas.microsoft.com/office/powerpoint/2010/main">
+    <mc:Choice Requires="p14">
       <p:transition p14:dur="0"/>
     </mc:Choice>
-    <mc:Fallback>
+    <mc:Fallback xmlns="">
+      <p:transition/>
+    </mc:Fallback>
+  </mc:AlternateContent>
+  <p:timing>
+    <p:tnLst>
+      <p:par>
+        <p:cTn id="1" dur="indefinite" restart="never" nodeType="tmRoot"/>
+      </p:par>
+    </p:tnLst>
+  </p:timing>
+</p:sld>
+</file>
+
+<file path=ppt/slides/slide10.xml><?xml version="1.0" encoding="utf-8"?>
+<p:sld xmlns:a="http://schemas.openxmlformats.org/drawingml/2006/main" xmlns:r="http://schemas.openxmlformats.org/officeDocument/2006/relationships" xmlns:p="http://schemas.openxmlformats.org/presentationml/2006/main">
+  <p:cSld>
+    <p:spTree>
+      <p:nvGrpSpPr>
+        <p:cNvPr id="1" name=""/>
+        <p:cNvGrpSpPr/>
+        <p:nvPr/>
+      </p:nvGrpSpPr>
+      <p:grpSpPr>
+        <a:xfrm>
+          <a:off x="0" y="0"/>
+          <a:ext cx="0" cy="0"/>
+          <a:chOff x="0" y="0"/>
+          <a:chExt cx="0" cy="0"/>
+        </a:xfrm>
+      </p:grpSpPr>
+      <p:sp>
+        <p:nvSpPr>
+          <p:cNvPr id="2" name="Cím 1"/>
+          <p:cNvSpPr>
+            <a:spLocks noGrp="1"/>
+          </p:cNvSpPr>
+          <p:nvPr>
+            <p:ph type="title"/>
+          </p:nvPr>
+        </p:nvSpPr>
+        <p:spPr>
+          <a:xfrm>
+            <a:off x="809171" y="595085"/>
+            <a:ext cx="10515600" cy="776288"/>
+          </a:xfrm>
+        </p:spPr>
+        <p:txBody>
+          <a:bodyPr>
+            <a:normAutofit/>
+          </a:bodyPr>
+          <a:lstStyle/>
+          <a:p>
+            <a:pPr algn="ctr"/>
+            <a:r>
+              <a:rPr lang="hu-HU" b="1" cap="small" dirty="0" smtClean="0">
+                <a:solidFill>
+                  <a:srgbClr val="FFB562"/>
+                </a:solidFill>
+                <a:latin typeface="Arial" panose="020B0604020202020204" pitchFamily="34" charset="0"/>
+                <a:cs typeface="Arial" panose="020B0604020202020204" pitchFamily="34" charset="0"/>
+              </a:rPr>
+              <a:t>Kulimákok</a:t>
+            </a:r>
+            <a:endParaRPr lang="hu-HU" b="1" cap="small" dirty="0">
+              <a:solidFill>
+                <a:srgbClr val="FFB562"/>
+              </a:solidFill>
+              <a:latin typeface="Arial" panose="020B0604020202020204" pitchFamily="34" charset="0"/>
+              <a:cs typeface="Arial" panose="020B0604020202020204" pitchFamily="34" charset="0"/>
+            </a:endParaRPr>
+          </a:p>
+        </p:txBody>
+      </p:sp>
+      <p:sp>
+        <p:nvSpPr>
+          <p:cNvPr id="3" name="Tartalom helye 2"/>
+          <p:cNvSpPr>
+            <a:spLocks noGrp="1"/>
+          </p:cNvSpPr>
+          <p:nvPr>
+            <p:ph idx="1"/>
+          </p:nvPr>
+        </p:nvSpPr>
+        <p:spPr/>
+        <p:txBody>
+          <a:bodyPr/>
+          <a:lstStyle/>
+          <a:p>
+            <a:endParaRPr lang="hu-HU"/>
+          </a:p>
+        </p:txBody>
+      </p:sp>
+    </p:spTree>
+    <p:extLst>
+      <p:ext uri="{BB962C8B-B14F-4D97-AF65-F5344CB8AC3E}">
+        <p14:creationId xmlns:p14="http://schemas.microsoft.com/office/powerpoint/2010/main" val="689898521"/>
+      </p:ext>
+    </p:extLst>
+  </p:cSld>
+  <p:clrMapOvr>
+    <a:masterClrMapping/>
+  </p:clrMapOvr>
+  <mc:AlternateContent xmlns:mc="http://schemas.openxmlformats.org/markup-compatibility/2006" xmlns:p14="http://schemas.microsoft.com/office/powerpoint/2010/main">
+    <mc:Choice Requires="p14">
+      <p:transition p14:dur="0"/>
+    </mc:Choice>
+    <mc:Fallback xmlns="">
+      <p:transition/>
+    </mc:Fallback>
+  </mc:AlternateContent>
+  <p:timing>
+    <p:tnLst>
+      <p:par>
+        <p:cTn id="1" dur="indefinite" restart="never" nodeType="tmRoot"/>
+      </p:par>
+    </p:tnLst>
+  </p:timing>
+</p:sld>
+</file>
+
+<file path=ppt/slides/slide11.xml><?xml version="1.0" encoding="utf-8"?>
+<p:sld xmlns:a="http://schemas.openxmlformats.org/drawingml/2006/main" xmlns:r="http://schemas.openxmlformats.org/officeDocument/2006/relationships" xmlns:p="http://schemas.openxmlformats.org/presentationml/2006/main">
+  <p:cSld>
+    <p:spTree>
+      <p:nvGrpSpPr>
+        <p:cNvPr id="1" name=""/>
+        <p:cNvGrpSpPr/>
+        <p:nvPr/>
+      </p:nvGrpSpPr>
+      <p:grpSpPr>
+        <a:xfrm>
+          <a:off x="0" y="0"/>
+          <a:ext cx="0" cy="0"/>
+          <a:chOff x="0" y="0"/>
+          <a:chExt cx="0" cy="0"/>
+        </a:xfrm>
+      </p:grpSpPr>
+      <p:sp>
+        <p:nvSpPr>
+          <p:cNvPr id="2" name="Cím 1"/>
+          <p:cNvSpPr>
+            <a:spLocks noGrp="1"/>
+          </p:cNvSpPr>
+          <p:nvPr>
+            <p:ph type="title"/>
+          </p:nvPr>
+        </p:nvSpPr>
+        <p:spPr>
+          <a:xfrm>
+            <a:off x="809171" y="595085"/>
+            <a:ext cx="10515600" cy="776288"/>
+          </a:xfrm>
+        </p:spPr>
+        <p:txBody>
+          <a:bodyPr>
+            <a:normAutofit/>
+          </a:bodyPr>
+          <a:lstStyle/>
+          <a:p>
+            <a:pPr algn="ctr"/>
+            <a:r>
+              <a:rPr lang="hu-HU" b="1" cap="small" dirty="0" smtClean="0">
+                <a:solidFill>
+                  <a:srgbClr val="FFB562"/>
+                </a:solidFill>
+                <a:latin typeface="Arial" panose="020B0604020202020204" pitchFamily="34" charset="0"/>
+                <a:cs typeface="Arial" panose="020B0604020202020204" pitchFamily="34" charset="0"/>
+              </a:rPr>
+              <a:t>Gomb</a:t>
+            </a:r>
+            <a:endParaRPr lang="hu-HU" b="1" cap="small" dirty="0">
+              <a:solidFill>
+                <a:srgbClr val="FFB562"/>
+              </a:solidFill>
+              <a:latin typeface="Arial" panose="020B0604020202020204" pitchFamily="34" charset="0"/>
+              <a:cs typeface="Arial" panose="020B0604020202020204" pitchFamily="34" charset="0"/>
+            </a:endParaRPr>
+          </a:p>
+        </p:txBody>
+      </p:sp>
+      <p:sp>
+        <p:nvSpPr>
+          <p:cNvPr id="3" name="Tartalom helye 2"/>
+          <p:cNvSpPr>
+            <a:spLocks noGrp="1"/>
+          </p:cNvSpPr>
+          <p:nvPr>
+            <p:ph idx="1"/>
+          </p:nvPr>
+        </p:nvSpPr>
+        <p:spPr/>
+        <p:txBody>
+          <a:bodyPr/>
+          <a:lstStyle/>
+          <a:p>
+            <a:endParaRPr lang="hu-HU"/>
+          </a:p>
+        </p:txBody>
+      </p:sp>
+    </p:spTree>
+    <p:extLst>
+      <p:ext uri="{BB962C8B-B14F-4D97-AF65-F5344CB8AC3E}">
+        <p14:creationId xmlns:p14="http://schemas.microsoft.com/office/powerpoint/2010/main" val="2816566797"/>
+      </p:ext>
+    </p:extLst>
+  </p:cSld>
+  <p:clrMapOvr>
+    <a:masterClrMapping/>
+  </p:clrMapOvr>
+  <mc:AlternateContent xmlns:mc="http://schemas.openxmlformats.org/markup-compatibility/2006" xmlns:p14="http://schemas.microsoft.com/office/powerpoint/2010/main">
+    <mc:Choice Requires="p14">
+      <p:transition p14:dur="0"/>
+    </mc:Choice>
+    <mc:Fallback xmlns="">
+      <p:transition/>
+    </mc:Fallback>
+  </mc:AlternateContent>
+  <p:timing>
+    <p:tnLst>
+      <p:par>
+        <p:cTn id="1" dur="indefinite" restart="never" nodeType="tmRoot"/>
+      </p:par>
+    </p:tnLst>
+  </p:timing>
+</p:sld>
+</file>
+
+<file path=ppt/slides/slide12.xml><?xml version="1.0" encoding="utf-8"?>
+<p:sld xmlns:a="http://schemas.openxmlformats.org/drawingml/2006/main" xmlns:r="http://schemas.openxmlformats.org/officeDocument/2006/relationships" xmlns:p="http://schemas.openxmlformats.org/presentationml/2006/main">
+  <p:cSld>
+    <p:spTree>
+      <p:nvGrpSpPr>
+        <p:cNvPr id="1" name=""/>
+        <p:cNvGrpSpPr/>
+        <p:nvPr/>
+      </p:nvGrpSpPr>
+      <p:grpSpPr>
+        <a:xfrm>
+          <a:off x="0" y="0"/>
+          <a:ext cx="0" cy="0"/>
+          <a:chOff x="0" y="0"/>
+          <a:chExt cx="0" cy="0"/>
+        </a:xfrm>
+      </p:grpSpPr>
+      <p:sp>
+        <p:nvSpPr>
+          <p:cNvPr id="2" name="Cím 1"/>
+          <p:cNvSpPr>
+            <a:spLocks noGrp="1"/>
+          </p:cNvSpPr>
+          <p:nvPr>
+            <p:ph type="title"/>
+          </p:nvPr>
+        </p:nvSpPr>
+        <p:spPr>
+          <a:xfrm>
+            <a:off x="809171" y="595085"/>
+            <a:ext cx="10515600" cy="776288"/>
+          </a:xfrm>
+        </p:spPr>
+        <p:txBody>
+          <a:bodyPr>
+            <a:normAutofit/>
+          </a:bodyPr>
+          <a:lstStyle/>
+          <a:p>
+            <a:pPr algn="ctr"/>
+            <a:r>
+              <a:rPr lang="hu-HU" b="1" cap="small" dirty="0" smtClean="0">
+                <a:solidFill>
+                  <a:srgbClr val="FFB562"/>
+                </a:solidFill>
+                <a:latin typeface="Arial" panose="020B0604020202020204" pitchFamily="34" charset="0"/>
+                <a:cs typeface="Arial" panose="020B0604020202020204" pitchFamily="34" charset="0"/>
+              </a:rPr>
+              <a:t>Rólunk</a:t>
+            </a:r>
+            <a:endParaRPr lang="hu-HU" b="1" cap="small" dirty="0">
+              <a:solidFill>
+                <a:srgbClr val="FFB562"/>
+              </a:solidFill>
+              <a:latin typeface="Arial" panose="020B0604020202020204" pitchFamily="34" charset="0"/>
+              <a:cs typeface="Arial" panose="020B0604020202020204" pitchFamily="34" charset="0"/>
+            </a:endParaRPr>
+          </a:p>
+        </p:txBody>
+      </p:sp>
+      <p:sp>
+        <p:nvSpPr>
+          <p:cNvPr id="3" name="Tartalom helye 2"/>
+          <p:cNvSpPr>
+            <a:spLocks noGrp="1"/>
+          </p:cNvSpPr>
+          <p:nvPr>
+            <p:ph idx="1"/>
+          </p:nvPr>
+        </p:nvSpPr>
+        <p:spPr/>
+        <p:txBody>
+          <a:bodyPr/>
+          <a:lstStyle/>
+          <a:p>
+            <a:endParaRPr lang="hu-HU"/>
+          </a:p>
+        </p:txBody>
+      </p:sp>
+    </p:spTree>
+    <p:extLst>
+      <p:ext uri="{BB962C8B-B14F-4D97-AF65-F5344CB8AC3E}">
+        <p14:creationId xmlns:p14="http://schemas.microsoft.com/office/powerpoint/2010/main" val="3824542068"/>
+      </p:ext>
+    </p:extLst>
+  </p:cSld>
+  <p:clrMapOvr>
+    <a:masterClrMapping/>
+  </p:clrMapOvr>
+  <mc:AlternateContent xmlns:mc="http://schemas.openxmlformats.org/markup-compatibility/2006" xmlns:p14="http://schemas.microsoft.com/office/powerpoint/2010/main">
+    <mc:Choice Requires="p14">
+      <p:transition p14:dur="0"/>
+    </mc:Choice>
+    <mc:Fallback xmlns="">
       <p:transition/>
     </mc:Fallback>
   </mc:AlternateContent>
@@ -3312,11 +3640,11 @@
   <p:clrMapOvr>
     <a:masterClrMapping/>
   </p:clrMapOvr>
-  <mc:AlternateContent xmlns:mc="http://schemas.openxmlformats.org/markup-compatibility/2006">
-    <mc:Choice xmlns:p14="http://schemas.microsoft.com/office/powerpoint/2010/main" Requires="p14">
+  <mc:AlternateContent xmlns:mc="http://schemas.openxmlformats.org/markup-compatibility/2006" xmlns:p14="http://schemas.microsoft.com/office/powerpoint/2010/main">
+    <mc:Choice Requires="p14">
       <p:transition p14:dur="0"/>
     </mc:Choice>
-    <mc:Fallback>
+    <mc:Fallback xmlns="">
       <p:transition/>
     </mc:Fallback>
   </mc:AlternateContent>
@@ -3487,11 +3815,11 @@
   <p:clrMapOvr>
     <a:masterClrMapping/>
   </p:clrMapOvr>
-  <mc:AlternateContent xmlns:mc="http://schemas.openxmlformats.org/markup-compatibility/2006">
-    <mc:Choice xmlns:p14="http://schemas.microsoft.com/office/powerpoint/2010/main" Requires="p14">
+  <mc:AlternateContent xmlns:mc="http://schemas.openxmlformats.org/markup-compatibility/2006" xmlns:p14="http://schemas.microsoft.com/office/powerpoint/2010/main">
+    <mc:Choice Requires="p14">
       <p:transition p14:dur="0"/>
     </mc:Choice>
-    <mc:Fallback>
+    <mc:Fallback xmlns="">
       <p:transition/>
     </mc:Fallback>
   </mc:AlternateContent>
@@ -3799,17 +4127,7 @@
                 <a:latin typeface="Arial" panose="020B0604020202020204" pitchFamily="34" charset="0"/>
                 <a:cs typeface="Arial" panose="020B0604020202020204" pitchFamily="34" charset="0"/>
               </a:rPr>
-              <a:t>Színek</a:t>
-            </a:r>
-            <a:r>
-              <a:rPr lang="hu-HU" b="1" cap="small" dirty="0" smtClean="0">
-                <a:solidFill>
-                  <a:srgbClr val="FFB562"/>
-                </a:solidFill>
-                <a:latin typeface="Arial" panose="020B0604020202020204" pitchFamily="34" charset="0"/>
-                <a:cs typeface="Arial" panose="020B0604020202020204" pitchFamily="34" charset="0"/>
-              </a:rPr>
-              <a:t> megtervezése</a:t>
+              <a:t>Színek megtervezése</a:t>
             </a:r>
             <a:endParaRPr lang="hu-HU" b="1" cap="small" dirty="0">
               <a:solidFill>
@@ -3899,11 +4217,1027 @@
   <p:clrMapOvr>
     <a:masterClrMapping/>
   </p:clrMapOvr>
-  <mc:AlternateContent xmlns:mc="http://schemas.openxmlformats.org/markup-compatibility/2006">
-    <mc:Choice xmlns:p14="http://schemas.microsoft.com/office/powerpoint/2010/main" Requires="p14">
+  <mc:AlternateContent xmlns:mc="http://schemas.openxmlformats.org/markup-compatibility/2006" xmlns:p14="http://schemas.microsoft.com/office/powerpoint/2010/main">
+    <mc:Choice Requires="p14">
       <p:transition p14:dur="0"/>
     </mc:Choice>
-    <mc:Fallback>
+    <mc:Fallback xmlns="">
+      <p:transition/>
+    </mc:Fallback>
+  </mc:AlternateContent>
+  <p:timing>
+    <p:tnLst>
+      <p:par>
+        <p:cTn id="1" dur="indefinite" restart="never" nodeType="tmRoot"/>
+      </p:par>
+    </p:tnLst>
+  </p:timing>
+</p:sld>
+</file>
+
+<file path=ppt/slides/slide6.xml><?xml version="1.0" encoding="utf-8"?>
+<p:sld xmlns:a="http://schemas.openxmlformats.org/drawingml/2006/main" xmlns:r="http://schemas.openxmlformats.org/officeDocument/2006/relationships" xmlns:p="http://schemas.openxmlformats.org/presentationml/2006/main">
+  <p:cSld>
+    <p:spTree>
+      <p:nvGrpSpPr>
+        <p:cNvPr id="1" name=""/>
+        <p:cNvGrpSpPr/>
+        <p:nvPr/>
+      </p:nvGrpSpPr>
+      <p:grpSpPr>
+        <a:xfrm>
+          <a:off x="0" y="0"/>
+          <a:ext cx="0" cy="0"/>
+          <a:chOff x="0" y="0"/>
+          <a:chExt cx="0" cy="0"/>
+        </a:xfrm>
+      </p:grpSpPr>
+      <p:sp>
+        <p:nvSpPr>
+          <p:cNvPr id="2" name="Cím 1"/>
+          <p:cNvSpPr>
+            <a:spLocks noGrp="1"/>
+          </p:cNvSpPr>
+          <p:nvPr>
+            <p:ph type="title"/>
+          </p:nvPr>
+        </p:nvSpPr>
+        <p:spPr>
+          <a:xfrm>
+            <a:off x="780143" y="319314"/>
+            <a:ext cx="10515600" cy="776288"/>
+          </a:xfrm>
+        </p:spPr>
+        <p:txBody>
+          <a:bodyPr/>
+          <a:lstStyle/>
+          <a:p>
+            <a:pPr algn="ctr"/>
+            <a:r>
+              <a:rPr lang="hu-HU" b="1" cap="small" dirty="0" smtClean="0">
+                <a:solidFill>
+                  <a:srgbClr val="FFB562"/>
+                </a:solidFill>
+                <a:latin typeface="Arial" panose="020B0604020202020204" pitchFamily="34" charset="0"/>
+                <a:cs typeface="Arial" panose="020B0604020202020204" pitchFamily="34" charset="0"/>
+              </a:rPr>
+              <a:t>Tervezés </a:t>
+            </a:r>
+            <a:r>
+              <a:rPr lang="hu-HU" b="1" cap="small" dirty="0" err="1" smtClean="0">
+                <a:solidFill>
+                  <a:srgbClr val="FFB562"/>
+                </a:solidFill>
+                <a:latin typeface="Arial" panose="020B0604020202020204" pitchFamily="34" charset="0"/>
+                <a:cs typeface="Arial" panose="020B0604020202020204" pitchFamily="34" charset="0"/>
+              </a:rPr>
+              <a:t>paintben</a:t>
+            </a:r>
+            <a:endParaRPr lang="hu-HU" b="1" cap="small" dirty="0">
+              <a:solidFill>
+                <a:srgbClr val="FFB562"/>
+              </a:solidFill>
+              <a:latin typeface="Arial" panose="020B0604020202020204" pitchFamily="34" charset="0"/>
+              <a:cs typeface="Arial" panose="020B0604020202020204" pitchFamily="34" charset="0"/>
+            </a:endParaRPr>
+          </a:p>
+        </p:txBody>
+      </p:sp>
+      <p:pic>
+        <p:nvPicPr>
+          <p:cNvPr id="6" name="Tartalom helye 5"/>
+          <p:cNvPicPr>
+            <a:picLocks noGrp="1" noChangeAspect="1"/>
+          </p:cNvPicPr>
+          <p:nvPr>
+            <p:ph idx="1"/>
+          </p:nvPr>
+        </p:nvPicPr>
+        <p:blipFill>
+          <a:blip r:embed="rId2">
+            <a:extLst>
+              <a:ext uri="{28A0092B-C50C-407E-A947-70E740481C1C}">
+                <a14:useLocalDpi xmlns:a14="http://schemas.microsoft.com/office/drawing/2010/main" val="0"/>
+              </a:ext>
+            </a:extLst>
+          </a:blip>
+          <a:stretch>
+            <a:fillRect/>
+          </a:stretch>
+        </p:blipFill>
+        <p:spPr>
+          <a:xfrm>
+            <a:off x="169563" y="1273402"/>
+            <a:ext cx="8510654" cy="5140098"/>
+          </a:xfrm>
+        </p:spPr>
+      </p:pic>
+    </p:spTree>
+    <p:extLst>
+      <p:ext uri="{BB962C8B-B14F-4D97-AF65-F5344CB8AC3E}">
+        <p14:creationId xmlns:p14="http://schemas.microsoft.com/office/powerpoint/2010/main" val="3103300989"/>
+      </p:ext>
+    </p:extLst>
+  </p:cSld>
+  <p:clrMapOvr>
+    <a:masterClrMapping/>
+  </p:clrMapOvr>
+  <mc:AlternateContent xmlns:mc="http://schemas.openxmlformats.org/markup-compatibility/2006" xmlns:p14="http://schemas.microsoft.com/office/powerpoint/2010/main">
+    <mc:Choice Requires="p14">
+      <p:transition p14:dur="0"/>
+    </mc:Choice>
+    <mc:Fallback xmlns="">
+      <p:transition/>
+    </mc:Fallback>
+  </mc:AlternateContent>
+  <p:timing>
+    <p:tnLst>
+      <p:par>
+        <p:cTn id="1" dur="indefinite" restart="never" nodeType="tmRoot"/>
+      </p:par>
+    </p:tnLst>
+  </p:timing>
+</p:sld>
+</file>
+
+<file path=ppt/slides/slide7.xml><?xml version="1.0" encoding="utf-8"?>
+<p:sld xmlns:a="http://schemas.openxmlformats.org/drawingml/2006/main" xmlns:r="http://schemas.openxmlformats.org/officeDocument/2006/relationships" xmlns:p="http://schemas.openxmlformats.org/presentationml/2006/main">
+  <p:cSld>
+    <p:spTree>
+      <p:nvGrpSpPr>
+        <p:cNvPr id="1" name=""/>
+        <p:cNvGrpSpPr/>
+        <p:nvPr/>
+      </p:nvGrpSpPr>
+      <p:grpSpPr>
+        <a:xfrm>
+          <a:off x="0" y="0"/>
+          <a:ext cx="0" cy="0"/>
+          <a:chOff x="0" y="0"/>
+          <a:chExt cx="0" cy="0"/>
+        </a:xfrm>
+      </p:grpSpPr>
+      <p:sp>
+        <p:nvSpPr>
+          <p:cNvPr id="2" name="Cím 1"/>
+          <p:cNvSpPr>
+            <a:spLocks noGrp="1"/>
+          </p:cNvSpPr>
+          <p:nvPr>
+            <p:ph type="title"/>
+          </p:nvPr>
+        </p:nvSpPr>
+        <p:spPr/>
+        <p:txBody>
+          <a:bodyPr/>
+          <a:lstStyle/>
+          <a:p>
+            <a:pPr algn="ctr"/>
+            <a:r>
+              <a:rPr lang="hu-HU" b="1" cap="small" dirty="0" smtClean="0">
+                <a:solidFill>
+                  <a:srgbClr val="FFB562"/>
+                </a:solidFill>
+                <a:latin typeface="Arial" panose="020B0604020202020204" pitchFamily="34" charset="0"/>
+                <a:cs typeface="Arial" panose="020B0604020202020204" pitchFamily="34" charset="0"/>
+              </a:rPr>
+              <a:t>A </a:t>
+            </a:r>
+            <a:r>
+              <a:rPr lang="hu-HU" b="1" cap="small" dirty="0" err="1" smtClean="0">
+                <a:solidFill>
+                  <a:srgbClr val="FFB562"/>
+                </a:solidFill>
+                <a:latin typeface="Arial" panose="020B0604020202020204" pitchFamily="34" charset="0"/>
+                <a:cs typeface="Arial" panose="020B0604020202020204" pitchFamily="34" charset="0"/>
+              </a:rPr>
+              <a:t>scrum</a:t>
+            </a:r>
+            <a:r>
+              <a:rPr lang="hu-HU" b="1" cap="small" dirty="0" smtClean="0">
+                <a:solidFill>
+                  <a:srgbClr val="FFB562"/>
+                </a:solidFill>
+                <a:latin typeface="Arial" panose="020B0604020202020204" pitchFamily="34" charset="0"/>
+                <a:cs typeface="Arial" panose="020B0604020202020204" pitchFamily="34" charset="0"/>
+              </a:rPr>
+              <a:t> rugalmassága</a:t>
+            </a:r>
+            <a:endParaRPr lang="hu-HU" b="1" cap="small" dirty="0">
+              <a:solidFill>
+                <a:srgbClr val="FFB562"/>
+              </a:solidFill>
+              <a:latin typeface="Arial" panose="020B0604020202020204" pitchFamily="34" charset="0"/>
+              <a:cs typeface="Arial" panose="020B0604020202020204" pitchFamily="34" charset="0"/>
+            </a:endParaRPr>
+          </a:p>
+        </p:txBody>
+      </p:sp>
+      <p:sp>
+        <p:nvSpPr>
+          <p:cNvPr id="3" name="Szöveg helye 2"/>
+          <p:cNvSpPr>
+            <a:spLocks noGrp="1"/>
+          </p:cNvSpPr>
+          <p:nvPr>
+            <p:ph type="body" idx="1"/>
+          </p:nvPr>
+        </p:nvSpPr>
+        <p:spPr>
+          <a:xfrm>
+            <a:off x="738188" y="1312070"/>
+            <a:ext cx="5157787" cy="823912"/>
+          </a:xfrm>
+        </p:spPr>
+        <p:txBody>
+          <a:bodyPr/>
+          <a:lstStyle/>
+          <a:p>
+            <a:pPr algn="ctr"/>
+            <a:r>
+              <a:rPr lang="hu-HU" dirty="0" err="1" smtClean="0"/>
+              <a:t>Paintes</a:t>
+            </a:r>
+            <a:r>
+              <a:rPr lang="hu-HU" dirty="0" smtClean="0"/>
+              <a:t> tervek</a:t>
+            </a:r>
+            <a:endParaRPr lang="hu-HU" dirty="0"/>
+          </a:p>
+        </p:txBody>
+      </p:sp>
+      <p:pic>
+        <p:nvPicPr>
+          <p:cNvPr id="7" name="Tartalom helye 6"/>
+          <p:cNvPicPr>
+            <a:picLocks noGrp="1" noChangeAspect="1"/>
+          </p:cNvPicPr>
+          <p:nvPr>
+            <p:ph sz="half" idx="2"/>
+          </p:nvPr>
+        </p:nvPicPr>
+        <p:blipFill rotWithShape="1">
+          <a:blip r:embed="rId2" cstate="print">
+            <a:extLst>
+              <a:ext uri="{28A0092B-C50C-407E-A947-70E740481C1C}">
+                <a14:useLocalDpi xmlns:a14="http://schemas.microsoft.com/office/drawing/2010/main" val="0"/>
+              </a:ext>
+            </a:extLst>
+          </a:blip>
+          <a:srcRect l="5470" t="4515" r="17467" b="3819"/>
+          <a:stretch/>
+        </p:blipFill>
+        <p:spPr>
+          <a:xfrm>
+            <a:off x="1323180" y="2135983"/>
+            <a:ext cx="3566319" cy="4566530"/>
+          </a:xfrm>
+        </p:spPr>
+      </p:pic>
+      <p:sp>
+        <p:nvSpPr>
+          <p:cNvPr id="5" name="Szöveg helye 4"/>
+          <p:cNvSpPr>
+            <a:spLocks noGrp="1"/>
+          </p:cNvSpPr>
+          <p:nvPr>
+            <p:ph type="body" sz="quarter" idx="3"/>
+          </p:nvPr>
+        </p:nvSpPr>
+        <p:spPr>
+          <a:xfrm>
+            <a:off x="6097588" y="1312070"/>
+            <a:ext cx="5183188" cy="823912"/>
+          </a:xfrm>
+        </p:spPr>
+        <p:txBody>
+          <a:bodyPr/>
+          <a:lstStyle/>
+          <a:p>
+            <a:pPr algn="ctr"/>
+            <a:r>
+              <a:rPr lang="hu-HU" dirty="0" err="1" smtClean="0"/>
+              <a:t>Figmás</a:t>
+            </a:r>
+            <a:r>
+              <a:rPr lang="hu-HU" dirty="0" smtClean="0"/>
+              <a:t> tervek</a:t>
+            </a:r>
+            <a:endParaRPr lang="hu-HU" dirty="0"/>
+          </a:p>
+        </p:txBody>
+      </p:sp>
+      <p:pic>
+        <p:nvPicPr>
+          <p:cNvPr id="8" name="Tartalom helye 7"/>
+          <p:cNvPicPr>
+            <a:picLocks noGrp="1" noChangeAspect="1"/>
+          </p:cNvPicPr>
+          <p:nvPr>
+            <p:ph sz="quarter" idx="4"/>
+          </p:nvPr>
+        </p:nvPicPr>
+        <p:blipFill>
+          <a:blip r:embed="rId3">
+            <a:extLst>
+              <a:ext uri="{28A0092B-C50C-407E-A947-70E740481C1C}">
+                <a14:useLocalDpi xmlns:a14="http://schemas.microsoft.com/office/drawing/2010/main" val="0"/>
+              </a:ext>
+            </a:extLst>
+          </a:blip>
+          <a:stretch>
+            <a:fillRect/>
+          </a:stretch>
+        </p:blipFill>
+        <p:spPr>
+          <a:xfrm>
+            <a:off x="7027898" y="2135982"/>
+            <a:ext cx="3830602" cy="4566530"/>
+          </a:xfrm>
+        </p:spPr>
+      </p:pic>
+      <p:pic>
+        <p:nvPicPr>
+          <p:cNvPr id="9" name="Kép 8"/>
+          <p:cNvPicPr>
+            <a:picLocks noChangeAspect="1"/>
+          </p:cNvPicPr>
+          <p:nvPr/>
+        </p:nvPicPr>
+        <p:blipFill rotWithShape="1">
+          <a:blip r:embed="rId4" cstate="print">
+            <a:extLst>
+              <a:ext uri="{28A0092B-C50C-407E-A947-70E740481C1C}">
+                <a14:useLocalDpi xmlns:a14="http://schemas.microsoft.com/office/drawing/2010/main" val="0"/>
+              </a:ext>
+            </a:extLst>
+          </a:blip>
+          <a:srcRect l="4893" t="4259" r="16427" b="2963"/>
+          <a:stretch/>
+        </p:blipFill>
+        <p:spPr>
+          <a:xfrm>
+            <a:off x="1319862" y="2135982"/>
+            <a:ext cx="3566319" cy="4677292"/>
+          </a:xfrm>
+          <a:prstGeom prst="rect">
+            <a:avLst/>
+          </a:prstGeom>
+        </p:spPr>
+      </p:pic>
+      <p:pic>
+        <p:nvPicPr>
+          <p:cNvPr id="10" name="Kép 9"/>
+          <p:cNvPicPr>
+            <a:picLocks noChangeAspect="1"/>
+          </p:cNvPicPr>
+          <p:nvPr/>
+        </p:nvPicPr>
+        <p:blipFill>
+          <a:blip r:embed="rId5">
+            <a:extLst>
+              <a:ext uri="{28A0092B-C50C-407E-A947-70E740481C1C}">
+                <a14:useLocalDpi xmlns:a14="http://schemas.microsoft.com/office/drawing/2010/main" val="0"/>
+              </a:ext>
+            </a:extLst>
+          </a:blip>
+          <a:stretch>
+            <a:fillRect/>
+          </a:stretch>
+        </p:blipFill>
+        <p:spPr>
+          <a:xfrm>
+            <a:off x="7056986" y="2211705"/>
+            <a:ext cx="3801514" cy="4646295"/>
+          </a:xfrm>
+          <a:prstGeom prst="rect">
+            <a:avLst/>
+          </a:prstGeom>
+        </p:spPr>
+      </p:pic>
+      <p:pic>
+        <p:nvPicPr>
+          <p:cNvPr id="11" name="Kép 10"/>
+          <p:cNvPicPr>
+            <a:picLocks noChangeAspect="1"/>
+          </p:cNvPicPr>
+          <p:nvPr/>
+        </p:nvPicPr>
+        <p:blipFill rotWithShape="1">
+          <a:blip r:embed="rId6">
+            <a:extLst>
+              <a:ext uri="{28A0092B-C50C-407E-A947-70E740481C1C}">
+                <a14:useLocalDpi xmlns:a14="http://schemas.microsoft.com/office/drawing/2010/main" val="0"/>
+              </a:ext>
+            </a:extLst>
+          </a:blip>
+          <a:srcRect l="4931" t="7179" r="16787" b="8153"/>
+          <a:stretch/>
+        </p:blipFill>
+        <p:spPr>
+          <a:xfrm>
+            <a:off x="377764" y="3748710"/>
+            <a:ext cx="6184979" cy="4040188"/>
+          </a:xfrm>
+          <a:prstGeom prst="rect">
+            <a:avLst/>
+          </a:prstGeom>
+        </p:spPr>
+      </p:pic>
+      <p:pic>
+        <p:nvPicPr>
+          <p:cNvPr id="12" name="Kép 11"/>
+          <p:cNvPicPr>
+            <a:picLocks noChangeAspect="1"/>
+          </p:cNvPicPr>
+          <p:nvPr/>
+        </p:nvPicPr>
+        <p:blipFill>
+          <a:blip r:embed="rId7">
+            <a:extLst>
+              <a:ext uri="{28A0092B-C50C-407E-A947-70E740481C1C}">
+                <a14:useLocalDpi xmlns:a14="http://schemas.microsoft.com/office/drawing/2010/main" val="0"/>
+              </a:ext>
+            </a:extLst>
+          </a:blip>
+          <a:stretch>
+            <a:fillRect/>
+          </a:stretch>
+        </p:blipFill>
+        <p:spPr>
+          <a:xfrm>
+            <a:off x="6784929" y="3748710"/>
+            <a:ext cx="4570459" cy="3799538"/>
+          </a:xfrm>
+          <a:prstGeom prst="rect">
+            <a:avLst/>
+          </a:prstGeom>
+        </p:spPr>
+      </p:pic>
+      <p:pic>
+        <p:nvPicPr>
+          <p:cNvPr id="13" name="Kép 12"/>
+          <p:cNvPicPr>
+            <a:picLocks noChangeAspect="1"/>
+          </p:cNvPicPr>
+          <p:nvPr/>
+        </p:nvPicPr>
+        <p:blipFill rotWithShape="1">
+          <a:blip r:embed="rId8">
+            <a:extLst>
+              <a:ext uri="{28A0092B-C50C-407E-A947-70E740481C1C}">
+                <a14:useLocalDpi xmlns:a14="http://schemas.microsoft.com/office/drawing/2010/main" val="0"/>
+              </a:ext>
+            </a:extLst>
+          </a:blip>
+          <a:srcRect l="3656" t="4815" r="15979" b="10185"/>
+          <a:stretch/>
+        </p:blipFill>
+        <p:spPr>
+          <a:xfrm>
+            <a:off x="721771" y="6533550"/>
+            <a:ext cx="4762500" cy="4721355"/>
+          </a:xfrm>
+          <a:prstGeom prst="rect">
+            <a:avLst/>
+          </a:prstGeom>
+        </p:spPr>
+      </p:pic>
+      <p:pic>
+        <p:nvPicPr>
+          <p:cNvPr id="14" name="Kép 13"/>
+          <p:cNvPicPr>
+            <a:picLocks noChangeAspect="1"/>
+          </p:cNvPicPr>
+          <p:nvPr/>
+        </p:nvPicPr>
+        <p:blipFill>
+          <a:blip r:embed="rId9">
+            <a:extLst>
+              <a:ext uri="{28A0092B-C50C-407E-A947-70E740481C1C}">
+                <a14:useLocalDpi xmlns:a14="http://schemas.microsoft.com/office/drawing/2010/main" val="0"/>
+              </a:ext>
+            </a:extLst>
+          </a:blip>
+          <a:stretch>
+            <a:fillRect/>
+          </a:stretch>
+        </p:blipFill>
+        <p:spPr>
+          <a:xfrm>
+            <a:off x="7907253" y="4717455"/>
+            <a:ext cx="2733190" cy="4860702"/>
+          </a:xfrm>
+          <a:prstGeom prst="rect">
+            <a:avLst/>
+          </a:prstGeom>
+        </p:spPr>
+      </p:pic>
+    </p:spTree>
+    <p:extLst>
+      <p:ext uri="{BB962C8B-B14F-4D97-AF65-F5344CB8AC3E}">
+        <p14:creationId xmlns:p14="http://schemas.microsoft.com/office/powerpoint/2010/main" val="1216232884"/>
+      </p:ext>
+    </p:extLst>
+  </p:cSld>
+  <p:clrMapOvr>
+    <a:masterClrMapping/>
+  </p:clrMapOvr>
+  <p:timing>
+    <p:tnLst>
+      <p:par>
+        <p:cTn id="1" dur="indefinite" restart="never" nodeType="tmRoot">
+          <p:childTnLst>
+            <p:seq concurrent="1" nextAc="seek">
+              <p:cTn id="2" dur="indefinite" nodeType="mainSeq">
+                <p:childTnLst>
+                  <p:par>
+                    <p:cTn id="3" fill="hold">
+                      <p:stCondLst>
+                        <p:cond delay="indefinite"/>
+                      </p:stCondLst>
+                      <p:childTnLst>
+                        <p:par>
+                          <p:cTn id="4" fill="hold">
+                            <p:stCondLst>
+                              <p:cond delay="0"/>
+                            </p:stCondLst>
+                            <p:childTnLst>
+                              <p:par>
+                                <p:cTn id="5" presetID="1" presetClass="entr" presetSubtype="0" fill="hold" nodeType="clickEffect">
+                                  <p:stCondLst>
+                                    <p:cond delay="0"/>
+                                  </p:stCondLst>
+                                  <p:childTnLst>
+                                    <p:set>
+                                      <p:cBhvr>
+                                        <p:cTn id="6" dur="1" fill="hold">
+                                          <p:stCondLst>
+                                            <p:cond delay="0"/>
+                                          </p:stCondLst>
+                                        </p:cTn>
+                                        <p:tgtEl>
+                                          <p:spTgt spid="10"/>
+                                        </p:tgtEl>
+                                        <p:attrNameLst>
+                                          <p:attrName>style.visibility</p:attrName>
+                                        </p:attrNameLst>
+                                      </p:cBhvr>
+                                      <p:to>
+                                        <p:strVal val="visible"/>
+                                      </p:to>
+                                    </p:set>
+                                  </p:childTnLst>
+                                </p:cTn>
+                              </p:par>
+                              <p:par>
+                                <p:cTn id="7" presetID="1" presetClass="entr" presetSubtype="0" fill="hold" nodeType="withEffect">
+                                  <p:stCondLst>
+                                    <p:cond delay="0"/>
+                                  </p:stCondLst>
+                                  <p:childTnLst>
+                                    <p:set>
+                                      <p:cBhvr>
+                                        <p:cTn id="8" dur="1" fill="hold">
+                                          <p:stCondLst>
+                                            <p:cond delay="0"/>
+                                          </p:stCondLst>
+                                        </p:cTn>
+                                        <p:tgtEl>
+                                          <p:spTgt spid="9"/>
+                                        </p:tgtEl>
+                                        <p:attrNameLst>
+                                          <p:attrName>style.visibility</p:attrName>
+                                        </p:attrNameLst>
+                                      </p:cBhvr>
+                                      <p:to>
+                                        <p:strVal val="visible"/>
+                                      </p:to>
+                                    </p:set>
+                                  </p:childTnLst>
+                                </p:cTn>
+                              </p:par>
+                              <p:par>
+                                <p:cTn id="9" presetID="1" presetClass="exit" presetSubtype="0" fill="hold" nodeType="withEffect">
+                                  <p:stCondLst>
+                                    <p:cond delay="0"/>
+                                  </p:stCondLst>
+                                  <p:childTnLst>
+                                    <p:set>
+                                      <p:cBhvr>
+                                        <p:cTn id="10" dur="1" fill="hold">
+                                          <p:stCondLst>
+                                            <p:cond delay="0"/>
+                                          </p:stCondLst>
+                                        </p:cTn>
+                                        <p:tgtEl>
+                                          <p:spTgt spid="9"/>
+                                        </p:tgtEl>
+                                        <p:attrNameLst>
+                                          <p:attrName>style.visibility</p:attrName>
+                                        </p:attrNameLst>
+                                      </p:cBhvr>
+                                      <p:to>
+                                        <p:strVal val="hidden"/>
+                                      </p:to>
+                                    </p:set>
+                                  </p:childTnLst>
+                                </p:cTn>
+                              </p:par>
+                              <p:par>
+                                <p:cTn id="11" presetID="1" presetClass="exit" presetSubtype="0" fill="hold" nodeType="withEffect">
+                                  <p:stCondLst>
+                                    <p:cond delay="0"/>
+                                  </p:stCondLst>
+                                  <p:childTnLst>
+                                    <p:set>
+                                      <p:cBhvr>
+                                        <p:cTn id="12" dur="1" fill="hold">
+                                          <p:stCondLst>
+                                            <p:cond delay="0"/>
+                                          </p:stCondLst>
+                                        </p:cTn>
+                                        <p:tgtEl>
+                                          <p:spTgt spid="10"/>
+                                        </p:tgtEl>
+                                        <p:attrNameLst>
+                                          <p:attrName>style.visibility</p:attrName>
+                                        </p:attrNameLst>
+                                      </p:cBhvr>
+                                      <p:to>
+                                        <p:strVal val="hidden"/>
+                                      </p:to>
+                                    </p:set>
+                                  </p:childTnLst>
+                                </p:cTn>
+                              </p:par>
+                              <p:par>
+                                <p:cTn id="13" presetID="1" presetClass="entr" presetSubtype="0" fill="hold" nodeType="withEffect">
+                                  <p:stCondLst>
+                                    <p:cond delay="0"/>
+                                  </p:stCondLst>
+                                  <p:childTnLst>
+                                    <p:set>
+                                      <p:cBhvr>
+                                        <p:cTn id="14" dur="1" fill="hold">
+                                          <p:stCondLst>
+                                            <p:cond delay="0"/>
+                                          </p:stCondLst>
+                                        </p:cTn>
+                                        <p:tgtEl>
+                                          <p:spTgt spid="11"/>
+                                        </p:tgtEl>
+                                        <p:attrNameLst>
+                                          <p:attrName>style.visibility</p:attrName>
+                                        </p:attrNameLst>
+                                      </p:cBhvr>
+                                      <p:to>
+                                        <p:strVal val="visible"/>
+                                      </p:to>
+                                    </p:set>
+                                  </p:childTnLst>
+                                </p:cTn>
+                              </p:par>
+                              <p:par>
+                                <p:cTn id="15" presetID="1" presetClass="entr" presetSubtype="0" fill="hold" nodeType="withEffect">
+                                  <p:stCondLst>
+                                    <p:cond delay="0"/>
+                                  </p:stCondLst>
+                                  <p:childTnLst>
+                                    <p:set>
+                                      <p:cBhvr>
+                                        <p:cTn id="16" dur="1" fill="hold">
+                                          <p:stCondLst>
+                                            <p:cond delay="0"/>
+                                          </p:stCondLst>
+                                        </p:cTn>
+                                        <p:tgtEl>
+                                          <p:spTgt spid="12"/>
+                                        </p:tgtEl>
+                                        <p:attrNameLst>
+                                          <p:attrName>style.visibility</p:attrName>
+                                        </p:attrNameLst>
+                                      </p:cBhvr>
+                                      <p:to>
+                                        <p:strVal val="visible"/>
+                                      </p:to>
+                                    </p:set>
+                                  </p:childTnLst>
+                                </p:cTn>
+                              </p:par>
+                              <p:par>
+                                <p:cTn id="17" presetID="1" presetClass="exit" presetSubtype="0" fill="hold" nodeType="withEffect">
+                                  <p:stCondLst>
+                                    <p:cond delay="0"/>
+                                  </p:stCondLst>
+                                  <p:childTnLst>
+                                    <p:set>
+                                      <p:cBhvr>
+                                        <p:cTn id="18" dur="1" fill="hold">
+                                          <p:stCondLst>
+                                            <p:cond delay="0"/>
+                                          </p:stCondLst>
+                                        </p:cTn>
+                                        <p:tgtEl>
+                                          <p:spTgt spid="11"/>
+                                        </p:tgtEl>
+                                        <p:attrNameLst>
+                                          <p:attrName>style.visibility</p:attrName>
+                                        </p:attrNameLst>
+                                      </p:cBhvr>
+                                      <p:to>
+                                        <p:strVal val="hidden"/>
+                                      </p:to>
+                                    </p:set>
+                                  </p:childTnLst>
+                                </p:cTn>
+                              </p:par>
+                              <p:par>
+                                <p:cTn id="19" presetID="1" presetClass="exit" presetSubtype="0" fill="hold" nodeType="withEffect">
+                                  <p:stCondLst>
+                                    <p:cond delay="0"/>
+                                  </p:stCondLst>
+                                  <p:childTnLst>
+                                    <p:set>
+                                      <p:cBhvr>
+                                        <p:cTn id="20" dur="1" fill="hold">
+                                          <p:stCondLst>
+                                            <p:cond delay="0"/>
+                                          </p:stCondLst>
+                                        </p:cTn>
+                                        <p:tgtEl>
+                                          <p:spTgt spid="12"/>
+                                        </p:tgtEl>
+                                        <p:attrNameLst>
+                                          <p:attrName>style.visibility</p:attrName>
+                                        </p:attrNameLst>
+                                      </p:cBhvr>
+                                      <p:to>
+                                        <p:strVal val="hidden"/>
+                                      </p:to>
+                                    </p:set>
+                                  </p:childTnLst>
+                                </p:cTn>
+                              </p:par>
+                              <p:par>
+                                <p:cTn id="21" presetID="1" presetClass="entr" presetSubtype="0" fill="hold" nodeType="withEffect">
+                                  <p:stCondLst>
+                                    <p:cond delay="0"/>
+                                  </p:stCondLst>
+                                  <p:childTnLst>
+                                    <p:set>
+                                      <p:cBhvr>
+                                        <p:cTn id="22" dur="1" fill="hold">
+                                          <p:stCondLst>
+                                            <p:cond delay="0"/>
+                                          </p:stCondLst>
+                                        </p:cTn>
+                                        <p:tgtEl>
+                                          <p:spTgt spid="13"/>
+                                        </p:tgtEl>
+                                        <p:attrNameLst>
+                                          <p:attrName>style.visibility</p:attrName>
+                                        </p:attrNameLst>
+                                      </p:cBhvr>
+                                      <p:to>
+                                        <p:strVal val="visible"/>
+                                      </p:to>
+                                    </p:set>
+                                  </p:childTnLst>
+                                </p:cTn>
+                              </p:par>
+                              <p:par>
+                                <p:cTn id="23" presetID="1" presetClass="entr" presetSubtype="0" fill="hold" nodeType="withEffect">
+                                  <p:stCondLst>
+                                    <p:cond delay="0"/>
+                                  </p:stCondLst>
+                                  <p:childTnLst>
+                                    <p:set>
+                                      <p:cBhvr>
+                                        <p:cTn id="24" dur="1" fill="hold">
+                                          <p:stCondLst>
+                                            <p:cond delay="0"/>
+                                          </p:stCondLst>
+                                        </p:cTn>
+                                        <p:tgtEl>
+                                          <p:spTgt spid="14"/>
+                                        </p:tgtEl>
+                                        <p:attrNameLst>
+                                          <p:attrName>style.visibility</p:attrName>
+                                        </p:attrNameLst>
+                                      </p:cBhvr>
+                                      <p:to>
+                                        <p:strVal val="visible"/>
+                                      </p:to>
+                                    </p:set>
+                                  </p:childTnLst>
+                                </p:cTn>
+                              </p:par>
+                            </p:childTnLst>
+                          </p:cTn>
+                        </p:par>
+                      </p:childTnLst>
+                    </p:cTn>
+                  </p:par>
+                </p:childTnLst>
+              </p:cTn>
+              <p:prevCondLst>
+                <p:cond evt="onPrev" delay="0">
+                  <p:tgtEl>
+                    <p:sldTgt/>
+                  </p:tgtEl>
+                </p:cond>
+              </p:prevCondLst>
+              <p:nextCondLst>
+                <p:cond evt="onNext" delay="0">
+                  <p:tgtEl>
+                    <p:sldTgt/>
+                  </p:tgtEl>
+                </p:cond>
+              </p:nextCondLst>
+            </p:seq>
+          </p:childTnLst>
+        </p:cTn>
+      </p:par>
+    </p:tnLst>
+  </p:timing>
+</p:sld>
+</file>
+
+<file path=ppt/slides/slide8.xml><?xml version="1.0" encoding="utf-8"?>
+<p:sld xmlns:a="http://schemas.openxmlformats.org/drawingml/2006/main" xmlns:r="http://schemas.openxmlformats.org/officeDocument/2006/relationships" xmlns:p="http://schemas.openxmlformats.org/presentationml/2006/main">
+  <p:cSld>
+    <p:spTree>
+      <p:nvGrpSpPr>
+        <p:cNvPr id="1" name=""/>
+        <p:cNvGrpSpPr/>
+        <p:nvPr/>
+      </p:nvGrpSpPr>
+      <p:grpSpPr>
+        <a:xfrm>
+          <a:off x="0" y="0"/>
+          <a:ext cx="0" cy="0"/>
+          <a:chOff x="0" y="0"/>
+          <a:chExt cx="0" cy="0"/>
+        </a:xfrm>
+      </p:grpSpPr>
+      <p:sp>
+        <p:nvSpPr>
+          <p:cNvPr id="2" name="Cím 1"/>
+          <p:cNvSpPr>
+            <a:spLocks noGrp="1"/>
+          </p:cNvSpPr>
+          <p:nvPr>
+            <p:ph type="title"/>
+          </p:nvPr>
+        </p:nvSpPr>
+        <p:spPr>
+          <a:xfrm>
+            <a:off x="939800" y="2745468"/>
+            <a:ext cx="10515600" cy="1325563"/>
+          </a:xfrm>
+        </p:spPr>
+        <p:txBody>
+          <a:bodyPr>
+            <a:normAutofit/>
+          </a:bodyPr>
+          <a:lstStyle/>
+          <a:p>
+            <a:pPr algn="ctr"/>
+            <a:r>
+              <a:rPr lang="hu-HU" sz="8000" b="1" cap="small" dirty="0" smtClean="0">
+                <a:solidFill>
+                  <a:srgbClr val="FFB562"/>
+                </a:solidFill>
+                <a:latin typeface="Arial" panose="020B0604020202020204" pitchFamily="34" charset="0"/>
+                <a:cs typeface="Arial" panose="020B0604020202020204" pitchFamily="34" charset="0"/>
+              </a:rPr>
+              <a:t>A projekt felépítése</a:t>
+            </a:r>
+            <a:endParaRPr lang="hu-HU" sz="8000" b="1" cap="small" dirty="0">
+              <a:solidFill>
+                <a:srgbClr val="FFB562"/>
+              </a:solidFill>
+              <a:latin typeface="Arial" panose="020B0604020202020204" pitchFamily="34" charset="0"/>
+              <a:cs typeface="Arial" panose="020B0604020202020204" pitchFamily="34" charset="0"/>
+            </a:endParaRPr>
+          </a:p>
+        </p:txBody>
+      </p:sp>
+    </p:spTree>
+    <p:extLst>
+      <p:ext uri="{BB962C8B-B14F-4D97-AF65-F5344CB8AC3E}">
+        <p14:creationId xmlns:p14="http://schemas.microsoft.com/office/powerpoint/2010/main" val="3910073332"/>
+      </p:ext>
+    </p:extLst>
+  </p:cSld>
+  <p:clrMapOvr>
+    <a:masterClrMapping/>
+  </p:clrMapOvr>
+  <p:timing>
+    <p:tnLst>
+      <p:par>
+        <p:cTn id="1" dur="indefinite" restart="never" nodeType="tmRoot"/>
+      </p:par>
+    </p:tnLst>
+  </p:timing>
+</p:sld>
+</file>
+
+<file path=ppt/slides/slide9.xml><?xml version="1.0" encoding="utf-8"?>
+<p:sld xmlns:a="http://schemas.openxmlformats.org/drawingml/2006/main" xmlns:r="http://schemas.openxmlformats.org/officeDocument/2006/relationships" xmlns:p="http://schemas.openxmlformats.org/presentationml/2006/main">
+  <p:cSld>
+    <p:spTree>
+      <p:nvGrpSpPr>
+        <p:cNvPr id="1" name=""/>
+        <p:cNvGrpSpPr/>
+        <p:nvPr/>
+      </p:nvGrpSpPr>
+      <p:grpSpPr>
+        <a:xfrm>
+          <a:off x="0" y="0"/>
+          <a:ext cx="0" cy="0"/>
+          <a:chOff x="0" y="0"/>
+          <a:chExt cx="0" cy="0"/>
+        </a:xfrm>
+      </p:grpSpPr>
+      <p:sp>
+        <p:nvSpPr>
+          <p:cNvPr id="2" name="Cím 1"/>
+          <p:cNvSpPr>
+            <a:spLocks noGrp="1"/>
+          </p:cNvSpPr>
+          <p:nvPr>
+            <p:ph type="title"/>
+          </p:nvPr>
+        </p:nvSpPr>
+        <p:spPr>
+          <a:xfrm>
+            <a:off x="809171" y="595085"/>
+            <a:ext cx="10515600" cy="776288"/>
+          </a:xfrm>
+        </p:spPr>
+        <p:txBody>
+          <a:bodyPr>
+            <a:normAutofit/>
+          </a:bodyPr>
+          <a:lstStyle/>
+          <a:p>
+            <a:pPr algn="ctr"/>
+            <a:r>
+              <a:rPr lang="hu-HU" b="1" cap="small" dirty="0" smtClean="0">
+                <a:solidFill>
+                  <a:srgbClr val="FFB562"/>
+                </a:solidFill>
+                <a:latin typeface="Arial" panose="020B0604020202020204" pitchFamily="34" charset="0"/>
+                <a:cs typeface="Arial" panose="020B0604020202020204" pitchFamily="34" charset="0"/>
+              </a:rPr>
+              <a:t>Főoldal</a:t>
+            </a:r>
+            <a:endParaRPr lang="hu-HU" b="1" cap="small" dirty="0">
+              <a:solidFill>
+                <a:srgbClr val="FFB562"/>
+              </a:solidFill>
+              <a:latin typeface="Arial" panose="020B0604020202020204" pitchFamily="34" charset="0"/>
+              <a:cs typeface="Arial" panose="020B0604020202020204" pitchFamily="34" charset="0"/>
+            </a:endParaRPr>
+          </a:p>
+        </p:txBody>
+      </p:sp>
+      <p:sp>
+        <p:nvSpPr>
+          <p:cNvPr id="3" name="Tartalom helye 2"/>
+          <p:cNvSpPr>
+            <a:spLocks noGrp="1"/>
+          </p:cNvSpPr>
+          <p:nvPr>
+            <p:ph idx="1"/>
+          </p:nvPr>
+        </p:nvSpPr>
+        <p:spPr/>
+        <p:txBody>
+          <a:bodyPr/>
+          <a:lstStyle/>
+          <a:p>
+            <a:endParaRPr lang="hu-HU"/>
+          </a:p>
+        </p:txBody>
+      </p:sp>
+    </p:spTree>
+    <p:extLst>
+      <p:ext uri="{BB962C8B-B14F-4D97-AF65-F5344CB8AC3E}">
+        <p14:creationId xmlns:p14="http://schemas.microsoft.com/office/powerpoint/2010/main" val="97081689"/>
+      </p:ext>
+    </p:extLst>
+  </p:cSld>
+  <p:clrMapOvr>
+    <a:masterClrMapping/>
+  </p:clrMapOvr>
+  <mc:AlternateContent xmlns:mc="http://schemas.openxmlformats.org/markup-compatibility/2006" xmlns:p14="http://schemas.microsoft.com/office/powerpoint/2010/main">
+    <mc:Choice Requires="p14">
+      <p:transition p14:dur="0"/>
+    </mc:Choice>
+    <mc:Fallback xmlns="">
       <p:transition/>
     </mc:Fallback>
   </mc:AlternateContent>

--- a/ikt projektfeladat.pptx
+++ b/ikt projektfeladat.pptx
@@ -17,6 +17,12 @@
     <p:sldId id="263" r:id="rId11"/>
     <p:sldId id="264" r:id="rId12"/>
     <p:sldId id="265" r:id="rId13"/>
+    <p:sldId id="272" r:id="rId14"/>
+    <p:sldId id="268" r:id="rId15"/>
+    <p:sldId id="269" r:id="rId16"/>
+    <p:sldId id="270" r:id="rId17"/>
+    <p:sldId id="271" r:id="rId18"/>
+    <p:sldId id="273" r:id="rId19"/>
   </p:sldIdLst>
   <p:sldSz cx="12192000" cy="6858000"/>
   <p:notesSz cx="6858000" cy="9144000"/>
@@ -165,7 +171,7 @@
           </a:lstStyle>
           <a:p>
             <a:r>
-              <a:rPr lang="hu-HU" smtClean="0"/>
+              <a:rPr lang="hu-HU"/>
               <a:t>Mintacím szerkesztése</a:t>
             </a:r>
             <a:endParaRPr lang="en-US" dirty="0"/>
@@ -230,7 +236,7 @@
           </a:lstStyle>
           <a:p>
             <a:r>
-              <a:rPr lang="hu-HU" smtClean="0"/>
+              <a:rPr lang="hu-HU"/>
               <a:t>Kattintson ide az alcím mintájának szerkesztéséhez</a:t>
             </a:r>
             <a:endParaRPr lang="en-US" dirty="0"/>
@@ -254,7 +260,7 @@
           <a:p>
             <a:fld id="{38C4BF85-5AB0-4169-A990-10DF94846CFA}" type="datetimeFigureOut">
               <a:rPr lang="hu-HU" smtClean="0"/>
-              <a:t>2023.02.03.</a:t>
+              <a:t>2023. 02. 06.</a:t>
             </a:fld>
             <a:endParaRPr lang="hu-HU"/>
           </a:p>
@@ -348,7 +354,7 @@
           <a:lstStyle/>
           <a:p>
             <a:r>
-              <a:rPr lang="hu-HU" smtClean="0"/>
+              <a:rPr lang="hu-HU"/>
               <a:t>Mintacím szerkesztése</a:t>
             </a:r>
             <a:endParaRPr lang="en-US" dirty="0"/>
@@ -372,35 +378,35 @@
           <a:p>
             <a:pPr lvl="0"/>
             <a:r>
-              <a:rPr lang="hu-HU" smtClean="0"/>
+              <a:rPr lang="hu-HU"/>
               <a:t>Mintaszöveg szerkesztése</a:t>
             </a:r>
           </a:p>
           <a:p>
             <a:pPr lvl="1"/>
             <a:r>
-              <a:rPr lang="hu-HU" smtClean="0"/>
+              <a:rPr lang="hu-HU"/>
               <a:t>Második szint</a:t>
             </a:r>
           </a:p>
           <a:p>
             <a:pPr lvl="2"/>
             <a:r>
-              <a:rPr lang="hu-HU" smtClean="0"/>
+              <a:rPr lang="hu-HU"/>
               <a:t>Harmadik szint</a:t>
             </a:r>
           </a:p>
           <a:p>
             <a:pPr lvl="3"/>
             <a:r>
-              <a:rPr lang="hu-HU" smtClean="0"/>
+              <a:rPr lang="hu-HU"/>
               <a:t>Negyedik szint</a:t>
             </a:r>
           </a:p>
           <a:p>
             <a:pPr lvl="4"/>
             <a:r>
-              <a:rPr lang="hu-HU" smtClean="0"/>
+              <a:rPr lang="hu-HU"/>
               <a:t>Ötödik szint</a:t>
             </a:r>
             <a:endParaRPr lang="en-US" dirty="0"/>
@@ -424,7 +430,7 @@
           <a:p>
             <a:fld id="{38C4BF85-5AB0-4169-A990-10DF94846CFA}" type="datetimeFigureOut">
               <a:rPr lang="hu-HU" smtClean="0"/>
-              <a:t>2023.02.03.</a:t>
+              <a:t>2023. 02. 06.</a:t>
             </a:fld>
             <a:endParaRPr lang="hu-HU"/>
           </a:p>
@@ -523,7 +529,7 @@
           <a:lstStyle/>
           <a:p>
             <a:r>
-              <a:rPr lang="hu-HU" smtClean="0"/>
+              <a:rPr lang="hu-HU"/>
               <a:t>Mintacím szerkesztése</a:t>
             </a:r>
             <a:endParaRPr lang="en-US" dirty="0"/>
@@ -552,35 +558,35 @@
           <a:p>
             <a:pPr lvl="0"/>
             <a:r>
-              <a:rPr lang="hu-HU" smtClean="0"/>
+              <a:rPr lang="hu-HU"/>
               <a:t>Mintaszöveg szerkesztése</a:t>
             </a:r>
           </a:p>
           <a:p>
             <a:pPr lvl="1"/>
             <a:r>
-              <a:rPr lang="hu-HU" smtClean="0"/>
+              <a:rPr lang="hu-HU"/>
               <a:t>Második szint</a:t>
             </a:r>
           </a:p>
           <a:p>
             <a:pPr lvl="2"/>
             <a:r>
-              <a:rPr lang="hu-HU" smtClean="0"/>
+              <a:rPr lang="hu-HU"/>
               <a:t>Harmadik szint</a:t>
             </a:r>
           </a:p>
           <a:p>
             <a:pPr lvl="3"/>
             <a:r>
-              <a:rPr lang="hu-HU" smtClean="0"/>
+              <a:rPr lang="hu-HU"/>
               <a:t>Negyedik szint</a:t>
             </a:r>
           </a:p>
           <a:p>
             <a:pPr lvl="4"/>
             <a:r>
-              <a:rPr lang="hu-HU" smtClean="0"/>
+              <a:rPr lang="hu-HU"/>
               <a:t>Ötödik szint</a:t>
             </a:r>
             <a:endParaRPr lang="en-US" dirty="0"/>
@@ -604,7 +610,7 @@
           <a:p>
             <a:fld id="{38C4BF85-5AB0-4169-A990-10DF94846CFA}" type="datetimeFigureOut">
               <a:rPr lang="hu-HU" smtClean="0"/>
-              <a:t>2023.02.03.</a:t>
+              <a:t>2023. 02. 06.</a:t>
             </a:fld>
             <a:endParaRPr lang="hu-HU"/>
           </a:p>
@@ -698,7 +704,7 @@
           <a:lstStyle/>
           <a:p>
             <a:r>
-              <a:rPr lang="hu-HU" smtClean="0"/>
+              <a:rPr lang="hu-HU"/>
               <a:t>Mintacím szerkesztése</a:t>
             </a:r>
             <a:endParaRPr lang="en-US" dirty="0"/>
@@ -722,35 +728,35 @@
           <a:p>
             <a:pPr lvl="0"/>
             <a:r>
-              <a:rPr lang="hu-HU" smtClean="0"/>
+              <a:rPr lang="hu-HU"/>
               <a:t>Mintaszöveg szerkesztése</a:t>
             </a:r>
           </a:p>
           <a:p>
             <a:pPr lvl="1"/>
             <a:r>
-              <a:rPr lang="hu-HU" smtClean="0"/>
+              <a:rPr lang="hu-HU"/>
               <a:t>Második szint</a:t>
             </a:r>
           </a:p>
           <a:p>
             <a:pPr lvl="2"/>
             <a:r>
-              <a:rPr lang="hu-HU" smtClean="0"/>
+              <a:rPr lang="hu-HU"/>
               <a:t>Harmadik szint</a:t>
             </a:r>
           </a:p>
           <a:p>
             <a:pPr lvl="3"/>
             <a:r>
-              <a:rPr lang="hu-HU" smtClean="0"/>
+              <a:rPr lang="hu-HU"/>
               <a:t>Negyedik szint</a:t>
             </a:r>
           </a:p>
           <a:p>
             <a:pPr lvl="4"/>
             <a:r>
-              <a:rPr lang="hu-HU" smtClean="0"/>
+              <a:rPr lang="hu-HU"/>
               <a:t>Ötödik szint</a:t>
             </a:r>
             <a:endParaRPr lang="en-US" dirty="0"/>
@@ -774,7 +780,7 @@
           <a:p>
             <a:fld id="{38C4BF85-5AB0-4169-A990-10DF94846CFA}" type="datetimeFigureOut">
               <a:rPr lang="hu-HU" smtClean="0"/>
-              <a:t>2023.02.03.</a:t>
+              <a:t>2023. 02. 06.</a:t>
             </a:fld>
             <a:endParaRPr lang="hu-HU"/>
           </a:p>
@@ -877,7 +883,7 @@
           </a:lstStyle>
           <a:p>
             <a:r>
-              <a:rPr lang="hu-HU" smtClean="0"/>
+              <a:rPr lang="hu-HU"/>
               <a:t>Mintacím szerkesztése</a:t>
             </a:r>
             <a:endParaRPr lang="en-US" dirty="0"/>
@@ -997,7 +1003,7 @@
           <a:p>
             <a:pPr lvl="0"/>
             <a:r>
-              <a:rPr lang="hu-HU" smtClean="0"/>
+              <a:rPr lang="hu-HU"/>
               <a:t>Mintaszöveg szerkesztése</a:t>
             </a:r>
           </a:p>
@@ -1020,7 +1026,7 @@
           <a:p>
             <a:fld id="{38C4BF85-5AB0-4169-A990-10DF94846CFA}" type="datetimeFigureOut">
               <a:rPr lang="hu-HU" smtClean="0"/>
-              <a:t>2023.02.03.</a:t>
+              <a:t>2023. 02. 06.</a:t>
             </a:fld>
             <a:endParaRPr lang="hu-HU"/>
           </a:p>
@@ -1114,7 +1120,7 @@
           <a:lstStyle/>
           <a:p>
             <a:r>
-              <a:rPr lang="hu-HU" smtClean="0"/>
+              <a:rPr lang="hu-HU"/>
               <a:t>Mintacím szerkesztése</a:t>
             </a:r>
             <a:endParaRPr lang="en-US" dirty="0"/>
@@ -1143,35 +1149,35 @@
           <a:p>
             <a:pPr lvl="0"/>
             <a:r>
-              <a:rPr lang="hu-HU" smtClean="0"/>
+              <a:rPr lang="hu-HU"/>
               <a:t>Mintaszöveg szerkesztése</a:t>
             </a:r>
           </a:p>
           <a:p>
             <a:pPr lvl="1"/>
             <a:r>
-              <a:rPr lang="hu-HU" smtClean="0"/>
+              <a:rPr lang="hu-HU"/>
               <a:t>Második szint</a:t>
             </a:r>
           </a:p>
           <a:p>
             <a:pPr lvl="2"/>
             <a:r>
-              <a:rPr lang="hu-HU" smtClean="0"/>
+              <a:rPr lang="hu-HU"/>
               <a:t>Harmadik szint</a:t>
             </a:r>
           </a:p>
           <a:p>
             <a:pPr lvl="3"/>
             <a:r>
-              <a:rPr lang="hu-HU" smtClean="0"/>
+              <a:rPr lang="hu-HU"/>
               <a:t>Negyedik szint</a:t>
             </a:r>
           </a:p>
           <a:p>
             <a:pPr lvl="4"/>
             <a:r>
-              <a:rPr lang="hu-HU" smtClean="0"/>
+              <a:rPr lang="hu-HU"/>
               <a:t>Ötödik szint</a:t>
             </a:r>
             <a:endParaRPr lang="en-US" dirty="0"/>
@@ -1200,35 +1206,35 @@
           <a:p>
             <a:pPr lvl="0"/>
             <a:r>
-              <a:rPr lang="hu-HU" smtClean="0"/>
+              <a:rPr lang="hu-HU"/>
               <a:t>Mintaszöveg szerkesztése</a:t>
             </a:r>
           </a:p>
           <a:p>
             <a:pPr lvl="1"/>
             <a:r>
-              <a:rPr lang="hu-HU" smtClean="0"/>
+              <a:rPr lang="hu-HU"/>
               <a:t>Második szint</a:t>
             </a:r>
           </a:p>
           <a:p>
             <a:pPr lvl="2"/>
             <a:r>
-              <a:rPr lang="hu-HU" smtClean="0"/>
+              <a:rPr lang="hu-HU"/>
               <a:t>Harmadik szint</a:t>
             </a:r>
           </a:p>
           <a:p>
             <a:pPr lvl="3"/>
             <a:r>
-              <a:rPr lang="hu-HU" smtClean="0"/>
+              <a:rPr lang="hu-HU"/>
               <a:t>Negyedik szint</a:t>
             </a:r>
           </a:p>
           <a:p>
             <a:pPr lvl="4"/>
             <a:r>
-              <a:rPr lang="hu-HU" smtClean="0"/>
+              <a:rPr lang="hu-HU"/>
               <a:t>Ötödik szint</a:t>
             </a:r>
             <a:endParaRPr lang="en-US" dirty="0"/>
@@ -1252,7 +1258,7 @@
           <a:p>
             <a:fld id="{38C4BF85-5AB0-4169-A990-10DF94846CFA}" type="datetimeFigureOut">
               <a:rPr lang="hu-HU" smtClean="0"/>
-              <a:t>2023.02.03.</a:t>
+              <a:t>2023. 02. 06.</a:t>
             </a:fld>
             <a:endParaRPr lang="hu-HU"/>
           </a:p>
@@ -1351,7 +1357,7 @@
           <a:lstStyle/>
           <a:p>
             <a:r>
-              <a:rPr lang="hu-HU" smtClean="0"/>
+              <a:rPr lang="hu-HU"/>
               <a:t>Mintacím szerkesztése</a:t>
             </a:r>
             <a:endParaRPr lang="en-US" dirty="0"/>
@@ -1417,7 +1423,7 @@
           <a:p>
             <a:pPr lvl="0"/>
             <a:r>
-              <a:rPr lang="hu-HU" smtClean="0"/>
+              <a:rPr lang="hu-HU"/>
               <a:t>Mintaszöveg szerkesztése</a:t>
             </a:r>
           </a:p>
@@ -1445,35 +1451,35 @@
           <a:p>
             <a:pPr lvl="0"/>
             <a:r>
-              <a:rPr lang="hu-HU" smtClean="0"/>
+              <a:rPr lang="hu-HU"/>
               <a:t>Mintaszöveg szerkesztése</a:t>
             </a:r>
           </a:p>
           <a:p>
             <a:pPr lvl="1"/>
             <a:r>
-              <a:rPr lang="hu-HU" smtClean="0"/>
+              <a:rPr lang="hu-HU"/>
               <a:t>Második szint</a:t>
             </a:r>
           </a:p>
           <a:p>
             <a:pPr lvl="2"/>
             <a:r>
-              <a:rPr lang="hu-HU" smtClean="0"/>
+              <a:rPr lang="hu-HU"/>
               <a:t>Harmadik szint</a:t>
             </a:r>
           </a:p>
           <a:p>
             <a:pPr lvl="3"/>
             <a:r>
-              <a:rPr lang="hu-HU" smtClean="0"/>
+              <a:rPr lang="hu-HU"/>
               <a:t>Negyedik szint</a:t>
             </a:r>
           </a:p>
           <a:p>
             <a:pPr lvl="4"/>
             <a:r>
-              <a:rPr lang="hu-HU" smtClean="0"/>
+              <a:rPr lang="hu-HU"/>
               <a:t>Ötödik szint</a:t>
             </a:r>
             <a:endParaRPr lang="en-US" dirty="0"/>
@@ -1539,7 +1545,7 @@
           <a:p>
             <a:pPr lvl="0"/>
             <a:r>
-              <a:rPr lang="hu-HU" smtClean="0"/>
+              <a:rPr lang="hu-HU"/>
               <a:t>Mintaszöveg szerkesztése</a:t>
             </a:r>
           </a:p>
@@ -1567,35 +1573,35 @@
           <a:p>
             <a:pPr lvl="0"/>
             <a:r>
-              <a:rPr lang="hu-HU" smtClean="0"/>
+              <a:rPr lang="hu-HU"/>
               <a:t>Mintaszöveg szerkesztése</a:t>
             </a:r>
           </a:p>
           <a:p>
             <a:pPr lvl="1"/>
             <a:r>
-              <a:rPr lang="hu-HU" smtClean="0"/>
+              <a:rPr lang="hu-HU"/>
               <a:t>Második szint</a:t>
             </a:r>
           </a:p>
           <a:p>
             <a:pPr lvl="2"/>
             <a:r>
-              <a:rPr lang="hu-HU" smtClean="0"/>
+              <a:rPr lang="hu-HU"/>
               <a:t>Harmadik szint</a:t>
             </a:r>
           </a:p>
           <a:p>
             <a:pPr lvl="3"/>
             <a:r>
-              <a:rPr lang="hu-HU" smtClean="0"/>
+              <a:rPr lang="hu-HU"/>
               <a:t>Negyedik szint</a:t>
             </a:r>
           </a:p>
           <a:p>
             <a:pPr lvl="4"/>
             <a:r>
-              <a:rPr lang="hu-HU" smtClean="0"/>
+              <a:rPr lang="hu-HU"/>
               <a:t>Ötödik szint</a:t>
             </a:r>
             <a:endParaRPr lang="en-US" dirty="0"/>
@@ -1619,7 +1625,7 @@
           <a:p>
             <a:fld id="{38C4BF85-5AB0-4169-A990-10DF94846CFA}" type="datetimeFigureOut">
               <a:rPr lang="hu-HU" smtClean="0"/>
-              <a:t>2023.02.03.</a:t>
+              <a:t>2023. 02. 06.</a:t>
             </a:fld>
             <a:endParaRPr lang="hu-HU"/>
           </a:p>
@@ -1713,7 +1719,7 @@
           <a:lstStyle/>
           <a:p>
             <a:r>
-              <a:rPr lang="hu-HU" smtClean="0"/>
+              <a:rPr lang="hu-HU"/>
               <a:t>Mintacím szerkesztése</a:t>
             </a:r>
             <a:endParaRPr lang="en-US" dirty="0"/>
@@ -1737,7 +1743,7 @@
           <a:p>
             <a:fld id="{38C4BF85-5AB0-4169-A990-10DF94846CFA}" type="datetimeFigureOut">
               <a:rPr lang="hu-HU" smtClean="0"/>
-              <a:t>2023.02.03.</a:t>
+              <a:t>2023. 02. 06.</a:t>
             </a:fld>
             <a:endParaRPr lang="hu-HU"/>
           </a:p>
@@ -1832,7 +1838,7 @@
           <a:p>
             <a:fld id="{38C4BF85-5AB0-4169-A990-10DF94846CFA}" type="datetimeFigureOut">
               <a:rPr lang="hu-HU" smtClean="0"/>
-              <a:t>2023.02.03.</a:t>
+              <a:t>2023. 02. 06.</a:t>
             </a:fld>
             <a:endParaRPr lang="hu-HU"/>
           </a:p>
@@ -1935,7 +1941,7 @@
           </a:lstStyle>
           <a:p>
             <a:r>
-              <a:rPr lang="hu-HU" smtClean="0"/>
+              <a:rPr lang="hu-HU"/>
               <a:t>Mintacím szerkesztése</a:t>
             </a:r>
             <a:endParaRPr lang="en-US" dirty="0"/>
@@ -1992,35 +1998,35 @@
           <a:p>
             <a:pPr lvl="0"/>
             <a:r>
-              <a:rPr lang="hu-HU" smtClean="0"/>
+              <a:rPr lang="hu-HU"/>
               <a:t>Mintaszöveg szerkesztése</a:t>
             </a:r>
           </a:p>
           <a:p>
             <a:pPr lvl="1"/>
             <a:r>
-              <a:rPr lang="hu-HU" smtClean="0"/>
+              <a:rPr lang="hu-HU"/>
               <a:t>Második szint</a:t>
             </a:r>
           </a:p>
           <a:p>
             <a:pPr lvl="2"/>
             <a:r>
-              <a:rPr lang="hu-HU" smtClean="0"/>
+              <a:rPr lang="hu-HU"/>
               <a:t>Harmadik szint</a:t>
             </a:r>
           </a:p>
           <a:p>
             <a:pPr lvl="3"/>
             <a:r>
-              <a:rPr lang="hu-HU" smtClean="0"/>
+              <a:rPr lang="hu-HU"/>
               <a:t>Negyedik szint</a:t>
             </a:r>
           </a:p>
           <a:p>
             <a:pPr lvl="4"/>
             <a:r>
-              <a:rPr lang="hu-HU" smtClean="0"/>
+              <a:rPr lang="hu-HU"/>
               <a:t>Ötödik szint</a:t>
             </a:r>
             <a:endParaRPr lang="en-US" dirty="0"/>
@@ -2086,7 +2092,7 @@
           <a:p>
             <a:pPr lvl="0"/>
             <a:r>
-              <a:rPr lang="hu-HU" smtClean="0"/>
+              <a:rPr lang="hu-HU"/>
               <a:t>Mintaszöveg szerkesztése</a:t>
             </a:r>
           </a:p>
@@ -2109,7 +2115,7 @@
           <a:p>
             <a:fld id="{38C4BF85-5AB0-4169-A990-10DF94846CFA}" type="datetimeFigureOut">
               <a:rPr lang="hu-HU" smtClean="0"/>
-              <a:t>2023.02.03.</a:t>
+              <a:t>2023. 02. 06.</a:t>
             </a:fld>
             <a:endParaRPr lang="hu-HU"/>
           </a:p>
@@ -2212,7 +2218,7 @@
           </a:lstStyle>
           <a:p>
             <a:r>
-              <a:rPr lang="hu-HU" smtClean="0"/>
+              <a:rPr lang="hu-HU"/>
               <a:t>Mintacím szerkesztése</a:t>
             </a:r>
             <a:endParaRPr lang="en-US" dirty="0"/>
@@ -2277,7 +2283,7 @@
           </a:lstStyle>
           <a:p>
             <a:r>
-              <a:rPr lang="hu-HU" smtClean="0"/>
+              <a:rPr lang="hu-HU"/>
               <a:t>Kép beszúrásához kattintson az ikonra</a:t>
             </a:r>
             <a:endParaRPr lang="en-US" dirty="0"/>
@@ -2343,7 +2349,7 @@
           <a:p>
             <a:pPr lvl="0"/>
             <a:r>
-              <a:rPr lang="hu-HU" smtClean="0"/>
+              <a:rPr lang="hu-HU"/>
               <a:t>Mintaszöveg szerkesztése</a:t>
             </a:r>
           </a:p>
@@ -2366,7 +2372,7 @@
           <a:p>
             <a:fld id="{38C4BF85-5AB0-4169-A990-10DF94846CFA}" type="datetimeFigureOut">
               <a:rPr lang="hu-HU" smtClean="0"/>
-              <a:t>2023.02.03.</a:t>
+              <a:t>2023. 02. 06.</a:t>
             </a:fld>
             <a:endParaRPr lang="hu-HU"/>
           </a:p>
@@ -2475,7 +2481,7 @@
           <a:lstStyle/>
           <a:p>
             <a:r>
-              <a:rPr lang="hu-HU" smtClean="0"/>
+              <a:rPr lang="hu-HU"/>
               <a:t>Mintacím szerkesztése</a:t>
             </a:r>
             <a:endParaRPr lang="en-US" dirty="0"/>
@@ -2509,35 +2515,35 @@
           <a:p>
             <a:pPr lvl="0"/>
             <a:r>
-              <a:rPr lang="hu-HU" smtClean="0"/>
+              <a:rPr lang="hu-HU"/>
               <a:t>Mintaszöveg szerkesztése</a:t>
             </a:r>
           </a:p>
           <a:p>
             <a:pPr lvl="1"/>
             <a:r>
-              <a:rPr lang="hu-HU" smtClean="0"/>
+              <a:rPr lang="hu-HU"/>
               <a:t>Második szint</a:t>
             </a:r>
           </a:p>
           <a:p>
             <a:pPr lvl="2"/>
             <a:r>
-              <a:rPr lang="hu-HU" smtClean="0"/>
+              <a:rPr lang="hu-HU"/>
               <a:t>Harmadik szint</a:t>
             </a:r>
           </a:p>
           <a:p>
             <a:pPr lvl="3"/>
             <a:r>
-              <a:rPr lang="hu-HU" smtClean="0"/>
+              <a:rPr lang="hu-HU"/>
               <a:t>Negyedik szint</a:t>
             </a:r>
           </a:p>
           <a:p>
             <a:pPr lvl="4"/>
             <a:r>
-              <a:rPr lang="hu-HU" smtClean="0"/>
+              <a:rPr lang="hu-HU"/>
               <a:t>Ötödik szint</a:t>
             </a:r>
             <a:endParaRPr lang="en-US" dirty="0"/>
@@ -2579,7 +2585,7 @@
           <a:p>
             <a:fld id="{38C4BF85-5AB0-4169-A990-10DF94846CFA}" type="datetimeFigureOut">
               <a:rPr lang="hu-HU" smtClean="0"/>
-              <a:t>2023.02.03.</a:t>
+              <a:t>2023. 02. 06.</a:t>
             </a:fld>
             <a:endParaRPr lang="hu-HU"/>
           </a:p>
@@ -3013,7 +3019,7 @@
           <a:lstStyle/>
           <a:p>
             <a:r>
-              <a:rPr lang="hu-HU" b="1" cap="small" dirty="0" err="1" smtClean="0">
+              <a:rPr lang="hu-HU" b="1" cap="small" dirty="0" err="1">
                 <a:solidFill>
                   <a:srgbClr val="FFB562"/>
                 </a:solidFill>
@@ -3023,16 +3029,6 @@
               <a:t>ikt</a:t>
             </a:r>
             <a:r>
-              <a:rPr lang="hu-HU" b="1" cap="small" dirty="0" smtClean="0">
-                <a:solidFill>
-                  <a:srgbClr val="FFB562"/>
-                </a:solidFill>
-                <a:latin typeface="Inter"/>
-                <a:cs typeface="Arial" panose="020B0604020202020204" pitchFamily="34" charset="0"/>
-              </a:rPr>
-              <a:t> </a:t>
-            </a:r>
-            <a:r>
               <a:rPr lang="hu-HU" b="1" cap="small" dirty="0">
                 <a:solidFill>
                   <a:srgbClr val="FFB562"/>
@@ -3040,25 +3036,8 @@
                 <a:latin typeface="Inter"/>
                 <a:cs typeface="Arial" panose="020B0604020202020204" pitchFamily="34" charset="0"/>
               </a:rPr>
-              <a:t>p</a:t>
-            </a:r>
-            <a:r>
-              <a:rPr lang="hu-HU" b="1" cap="small" dirty="0" smtClean="0">
-                <a:solidFill>
-                  <a:srgbClr val="FFB562"/>
-                </a:solidFill>
-                <a:latin typeface="Inter"/>
-                <a:cs typeface="Arial" panose="020B0604020202020204" pitchFamily="34" charset="0"/>
-              </a:rPr>
-              <a:t>rojektfeladat</a:t>
-            </a:r>
-            <a:endParaRPr lang="hu-HU" b="1" cap="small" dirty="0">
-              <a:solidFill>
-                <a:srgbClr val="FFB562"/>
-              </a:solidFill>
-              <a:latin typeface="Inter"/>
-              <a:cs typeface="Arial" panose="020B0604020202020204" pitchFamily="34" charset="0"/>
-            </a:endParaRPr>
+              <a:t> projektfeladat</a:t>
+            </a:r>
           </a:p>
         </p:txBody>
       </p:sp>
@@ -3083,7 +3062,7 @@
           <a:lstStyle/>
           <a:p>
             <a:r>
-              <a:rPr lang="hu-HU" dirty="0" smtClean="0">
+              <a:rPr lang="hu-HU" dirty="0">
                 <a:solidFill>
                   <a:srgbClr val="F87474"/>
                 </a:solidFill>
@@ -3092,13 +3071,6 @@
               </a:rPr>
               <a:t>Készítők: Beréti Zsófia, Császár András, Kulimák Máté</a:t>
             </a:r>
-            <a:endParaRPr lang="hu-HU" dirty="0">
-              <a:solidFill>
-                <a:srgbClr val="F87474"/>
-              </a:solidFill>
-              <a:latin typeface="Arial" panose="020B0604020202020204" pitchFamily="34" charset="0"/>
-              <a:cs typeface="Arial" panose="020B0604020202020204" pitchFamily="34" charset="0"/>
-            </a:endParaRPr>
           </a:p>
         </p:txBody>
       </p:sp>
@@ -3112,21 +3084,6 @@
   <p:clrMapOvr>
     <a:masterClrMapping/>
   </p:clrMapOvr>
-  <mc:AlternateContent xmlns:mc="http://schemas.openxmlformats.org/markup-compatibility/2006" xmlns:p14="http://schemas.microsoft.com/office/powerpoint/2010/main">
-    <mc:Choice Requires="p14">
-      <p:transition p14:dur="0"/>
-    </mc:Choice>
-    <mc:Fallback xmlns="">
-      <p:transition/>
-    </mc:Fallback>
-  </mc:AlternateContent>
-  <p:timing>
-    <p:tnLst>
-      <p:par>
-        <p:cTn id="1" dur="indefinite" restart="never" nodeType="tmRoot"/>
-      </p:par>
-    </p:tnLst>
-  </p:timing>
 </p:sld>
 </file>
 
@@ -3171,7 +3128,7 @@
           <a:p>
             <a:pPr algn="ctr"/>
             <a:r>
-              <a:rPr lang="hu-HU" b="1" cap="small" dirty="0" smtClean="0">
+              <a:rPr lang="hu-HU" b="1" cap="small" dirty="0">
                 <a:solidFill>
                   <a:srgbClr val="FFB562"/>
                 </a:solidFill>
@@ -3180,13 +3137,6 @@
               </a:rPr>
               <a:t>Kulimákok</a:t>
             </a:r>
-            <a:endParaRPr lang="hu-HU" b="1" cap="small" dirty="0">
-              <a:solidFill>
-                <a:srgbClr val="FFB562"/>
-              </a:solidFill>
-              <a:latin typeface="Arial" panose="020B0604020202020204" pitchFamily="34" charset="0"/>
-              <a:cs typeface="Arial" panose="020B0604020202020204" pitchFamily="34" charset="0"/>
-            </a:endParaRPr>
           </a:p>
         </p:txBody>
       </p:sp>
@@ -3219,21 +3169,6 @@
   <p:clrMapOvr>
     <a:masterClrMapping/>
   </p:clrMapOvr>
-  <mc:AlternateContent xmlns:mc="http://schemas.openxmlformats.org/markup-compatibility/2006" xmlns:p14="http://schemas.microsoft.com/office/powerpoint/2010/main">
-    <mc:Choice Requires="p14">
-      <p:transition p14:dur="0"/>
-    </mc:Choice>
-    <mc:Fallback xmlns="">
-      <p:transition/>
-    </mc:Fallback>
-  </mc:AlternateContent>
-  <p:timing>
-    <p:tnLst>
-      <p:par>
-        <p:cTn id="1" dur="indefinite" restart="never" nodeType="tmRoot"/>
-      </p:par>
-    </p:tnLst>
-  </p:timing>
 </p:sld>
 </file>
 
@@ -3278,7 +3213,7 @@
           <a:p>
             <a:pPr algn="ctr"/>
             <a:r>
-              <a:rPr lang="hu-HU" b="1" cap="small" dirty="0" smtClean="0">
+              <a:rPr lang="hu-HU" b="1" cap="small" dirty="0">
                 <a:solidFill>
                   <a:srgbClr val="FFB562"/>
                 </a:solidFill>
@@ -3287,13 +3222,6 @@
               </a:rPr>
               <a:t>Gomb</a:t>
             </a:r>
-            <a:endParaRPr lang="hu-HU" b="1" cap="small" dirty="0">
-              <a:solidFill>
-                <a:srgbClr val="FFB562"/>
-              </a:solidFill>
-              <a:latin typeface="Arial" panose="020B0604020202020204" pitchFamily="34" charset="0"/>
-              <a:cs typeface="Arial" panose="020B0604020202020204" pitchFamily="34" charset="0"/>
-            </a:endParaRPr>
           </a:p>
         </p:txBody>
       </p:sp>
@@ -3326,21 +3254,6 @@
   <p:clrMapOvr>
     <a:masterClrMapping/>
   </p:clrMapOvr>
-  <mc:AlternateContent xmlns:mc="http://schemas.openxmlformats.org/markup-compatibility/2006" xmlns:p14="http://schemas.microsoft.com/office/powerpoint/2010/main">
-    <mc:Choice Requires="p14">
-      <p:transition p14:dur="0"/>
-    </mc:Choice>
-    <mc:Fallback xmlns="">
-      <p:transition/>
-    </mc:Fallback>
-  </mc:AlternateContent>
-  <p:timing>
-    <p:tnLst>
-      <p:par>
-        <p:cTn id="1" dur="indefinite" restart="never" nodeType="tmRoot"/>
-      </p:par>
-    </p:tnLst>
-  </p:timing>
 </p:sld>
 </file>
 
@@ -3385,7 +3298,7 @@
           <a:p>
             <a:pPr algn="ctr"/>
             <a:r>
-              <a:rPr lang="hu-HU" b="1" cap="small" dirty="0" smtClean="0">
+              <a:rPr lang="hu-HU" b="1" cap="small" dirty="0">
                 <a:solidFill>
                   <a:srgbClr val="FFB562"/>
                 </a:solidFill>
@@ -3394,13 +3307,6 @@
               </a:rPr>
               <a:t>Rólunk</a:t>
             </a:r>
-            <a:endParaRPr lang="hu-HU" b="1" cap="small" dirty="0">
-              <a:solidFill>
-                <a:srgbClr val="FFB562"/>
-              </a:solidFill>
-              <a:latin typeface="Arial" panose="020B0604020202020204" pitchFamily="34" charset="0"/>
-              <a:cs typeface="Arial" panose="020B0604020202020204" pitchFamily="34" charset="0"/>
-            </a:endParaRPr>
           </a:p>
         </p:txBody>
       </p:sp>
@@ -3433,21 +3339,629 @@
   <p:clrMapOvr>
     <a:masterClrMapping/>
   </p:clrMapOvr>
-  <mc:AlternateContent xmlns:mc="http://schemas.openxmlformats.org/markup-compatibility/2006" xmlns:p14="http://schemas.microsoft.com/office/powerpoint/2010/main">
-    <mc:Choice Requires="p14">
-      <p:transition p14:dur="0"/>
-    </mc:Choice>
-    <mc:Fallback xmlns="">
-      <p:transition/>
-    </mc:Fallback>
-  </mc:AlternateContent>
-  <p:timing>
-    <p:tnLst>
-      <p:par>
-        <p:cTn id="1" dur="indefinite" restart="never" nodeType="tmRoot"/>
-      </p:par>
-    </p:tnLst>
-  </p:timing>
+</p:sld>
+</file>
+
+<file path=ppt/slides/slide13.xml><?xml version="1.0" encoding="utf-8"?>
+<p:sld xmlns:a="http://schemas.openxmlformats.org/drawingml/2006/main" xmlns:r="http://schemas.openxmlformats.org/officeDocument/2006/relationships" xmlns:p="http://schemas.openxmlformats.org/presentationml/2006/main">
+  <p:cSld>
+    <p:spTree>
+      <p:nvGrpSpPr>
+        <p:cNvPr id="1" name=""/>
+        <p:cNvGrpSpPr/>
+        <p:nvPr/>
+      </p:nvGrpSpPr>
+      <p:grpSpPr>
+        <a:xfrm>
+          <a:off x="0" y="0"/>
+          <a:ext cx="0" cy="0"/>
+          <a:chOff x="0" y="0"/>
+          <a:chExt cx="0" cy="0"/>
+        </a:xfrm>
+      </p:grpSpPr>
+      <p:sp>
+        <p:nvSpPr>
+          <p:cNvPr id="2" name="Cím 1"/>
+          <p:cNvSpPr>
+            <a:spLocks noGrp="1"/>
+          </p:cNvSpPr>
+          <p:nvPr>
+            <p:ph type="title"/>
+          </p:nvPr>
+        </p:nvSpPr>
+        <p:spPr>
+          <a:xfrm>
+            <a:off x="939800" y="2745468"/>
+            <a:ext cx="10515600" cy="1325563"/>
+          </a:xfrm>
+        </p:spPr>
+        <p:txBody>
+          <a:bodyPr>
+            <a:normAutofit fontScale="90000"/>
+          </a:bodyPr>
+          <a:lstStyle/>
+          <a:p>
+            <a:pPr algn="ctr"/>
+            <a:r>
+              <a:rPr lang="hu-HU" sz="8000" b="1" cap="small" dirty="0">
+                <a:solidFill>
+                  <a:srgbClr val="FFB562"/>
+                </a:solidFill>
+                <a:latin typeface="Arial" panose="020B0604020202020204" pitchFamily="34" charset="0"/>
+                <a:cs typeface="Arial" panose="020B0604020202020204" pitchFamily="34" charset="0"/>
+              </a:rPr>
+              <a:t>És hogy ki mit csinált?</a:t>
+            </a:r>
+          </a:p>
+        </p:txBody>
+      </p:sp>
+    </p:spTree>
+    <p:extLst>
+      <p:ext uri="{BB962C8B-B14F-4D97-AF65-F5344CB8AC3E}">
+        <p14:creationId xmlns:p14="http://schemas.microsoft.com/office/powerpoint/2010/main" val="1330260523"/>
+      </p:ext>
+    </p:extLst>
+  </p:cSld>
+  <p:clrMapOvr>
+    <a:masterClrMapping/>
+  </p:clrMapOvr>
+</p:sld>
+</file>
+
+<file path=ppt/slides/slide14.xml><?xml version="1.0" encoding="utf-8"?>
+<p:sld xmlns:a="http://schemas.openxmlformats.org/drawingml/2006/main" xmlns:r="http://schemas.openxmlformats.org/officeDocument/2006/relationships" xmlns:p="http://schemas.openxmlformats.org/presentationml/2006/main">
+  <p:cSld>
+    <p:spTree>
+      <p:nvGrpSpPr>
+        <p:cNvPr id="1" name=""/>
+        <p:cNvGrpSpPr/>
+        <p:nvPr/>
+      </p:nvGrpSpPr>
+      <p:grpSpPr>
+        <a:xfrm>
+          <a:off x="0" y="0"/>
+          <a:ext cx="0" cy="0"/>
+          <a:chOff x="0" y="0"/>
+          <a:chExt cx="0" cy="0"/>
+        </a:xfrm>
+      </p:grpSpPr>
+      <p:sp>
+        <p:nvSpPr>
+          <p:cNvPr id="2" name="Cím 1"/>
+          <p:cNvSpPr>
+            <a:spLocks noGrp="1"/>
+          </p:cNvSpPr>
+          <p:nvPr>
+            <p:ph type="title"/>
+          </p:nvPr>
+        </p:nvSpPr>
+        <p:spPr>
+          <a:xfrm>
+            <a:off x="809171" y="595085"/>
+            <a:ext cx="10515600" cy="776288"/>
+          </a:xfrm>
+        </p:spPr>
+        <p:txBody>
+          <a:bodyPr>
+            <a:normAutofit/>
+          </a:bodyPr>
+          <a:lstStyle/>
+          <a:p>
+            <a:pPr algn="ctr"/>
+            <a:r>
+              <a:rPr lang="hu-HU" b="1" cap="small" dirty="0">
+                <a:solidFill>
+                  <a:srgbClr val="FFB562"/>
+                </a:solidFill>
+                <a:latin typeface="Arial" panose="020B0604020202020204" pitchFamily="34" charset="0"/>
+                <a:cs typeface="Arial" panose="020B0604020202020204" pitchFamily="34" charset="0"/>
+              </a:rPr>
+              <a:t>Beréti Zsófia része a projektben</a:t>
+            </a:r>
+          </a:p>
+        </p:txBody>
+      </p:sp>
+      <p:sp>
+        <p:nvSpPr>
+          <p:cNvPr id="3" name="Tartalom helye 2"/>
+          <p:cNvSpPr>
+            <a:spLocks noGrp="1"/>
+          </p:cNvSpPr>
+          <p:nvPr>
+            <p:ph idx="1"/>
+          </p:nvPr>
+        </p:nvSpPr>
+        <p:spPr/>
+        <p:txBody>
+          <a:bodyPr/>
+          <a:lstStyle/>
+          <a:p>
+            <a:endParaRPr lang="hu-HU"/>
+          </a:p>
+        </p:txBody>
+      </p:sp>
+    </p:spTree>
+    <p:extLst>
+      <p:ext uri="{BB962C8B-B14F-4D97-AF65-F5344CB8AC3E}">
+        <p14:creationId xmlns:p14="http://schemas.microsoft.com/office/powerpoint/2010/main" val="2605798914"/>
+      </p:ext>
+    </p:extLst>
+  </p:cSld>
+  <p:clrMapOvr>
+    <a:masterClrMapping/>
+  </p:clrMapOvr>
+</p:sld>
+</file>
+
+<file path=ppt/slides/slide15.xml><?xml version="1.0" encoding="utf-8"?>
+<p:sld xmlns:a="http://schemas.openxmlformats.org/drawingml/2006/main" xmlns:r="http://schemas.openxmlformats.org/officeDocument/2006/relationships" xmlns:p="http://schemas.openxmlformats.org/presentationml/2006/main">
+  <p:cSld>
+    <p:spTree>
+      <p:nvGrpSpPr>
+        <p:cNvPr id="1" name=""/>
+        <p:cNvGrpSpPr/>
+        <p:nvPr/>
+      </p:nvGrpSpPr>
+      <p:grpSpPr>
+        <a:xfrm>
+          <a:off x="0" y="0"/>
+          <a:ext cx="0" cy="0"/>
+          <a:chOff x="0" y="0"/>
+          <a:chExt cx="0" cy="0"/>
+        </a:xfrm>
+      </p:grpSpPr>
+      <p:sp>
+        <p:nvSpPr>
+          <p:cNvPr id="2" name="Cím 1"/>
+          <p:cNvSpPr>
+            <a:spLocks noGrp="1"/>
+          </p:cNvSpPr>
+          <p:nvPr>
+            <p:ph type="title"/>
+          </p:nvPr>
+        </p:nvSpPr>
+        <p:spPr>
+          <a:xfrm>
+            <a:off x="809171" y="595085"/>
+            <a:ext cx="10515600" cy="776288"/>
+          </a:xfrm>
+        </p:spPr>
+        <p:txBody>
+          <a:bodyPr>
+            <a:normAutofit/>
+          </a:bodyPr>
+          <a:lstStyle/>
+          <a:p>
+            <a:pPr algn="ctr"/>
+            <a:r>
+              <a:rPr lang="hu-HU" b="1" cap="small" dirty="0">
+                <a:solidFill>
+                  <a:srgbClr val="FFB562"/>
+                </a:solidFill>
+                <a:latin typeface="Arial" panose="020B0604020202020204" pitchFamily="34" charset="0"/>
+                <a:cs typeface="Arial" panose="020B0604020202020204" pitchFamily="34" charset="0"/>
+              </a:rPr>
+              <a:t>Császár Andris része a projektben</a:t>
+            </a:r>
+          </a:p>
+        </p:txBody>
+      </p:sp>
+      <p:sp>
+        <p:nvSpPr>
+          <p:cNvPr id="3" name="Tartalom helye 2"/>
+          <p:cNvSpPr>
+            <a:spLocks noGrp="1"/>
+          </p:cNvSpPr>
+          <p:nvPr>
+            <p:ph idx="1"/>
+          </p:nvPr>
+        </p:nvSpPr>
+        <p:spPr/>
+        <p:txBody>
+          <a:bodyPr/>
+          <a:lstStyle/>
+          <a:p>
+            <a:endParaRPr lang="hu-HU"/>
+          </a:p>
+        </p:txBody>
+      </p:sp>
+    </p:spTree>
+    <p:extLst>
+      <p:ext uri="{BB962C8B-B14F-4D97-AF65-F5344CB8AC3E}">
+        <p14:creationId xmlns:p14="http://schemas.microsoft.com/office/powerpoint/2010/main" val="1252547542"/>
+      </p:ext>
+    </p:extLst>
+  </p:cSld>
+  <p:clrMapOvr>
+    <a:masterClrMapping/>
+  </p:clrMapOvr>
+</p:sld>
+</file>
+
+<file path=ppt/slides/slide16.xml><?xml version="1.0" encoding="utf-8"?>
+<p:sld xmlns:a="http://schemas.openxmlformats.org/drawingml/2006/main" xmlns:r="http://schemas.openxmlformats.org/officeDocument/2006/relationships" xmlns:p="http://schemas.openxmlformats.org/presentationml/2006/main">
+  <p:cSld>
+    <p:spTree>
+      <p:nvGrpSpPr>
+        <p:cNvPr id="1" name=""/>
+        <p:cNvGrpSpPr/>
+        <p:nvPr/>
+      </p:nvGrpSpPr>
+      <p:grpSpPr>
+        <a:xfrm>
+          <a:off x="0" y="0"/>
+          <a:ext cx="0" cy="0"/>
+          <a:chOff x="0" y="0"/>
+          <a:chExt cx="0" cy="0"/>
+        </a:xfrm>
+      </p:grpSpPr>
+      <p:sp>
+        <p:nvSpPr>
+          <p:cNvPr id="2" name="Cím 1"/>
+          <p:cNvSpPr>
+            <a:spLocks noGrp="1"/>
+          </p:cNvSpPr>
+          <p:nvPr>
+            <p:ph type="title"/>
+          </p:nvPr>
+        </p:nvSpPr>
+        <p:spPr>
+          <a:xfrm>
+            <a:off x="809171" y="595085"/>
+            <a:ext cx="10515600" cy="776288"/>
+          </a:xfrm>
+        </p:spPr>
+        <p:txBody>
+          <a:bodyPr>
+            <a:normAutofit/>
+          </a:bodyPr>
+          <a:lstStyle/>
+          <a:p>
+            <a:pPr algn="ctr"/>
+            <a:r>
+              <a:rPr lang="hu-HU" b="1" cap="small" dirty="0">
+                <a:solidFill>
+                  <a:srgbClr val="FFB562"/>
+                </a:solidFill>
+                <a:latin typeface="Arial" panose="020B0604020202020204" pitchFamily="34" charset="0"/>
+                <a:cs typeface="Arial" panose="020B0604020202020204" pitchFamily="34" charset="0"/>
+              </a:rPr>
+              <a:t>Kulimák Máté része a projektben</a:t>
+            </a:r>
+          </a:p>
+        </p:txBody>
+      </p:sp>
+      <p:sp>
+        <p:nvSpPr>
+          <p:cNvPr id="3" name="Tartalom helye 2"/>
+          <p:cNvSpPr>
+            <a:spLocks noGrp="1"/>
+          </p:cNvSpPr>
+          <p:nvPr>
+            <p:ph idx="1"/>
+          </p:nvPr>
+        </p:nvSpPr>
+        <p:spPr>
+          <a:xfrm>
+            <a:off x="809171" y="1971041"/>
+            <a:ext cx="3081694" cy="3897913"/>
+          </a:xfrm>
+        </p:spPr>
+        <p:txBody>
+          <a:bodyPr>
+            <a:normAutofit fontScale="92500" lnSpcReduction="10000"/>
+          </a:bodyPr>
+          <a:lstStyle/>
+          <a:p>
+            <a:pPr algn="just"/>
+            <a:r>
+              <a:rPr lang="hu-HU" dirty="0">
+                <a:solidFill>
+                  <a:srgbClr val="F87474"/>
+                </a:solidFill>
+              </a:rPr>
+              <a:t>Kulimákokról képek elkészítése</a:t>
+            </a:r>
+          </a:p>
+          <a:p>
+            <a:pPr algn="just"/>
+            <a:r>
+              <a:rPr lang="hu-HU" dirty="0" err="1">
+                <a:solidFill>
+                  <a:srgbClr val="F87474"/>
+                </a:solidFill>
+              </a:rPr>
+              <a:t>Powerpoint</a:t>
+            </a:r>
+            <a:r>
+              <a:rPr lang="hu-HU" dirty="0">
+                <a:solidFill>
+                  <a:srgbClr val="F87474"/>
+                </a:solidFill>
+              </a:rPr>
+              <a:t> elkészítése</a:t>
+            </a:r>
+          </a:p>
+          <a:p>
+            <a:pPr algn="just"/>
+            <a:r>
+              <a:rPr lang="hu-HU" dirty="0">
+                <a:solidFill>
+                  <a:srgbClr val="F87474"/>
+                </a:solidFill>
+              </a:rPr>
+              <a:t>„A gomb” </a:t>
+            </a:r>
+            <a:r>
+              <a:rPr lang="hu-HU" dirty="0" err="1">
+                <a:solidFill>
+                  <a:srgbClr val="F87474"/>
+                </a:solidFill>
+              </a:rPr>
+              <a:t>desing</a:t>
+            </a:r>
+            <a:r>
+              <a:rPr lang="hu-HU" dirty="0">
+                <a:solidFill>
+                  <a:srgbClr val="F87474"/>
+                </a:solidFill>
+              </a:rPr>
+              <a:t> és váz</a:t>
+            </a:r>
+          </a:p>
+          <a:p>
+            <a:pPr algn="just"/>
+            <a:r>
+              <a:rPr lang="hu-HU" dirty="0" err="1">
+                <a:solidFill>
+                  <a:srgbClr val="F87474"/>
+                </a:solidFill>
+              </a:rPr>
+              <a:t>Kattingatós</a:t>
+            </a:r>
+            <a:r>
+              <a:rPr lang="hu-HU" dirty="0">
+                <a:solidFill>
+                  <a:srgbClr val="F87474"/>
+                </a:solidFill>
+              </a:rPr>
+              <a:t> videó</a:t>
+            </a:r>
+          </a:p>
+          <a:p>
+            <a:pPr algn="just"/>
+            <a:r>
+              <a:rPr lang="hu-HU" dirty="0">
+                <a:solidFill>
+                  <a:srgbClr val="F87474"/>
+                </a:solidFill>
+              </a:rPr>
+              <a:t>Az odalak tartalmi szövegének megírása</a:t>
+            </a:r>
+          </a:p>
+          <a:p>
+            <a:endParaRPr lang="hu-HU" dirty="0"/>
+          </a:p>
+        </p:txBody>
+      </p:sp>
+      <p:pic>
+        <p:nvPicPr>
+          <p:cNvPr id="5" name="Kép 4" descr="A képen szöveg, computer, számítógép, elektronika látható&#10;&#10;Automatikusan generált leírás">
+            <a:extLst>
+              <a:ext uri="{FF2B5EF4-FFF2-40B4-BE49-F238E27FC236}">
+                <a16:creationId xmlns:a16="http://schemas.microsoft.com/office/drawing/2014/main" id="{D03231E4-A6C9-7C1F-E138-BFB64C9149DD}"/>
+              </a:ext>
+            </a:extLst>
+          </p:cNvPr>
+          <p:cNvPicPr>
+            <a:picLocks noChangeAspect="1"/>
+          </p:cNvPicPr>
+          <p:nvPr/>
+        </p:nvPicPr>
+        <p:blipFill>
+          <a:blip r:embed="rId2" cstate="print">
+            <a:extLst>
+              <a:ext uri="{28A0092B-C50C-407E-A947-70E740481C1C}">
+                <a14:useLocalDpi xmlns:a14="http://schemas.microsoft.com/office/drawing/2010/main" val="0"/>
+              </a:ext>
+            </a:extLst>
+          </a:blip>
+          <a:stretch>
+            <a:fillRect/>
+          </a:stretch>
+        </p:blipFill>
+        <p:spPr>
+          <a:xfrm rot="5400000">
+            <a:off x="6445443" y="2087607"/>
+            <a:ext cx="4627465" cy="3470599"/>
+          </a:xfrm>
+          <a:prstGeom prst="rect">
+            <a:avLst/>
+          </a:prstGeom>
+        </p:spPr>
+      </p:pic>
+      <p:sp>
+        <p:nvSpPr>
+          <p:cNvPr id="6" name="Szövegdoboz 5">
+            <a:extLst>
+              <a:ext uri="{FF2B5EF4-FFF2-40B4-BE49-F238E27FC236}">
+                <a16:creationId xmlns:a16="http://schemas.microsoft.com/office/drawing/2014/main" id="{055B66B0-E83F-A476-5C41-79DEE57882BE}"/>
+              </a:ext>
+            </a:extLst>
+          </p:cNvPr>
+          <p:cNvSpPr txBox="1"/>
+          <p:nvPr/>
+        </p:nvSpPr>
+        <p:spPr>
+          <a:xfrm>
+            <a:off x="7023876" y="6274440"/>
+            <a:ext cx="3431452" cy="369332"/>
+          </a:xfrm>
+          <a:prstGeom prst="rect">
+            <a:avLst/>
+          </a:prstGeom>
+          <a:noFill/>
+        </p:spPr>
+        <p:txBody>
+          <a:bodyPr wrap="none" rtlCol="0">
+            <a:spAutoFit/>
+          </a:bodyPr>
+          <a:lstStyle/>
+          <a:p>
+            <a:r>
+              <a:rPr lang="hu-HU" dirty="0"/>
+              <a:t>Én ahogy csinálom a </a:t>
+            </a:r>
+            <a:r>
+              <a:rPr lang="hu-HU" dirty="0" err="1"/>
+              <a:t>powerpointot</a:t>
+            </a:r>
+            <a:endParaRPr lang="hu-HU" dirty="0"/>
+          </a:p>
+        </p:txBody>
+      </p:sp>
+    </p:spTree>
+    <p:extLst>
+      <p:ext uri="{BB962C8B-B14F-4D97-AF65-F5344CB8AC3E}">
+        <p14:creationId xmlns:p14="http://schemas.microsoft.com/office/powerpoint/2010/main" val="3444902437"/>
+      </p:ext>
+    </p:extLst>
+  </p:cSld>
+  <p:clrMapOvr>
+    <a:masterClrMapping/>
+  </p:clrMapOvr>
+</p:sld>
+</file>
+
+<file path=ppt/slides/slide17.xml><?xml version="1.0" encoding="utf-8"?>
+<p:sld xmlns:a="http://schemas.openxmlformats.org/drawingml/2006/main" xmlns:r="http://schemas.openxmlformats.org/officeDocument/2006/relationships" xmlns:p="http://schemas.openxmlformats.org/presentationml/2006/main">
+  <p:cSld>
+    <p:spTree>
+      <p:nvGrpSpPr>
+        <p:cNvPr id="1" name=""/>
+        <p:cNvGrpSpPr/>
+        <p:nvPr/>
+      </p:nvGrpSpPr>
+      <p:grpSpPr>
+        <a:xfrm>
+          <a:off x="0" y="0"/>
+          <a:ext cx="0" cy="0"/>
+          <a:chOff x="0" y="0"/>
+          <a:chExt cx="0" cy="0"/>
+        </a:xfrm>
+      </p:grpSpPr>
+      <p:sp>
+        <p:nvSpPr>
+          <p:cNvPr id="2" name="Cím 1"/>
+          <p:cNvSpPr>
+            <a:spLocks noGrp="1"/>
+          </p:cNvSpPr>
+          <p:nvPr>
+            <p:ph type="title"/>
+          </p:nvPr>
+        </p:nvSpPr>
+        <p:spPr>
+          <a:xfrm>
+            <a:off x="939800" y="2745468"/>
+            <a:ext cx="10515600" cy="1325563"/>
+          </a:xfrm>
+        </p:spPr>
+        <p:txBody>
+          <a:bodyPr>
+            <a:normAutofit fontScale="90000"/>
+          </a:bodyPr>
+          <a:lstStyle/>
+          <a:p>
+            <a:pPr algn="ctr"/>
+            <a:r>
+              <a:rPr lang="hu-HU" sz="8000" b="1" cap="small" dirty="0">
+                <a:solidFill>
+                  <a:srgbClr val="FFB562"/>
+                </a:solidFill>
+                <a:latin typeface="Arial" panose="020B0604020202020204" pitchFamily="34" charset="0"/>
+                <a:cs typeface="Arial" panose="020B0604020202020204" pitchFamily="34" charset="0"/>
+              </a:rPr>
+              <a:t>A közös munka értékelése</a:t>
+            </a:r>
+          </a:p>
+        </p:txBody>
+      </p:sp>
+    </p:spTree>
+    <p:extLst>
+      <p:ext uri="{BB962C8B-B14F-4D97-AF65-F5344CB8AC3E}">
+        <p14:creationId xmlns:p14="http://schemas.microsoft.com/office/powerpoint/2010/main" val="843378817"/>
+      </p:ext>
+    </p:extLst>
+  </p:cSld>
+  <p:clrMapOvr>
+    <a:masterClrMapping/>
+  </p:clrMapOvr>
+</p:sld>
+</file>
+
+<file path=ppt/slides/slide18.xml><?xml version="1.0" encoding="utf-8"?>
+<p:sld xmlns:a="http://schemas.openxmlformats.org/drawingml/2006/main" xmlns:r="http://schemas.openxmlformats.org/officeDocument/2006/relationships" xmlns:p="http://schemas.openxmlformats.org/presentationml/2006/main">
+  <p:cSld>
+    <p:spTree>
+      <p:nvGrpSpPr>
+        <p:cNvPr id="1" name=""/>
+        <p:cNvGrpSpPr/>
+        <p:nvPr/>
+      </p:nvGrpSpPr>
+      <p:grpSpPr>
+        <a:xfrm>
+          <a:off x="0" y="0"/>
+          <a:ext cx="0" cy="0"/>
+          <a:chOff x="0" y="0"/>
+          <a:chExt cx="0" cy="0"/>
+        </a:xfrm>
+      </p:grpSpPr>
+      <p:sp>
+        <p:nvSpPr>
+          <p:cNvPr id="2" name="Cím 1"/>
+          <p:cNvSpPr>
+            <a:spLocks noGrp="1"/>
+          </p:cNvSpPr>
+          <p:nvPr>
+            <p:ph type="title"/>
+          </p:nvPr>
+        </p:nvSpPr>
+        <p:spPr>
+          <a:xfrm>
+            <a:off x="939800" y="2745468"/>
+            <a:ext cx="10515600" cy="1325563"/>
+          </a:xfrm>
+        </p:spPr>
+        <p:txBody>
+          <a:bodyPr>
+            <a:normAutofit fontScale="90000"/>
+          </a:bodyPr>
+          <a:lstStyle/>
+          <a:p>
+            <a:pPr algn="ctr"/>
+            <a:r>
+              <a:rPr lang="hu-HU" sz="8000" b="1" cap="small" dirty="0">
+                <a:solidFill>
+                  <a:srgbClr val="FFB562"/>
+                </a:solidFill>
+                <a:latin typeface="Arial" panose="020B0604020202020204" pitchFamily="34" charset="0"/>
+                <a:cs typeface="Arial" panose="020B0604020202020204" pitchFamily="34" charset="0"/>
+              </a:rPr>
+              <a:t>Köszönjük a figyelmet!</a:t>
+            </a:r>
+          </a:p>
+        </p:txBody>
+      </p:sp>
+    </p:spTree>
+    <p:extLst>
+      <p:ext uri="{BB962C8B-B14F-4D97-AF65-F5344CB8AC3E}">
+        <p14:creationId xmlns:p14="http://schemas.microsoft.com/office/powerpoint/2010/main" val="1472350213"/>
+      </p:ext>
+    </p:extLst>
+  </p:cSld>
+  <p:clrMapOvr>
+    <a:masterClrMapping/>
+  </p:clrMapOvr>
 </p:sld>
 </file>
 
@@ -3492,7 +4006,7 @@
           <a:p>
             <a:pPr algn="ctr"/>
             <a:r>
-              <a:rPr lang="hu-HU" sz="8000" b="1" cap="small" dirty="0" smtClean="0">
+              <a:rPr lang="hu-HU" sz="8000" b="1" cap="small" dirty="0">
                 <a:solidFill>
                   <a:srgbClr val="FFB562"/>
                 </a:solidFill>
@@ -3501,13 +4015,6 @@
               </a:rPr>
               <a:t>Tervezés</a:t>
             </a:r>
-            <a:endParaRPr lang="hu-HU" sz="8000" b="1" cap="small" dirty="0">
-              <a:solidFill>
-                <a:srgbClr val="FFB562"/>
-              </a:solidFill>
-              <a:latin typeface="Arial" panose="020B0604020202020204" pitchFamily="34" charset="0"/>
-              <a:cs typeface="Arial" panose="020B0604020202020204" pitchFamily="34" charset="0"/>
-            </a:endParaRPr>
           </a:p>
         </p:txBody>
       </p:sp>
@@ -3521,13 +4028,6 @@
   <p:clrMapOvr>
     <a:masterClrMapping/>
   </p:clrMapOvr>
-  <p:timing>
-    <p:tnLst>
-      <p:par>
-        <p:cTn id="1" dur="indefinite" restart="never" nodeType="tmRoot"/>
-      </p:par>
-    </p:tnLst>
-  </p:timing>
 </p:sld>
 </file>
 
@@ -3579,25 +4079,8 @@
                 <a:latin typeface="Arial" panose="020B0604020202020204" pitchFamily="34" charset="0"/>
                 <a:cs typeface="Arial" panose="020B0604020202020204" pitchFamily="34" charset="0"/>
               </a:rPr>
-              <a:t>Sprintek </a:t>
-            </a:r>
-            <a:r>
-              <a:rPr lang="hu-HU" b="1" cap="small" dirty="0" smtClean="0">
-                <a:solidFill>
-                  <a:srgbClr val="FFB562"/>
-                </a:solidFill>
-                <a:latin typeface="Arial" panose="020B0604020202020204" pitchFamily="34" charset="0"/>
-                <a:cs typeface="Arial" panose="020B0604020202020204" pitchFamily="34" charset="0"/>
-              </a:rPr>
-              <a:t>megtervezése</a:t>
-            </a:r>
-            <a:endParaRPr lang="hu-HU" b="1" cap="small" dirty="0">
-              <a:solidFill>
-                <a:srgbClr val="FFB562"/>
-              </a:solidFill>
-              <a:latin typeface="Arial" panose="020B0604020202020204" pitchFamily="34" charset="0"/>
-              <a:cs typeface="Arial" panose="020B0604020202020204" pitchFamily="34" charset="0"/>
-            </a:endParaRPr>
+              <a:t>Sprintek megtervezése</a:t>
+            </a:r>
           </a:p>
         </p:txBody>
       </p:sp>
@@ -3640,21 +4123,6 @@
   <p:clrMapOvr>
     <a:masterClrMapping/>
   </p:clrMapOvr>
-  <mc:AlternateContent xmlns:mc="http://schemas.openxmlformats.org/markup-compatibility/2006" xmlns:p14="http://schemas.microsoft.com/office/powerpoint/2010/main">
-    <mc:Choice Requires="p14">
-      <p:transition p14:dur="0"/>
-    </mc:Choice>
-    <mc:Fallback xmlns="">
-      <p:transition/>
-    </mc:Fallback>
-  </mc:AlternateContent>
-  <p:timing>
-    <p:tnLst>
-      <p:par>
-        <p:cTn id="1" dur="indefinite" restart="never" nodeType="tmRoot"/>
-      </p:par>
-    </p:tnLst>
-  </p:timing>
 </p:sld>
 </file>
 
@@ -3697,7 +4165,7 @@
           <a:p>
             <a:pPr algn="ctr"/>
             <a:r>
-              <a:rPr lang="hu-HU" b="1" cap="small" dirty="0" smtClean="0">
+              <a:rPr lang="hu-HU" b="1" cap="small" dirty="0">
                 <a:solidFill>
                   <a:srgbClr val="FFB562"/>
                 </a:solidFill>
@@ -3706,13 +4174,6 @@
               </a:rPr>
               <a:t>Oldalak megtervezése</a:t>
             </a:r>
-            <a:endParaRPr lang="hu-HU" b="1" cap="small" dirty="0">
-              <a:solidFill>
-                <a:srgbClr val="FFB562"/>
-              </a:solidFill>
-              <a:latin typeface="Arial" panose="020B0604020202020204" pitchFamily="34" charset="0"/>
-              <a:cs typeface="Arial" panose="020B0604020202020204" pitchFamily="34" charset="0"/>
-            </a:endParaRPr>
           </a:p>
         </p:txBody>
       </p:sp>
@@ -3797,7 +4258,7 @@
         </p:blipFill>
         <p:spPr>
           <a:xfrm>
-            <a:off x="4237558" y="999517"/>
+            <a:off x="4443513" y="999517"/>
             <a:ext cx="3188859" cy="5639245"/>
           </a:xfrm>
           <a:prstGeom prst="rect">
@@ -3815,14 +4276,6 @@
   <p:clrMapOvr>
     <a:masterClrMapping/>
   </p:clrMapOvr>
-  <mc:AlternateContent xmlns:mc="http://schemas.openxmlformats.org/markup-compatibility/2006" xmlns:p14="http://schemas.microsoft.com/office/powerpoint/2010/main">
-    <mc:Choice Requires="p14">
-      <p:transition p14:dur="0"/>
-    </mc:Choice>
-    <mc:Fallback xmlns="">
-      <p:transition/>
-    </mc:Fallback>
-  </mc:AlternateContent>
   <p:timing>
     <p:tnLst>
       <p:par>
@@ -3915,33 +4368,15 @@
                                   </p:childTnLst>
                                 </p:cTn>
                               </p:par>
-                            </p:childTnLst>
-                          </p:cTn>
-                        </p:par>
-                      </p:childTnLst>
-                    </p:cTn>
-                  </p:par>
-                  <p:par>
-                    <p:cTn id="11" fill="hold">
-                      <p:stCondLst>
-                        <p:cond delay="indefinite"/>
-                      </p:stCondLst>
-                      <p:childTnLst>
-                        <p:par>
-                          <p:cTn id="12" fill="hold">
-                            <p:stCondLst>
-                              <p:cond delay="0"/>
-                            </p:stCondLst>
-                            <p:childTnLst>
                               <p:par>
-                                <p:cTn id="13" presetID="1" presetClass="entr" presetSubtype="0" fill="hold" nodeType="clickEffect">
+                                <p:cTn id="11" presetID="1" presetClass="entr" presetSubtype="0" fill="hold" nodeType="withEffect">
                                   <p:stCondLst>
                                     <p:cond delay="0"/>
                                   </p:stCondLst>
                                   <p:childTnLst>
                                     <p:set>
                                       <p:cBhvr>
-                                        <p:cTn id="14" dur="1" fill="hold">
+                                        <p:cTn id="12" dur="1" fill="hold">
                                           <p:stCondLst>
                                             <p:cond delay="0"/>
                                           </p:stCondLst>
@@ -3967,26 +4402,26 @@
                     </p:cTn>
                   </p:par>
                   <p:par>
-                    <p:cTn id="15" fill="hold">
+                    <p:cTn id="13" fill="hold">
                       <p:stCondLst>
                         <p:cond delay="indefinite"/>
                       </p:stCondLst>
                       <p:childTnLst>
                         <p:par>
-                          <p:cTn id="16" fill="hold">
+                          <p:cTn id="14" fill="hold">
                             <p:stCondLst>
                               <p:cond delay="0"/>
                             </p:stCondLst>
                             <p:childTnLst>
                               <p:par>
-                                <p:cTn id="17" presetID="1" presetClass="exit" presetSubtype="0" fill="hold" nodeType="clickEffect">
+                                <p:cTn id="15" presetID="1" presetClass="exit" presetSubtype="0" fill="hold" nodeType="clickEffect">
                                   <p:stCondLst>
                                     <p:cond delay="0"/>
                                   </p:stCondLst>
                                   <p:childTnLst>
                                     <p:set>
                                       <p:cBhvr>
-                                        <p:cTn id="18" dur="1" fill="hold">
+                                        <p:cTn id="16" dur="1" fill="hold">
                                           <p:stCondLst>
                                             <p:cond delay="0"/>
                                           </p:stCondLst>
@@ -4005,33 +4440,15 @@
                                   </p:childTnLst>
                                 </p:cTn>
                               </p:par>
-                            </p:childTnLst>
-                          </p:cTn>
-                        </p:par>
-                      </p:childTnLst>
-                    </p:cTn>
-                  </p:par>
-                  <p:par>
-                    <p:cTn id="19" fill="hold">
-                      <p:stCondLst>
-                        <p:cond delay="indefinite"/>
-                      </p:stCondLst>
-                      <p:childTnLst>
-                        <p:par>
-                          <p:cTn id="20" fill="hold">
-                            <p:stCondLst>
-                              <p:cond delay="0"/>
-                            </p:stCondLst>
-                            <p:childTnLst>
                               <p:par>
-                                <p:cTn id="21" presetID="1" presetClass="entr" presetSubtype="0" fill="hold" nodeType="clickEffect">
+                                <p:cTn id="17" presetID="1" presetClass="entr" presetSubtype="0" fill="hold" nodeType="withEffect">
                                   <p:stCondLst>
                                     <p:cond delay="0"/>
                                   </p:stCondLst>
                                   <p:childTnLst>
                                     <p:set>
                                       <p:cBhvr>
-                                        <p:cTn id="22" dur="1" fill="hold">
+                                        <p:cTn id="18" dur="1" fill="hold">
                                           <p:stCondLst>
                                             <p:cond delay="0"/>
                                           </p:stCondLst>
@@ -4120,7 +4537,7 @@
           <a:p>
             <a:pPr algn="ctr"/>
             <a:r>
-              <a:rPr lang="hu-HU" b="1" cap="small" dirty="0" smtClean="0">
+              <a:rPr lang="hu-HU" b="1" cap="small" dirty="0">
                 <a:solidFill>
                   <a:srgbClr val="FFB562"/>
                 </a:solidFill>
@@ -4129,13 +4546,6 @@
               </a:rPr>
               <a:t>Színek megtervezése</a:t>
             </a:r>
-            <a:endParaRPr lang="hu-HU" b="1" cap="small" dirty="0">
-              <a:solidFill>
-                <a:srgbClr val="FFB562"/>
-              </a:solidFill>
-              <a:latin typeface="Arial" panose="020B0604020202020204" pitchFamily="34" charset="0"/>
-              <a:cs typeface="Arial" panose="020B0604020202020204" pitchFamily="34" charset="0"/>
-            </a:endParaRPr>
           </a:p>
         </p:txBody>
       </p:sp>
@@ -4191,7 +4601,7 @@
           <a:lstStyle/>
           <a:p>
             <a:r>
-              <a:rPr lang="hu-HU" sz="3200" dirty="0" smtClean="0">
+              <a:rPr lang="hu-HU" sz="3200" dirty="0">
                 <a:solidFill>
                   <a:srgbClr val="F87474"/>
                 </a:solidFill>
@@ -4199,7 +4609,7 @@
               </a:rPr>
               <a:t>Colorhunt.co</a:t>
             </a:r>
-            <a:endParaRPr lang="hu-HU" sz="3200" dirty="0" smtClean="0">
+            <a:endParaRPr lang="hu-HU" sz="3200" dirty="0">
               <a:solidFill>
                 <a:srgbClr val="F87474"/>
               </a:solidFill>
@@ -4217,21 +4627,6 @@
   <p:clrMapOvr>
     <a:masterClrMapping/>
   </p:clrMapOvr>
-  <mc:AlternateContent xmlns:mc="http://schemas.openxmlformats.org/markup-compatibility/2006" xmlns:p14="http://schemas.microsoft.com/office/powerpoint/2010/main">
-    <mc:Choice Requires="p14">
-      <p:transition p14:dur="0"/>
-    </mc:Choice>
-    <mc:Fallback xmlns="">
-      <p:transition/>
-    </mc:Fallback>
-  </mc:AlternateContent>
-  <p:timing>
-    <p:tnLst>
-      <p:par>
-        <p:cTn id="1" dur="indefinite" restart="never" nodeType="tmRoot"/>
-      </p:par>
-    </p:tnLst>
-  </p:timing>
 </p:sld>
 </file>
 
@@ -4274,7 +4669,7 @@
           <a:p>
             <a:pPr algn="ctr"/>
             <a:r>
-              <a:rPr lang="hu-HU" b="1" cap="small" dirty="0" smtClean="0">
+              <a:rPr lang="hu-HU" b="1" cap="small" dirty="0">
                 <a:solidFill>
                   <a:srgbClr val="FFB562"/>
                 </a:solidFill>
@@ -4284,7 +4679,7 @@
               <a:t>Tervezés </a:t>
             </a:r>
             <a:r>
-              <a:rPr lang="hu-HU" b="1" cap="small" dirty="0" err="1" smtClean="0">
+              <a:rPr lang="hu-HU" b="1" cap="small" dirty="0" err="1">
                 <a:solidFill>
                   <a:srgbClr val="FFB562"/>
                 </a:solidFill>
@@ -4342,21 +4737,6 @@
   <p:clrMapOvr>
     <a:masterClrMapping/>
   </p:clrMapOvr>
-  <mc:AlternateContent xmlns:mc="http://schemas.openxmlformats.org/markup-compatibility/2006" xmlns:p14="http://schemas.microsoft.com/office/powerpoint/2010/main">
-    <mc:Choice Requires="p14">
-      <p:transition p14:dur="0"/>
-    </mc:Choice>
-    <mc:Fallback xmlns="">
-      <p:transition/>
-    </mc:Fallback>
-  </mc:AlternateContent>
-  <p:timing>
-    <p:tnLst>
-      <p:par>
-        <p:cTn id="1" dur="indefinite" restart="never" nodeType="tmRoot"/>
-      </p:par>
-    </p:tnLst>
-  </p:timing>
 </p:sld>
 </file>
 
@@ -4394,7 +4774,7 @@
           <a:p>
             <a:pPr algn="ctr"/>
             <a:r>
-              <a:rPr lang="hu-HU" b="1" cap="small" dirty="0" smtClean="0">
+              <a:rPr lang="hu-HU" b="1" cap="small" dirty="0">
                 <a:solidFill>
                   <a:srgbClr val="FFB562"/>
                 </a:solidFill>
@@ -4404,7 +4784,7 @@
               <a:t>A </a:t>
             </a:r>
             <a:r>
-              <a:rPr lang="hu-HU" b="1" cap="small" dirty="0" err="1" smtClean="0">
+              <a:rPr lang="hu-HU" b="1" cap="small" dirty="0" err="1">
                 <a:solidFill>
                   <a:srgbClr val="FFB562"/>
                 </a:solidFill>
@@ -4414,7 +4794,7 @@
               <a:t>scrum</a:t>
             </a:r>
             <a:r>
-              <a:rPr lang="hu-HU" b="1" cap="small" dirty="0" smtClean="0">
+              <a:rPr lang="hu-HU" b="1" cap="small" dirty="0">
                 <a:solidFill>
                   <a:srgbClr val="FFB562"/>
                 </a:solidFill>
@@ -4423,13 +4803,6 @@
               </a:rPr>
               <a:t> rugalmassága</a:t>
             </a:r>
-            <a:endParaRPr lang="hu-HU" b="1" cap="small" dirty="0">
-              <a:solidFill>
-                <a:srgbClr val="FFB562"/>
-              </a:solidFill>
-              <a:latin typeface="Arial" panose="020B0604020202020204" pitchFamily="34" charset="0"/>
-              <a:cs typeface="Arial" panose="020B0604020202020204" pitchFamily="34" charset="0"/>
-            </a:endParaRPr>
           </a:p>
         </p:txBody>
       </p:sp>
@@ -4455,14 +4828,13 @@
           <a:p>
             <a:pPr algn="ctr"/>
             <a:r>
-              <a:rPr lang="hu-HU" dirty="0" err="1" smtClean="0"/>
+              <a:rPr lang="hu-HU" dirty="0" err="1"/>
               <a:t>Paintes</a:t>
             </a:r>
             <a:r>
-              <a:rPr lang="hu-HU" dirty="0" smtClean="0"/>
+              <a:rPr lang="hu-HU" dirty="0"/>
               <a:t> tervek</a:t>
             </a:r>
-            <a:endParaRPr lang="hu-HU" dirty="0"/>
           </a:p>
         </p:txBody>
       </p:sp>
@@ -4516,14 +4888,13 @@
           <a:p>
             <a:pPr algn="ctr"/>
             <a:r>
-              <a:rPr lang="hu-HU" dirty="0" err="1" smtClean="0"/>
+              <a:rPr lang="hu-HU" dirty="0" err="1"/>
               <a:t>Figmás</a:t>
             </a:r>
             <a:r>
-              <a:rPr lang="hu-HU" dirty="0" smtClean="0"/>
+              <a:rPr lang="hu-HU" dirty="0"/>
               <a:t> tervek</a:t>
             </a:r>
-            <a:endParaRPr lang="hu-HU" dirty="0"/>
           </a:p>
         </p:txBody>
       </p:sp>
@@ -4551,7 +4922,7 @@
         </p:blipFill>
         <p:spPr>
           <a:xfrm>
-            <a:off x="7027898" y="2135982"/>
+            <a:off x="7038218" y="2135983"/>
             <a:ext cx="3830602" cy="4566530"/>
           </a:xfrm>
         </p:spPr>
@@ -4577,7 +4948,7 @@
         </p:blipFill>
         <p:spPr>
           <a:xfrm>
-            <a:off x="1319862" y="2135982"/>
+            <a:off x="1346284" y="2136882"/>
             <a:ext cx="3566319" cy="4677292"/>
           </a:xfrm>
           <a:prstGeom prst="rect">
@@ -4607,7 +4978,7 @@
         </p:blipFill>
         <p:spPr>
           <a:xfrm>
-            <a:off x="7056986" y="2211705"/>
+            <a:off x="7067306" y="2152380"/>
             <a:ext cx="3801514" cy="4646295"/>
           </a:xfrm>
           <a:prstGeom prst="rect">
@@ -4636,7 +5007,7 @@
         </p:blipFill>
         <p:spPr>
           <a:xfrm>
-            <a:off x="377764" y="3748710"/>
+            <a:off x="36953" y="2314672"/>
             <a:ext cx="6184979" cy="4040188"/>
           </a:xfrm>
           <a:prstGeom prst="rect">
@@ -4666,7 +5037,7 @@
         </p:blipFill>
         <p:spPr>
           <a:xfrm>
-            <a:off x="6784929" y="3748710"/>
+            <a:off x="6600104" y="2314672"/>
             <a:ext cx="4570459" cy="3799538"/>
           </a:xfrm>
           <a:prstGeom prst="rect">
@@ -4695,7 +5066,7 @@
         </p:blipFill>
         <p:spPr>
           <a:xfrm>
-            <a:off x="721771" y="6533550"/>
+            <a:off x="644572" y="2160834"/>
             <a:ext cx="4762500" cy="4721355"/>
           </a:xfrm>
           <a:prstGeom prst="rect">
@@ -4725,8 +5096,8 @@
         </p:blipFill>
         <p:spPr>
           <a:xfrm>
-            <a:off x="7907253" y="4717455"/>
-            <a:ext cx="2733190" cy="4860702"/>
+            <a:off x="7586924" y="2135982"/>
+            <a:ext cx="2733190" cy="4566530"/>
           </a:xfrm>
           <a:prstGeom prst="rect">
             <a:avLst/>
@@ -4777,7 +5148,7 @@
                                           </p:stCondLst>
                                         </p:cTn>
                                         <p:tgtEl>
-                                          <p:spTgt spid="10"/>
+                                          <p:spTgt spid="7"/>
                                         </p:tgtEl>
                                         <p:attrNameLst>
                                           <p:attrName>style.visibility</p:attrName>
@@ -4804,6 +5175,123 @@
                                           </p:stCondLst>
                                         </p:cTn>
                                         <p:tgtEl>
+                                          <p:spTgt spid="8"/>
+                                        </p:tgtEl>
+                                        <p:attrNameLst>
+                                          <p:attrName>style.visibility</p:attrName>
+                                        </p:attrNameLst>
+                                      </p:cBhvr>
+                                      <p:to>
+                                        <p:strVal val="visible"/>
+                                      </p:to>
+                                    </p:set>
+                                  </p:childTnLst>
+                                </p:cTn>
+                              </p:par>
+                            </p:childTnLst>
+                          </p:cTn>
+                        </p:par>
+                      </p:childTnLst>
+                    </p:cTn>
+                  </p:par>
+                  <p:par>
+                    <p:cTn id="9" fill="hold">
+                      <p:stCondLst>
+                        <p:cond delay="indefinite"/>
+                      </p:stCondLst>
+                      <p:childTnLst>
+                        <p:par>
+                          <p:cTn id="10" fill="hold">
+                            <p:stCondLst>
+                              <p:cond delay="0"/>
+                            </p:stCondLst>
+                            <p:childTnLst>
+                              <p:par>
+                                <p:cTn id="11" presetID="1" presetClass="exit" presetSubtype="0" fill="hold" nodeType="clickEffect">
+                                  <p:stCondLst>
+                                    <p:cond delay="0"/>
+                                  </p:stCondLst>
+                                  <p:childTnLst>
+                                    <p:set>
+                                      <p:cBhvr>
+                                        <p:cTn id="12" dur="1" fill="hold">
+                                          <p:stCondLst>
+                                            <p:cond delay="0"/>
+                                          </p:stCondLst>
+                                        </p:cTn>
+                                        <p:tgtEl>
+                                          <p:spTgt spid="8"/>
+                                        </p:tgtEl>
+                                        <p:attrNameLst>
+                                          <p:attrName>style.visibility</p:attrName>
+                                        </p:attrNameLst>
+                                      </p:cBhvr>
+                                      <p:to>
+                                        <p:strVal val="hidden"/>
+                                      </p:to>
+                                    </p:set>
+                                  </p:childTnLst>
+                                </p:cTn>
+                              </p:par>
+                              <p:par>
+                                <p:cTn id="13" presetID="1" presetClass="exit" presetSubtype="0" fill="hold" nodeType="withEffect">
+                                  <p:stCondLst>
+                                    <p:cond delay="0"/>
+                                  </p:stCondLst>
+                                  <p:childTnLst>
+                                    <p:set>
+                                      <p:cBhvr>
+                                        <p:cTn id="14" dur="1" fill="hold">
+                                          <p:stCondLst>
+                                            <p:cond delay="0"/>
+                                          </p:stCondLst>
+                                        </p:cTn>
+                                        <p:tgtEl>
+                                          <p:spTgt spid="7"/>
+                                        </p:tgtEl>
+                                        <p:attrNameLst>
+                                          <p:attrName>style.visibility</p:attrName>
+                                        </p:attrNameLst>
+                                      </p:cBhvr>
+                                      <p:to>
+                                        <p:strVal val="hidden"/>
+                                      </p:to>
+                                    </p:set>
+                                  </p:childTnLst>
+                                </p:cTn>
+                              </p:par>
+                            </p:childTnLst>
+                          </p:cTn>
+                        </p:par>
+                      </p:childTnLst>
+                    </p:cTn>
+                  </p:par>
+                  <p:par>
+                    <p:cTn id="15" fill="hold">
+                      <p:stCondLst>
+                        <p:cond delay="indefinite"/>
+                      </p:stCondLst>
+                      <p:childTnLst>
+                        <p:par>
+                          <p:cTn id="16" fill="hold">
+                            <p:stCondLst>
+                              <p:cond delay="0"/>
+                            </p:stCondLst>
+                            <p:childTnLst>
+                              <p:par>
+                                <p:cTn id="17" presetID="1" presetClass="entr" presetSubtype="0" fill="hold" nodeType="clickEffect">
+                                  <p:stCondLst>
+                                    <p:cond delay="0"/>
+                                  </p:stCondLst>
+                                  <p:childTnLst>
+                                    <p:set>
+                                      <p:cBhvr>
+                                        <p:cTn id="18" dur="1" fill="hold">
+                                          <p:stCondLst>
+                                            <p:cond delay="0"/>
+                                          </p:stCondLst>
+                                        </p:cTn>
+                                        <p:tgtEl>
                                           <p:spTgt spid="9"/>
                                         </p:tgtEl>
                                         <p:attrNameLst>
@@ -4818,14 +5306,59 @@
                                 </p:cTn>
                               </p:par>
                               <p:par>
-                                <p:cTn id="9" presetID="1" presetClass="exit" presetSubtype="0" fill="hold" nodeType="withEffect">
+                                <p:cTn id="19" presetID="1" presetClass="entr" presetSubtype="0" fill="hold" nodeType="withEffect">
                                   <p:stCondLst>
                                     <p:cond delay="0"/>
                                   </p:stCondLst>
                                   <p:childTnLst>
                                     <p:set>
                                       <p:cBhvr>
-                                        <p:cTn id="10" dur="1" fill="hold">
+                                        <p:cTn id="20" dur="1" fill="hold">
+                                          <p:stCondLst>
+                                            <p:cond delay="0"/>
+                                          </p:stCondLst>
+                                        </p:cTn>
+                                        <p:tgtEl>
+                                          <p:spTgt spid="10"/>
+                                        </p:tgtEl>
+                                        <p:attrNameLst>
+                                          <p:attrName>style.visibility</p:attrName>
+                                        </p:attrNameLst>
+                                      </p:cBhvr>
+                                      <p:to>
+                                        <p:strVal val="visible"/>
+                                      </p:to>
+                                    </p:set>
+                                  </p:childTnLst>
+                                </p:cTn>
+                              </p:par>
+                            </p:childTnLst>
+                          </p:cTn>
+                        </p:par>
+                      </p:childTnLst>
+                    </p:cTn>
+                  </p:par>
+                  <p:par>
+                    <p:cTn id="21" fill="hold">
+                      <p:stCondLst>
+                        <p:cond delay="indefinite"/>
+                      </p:stCondLst>
+                      <p:childTnLst>
+                        <p:par>
+                          <p:cTn id="22" fill="hold">
+                            <p:stCondLst>
+                              <p:cond delay="0"/>
+                            </p:stCondLst>
+                            <p:childTnLst>
+                              <p:par>
+                                <p:cTn id="23" presetID="1" presetClass="exit" presetSubtype="0" fill="hold" nodeType="clickEffect">
+                                  <p:stCondLst>
+                                    <p:cond delay="0"/>
+                                  </p:stCondLst>
+                                  <p:childTnLst>
+                                    <p:set>
+                                      <p:cBhvr>
+                                        <p:cTn id="24" dur="1" fill="hold">
                                           <p:stCondLst>
                                             <p:cond delay="0"/>
                                           </p:stCondLst>
@@ -4845,14 +5378,14 @@
                                 </p:cTn>
                               </p:par>
                               <p:par>
-                                <p:cTn id="11" presetID="1" presetClass="exit" presetSubtype="0" fill="hold" nodeType="withEffect">
+                                <p:cTn id="25" presetID="1" presetClass="exit" presetSubtype="0" fill="hold" nodeType="withEffect">
                                   <p:stCondLst>
                                     <p:cond delay="0"/>
                                   </p:stCondLst>
                                   <p:childTnLst>
                                     <p:set>
                                       <p:cBhvr>
-                                        <p:cTn id="12" dur="1" fill="hold">
+                                        <p:cTn id="26" dur="1" fill="hold">
                                           <p:stCondLst>
                                             <p:cond delay="0"/>
                                           </p:stCondLst>
@@ -4871,15 +5404,33 @@
                                   </p:childTnLst>
                                 </p:cTn>
                               </p:par>
+                            </p:childTnLst>
+                          </p:cTn>
+                        </p:par>
+                      </p:childTnLst>
+                    </p:cTn>
+                  </p:par>
+                  <p:par>
+                    <p:cTn id="27" fill="hold">
+                      <p:stCondLst>
+                        <p:cond delay="indefinite"/>
+                      </p:stCondLst>
+                      <p:childTnLst>
+                        <p:par>
+                          <p:cTn id="28" fill="hold">
+                            <p:stCondLst>
+                              <p:cond delay="0"/>
+                            </p:stCondLst>
+                            <p:childTnLst>
                               <p:par>
-                                <p:cTn id="13" presetID="1" presetClass="entr" presetSubtype="0" fill="hold" nodeType="withEffect">
+                                <p:cTn id="29" presetID="1" presetClass="entr" presetSubtype="0" fill="hold" nodeType="clickEffect">
                                   <p:stCondLst>
                                     <p:cond delay="0"/>
                                   </p:stCondLst>
                                   <p:childTnLst>
                                     <p:set>
                                       <p:cBhvr>
-                                        <p:cTn id="14" dur="1" fill="hold">
+                                        <p:cTn id="30" dur="1" fill="hold">
                                           <p:stCondLst>
                                             <p:cond delay="0"/>
                                           </p:stCondLst>
@@ -4899,14 +5450,14 @@
                                 </p:cTn>
                               </p:par>
                               <p:par>
-                                <p:cTn id="15" presetID="1" presetClass="entr" presetSubtype="0" fill="hold" nodeType="withEffect">
+                                <p:cTn id="31" presetID="1" presetClass="entr" presetSubtype="0" fill="hold" nodeType="withEffect">
                                   <p:stCondLst>
                                     <p:cond delay="0"/>
                                   </p:stCondLst>
                                   <p:childTnLst>
                                     <p:set>
                                       <p:cBhvr>
-                                        <p:cTn id="16" dur="1" fill="hold">
+                                        <p:cTn id="32" dur="1" fill="hold">
                                           <p:stCondLst>
                                             <p:cond delay="0"/>
                                           </p:stCondLst>
@@ -4925,15 +5476,33 @@
                                   </p:childTnLst>
                                 </p:cTn>
                               </p:par>
+                            </p:childTnLst>
+                          </p:cTn>
+                        </p:par>
+                      </p:childTnLst>
+                    </p:cTn>
+                  </p:par>
+                  <p:par>
+                    <p:cTn id="33" fill="hold">
+                      <p:stCondLst>
+                        <p:cond delay="indefinite"/>
+                      </p:stCondLst>
+                      <p:childTnLst>
+                        <p:par>
+                          <p:cTn id="34" fill="hold">
+                            <p:stCondLst>
+                              <p:cond delay="0"/>
+                            </p:stCondLst>
+                            <p:childTnLst>
                               <p:par>
-                                <p:cTn id="17" presetID="1" presetClass="exit" presetSubtype="0" fill="hold" nodeType="withEffect">
+                                <p:cTn id="35" presetID="1" presetClass="exit" presetSubtype="0" fill="hold" nodeType="clickEffect">
                                   <p:stCondLst>
                                     <p:cond delay="0"/>
                                   </p:stCondLst>
                                   <p:childTnLst>
                                     <p:set>
                                       <p:cBhvr>
-                                        <p:cTn id="18" dur="1" fill="hold">
+                                        <p:cTn id="36" dur="1" fill="hold">
                                           <p:stCondLst>
                                             <p:cond delay="0"/>
                                           </p:stCondLst>
@@ -4953,14 +5522,14 @@
                                 </p:cTn>
                               </p:par>
                               <p:par>
-                                <p:cTn id="19" presetID="1" presetClass="exit" presetSubtype="0" fill="hold" nodeType="withEffect">
+                                <p:cTn id="37" presetID="1" presetClass="exit" presetSubtype="0" fill="hold" nodeType="withEffect">
                                   <p:stCondLst>
                                     <p:cond delay="0"/>
                                   </p:stCondLst>
                                   <p:childTnLst>
                                     <p:set>
                                       <p:cBhvr>
-                                        <p:cTn id="20" dur="1" fill="hold">
+                                        <p:cTn id="38" dur="1" fill="hold">
                                           <p:stCondLst>
                                             <p:cond delay="0"/>
                                           </p:stCondLst>
@@ -4979,15 +5548,33 @@
                                   </p:childTnLst>
                                 </p:cTn>
                               </p:par>
+                            </p:childTnLst>
+                          </p:cTn>
+                        </p:par>
+                      </p:childTnLst>
+                    </p:cTn>
+                  </p:par>
+                  <p:par>
+                    <p:cTn id="39" fill="hold">
+                      <p:stCondLst>
+                        <p:cond delay="indefinite"/>
+                      </p:stCondLst>
+                      <p:childTnLst>
+                        <p:par>
+                          <p:cTn id="40" fill="hold">
+                            <p:stCondLst>
+                              <p:cond delay="0"/>
+                            </p:stCondLst>
+                            <p:childTnLst>
                               <p:par>
-                                <p:cTn id="21" presetID="1" presetClass="entr" presetSubtype="0" fill="hold" nodeType="withEffect">
+                                <p:cTn id="41" presetID="1" presetClass="entr" presetSubtype="0" fill="hold" nodeType="clickEffect">
                                   <p:stCondLst>
                                     <p:cond delay="0"/>
                                   </p:stCondLst>
                                   <p:childTnLst>
                                     <p:set>
                                       <p:cBhvr>
-                                        <p:cTn id="22" dur="1" fill="hold">
+                                        <p:cTn id="42" dur="1" fill="hold">
                                           <p:stCondLst>
                                             <p:cond delay="0"/>
                                           </p:stCondLst>
@@ -5007,14 +5594,14 @@
                                 </p:cTn>
                               </p:par>
                               <p:par>
-                                <p:cTn id="23" presetID="1" presetClass="entr" presetSubtype="0" fill="hold" nodeType="withEffect">
+                                <p:cTn id="43" presetID="1" presetClass="entr" presetSubtype="0" fill="hold" nodeType="withEffect">
                                   <p:stCondLst>
                                     <p:cond delay="0"/>
                                   </p:stCondLst>
                                   <p:childTnLst>
                                     <p:set>
                                       <p:cBhvr>
-                                        <p:cTn id="24" dur="1" fill="hold">
+                                        <p:cTn id="44" dur="1" fill="hold">
                                           <p:stCondLst>
                                             <p:cond delay="0"/>
                                           </p:stCondLst>
@@ -5105,7 +5692,7 @@
           <a:p>
             <a:pPr algn="ctr"/>
             <a:r>
-              <a:rPr lang="hu-HU" sz="8000" b="1" cap="small" dirty="0" smtClean="0">
+              <a:rPr lang="hu-HU" sz="8000" b="1" cap="small" dirty="0">
                 <a:solidFill>
                   <a:srgbClr val="FFB562"/>
                 </a:solidFill>
@@ -5114,13 +5701,6 @@
               </a:rPr>
               <a:t>A projekt felépítése</a:t>
             </a:r>
-            <a:endParaRPr lang="hu-HU" sz="8000" b="1" cap="small" dirty="0">
-              <a:solidFill>
-                <a:srgbClr val="FFB562"/>
-              </a:solidFill>
-              <a:latin typeface="Arial" panose="020B0604020202020204" pitchFamily="34" charset="0"/>
-              <a:cs typeface="Arial" panose="020B0604020202020204" pitchFamily="34" charset="0"/>
-            </a:endParaRPr>
           </a:p>
         </p:txBody>
       </p:sp>
@@ -5134,13 +5714,6 @@
   <p:clrMapOvr>
     <a:masterClrMapping/>
   </p:clrMapOvr>
-  <p:timing>
-    <p:tnLst>
-      <p:par>
-        <p:cTn id="1" dur="indefinite" restart="never" nodeType="tmRoot"/>
-      </p:par>
-    </p:tnLst>
-  </p:timing>
 </p:sld>
 </file>
 
@@ -5185,7 +5758,7 @@
           <a:p>
             <a:pPr algn="ctr"/>
             <a:r>
-              <a:rPr lang="hu-HU" b="1" cap="small" dirty="0" smtClean="0">
+              <a:rPr lang="hu-HU" b="1" cap="small" dirty="0">
                 <a:solidFill>
                   <a:srgbClr val="FFB562"/>
                 </a:solidFill>
@@ -5194,13 +5767,6 @@
               </a:rPr>
               <a:t>Főoldal</a:t>
             </a:r>
-            <a:endParaRPr lang="hu-HU" b="1" cap="small" dirty="0">
-              <a:solidFill>
-                <a:srgbClr val="FFB562"/>
-              </a:solidFill>
-              <a:latin typeface="Arial" panose="020B0604020202020204" pitchFamily="34" charset="0"/>
-              <a:cs typeface="Arial" panose="020B0604020202020204" pitchFamily="34" charset="0"/>
-            </a:endParaRPr>
           </a:p>
         </p:txBody>
       </p:sp>
@@ -5233,21 +5799,6 @@
   <p:clrMapOvr>
     <a:masterClrMapping/>
   </p:clrMapOvr>
-  <mc:AlternateContent xmlns:mc="http://schemas.openxmlformats.org/markup-compatibility/2006" xmlns:p14="http://schemas.microsoft.com/office/powerpoint/2010/main">
-    <mc:Choice Requires="p14">
-      <p:transition p14:dur="0"/>
-    </mc:Choice>
-    <mc:Fallback xmlns="">
-      <p:transition/>
-    </mc:Fallback>
-  </mc:AlternateContent>
-  <p:timing>
-    <p:tnLst>
-      <p:par>
-        <p:cTn id="1" dur="indefinite" restart="never" nodeType="tmRoot"/>
-      </p:par>
-    </p:tnLst>
-  </p:timing>
 </p:sld>
 </file>
 

--- a/ikt projektfeladat.pptx
+++ b/ikt projektfeladat.pptx
@@ -260,7 +260,7 @@
           <a:p>
             <a:fld id="{38C4BF85-5AB0-4169-A990-10DF94846CFA}" type="datetimeFigureOut">
               <a:rPr lang="hu-HU" smtClean="0"/>
-              <a:t>2023. 02. 06.</a:t>
+              <a:t>2023. 02. 07.</a:t>
             </a:fld>
             <a:endParaRPr lang="hu-HU"/>
           </a:p>
@@ -430,7 +430,7 @@
           <a:p>
             <a:fld id="{38C4BF85-5AB0-4169-A990-10DF94846CFA}" type="datetimeFigureOut">
               <a:rPr lang="hu-HU" smtClean="0"/>
-              <a:t>2023. 02. 06.</a:t>
+              <a:t>2023. 02. 07.</a:t>
             </a:fld>
             <a:endParaRPr lang="hu-HU"/>
           </a:p>
@@ -610,7 +610,7 @@
           <a:p>
             <a:fld id="{38C4BF85-5AB0-4169-A990-10DF94846CFA}" type="datetimeFigureOut">
               <a:rPr lang="hu-HU" smtClean="0"/>
-              <a:t>2023. 02. 06.</a:t>
+              <a:t>2023. 02. 07.</a:t>
             </a:fld>
             <a:endParaRPr lang="hu-HU"/>
           </a:p>
@@ -780,7 +780,7 @@
           <a:p>
             <a:fld id="{38C4BF85-5AB0-4169-A990-10DF94846CFA}" type="datetimeFigureOut">
               <a:rPr lang="hu-HU" smtClean="0"/>
-              <a:t>2023. 02. 06.</a:t>
+              <a:t>2023. 02. 07.</a:t>
             </a:fld>
             <a:endParaRPr lang="hu-HU"/>
           </a:p>
@@ -1026,7 +1026,7 @@
           <a:p>
             <a:fld id="{38C4BF85-5AB0-4169-A990-10DF94846CFA}" type="datetimeFigureOut">
               <a:rPr lang="hu-HU" smtClean="0"/>
-              <a:t>2023. 02. 06.</a:t>
+              <a:t>2023. 02. 07.</a:t>
             </a:fld>
             <a:endParaRPr lang="hu-HU"/>
           </a:p>
@@ -1258,7 +1258,7 @@
           <a:p>
             <a:fld id="{38C4BF85-5AB0-4169-A990-10DF94846CFA}" type="datetimeFigureOut">
               <a:rPr lang="hu-HU" smtClean="0"/>
-              <a:t>2023. 02. 06.</a:t>
+              <a:t>2023. 02. 07.</a:t>
             </a:fld>
             <a:endParaRPr lang="hu-HU"/>
           </a:p>
@@ -1625,7 +1625,7 @@
           <a:p>
             <a:fld id="{38C4BF85-5AB0-4169-A990-10DF94846CFA}" type="datetimeFigureOut">
               <a:rPr lang="hu-HU" smtClean="0"/>
-              <a:t>2023. 02. 06.</a:t>
+              <a:t>2023. 02. 07.</a:t>
             </a:fld>
             <a:endParaRPr lang="hu-HU"/>
           </a:p>
@@ -1743,7 +1743,7 @@
           <a:p>
             <a:fld id="{38C4BF85-5AB0-4169-A990-10DF94846CFA}" type="datetimeFigureOut">
               <a:rPr lang="hu-HU" smtClean="0"/>
-              <a:t>2023. 02. 06.</a:t>
+              <a:t>2023. 02. 07.</a:t>
             </a:fld>
             <a:endParaRPr lang="hu-HU"/>
           </a:p>
@@ -1838,7 +1838,7 @@
           <a:p>
             <a:fld id="{38C4BF85-5AB0-4169-A990-10DF94846CFA}" type="datetimeFigureOut">
               <a:rPr lang="hu-HU" smtClean="0"/>
-              <a:t>2023. 02. 06.</a:t>
+              <a:t>2023. 02. 07.</a:t>
             </a:fld>
             <a:endParaRPr lang="hu-HU"/>
           </a:p>
@@ -2115,7 +2115,7 @@
           <a:p>
             <a:fld id="{38C4BF85-5AB0-4169-A990-10DF94846CFA}" type="datetimeFigureOut">
               <a:rPr lang="hu-HU" smtClean="0"/>
-              <a:t>2023. 02. 06.</a:t>
+              <a:t>2023. 02. 07.</a:t>
             </a:fld>
             <a:endParaRPr lang="hu-HU"/>
           </a:p>
@@ -2372,7 +2372,7 @@
           <a:p>
             <a:fld id="{38C4BF85-5AB0-4169-A990-10DF94846CFA}" type="datetimeFigureOut">
               <a:rPr lang="hu-HU" smtClean="0"/>
-              <a:t>2023. 02. 06.</a:t>
+              <a:t>2023. 02. 07.</a:t>
             </a:fld>
             <a:endParaRPr lang="hu-HU"/>
           </a:p>
@@ -2585,7 +2585,7 @@
           <a:p>
             <a:fld id="{38C4BF85-5AB0-4169-A990-10DF94846CFA}" type="datetimeFigureOut">
               <a:rPr lang="hu-HU" smtClean="0"/>
-              <a:t>2023. 02. 06.</a:t>
+              <a:t>2023. 02. 07.</a:t>
             </a:fld>
             <a:endParaRPr lang="hu-HU"/>
           </a:p>
@@ -3058,7 +3058,9 @@
           </a:xfrm>
         </p:spPr>
         <p:txBody>
-          <a:bodyPr/>
+          <a:bodyPr>
+            <a:normAutofit fontScale="92500"/>
+          </a:bodyPr>
           <a:lstStyle/>
           <a:p>
             <a:r>
@@ -3066,7 +3068,8 @@
                 <a:solidFill>
                   <a:srgbClr val="F87474"/>
                 </a:solidFill>
-                <a:latin typeface="Arial" panose="020B0604020202020204" pitchFamily="34" charset="0"/>
+                <a:latin typeface="Inter" panose="02000503000000020004" pitchFamily="2" charset="0"/>
+                <a:ea typeface="Inter" panose="02000503000000020004" pitchFamily="2" charset="0"/>
                 <a:cs typeface="Arial" panose="020B0604020202020204" pitchFamily="34" charset="0"/>
               </a:rPr>
               <a:t>Készítők: Beréti Zsófia, Császár András, Kulimák Máté</a:t>
@@ -3132,7 +3135,8 @@
                 <a:solidFill>
                   <a:srgbClr val="FFB562"/>
                 </a:solidFill>
-                <a:latin typeface="Arial" panose="020B0604020202020204" pitchFamily="34" charset="0"/>
+                <a:latin typeface="Inter" panose="02000503000000020004" pitchFamily="2" charset="0"/>
+                <a:ea typeface="Inter" panose="02000503000000020004" pitchFamily="2" charset="0"/>
                 <a:cs typeface="Arial" panose="020B0604020202020204" pitchFamily="34" charset="0"/>
               </a:rPr>
               <a:t>Kulimákok</a:t>
@@ -3217,7 +3221,8 @@
                 <a:solidFill>
                   <a:srgbClr val="FFB562"/>
                 </a:solidFill>
-                <a:latin typeface="Arial" panose="020B0604020202020204" pitchFamily="34" charset="0"/>
+                <a:latin typeface="Inter" panose="02000503000000020004" pitchFamily="2" charset="0"/>
+                <a:ea typeface="Inter" panose="02000503000000020004" pitchFamily="2" charset="0"/>
                 <a:cs typeface="Arial" panose="020B0604020202020204" pitchFamily="34" charset="0"/>
               </a:rPr>
               <a:t>Gomb</a:t>
@@ -3302,7 +3307,8 @@
                 <a:solidFill>
                   <a:srgbClr val="FFB562"/>
                 </a:solidFill>
-                <a:latin typeface="Arial" panose="020B0604020202020204" pitchFamily="34" charset="0"/>
+                <a:latin typeface="Inter" panose="02000503000000020004" pitchFamily="2" charset="0"/>
+                <a:ea typeface="Inter" panose="02000503000000020004" pitchFamily="2" charset="0"/>
                 <a:cs typeface="Arial" panose="020B0604020202020204" pitchFamily="34" charset="0"/>
               </a:rPr>
               <a:t>Rólunk</a:t>
@@ -3387,7 +3393,8 @@
                 <a:solidFill>
                   <a:srgbClr val="FFB562"/>
                 </a:solidFill>
-                <a:latin typeface="Arial" panose="020B0604020202020204" pitchFamily="34" charset="0"/>
+                <a:latin typeface="Inter" panose="02000503000000020004" pitchFamily="2" charset="0"/>
+                <a:ea typeface="Inter" panose="02000503000000020004" pitchFamily="2" charset="0"/>
                 <a:cs typeface="Arial" panose="020B0604020202020204" pitchFamily="34" charset="0"/>
               </a:rPr>
               <a:t>És hogy ki mit csinált?</a:t>
@@ -3453,7 +3460,8 @@
                 <a:solidFill>
                   <a:srgbClr val="FFB562"/>
                 </a:solidFill>
-                <a:latin typeface="Arial" panose="020B0604020202020204" pitchFamily="34" charset="0"/>
+                <a:latin typeface="Inter" panose="02000503000000020004" pitchFamily="2" charset="0"/>
+                <a:ea typeface="Inter" panose="02000503000000020004" pitchFamily="2" charset="0"/>
                 <a:cs typeface="Arial" panose="020B0604020202020204" pitchFamily="34" charset="0"/>
               </a:rPr>
               <a:t>Beréti Zsófia része a projektben</a:t>
@@ -3538,7 +3546,8 @@
                 <a:solidFill>
                   <a:srgbClr val="FFB562"/>
                 </a:solidFill>
-                <a:latin typeface="Arial" panose="020B0604020202020204" pitchFamily="34" charset="0"/>
+                <a:latin typeface="Inter" panose="02000503000000020004" pitchFamily="2" charset="0"/>
+                <a:ea typeface="Inter" panose="02000503000000020004" pitchFamily="2" charset="0"/>
                 <a:cs typeface="Arial" panose="020B0604020202020204" pitchFamily="34" charset="0"/>
               </a:rPr>
               <a:t>Császár Andris része a projektben</a:t>
@@ -3623,7 +3632,8 @@
                 <a:solidFill>
                   <a:srgbClr val="FFB562"/>
                 </a:solidFill>
-                <a:latin typeface="Arial" panose="020B0604020202020204" pitchFamily="34" charset="0"/>
+                <a:latin typeface="Inter" panose="02000503000000020004" pitchFamily="2" charset="0"/>
+                <a:ea typeface="Inter" panose="02000503000000020004" pitchFamily="2" charset="0"/>
                 <a:cs typeface="Arial" panose="020B0604020202020204" pitchFamily="34" charset="0"/>
               </a:rPr>
               <a:t>Kulimák Máté része a projektben</a:t>
@@ -3643,104 +3653,139 @@
         </p:nvSpPr>
         <p:spPr>
           <a:xfrm>
-            <a:off x="809171" y="1971041"/>
-            <a:ext cx="3081694" cy="3897913"/>
+            <a:off x="809170" y="1971041"/>
+            <a:ext cx="4556460" cy="3765525"/>
           </a:xfrm>
         </p:spPr>
         <p:txBody>
           <a:bodyPr>
-            <a:normAutofit fontScale="92500" lnSpcReduction="10000"/>
+            <a:normAutofit lnSpcReduction="10000"/>
           </a:bodyPr>
           <a:lstStyle/>
           <a:p>
-            <a:pPr algn="just"/>
-            <a:r>
-              <a:rPr lang="hu-HU" dirty="0">
+            <a:pPr algn="just">
+              <a:spcBef>
+                <a:spcPts val="600"/>
+              </a:spcBef>
+            </a:pPr>
+            <a:r>
+              <a:rPr lang="hu-HU" spc="100" dirty="0">
                 <a:solidFill>
                   <a:srgbClr val="F87474"/>
                 </a:solidFill>
+                <a:latin typeface="Inter" panose="02000503000000020004" pitchFamily="2" charset="0"/>
+                <a:ea typeface="Inter" panose="02000503000000020004" pitchFamily="2" charset="0"/>
               </a:rPr>
               <a:t>Kulimákokról képek elkészítése</a:t>
             </a:r>
           </a:p>
           <a:p>
-            <a:pPr algn="just"/>
-            <a:r>
-              <a:rPr lang="hu-HU" dirty="0" err="1">
+            <a:pPr algn="just">
+              <a:spcBef>
+                <a:spcPts val="600"/>
+              </a:spcBef>
+            </a:pPr>
+            <a:r>
+              <a:rPr lang="hu-HU" spc="100" dirty="0" err="1">
                 <a:solidFill>
                   <a:srgbClr val="F87474"/>
                 </a:solidFill>
+                <a:latin typeface="Inter" panose="02000503000000020004" pitchFamily="2" charset="0"/>
+                <a:ea typeface="Inter" panose="02000503000000020004" pitchFamily="2" charset="0"/>
               </a:rPr>
               <a:t>Powerpoint</a:t>
             </a:r>
             <a:r>
-              <a:rPr lang="hu-HU" dirty="0">
+              <a:rPr lang="hu-HU" spc="100" dirty="0">
                 <a:solidFill>
                   <a:srgbClr val="F87474"/>
                 </a:solidFill>
+                <a:latin typeface="Inter" panose="02000503000000020004" pitchFamily="2" charset="0"/>
+                <a:ea typeface="Inter" panose="02000503000000020004" pitchFamily="2" charset="0"/>
               </a:rPr>
               <a:t> elkészítése</a:t>
             </a:r>
           </a:p>
           <a:p>
-            <a:pPr algn="just"/>
-            <a:r>
-              <a:rPr lang="hu-HU" dirty="0">
+            <a:pPr algn="just">
+              <a:spcBef>
+                <a:spcPts val="600"/>
+              </a:spcBef>
+            </a:pPr>
+            <a:r>
+              <a:rPr lang="hu-HU" spc="100" dirty="0">
                 <a:solidFill>
                   <a:srgbClr val="F87474"/>
                 </a:solidFill>
+                <a:latin typeface="Inter" panose="02000503000000020004" pitchFamily="2" charset="0"/>
+                <a:ea typeface="Inter" panose="02000503000000020004" pitchFamily="2" charset="0"/>
               </a:rPr>
               <a:t>„A gomb” </a:t>
             </a:r>
             <a:r>
-              <a:rPr lang="hu-HU" dirty="0" err="1">
+              <a:rPr lang="hu-HU" spc="100" dirty="0" err="1">
                 <a:solidFill>
                   <a:srgbClr val="F87474"/>
                 </a:solidFill>
+                <a:latin typeface="Inter" panose="02000503000000020004" pitchFamily="2" charset="0"/>
+                <a:ea typeface="Inter" panose="02000503000000020004" pitchFamily="2" charset="0"/>
               </a:rPr>
               <a:t>desing</a:t>
             </a:r>
             <a:r>
-              <a:rPr lang="hu-HU" dirty="0">
+              <a:rPr lang="hu-HU" spc="100" dirty="0">
                 <a:solidFill>
                   <a:srgbClr val="F87474"/>
                 </a:solidFill>
+                <a:latin typeface="Inter" panose="02000503000000020004" pitchFamily="2" charset="0"/>
+                <a:ea typeface="Inter" panose="02000503000000020004" pitchFamily="2" charset="0"/>
               </a:rPr>
               <a:t> és váz</a:t>
             </a:r>
           </a:p>
           <a:p>
-            <a:pPr algn="just"/>
-            <a:r>
-              <a:rPr lang="hu-HU" dirty="0" err="1">
+            <a:pPr algn="just">
+              <a:spcBef>
+                <a:spcPts val="600"/>
+              </a:spcBef>
+            </a:pPr>
+            <a:r>
+              <a:rPr lang="hu-HU" spc="100" dirty="0" err="1">
                 <a:solidFill>
                   <a:srgbClr val="F87474"/>
                 </a:solidFill>
+                <a:latin typeface="Inter" panose="02000503000000020004" pitchFamily="2" charset="0"/>
+                <a:ea typeface="Inter" panose="02000503000000020004" pitchFamily="2" charset="0"/>
               </a:rPr>
               <a:t>Kattingatós</a:t>
             </a:r>
             <a:r>
-              <a:rPr lang="hu-HU" dirty="0">
+              <a:rPr lang="hu-HU" spc="100" dirty="0">
                 <a:solidFill>
                   <a:srgbClr val="F87474"/>
                 </a:solidFill>
+                <a:latin typeface="Inter" panose="02000503000000020004" pitchFamily="2" charset="0"/>
+                <a:ea typeface="Inter" panose="02000503000000020004" pitchFamily="2" charset="0"/>
               </a:rPr>
               <a:t> videó</a:t>
             </a:r>
           </a:p>
           <a:p>
-            <a:pPr algn="just"/>
-            <a:r>
-              <a:rPr lang="hu-HU" dirty="0">
+            <a:pPr algn="just">
+              <a:spcBef>
+                <a:spcPts val="600"/>
+              </a:spcBef>
+            </a:pPr>
+            <a:r>
+              <a:rPr lang="hu-HU" spc="100" dirty="0">
                 <a:solidFill>
                   <a:srgbClr val="F87474"/>
                 </a:solidFill>
+                <a:latin typeface="Inter" panose="02000503000000020004" pitchFamily="2" charset="0"/>
+                <a:ea typeface="Inter" panose="02000503000000020004" pitchFamily="2" charset="0"/>
               </a:rPr>
               <a:t>Az odalak tartalmi szövegének megírása</a:t>
             </a:r>
-          </a:p>
-          <a:p>
-            <a:endParaRPr lang="hu-HU" dirty="0"/>
           </a:p>
         </p:txBody>
       </p:sp>
@@ -3795,7 +3840,7 @@
         <p:spPr>
           <a:xfrm>
             <a:off x="7023876" y="6274440"/>
-            <a:ext cx="3431452" cy="369332"/>
+            <a:ext cx="3943708" cy="369332"/>
           </a:xfrm>
           <a:prstGeom prst="rect">
             <a:avLst/>
@@ -3809,14 +3854,23 @@
           <a:lstStyle/>
           <a:p>
             <a:r>
-              <a:rPr lang="hu-HU" dirty="0"/>
+              <a:rPr lang="hu-HU" dirty="0">
+                <a:latin typeface="Inter" panose="02000503000000020004" pitchFamily="2" charset="0"/>
+                <a:ea typeface="Inter" panose="02000503000000020004" pitchFamily="2" charset="0"/>
+              </a:rPr>
               <a:t>Én ahogy csinálom a </a:t>
             </a:r>
             <a:r>
-              <a:rPr lang="hu-HU" dirty="0" err="1"/>
+              <a:rPr lang="hu-HU" dirty="0" err="1">
+                <a:latin typeface="Inter" panose="02000503000000020004" pitchFamily="2" charset="0"/>
+                <a:ea typeface="Inter" panose="02000503000000020004" pitchFamily="2" charset="0"/>
+              </a:rPr>
               <a:t>powerpointot</a:t>
             </a:r>
-            <a:endParaRPr lang="hu-HU" dirty="0"/>
+            <a:endParaRPr lang="hu-HU" dirty="0">
+              <a:latin typeface="Inter" panose="02000503000000020004" pitchFamily="2" charset="0"/>
+              <a:ea typeface="Inter" panose="02000503000000020004" pitchFamily="2" charset="0"/>
+            </a:endParaRPr>
           </a:p>
         </p:txBody>
       </p:sp>
@@ -3862,8 +3916,8 @@
         </p:nvSpPr>
         <p:spPr>
           <a:xfrm>
-            <a:off x="939800" y="2745468"/>
-            <a:ext cx="10515600" cy="1325563"/>
+            <a:off x="939800" y="1820174"/>
+            <a:ext cx="10515600" cy="2250857"/>
           </a:xfrm>
         </p:spPr>
         <p:txBody>
@@ -3878,7 +3932,8 @@
                 <a:solidFill>
                   <a:srgbClr val="FFB562"/>
                 </a:solidFill>
-                <a:latin typeface="Arial" panose="020B0604020202020204" pitchFamily="34" charset="0"/>
+                <a:latin typeface="Inter" panose="02000503000000020004" pitchFamily="2" charset="0"/>
+                <a:ea typeface="Inter" panose="02000503000000020004" pitchFamily="2" charset="0"/>
                 <a:cs typeface="Arial" panose="020B0604020202020204" pitchFamily="34" charset="0"/>
               </a:rPr>
               <a:t>A közös munka értékelése</a:t>
@@ -3944,7 +3999,8 @@
                 <a:solidFill>
                   <a:srgbClr val="FFB562"/>
                 </a:solidFill>
-                <a:latin typeface="Arial" panose="020B0604020202020204" pitchFamily="34" charset="0"/>
+                <a:latin typeface="Inter" panose="02000503000000020004" pitchFamily="2" charset="0"/>
+                <a:ea typeface="Inter" panose="02000503000000020004" pitchFamily="2" charset="0"/>
                 <a:cs typeface="Arial" panose="020B0604020202020204" pitchFamily="34" charset="0"/>
               </a:rPr>
               <a:t>Köszönjük a figyelmet!</a:t>
@@ -4010,7 +4066,8 @@
                 <a:solidFill>
                   <a:srgbClr val="FFB562"/>
                 </a:solidFill>
-                <a:latin typeface="Arial" panose="020B0604020202020204" pitchFamily="34" charset="0"/>
+                <a:latin typeface="Inter" panose="02000503000000020004" pitchFamily="2" charset="0"/>
+                <a:ea typeface="Inter" panose="02000503000000020004" pitchFamily="2" charset="0"/>
                 <a:cs typeface="Arial" panose="020B0604020202020204" pitchFamily="34" charset="0"/>
               </a:rPr>
               <a:t>Tervezés</a:t>
@@ -4076,7 +4133,8 @@
                 <a:solidFill>
                   <a:srgbClr val="FFB562"/>
                 </a:solidFill>
-                <a:latin typeface="Arial" panose="020B0604020202020204" pitchFamily="34" charset="0"/>
+                <a:latin typeface="Inter" panose="02000503000000020004" pitchFamily="2" charset="0"/>
+                <a:ea typeface="Inter" panose="02000503000000020004" pitchFamily="2" charset="0"/>
                 <a:cs typeface="Arial" panose="020B0604020202020204" pitchFamily="34" charset="0"/>
               </a:rPr>
               <a:t>Sprintek megtervezése</a:t>
@@ -4169,7 +4227,8 @@
                 <a:solidFill>
                   <a:srgbClr val="FFB562"/>
                 </a:solidFill>
-                <a:latin typeface="Arial" panose="020B0604020202020204" pitchFamily="34" charset="0"/>
+                <a:latin typeface="Inter" panose="02000503000000020004" pitchFamily="2" charset="0"/>
+                <a:ea typeface="Inter" panose="02000503000000020004" pitchFamily="2" charset="0"/>
                 <a:cs typeface="Arial" panose="020B0604020202020204" pitchFamily="34" charset="0"/>
               </a:rPr>
               <a:t>Oldalak megtervezése</a:t>
@@ -4541,7 +4600,8 @@
                 <a:solidFill>
                   <a:srgbClr val="FFB562"/>
                 </a:solidFill>
-                <a:latin typeface="Arial" panose="020B0604020202020204" pitchFamily="34" charset="0"/>
+                <a:latin typeface="Inter" panose="02000503000000020004" pitchFamily="2" charset="0"/>
+                <a:ea typeface="Inter" panose="02000503000000020004" pitchFamily="2" charset="0"/>
                 <a:cs typeface="Arial" panose="020B0604020202020204" pitchFamily="34" charset="0"/>
               </a:rPr>
               <a:t>Színek megtervezése</a:t>
@@ -4586,8 +4646,8 @@
         </p:nvSpPr>
         <p:spPr>
           <a:xfrm>
-            <a:off x="9173027" y="2656114"/>
-            <a:ext cx="2394859" cy="584775"/>
+            <a:off x="9131297" y="2552598"/>
+            <a:ext cx="2755903" cy="584775"/>
           </a:xfrm>
           <a:prstGeom prst="rect">
             <a:avLst/>
@@ -4605,6 +4665,8 @@
                 <a:solidFill>
                   <a:srgbClr val="F87474"/>
                 </a:solidFill>
+                <a:latin typeface="Inter" panose="02000503000000020004" pitchFamily="2" charset="0"/>
+                <a:ea typeface="Inter" panose="02000503000000020004" pitchFamily="2" charset="0"/>
                 <a:hlinkClick r:id="rId3"/>
               </a:rPr>
               <a:t>Colorhunt.co</a:t>
@@ -4613,6 +4675,8 @@
               <a:solidFill>
                 <a:srgbClr val="F87474"/>
               </a:solidFill>
+              <a:latin typeface="Inter" panose="02000503000000020004" pitchFamily="2" charset="0"/>
+              <a:ea typeface="Inter" panose="02000503000000020004" pitchFamily="2" charset="0"/>
             </a:endParaRPr>
           </a:p>
         </p:txBody>
@@ -4673,7 +4737,8 @@
                 <a:solidFill>
                   <a:srgbClr val="FFB562"/>
                 </a:solidFill>
-                <a:latin typeface="Arial" panose="020B0604020202020204" pitchFamily="34" charset="0"/>
+                <a:latin typeface="Inter" panose="02000503000000020004" pitchFamily="2" charset="0"/>
+                <a:ea typeface="Inter" panose="02000503000000020004" pitchFamily="2" charset="0"/>
                 <a:cs typeface="Arial" panose="020B0604020202020204" pitchFamily="34" charset="0"/>
               </a:rPr>
               <a:t>Tervezés </a:t>
@@ -4683,7 +4748,8 @@
                 <a:solidFill>
                   <a:srgbClr val="FFB562"/>
                 </a:solidFill>
-                <a:latin typeface="Arial" panose="020B0604020202020204" pitchFamily="34" charset="0"/>
+                <a:latin typeface="Inter" panose="02000503000000020004" pitchFamily="2" charset="0"/>
+                <a:ea typeface="Inter" panose="02000503000000020004" pitchFamily="2" charset="0"/>
                 <a:cs typeface="Arial" panose="020B0604020202020204" pitchFamily="34" charset="0"/>
               </a:rPr>
               <a:t>paintben</a:t>
@@ -4692,7 +4758,8 @@
               <a:solidFill>
                 <a:srgbClr val="FFB562"/>
               </a:solidFill>
-              <a:latin typeface="Arial" panose="020B0604020202020204" pitchFamily="34" charset="0"/>
+              <a:latin typeface="Inter" panose="02000503000000020004" pitchFamily="2" charset="0"/>
+              <a:ea typeface="Inter" panose="02000503000000020004" pitchFamily="2" charset="0"/>
               <a:cs typeface="Arial" panose="020B0604020202020204" pitchFamily="34" charset="0"/>
             </a:endParaRPr>
           </a:p>
@@ -4778,7 +4845,8 @@
                 <a:solidFill>
                   <a:srgbClr val="FFB562"/>
                 </a:solidFill>
-                <a:latin typeface="Arial" panose="020B0604020202020204" pitchFamily="34" charset="0"/>
+                <a:latin typeface="Inter" panose="02000503000000020004" pitchFamily="2" charset="0"/>
+                <a:ea typeface="Inter" panose="02000503000000020004" pitchFamily="2" charset="0"/>
                 <a:cs typeface="Arial" panose="020B0604020202020204" pitchFamily="34" charset="0"/>
               </a:rPr>
               <a:t>A </a:t>
@@ -4788,7 +4856,8 @@
                 <a:solidFill>
                   <a:srgbClr val="FFB562"/>
                 </a:solidFill>
-                <a:latin typeface="Arial" panose="020B0604020202020204" pitchFamily="34" charset="0"/>
+                <a:latin typeface="Inter" panose="02000503000000020004" pitchFamily="2" charset="0"/>
+                <a:ea typeface="Inter" panose="02000503000000020004" pitchFamily="2" charset="0"/>
                 <a:cs typeface="Arial" panose="020B0604020202020204" pitchFamily="34" charset="0"/>
               </a:rPr>
               <a:t>scrum</a:t>
@@ -4798,7 +4867,8 @@
                 <a:solidFill>
                   <a:srgbClr val="FFB562"/>
                 </a:solidFill>
-                <a:latin typeface="Arial" panose="020B0604020202020204" pitchFamily="34" charset="0"/>
+                <a:latin typeface="Inter" panose="02000503000000020004" pitchFamily="2" charset="0"/>
+                <a:ea typeface="Inter" panose="02000503000000020004" pitchFamily="2" charset="0"/>
                 <a:cs typeface="Arial" panose="020B0604020202020204" pitchFamily="34" charset="0"/>
               </a:rPr>
               <a:t> rugalmassága</a:t>
@@ -4828,11 +4898,17 @@
           <a:p>
             <a:pPr algn="ctr"/>
             <a:r>
-              <a:rPr lang="hu-HU" dirty="0" err="1"/>
+              <a:rPr lang="hu-HU" dirty="0" err="1">
+                <a:latin typeface="Inter" panose="02000503000000020004" pitchFamily="2" charset="0"/>
+                <a:ea typeface="Inter" panose="02000503000000020004" pitchFamily="2" charset="0"/>
+              </a:rPr>
               <a:t>Paintes</a:t>
             </a:r>
             <a:r>
-              <a:rPr lang="hu-HU" dirty="0"/>
+              <a:rPr lang="hu-HU" dirty="0">
+                <a:latin typeface="Inter" panose="02000503000000020004" pitchFamily="2" charset="0"/>
+                <a:ea typeface="Inter" panose="02000503000000020004" pitchFamily="2" charset="0"/>
+              </a:rPr>
               <a:t> tervek</a:t>
             </a:r>
           </a:p>
@@ -4888,11 +4964,17 @@
           <a:p>
             <a:pPr algn="ctr"/>
             <a:r>
-              <a:rPr lang="hu-HU" dirty="0" err="1"/>
+              <a:rPr lang="hu-HU" dirty="0" err="1">
+                <a:latin typeface="Inter" panose="02000503000000020004" pitchFamily="2" charset="0"/>
+                <a:ea typeface="Inter" panose="02000503000000020004" pitchFamily="2" charset="0"/>
+              </a:rPr>
               <a:t>Figmás</a:t>
             </a:r>
             <a:r>
-              <a:rPr lang="hu-HU" dirty="0"/>
+              <a:rPr lang="hu-HU" dirty="0">
+                <a:latin typeface="Inter" panose="02000503000000020004" pitchFamily="2" charset="0"/>
+                <a:ea typeface="Inter" panose="02000503000000020004" pitchFamily="2" charset="0"/>
+              </a:rPr>
               <a:t> tervek</a:t>
             </a:r>
           </a:p>
@@ -5696,7 +5778,8 @@
                 <a:solidFill>
                   <a:srgbClr val="FFB562"/>
                 </a:solidFill>
-                <a:latin typeface="Arial" panose="020B0604020202020204" pitchFamily="34" charset="0"/>
+                <a:latin typeface="Inter" panose="02000503000000020004" pitchFamily="2" charset="0"/>
+                <a:ea typeface="Inter" panose="02000503000000020004" pitchFamily="2" charset="0"/>
                 <a:cs typeface="Arial" panose="020B0604020202020204" pitchFamily="34" charset="0"/>
               </a:rPr>
               <a:t>A projekt felépítése</a:t>
@@ -5762,7 +5845,8 @@
                 <a:solidFill>
                   <a:srgbClr val="FFB562"/>
                 </a:solidFill>
-                <a:latin typeface="Arial" panose="020B0604020202020204" pitchFamily="34" charset="0"/>
+                <a:latin typeface="Inter" panose="02000503000000020004" pitchFamily="2" charset="0"/>
+                <a:ea typeface="Inter" panose="02000503000000020004" pitchFamily="2" charset="0"/>
                 <a:cs typeface="Arial" panose="020B0604020202020204" pitchFamily="34" charset="0"/>
               </a:rPr>
               <a:t>Főoldal</a:t>

--- a/ikt projektfeladat.pptx
+++ b/ikt projektfeladat.pptx
@@ -6,23 +6,29 @@
   </p:sldMasterIdLst>
   <p:sldIdLst>
     <p:sldId id="256" r:id="rId2"/>
-    <p:sldId id="259" r:id="rId3"/>
-    <p:sldId id="258" r:id="rId4"/>
-    <p:sldId id="257" r:id="rId5"/>
-    <p:sldId id="260" r:id="rId6"/>
-    <p:sldId id="266" r:id="rId7"/>
-    <p:sldId id="267" r:id="rId8"/>
-    <p:sldId id="261" r:id="rId9"/>
-    <p:sldId id="262" r:id="rId10"/>
-    <p:sldId id="263" r:id="rId11"/>
-    <p:sldId id="264" r:id="rId12"/>
-    <p:sldId id="265" r:id="rId13"/>
-    <p:sldId id="272" r:id="rId14"/>
-    <p:sldId id="268" r:id="rId15"/>
-    <p:sldId id="269" r:id="rId16"/>
-    <p:sldId id="270" r:id="rId17"/>
-    <p:sldId id="271" r:id="rId18"/>
-    <p:sldId id="273" r:id="rId19"/>
+    <p:sldId id="278" r:id="rId3"/>
+    <p:sldId id="279" r:id="rId4"/>
+    <p:sldId id="259" r:id="rId5"/>
+    <p:sldId id="258" r:id="rId6"/>
+    <p:sldId id="257" r:id="rId7"/>
+    <p:sldId id="260" r:id="rId8"/>
+    <p:sldId id="266" r:id="rId9"/>
+    <p:sldId id="267" r:id="rId10"/>
+    <p:sldId id="261" r:id="rId11"/>
+    <p:sldId id="262" r:id="rId12"/>
+    <p:sldId id="263" r:id="rId13"/>
+    <p:sldId id="264" r:id="rId14"/>
+    <p:sldId id="265" r:id="rId15"/>
+    <p:sldId id="272" r:id="rId16"/>
+    <p:sldId id="274" r:id="rId17"/>
+    <p:sldId id="268" r:id="rId18"/>
+    <p:sldId id="275" r:id="rId19"/>
+    <p:sldId id="269" r:id="rId20"/>
+    <p:sldId id="276" r:id="rId21"/>
+    <p:sldId id="270" r:id="rId22"/>
+    <p:sldId id="282" r:id="rId23"/>
+    <p:sldId id="280" r:id="rId24"/>
+    <p:sldId id="273" r:id="rId25"/>
   </p:sldIdLst>
   <p:sldSz cx="12192000" cy="6858000"/>
   <p:notesSz cx="6858000" cy="9144000"/>
@@ -3000,6 +3006,67 @@
       </p:grpSpPr>
       <p:sp>
         <p:nvSpPr>
+          <p:cNvPr id="4" name="Háromszög 3">
+            <a:extLst>
+              <a:ext uri="{FF2B5EF4-FFF2-40B4-BE49-F238E27FC236}">
+                <a16:creationId xmlns:a16="http://schemas.microsoft.com/office/drawing/2014/main" id="{D5F3D95E-6F6A-ACAD-1124-F0DA8A101C5C}"/>
+              </a:ext>
+            </a:extLst>
+          </p:cNvPr>
+          <p:cNvSpPr/>
+          <p:nvPr/>
+        </p:nvSpPr>
+        <p:spPr>
+          <a:xfrm>
+            <a:off x="1880076" y="0"/>
+            <a:ext cx="14829120" cy="6934913"/>
+          </a:xfrm>
+          <a:prstGeom prst="triangle">
+            <a:avLst>
+              <a:gd name="adj" fmla="val 49880"/>
+            </a:avLst>
+          </a:prstGeom>
+          <a:solidFill>
+            <a:srgbClr val="FFB562"/>
+          </a:solidFill>
+          <a:ln>
+            <a:noFill/>
+          </a:ln>
+          <a:effectLst>
+            <a:innerShdw blurRad="63500" dist="50800" dir="16200000">
+              <a:prstClr val="black">
+                <a:alpha val="50000"/>
+              </a:prstClr>
+            </a:innerShdw>
+          </a:effectLst>
+        </p:spPr>
+        <p:style>
+          <a:lnRef idx="2">
+            <a:schemeClr val="accent1">
+              <a:shade val="50000"/>
+            </a:schemeClr>
+          </a:lnRef>
+          <a:fillRef idx="1">
+            <a:schemeClr val="accent1"/>
+          </a:fillRef>
+          <a:effectRef idx="0">
+            <a:schemeClr val="accent1"/>
+          </a:effectRef>
+          <a:fontRef idx="minor">
+            <a:schemeClr val="lt1"/>
+          </a:fontRef>
+        </p:style>
+        <p:txBody>
+          <a:bodyPr rtlCol="0" anchor="ctr"/>
+          <a:lstStyle/>
+          <a:p>
+            <a:pPr algn="ctr"/>
+            <a:endParaRPr lang="hu-HU"/>
+          </a:p>
+        </p:txBody>
+      </p:sp>
+      <p:sp>
+        <p:nvSpPr>
           <p:cNvPr id="2" name="Cím 1"/>
           <p:cNvSpPr>
             <a:spLocks noGrp="1"/>
@@ -3010,33 +3077,32 @@
         </p:nvSpPr>
         <p:spPr>
           <a:xfrm>
-            <a:off x="2520950" y="2349499"/>
-            <a:ext cx="7150100" cy="982663"/>
-          </a:xfrm>
-        </p:spPr>
-        <p:txBody>
-          <a:bodyPr/>
+            <a:off x="5943200" y="2845749"/>
+            <a:ext cx="5696172" cy="1939449"/>
+          </a:xfrm>
+          <a:effectLst>
+            <a:outerShdw blurRad="50800" dist="38100" algn="l" rotWithShape="0">
+              <a:prstClr val="black">
+                <a:alpha val="40000"/>
+              </a:prstClr>
+            </a:outerShdw>
+          </a:effectLst>
+        </p:spPr>
+        <p:txBody>
+          <a:bodyPr>
+            <a:noAutofit/>
+          </a:bodyPr>
           <a:lstStyle/>
           <a:p>
             <a:r>
-              <a:rPr lang="hu-HU" b="1" cap="small" dirty="0" err="1">
+              <a:rPr lang="hu-HU" sz="5400" b="1" cap="small" dirty="0">
                 <a:solidFill>
-                  <a:srgbClr val="FFB562"/>
+                  <a:schemeClr val="bg1"/>
                 </a:solidFill>
                 <a:latin typeface="Inter"/>
                 <a:cs typeface="Arial" panose="020B0604020202020204" pitchFamily="34" charset="0"/>
               </a:rPr>
-              <a:t>ikt</a:t>
-            </a:r>
-            <a:r>
-              <a:rPr lang="hu-HU" b="1" cap="small" dirty="0">
-                <a:solidFill>
-                  <a:srgbClr val="FFB562"/>
-                </a:solidFill>
-                <a:latin typeface="Inter"/>
-                <a:cs typeface="Arial" panose="020B0604020202020204" pitchFamily="34" charset="0"/>
-              </a:rPr>
-              <a:t> projektfeladat</a:t>
+              <a:t>Fogadj örökbe egy Kulimákot</a:t>
             </a:r>
           </a:p>
         </p:txBody>
@@ -3053,20 +3119,27 @@
         </p:nvSpPr>
         <p:spPr>
           <a:xfrm>
-            <a:off x="2298700" y="3509963"/>
-            <a:ext cx="7594600" cy="487362"/>
-          </a:xfrm>
+            <a:off x="4734370" y="4801843"/>
+            <a:ext cx="6845181" cy="487362"/>
+          </a:xfrm>
+          <a:effectLst>
+            <a:outerShdw blurRad="50800" dist="38100" algn="l" rotWithShape="0">
+              <a:prstClr val="black">
+                <a:alpha val="40000"/>
+              </a:prstClr>
+            </a:outerShdw>
+          </a:effectLst>
         </p:spPr>
         <p:txBody>
           <a:bodyPr>
-            <a:normAutofit fontScale="92500"/>
+            <a:normAutofit/>
           </a:bodyPr>
           <a:lstStyle/>
           <a:p>
             <a:r>
               <a:rPr lang="hu-HU" dirty="0">
                 <a:solidFill>
-                  <a:srgbClr val="F87474"/>
+                  <a:schemeClr val="bg1"/>
                 </a:solidFill>
                 <a:latin typeface="Inter" panose="02000503000000020004" pitchFamily="2" charset="0"/>
                 <a:ea typeface="Inter" panose="02000503000000020004" pitchFamily="2" charset="0"/>
@@ -3087,6 +3160,14 @@
   <p:clrMapOvr>
     <a:masterClrMapping/>
   </p:clrMapOvr>
+  <mc:AlternateContent xmlns:mc="http://schemas.openxmlformats.org/markup-compatibility/2006">
+    <mc:Choice xmlns:p14="http://schemas.microsoft.com/office/powerpoint/2010/main" Requires="p14">
+      <p:transition p14:dur="10"/>
+    </mc:Choice>
+    <mc:Fallback>
+      <p:transition/>
+    </mc:Fallback>
+  </mc:AlternateContent>
 </p:sld>
 </file>
 
@@ -3119,8 +3200,8 @@
         </p:nvSpPr>
         <p:spPr>
           <a:xfrm>
-            <a:off x="809171" y="595085"/>
-            <a:ext cx="10515600" cy="776288"/>
+            <a:off x="2063342" y="2766218"/>
+            <a:ext cx="8065316" cy="1325563"/>
           </a:xfrm>
         </p:spPr>
         <p:txBody>
@@ -3131,7 +3212,7 @@
           <a:p>
             <a:pPr algn="ctr"/>
             <a:r>
-              <a:rPr lang="hu-HU" b="1" cap="small" dirty="0">
+              <a:rPr lang="hu-HU" sz="8000" b="1" cap="small" dirty="0">
                 <a:solidFill>
                   <a:srgbClr val="FFB562"/>
                 </a:solidFill>
@@ -3139,34 +3220,229 @@
                 <a:ea typeface="Inter" panose="02000503000000020004" pitchFamily="2" charset="0"/>
                 <a:cs typeface="Arial" panose="020B0604020202020204" pitchFamily="34" charset="0"/>
               </a:rPr>
-              <a:t>Kulimákok</a:t>
-            </a:r>
-          </a:p>
-        </p:txBody>
-      </p:sp>
-      <p:sp>
-        <p:nvSpPr>
-          <p:cNvPr id="3" name="Tartalom helye 2"/>
-          <p:cNvSpPr>
-            <a:spLocks noGrp="1"/>
-          </p:cNvSpPr>
-          <p:nvPr>
-            <p:ph idx="1"/>
-          </p:nvPr>
-        </p:nvSpPr>
-        <p:spPr/>
-        <p:txBody>
-          <a:bodyPr/>
+              <a:t>A projekt felépítése</a:t>
+            </a:r>
+          </a:p>
+        </p:txBody>
+      </p:sp>
+      <p:cxnSp>
+        <p:nvCxnSpPr>
+          <p:cNvPr id="4" name="Egyenes összekötő 3">
+            <a:extLst>
+              <a:ext uri="{FF2B5EF4-FFF2-40B4-BE49-F238E27FC236}">
+                <a16:creationId xmlns:a16="http://schemas.microsoft.com/office/drawing/2014/main" id="{63CF3D42-98DE-3F15-A84F-B80368A0A9A6}"/>
+              </a:ext>
+            </a:extLst>
+          </p:cNvPr>
+          <p:cNvCxnSpPr/>
+          <p:nvPr/>
+        </p:nvCxnSpPr>
+        <p:spPr>
+          <a:xfrm>
+            <a:off x="2181138" y="3907224"/>
+            <a:ext cx="3363985" cy="0"/>
+          </a:xfrm>
+          <a:prstGeom prst="line">
+            <a:avLst/>
+          </a:prstGeom>
+          <a:ln w="57150">
+            <a:solidFill>
+              <a:srgbClr val="FFB562"/>
+            </a:solidFill>
+          </a:ln>
+        </p:spPr>
+        <p:style>
+          <a:lnRef idx="1">
+            <a:schemeClr val="accent1"/>
+          </a:lnRef>
+          <a:fillRef idx="0">
+            <a:schemeClr val="accent1"/>
+          </a:fillRef>
+          <a:effectRef idx="0">
+            <a:schemeClr val="accent1"/>
+          </a:effectRef>
+          <a:fontRef idx="minor">
+            <a:schemeClr val="tx1"/>
+          </a:fontRef>
+        </p:style>
+      </p:cxnSp>
+      <p:sp>
+        <p:nvSpPr>
+          <p:cNvPr id="5" name="Téglalap 4">
+            <a:extLst>
+              <a:ext uri="{FF2B5EF4-FFF2-40B4-BE49-F238E27FC236}">
+                <a16:creationId xmlns:a16="http://schemas.microsoft.com/office/drawing/2014/main" id="{6C6DE8F0-50C1-C31A-E59C-0E569DAC4FFA}"/>
+              </a:ext>
+            </a:extLst>
+          </p:cNvPr>
+          <p:cNvSpPr/>
+          <p:nvPr/>
+        </p:nvSpPr>
+        <p:spPr>
+          <a:xfrm rot="8313099">
+            <a:off x="10453739" y="-1755502"/>
+            <a:ext cx="3476520" cy="4264743"/>
+          </a:xfrm>
+          <a:prstGeom prst="rect">
+            <a:avLst/>
+          </a:prstGeom>
+          <a:solidFill>
+            <a:srgbClr val="FFB562"/>
+          </a:solidFill>
+          <a:ln>
+            <a:noFill/>
+          </a:ln>
+          <a:effectLst>
+            <a:innerShdw blurRad="114300">
+              <a:prstClr val="black"/>
+            </a:innerShdw>
+          </a:effectLst>
+        </p:spPr>
+        <p:style>
+          <a:lnRef idx="2">
+            <a:schemeClr val="accent1">
+              <a:shade val="50000"/>
+            </a:schemeClr>
+          </a:lnRef>
+          <a:fillRef idx="1">
+            <a:schemeClr val="accent1"/>
+          </a:fillRef>
+          <a:effectRef idx="0">
+            <a:schemeClr val="accent1"/>
+          </a:effectRef>
+          <a:fontRef idx="minor">
+            <a:schemeClr val="lt1"/>
+          </a:fontRef>
+        </p:style>
+        <p:txBody>
+          <a:bodyPr rtlCol="0" anchor="ctr"/>
           <a:lstStyle/>
           <a:p>
+            <a:pPr algn="ctr"/>
             <a:endParaRPr lang="hu-HU"/>
+          </a:p>
+        </p:txBody>
+      </p:sp>
+      <p:sp>
+        <p:nvSpPr>
+          <p:cNvPr id="6" name="Téglalap 5">
+            <a:extLst>
+              <a:ext uri="{FF2B5EF4-FFF2-40B4-BE49-F238E27FC236}">
+                <a16:creationId xmlns:a16="http://schemas.microsoft.com/office/drawing/2014/main" id="{E4A87E45-F20B-26AB-5162-855040BA244C}"/>
+              </a:ext>
+            </a:extLst>
+          </p:cNvPr>
+          <p:cNvSpPr/>
+          <p:nvPr/>
+        </p:nvSpPr>
+        <p:spPr>
+          <a:xfrm rot="8311461">
+            <a:off x="9617434" y="-1844674"/>
+            <a:ext cx="3734587" cy="3444254"/>
+          </a:xfrm>
+          <a:prstGeom prst="rect">
+            <a:avLst/>
+          </a:prstGeom>
+          <a:noFill/>
+          <a:ln w="19050">
+            <a:solidFill>
+              <a:schemeClr val="tx1"/>
+            </a:solidFill>
+          </a:ln>
+          <a:effectLst>
+            <a:innerShdw blurRad="114300">
+              <a:prstClr val="black"/>
+            </a:innerShdw>
+          </a:effectLst>
+        </p:spPr>
+        <p:style>
+          <a:lnRef idx="2">
+            <a:schemeClr val="accent1">
+              <a:shade val="50000"/>
+            </a:schemeClr>
+          </a:lnRef>
+          <a:fillRef idx="1">
+            <a:schemeClr val="accent1"/>
+          </a:fillRef>
+          <a:effectRef idx="0">
+            <a:schemeClr val="accent1"/>
+          </a:effectRef>
+          <a:fontRef idx="minor">
+            <a:schemeClr val="lt1"/>
+          </a:fontRef>
+        </p:style>
+        <p:txBody>
+          <a:bodyPr rtlCol="0" anchor="ctr"/>
+          <a:lstStyle/>
+          <a:p>
+            <a:pPr algn="ctr"/>
+            <a:endParaRPr lang="hu-HU"/>
+          </a:p>
+        </p:txBody>
+      </p:sp>
+      <p:sp>
+        <p:nvSpPr>
+          <p:cNvPr id="7" name="Téglalap 6">
+            <a:extLst>
+              <a:ext uri="{FF2B5EF4-FFF2-40B4-BE49-F238E27FC236}">
+                <a16:creationId xmlns:a16="http://schemas.microsoft.com/office/drawing/2014/main" id="{24E4B7F5-7118-1822-FDE0-D12FC5E9655E}"/>
+              </a:ext>
+            </a:extLst>
+          </p:cNvPr>
+          <p:cNvSpPr/>
+          <p:nvPr/>
+        </p:nvSpPr>
+        <p:spPr>
+          <a:xfrm rot="7598796">
+            <a:off x="-765085" y="4374652"/>
+            <a:ext cx="3301121" cy="4966695"/>
+          </a:xfrm>
+          <a:prstGeom prst="rect">
+            <a:avLst/>
+          </a:prstGeom>
+          <a:solidFill>
+            <a:srgbClr val="FFB562"/>
+          </a:solidFill>
+          <a:ln>
+            <a:noFill/>
+          </a:ln>
+          <a:effectLst>
+            <a:innerShdw blurRad="63500" dist="50800" dir="13500000">
+              <a:prstClr val="black">
+                <a:alpha val="50000"/>
+              </a:prstClr>
+            </a:innerShdw>
+          </a:effectLst>
+        </p:spPr>
+        <p:style>
+          <a:lnRef idx="2">
+            <a:schemeClr val="accent1">
+              <a:shade val="50000"/>
+            </a:schemeClr>
+          </a:lnRef>
+          <a:fillRef idx="1">
+            <a:schemeClr val="accent1"/>
+          </a:fillRef>
+          <a:effectRef idx="0">
+            <a:schemeClr val="accent1"/>
+          </a:effectRef>
+          <a:fontRef idx="minor">
+            <a:schemeClr val="lt1"/>
+          </a:fontRef>
+        </p:style>
+        <p:txBody>
+          <a:bodyPr rtlCol="0" anchor="ctr"/>
+          <a:lstStyle/>
+          <a:p>
+            <a:pPr algn="ctr"/>
+            <a:endParaRPr lang="hu-HU" dirty="0"/>
           </a:p>
         </p:txBody>
       </p:sp>
     </p:spTree>
     <p:extLst>
       <p:ext uri="{BB962C8B-B14F-4D97-AF65-F5344CB8AC3E}">
-        <p14:creationId xmlns:p14="http://schemas.microsoft.com/office/powerpoint/2010/main" val="689898521"/>
+        <p14:creationId xmlns:p14="http://schemas.microsoft.com/office/powerpoint/2010/main" val="3910073332"/>
       </p:ext>
     </p:extLst>
   </p:cSld>
@@ -3225,7 +3501,7 @@
                 <a:ea typeface="Inter" panose="02000503000000020004" pitchFamily="2" charset="0"/>
                 <a:cs typeface="Arial" panose="020B0604020202020204" pitchFamily="34" charset="0"/>
               </a:rPr>
-              <a:t>Gomb</a:t>
+              <a:t>Főoldal</a:t>
             </a:r>
           </a:p>
         </p:txBody>
@@ -3245,14 +3521,14 @@
           <a:bodyPr/>
           <a:lstStyle/>
           <a:p>
-            <a:endParaRPr lang="hu-HU"/>
+            <a:endParaRPr lang="hu-HU" dirty="0"/>
           </a:p>
         </p:txBody>
       </p:sp>
     </p:spTree>
     <p:extLst>
       <p:ext uri="{BB962C8B-B14F-4D97-AF65-F5344CB8AC3E}">
-        <p14:creationId xmlns:p14="http://schemas.microsoft.com/office/powerpoint/2010/main" val="2816566797"/>
+        <p14:creationId xmlns:p14="http://schemas.microsoft.com/office/powerpoint/2010/main" val="97081689"/>
       </p:ext>
     </p:extLst>
   </p:cSld>
@@ -3311,7 +3587,7 @@
                 <a:ea typeface="Inter" panose="02000503000000020004" pitchFamily="2" charset="0"/>
                 <a:cs typeface="Arial" panose="020B0604020202020204" pitchFamily="34" charset="0"/>
               </a:rPr>
-              <a:t>Rólunk</a:t>
+              <a:t>Kulimákok</a:t>
             </a:r>
           </a:p>
         </p:txBody>
@@ -3338,7 +3614,7 @@
     </p:spTree>
     <p:extLst>
       <p:ext uri="{BB962C8B-B14F-4D97-AF65-F5344CB8AC3E}">
-        <p14:creationId xmlns:p14="http://schemas.microsoft.com/office/powerpoint/2010/main" val="3824542068"/>
+        <p14:creationId xmlns:p14="http://schemas.microsoft.com/office/powerpoint/2010/main" val="689898521"/>
       </p:ext>
     </p:extLst>
   </p:cSld>
@@ -3377,19 +3653,19 @@
         </p:nvSpPr>
         <p:spPr>
           <a:xfrm>
-            <a:off x="939800" y="2745468"/>
-            <a:ext cx="10515600" cy="1325563"/>
+            <a:off x="809171" y="595085"/>
+            <a:ext cx="10515600" cy="776288"/>
           </a:xfrm>
         </p:spPr>
         <p:txBody>
           <a:bodyPr>
-            <a:normAutofit fontScale="90000"/>
+            <a:normAutofit/>
           </a:bodyPr>
           <a:lstStyle/>
           <a:p>
             <a:pPr algn="ctr"/>
             <a:r>
-              <a:rPr lang="hu-HU" sz="8000" b="1" cap="small" dirty="0">
+              <a:rPr lang="hu-HU" b="1" cap="small" dirty="0">
                 <a:solidFill>
                   <a:srgbClr val="FFB562"/>
                 </a:solidFill>
@@ -3397,15 +3673,34 @@
                 <a:ea typeface="Inter" panose="02000503000000020004" pitchFamily="2" charset="0"/>
                 <a:cs typeface="Arial" panose="020B0604020202020204" pitchFamily="34" charset="0"/>
               </a:rPr>
-              <a:t>És hogy ki mit csinált?</a:t>
-            </a:r>
+              <a:t>Gomb</a:t>
+            </a:r>
+          </a:p>
+        </p:txBody>
+      </p:sp>
+      <p:sp>
+        <p:nvSpPr>
+          <p:cNvPr id="3" name="Tartalom helye 2"/>
+          <p:cNvSpPr>
+            <a:spLocks noGrp="1"/>
+          </p:cNvSpPr>
+          <p:nvPr>
+            <p:ph idx="1"/>
+          </p:nvPr>
+        </p:nvSpPr>
+        <p:spPr/>
+        <p:txBody>
+          <a:bodyPr/>
+          <a:lstStyle/>
+          <a:p>
+            <a:endParaRPr lang="hu-HU"/>
           </a:p>
         </p:txBody>
       </p:sp>
     </p:spTree>
     <p:extLst>
       <p:ext uri="{BB962C8B-B14F-4D97-AF65-F5344CB8AC3E}">
-        <p14:creationId xmlns:p14="http://schemas.microsoft.com/office/powerpoint/2010/main" val="1330260523"/>
+        <p14:creationId xmlns:p14="http://schemas.microsoft.com/office/powerpoint/2010/main" val="2816566797"/>
       </p:ext>
     </p:extLst>
   </p:cSld>
@@ -3464,7 +3759,7 @@
                 <a:ea typeface="Inter" panose="02000503000000020004" pitchFamily="2" charset="0"/>
                 <a:cs typeface="Arial" panose="020B0604020202020204" pitchFamily="34" charset="0"/>
               </a:rPr>
-              <a:t>Beréti Zsófia része a projektben</a:t>
+              <a:t>Rólunk</a:t>
             </a:r>
           </a:p>
         </p:txBody>
@@ -3491,7 +3786,7 @@
     </p:spTree>
     <p:extLst>
       <p:ext uri="{BB962C8B-B14F-4D97-AF65-F5344CB8AC3E}">
-        <p14:creationId xmlns:p14="http://schemas.microsoft.com/office/powerpoint/2010/main" val="2605798914"/>
+        <p14:creationId xmlns:p14="http://schemas.microsoft.com/office/powerpoint/2010/main" val="3824542068"/>
       </p:ext>
     </p:extLst>
   </p:cSld>
@@ -3530,8 +3825,8 @@
         </p:nvSpPr>
         <p:spPr>
           <a:xfrm>
-            <a:off x="809171" y="595085"/>
-            <a:ext cx="10515600" cy="776288"/>
+            <a:off x="939800" y="2745468"/>
+            <a:ext cx="10515600" cy="1325563"/>
           </a:xfrm>
         </p:spPr>
         <p:txBody>
@@ -3542,7 +3837,7 @@
           <a:p>
             <a:pPr algn="ctr"/>
             <a:r>
-              <a:rPr lang="hu-HU" b="1" cap="small" dirty="0">
+              <a:rPr lang="hu-HU" sz="8000" b="1" cap="small" dirty="0">
                 <a:solidFill>
                   <a:srgbClr val="FFB562"/>
                 </a:solidFill>
@@ -3550,34 +3845,56 @@
                 <a:ea typeface="Inter" panose="02000503000000020004" pitchFamily="2" charset="0"/>
                 <a:cs typeface="Arial" panose="020B0604020202020204" pitchFamily="34" charset="0"/>
               </a:rPr>
-              <a:t>Császár Andris része a projektben</a:t>
-            </a:r>
-          </a:p>
-        </p:txBody>
-      </p:sp>
-      <p:sp>
-        <p:nvSpPr>
-          <p:cNvPr id="3" name="Tartalom helye 2"/>
-          <p:cNvSpPr>
-            <a:spLocks noGrp="1"/>
-          </p:cNvSpPr>
-          <p:nvPr>
-            <p:ph idx="1"/>
-          </p:nvPr>
-        </p:nvSpPr>
-        <p:spPr/>
-        <p:txBody>
-          <a:bodyPr/>
-          <a:lstStyle/>
-          <a:p>
-            <a:endParaRPr lang="hu-HU"/>
-          </a:p>
-        </p:txBody>
-      </p:sp>
+              <a:t>És hogy ki mit csinált?</a:t>
+            </a:r>
+          </a:p>
+        </p:txBody>
+      </p:sp>
+      <p:cxnSp>
+        <p:nvCxnSpPr>
+          <p:cNvPr id="3" name="Egyenes összekötő 2">
+            <a:extLst>
+              <a:ext uri="{FF2B5EF4-FFF2-40B4-BE49-F238E27FC236}">
+                <a16:creationId xmlns:a16="http://schemas.microsoft.com/office/drawing/2014/main" id="{D817E64C-2825-B4BA-16A0-D8227CF5BA2A}"/>
+              </a:ext>
+            </a:extLst>
+          </p:cNvPr>
+          <p:cNvCxnSpPr/>
+          <p:nvPr/>
+        </p:nvCxnSpPr>
+        <p:spPr>
+          <a:xfrm>
+            <a:off x="1753300" y="3915613"/>
+            <a:ext cx="3363985" cy="0"/>
+          </a:xfrm>
+          <a:prstGeom prst="line">
+            <a:avLst/>
+          </a:prstGeom>
+          <a:ln w="57150">
+            <a:solidFill>
+              <a:srgbClr val="FFB562"/>
+            </a:solidFill>
+          </a:ln>
+        </p:spPr>
+        <p:style>
+          <a:lnRef idx="1">
+            <a:schemeClr val="accent1"/>
+          </a:lnRef>
+          <a:fillRef idx="0">
+            <a:schemeClr val="accent1"/>
+          </a:fillRef>
+          <a:effectRef idx="0">
+            <a:schemeClr val="accent1"/>
+          </a:effectRef>
+          <a:fontRef idx="minor">
+            <a:schemeClr val="tx1"/>
+          </a:fontRef>
+        </p:style>
+      </p:cxnSp>
     </p:spTree>
     <p:extLst>
       <p:ext uri="{BB962C8B-B14F-4D97-AF65-F5344CB8AC3E}">
-        <p14:creationId xmlns:p14="http://schemas.microsoft.com/office/powerpoint/2010/main" val="1252547542"/>
+        <p14:creationId xmlns:p14="http://schemas.microsoft.com/office/powerpoint/2010/main" val="1330260523"/>
       </p:ext>
     </p:extLst>
   </p:cSld>
@@ -3604,9 +3921,1845 @@
           <a:chExt cx="0" cy="0"/>
         </a:xfrm>
       </p:grpSpPr>
-      <p:sp>
-        <p:nvSpPr>
-          <p:cNvPr id="2" name="Cím 1"/>
+      <p:pic>
+        <p:nvPicPr>
+          <p:cNvPr id="1026" name="Picture 2" descr="Fénykép megnyitása">
+            <a:extLst>
+              <a:ext uri="{FF2B5EF4-FFF2-40B4-BE49-F238E27FC236}">
+                <a16:creationId xmlns:a16="http://schemas.microsoft.com/office/drawing/2014/main" id="{8C4D150B-EC90-B7E4-62AA-78E6A2D34387}"/>
+              </a:ext>
+            </a:extLst>
+          </p:cNvPr>
+          <p:cNvPicPr>
+            <a:picLocks noChangeAspect="1" noChangeArrowheads="1"/>
+          </p:cNvPicPr>
+          <p:nvPr/>
+        </p:nvPicPr>
+        <p:blipFill>
+          <a:blip r:embed="rId2">
+            <a:extLst>
+              <a:ext uri="{28A0092B-C50C-407E-A947-70E740481C1C}">
+                <a14:useLocalDpi xmlns:a14="http://schemas.microsoft.com/office/drawing/2010/main" val="0"/>
+              </a:ext>
+            </a:extLst>
+          </a:blip>
+          <a:srcRect/>
+          <a:stretch>
+            <a:fillRect/>
+          </a:stretch>
+        </p:blipFill>
+        <p:spPr bwMode="auto">
+          <a:xfrm>
+            <a:off x="-529439" y="0"/>
+            <a:ext cx="6858000" cy="6858000"/>
+          </a:xfrm>
+          <a:prstGeom prst="rect">
+            <a:avLst/>
+          </a:prstGeom>
+          <a:noFill/>
+          <a:extLst>
+            <a:ext uri="{909E8E84-426E-40DD-AFC4-6F175D3DCCD1}">
+              <a14:hiddenFill xmlns:a14="http://schemas.microsoft.com/office/drawing/2010/main">
+                <a:solidFill>
+                  <a:srgbClr val="FFFFFF"/>
+                </a:solidFill>
+              </a14:hiddenFill>
+            </a:ext>
+          </a:extLst>
+        </p:spPr>
+      </p:pic>
+      <p:sp>
+        <p:nvSpPr>
+          <p:cNvPr id="4" name="Téglalap 3">
+            <a:extLst>
+              <a:ext uri="{FF2B5EF4-FFF2-40B4-BE49-F238E27FC236}">
+                <a16:creationId xmlns:a16="http://schemas.microsoft.com/office/drawing/2014/main" id="{FB9D15FA-0B42-C9FA-9674-B0518720DF12}"/>
+              </a:ext>
+            </a:extLst>
+          </p:cNvPr>
+          <p:cNvSpPr/>
+          <p:nvPr/>
+        </p:nvSpPr>
+        <p:spPr>
+          <a:xfrm>
+            <a:off x="4893892" y="1836220"/>
+            <a:ext cx="7298108" cy="3799833"/>
+          </a:xfrm>
+          <a:prstGeom prst="rect">
+            <a:avLst/>
+          </a:prstGeom>
+          <a:solidFill>
+            <a:srgbClr val="F87474"/>
+          </a:solidFill>
+          <a:ln>
+            <a:noFill/>
+          </a:ln>
+          <a:effectLst>
+            <a:innerShdw blurRad="63500" dist="50800" dir="10800000">
+              <a:prstClr val="black">
+                <a:alpha val="50000"/>
+              </a:prstClr>
+            </a:innerShdw>
+          </a:effectLst>
+        </p:spPr>
+        <p:style>
+          <a:lnRef idx="2">
+            <a:schemeClr val="accent1">
+              <a:shade val="50000"/>
+            </a:schemeClr>
+          </a:lnRef>
+          <a:fillRef idx="1">
+            <a:schemeClr val="accent1"/>
+          </a:fillRef>
+          <a:effectRef idx="0">
+            <a:schemeClr val="accent1"/>
+          </a:effectRef>
+          <a:fontRef idx="minor">
+            <a:schemeClr val="lt1"/>
+          </a:fontRef>
+        </p:style>
+        <p:txBody>
+          <a:bodyPr rtlCol="0" anchor="ctr"/>
+          <a:lstStyle/>
+          <a:p>
+            <a:pPr algn="ctr"/>
+            <a:endParaRPr lang="hu-HU" sz="2800" b="1" dirty="0"/>
+          </a:p>
+        </p:txBody>
+      </p:sp>
+      <p:sp>
+        <p:nvSpPr>
+          <p:cNvPr id="5" name="Szövegdoboz 4">
+            <a:extLst>
+              <a:ext uri="{FF2B5EF4-FFF2-40B4-BE49-F238E27FC236}">
+                <a16:creationId xmlns:a16="http://schemas.microsoft.com/office/drawing/2014/main" id="{C21EE10D-C5A2-27B5-8C40-AFA7A6453788}"/>
+              </a:ext>
+            </a:extLst>
+          </p:cNvPr>
+          <p:cNvSpPr txBox="1"/>
+          <p:nvPr/>
+        </p:nvSpPr>
+        <p:spPr>
+          <a:xfrm>
+            <a:off x="5870962" y="2170632"/>
+            <a:ext cx="5093292" cy="923330"/>
+          </a:xfrm>
+          <a:prstGeom prst="rect">
+            <a:avLst/>
+          </a:prstGeom>
+          <a:noFill/>
+        </p:spPr>
+        <p:txBody>
+          <a:bodyPr wrap="square" rtlCol="0">
+            <a:spAutoFit/>
+          </a:bodyPr>
+          <a:lstStyle/>
+          <a:p>
+            <a:r>
+              <a:rPr lang="hu-HU" sz="5400" b="1" dirty="0">
+                <a:solidFill>
+                  <a:schemeClr val="bg1"/>
+                </a:solidFill>
+              </a:rPr>
+              <a:t>Beréti Zsófia</a:t>
+            </a:r>
+            <a:endParaRPr lang="hu-HU" sz="5400" dirty="0">
+              <a:solidFill>
+                <a:schemeClr val="bg1"/>
+              </a:solidFill>
+            </a:endParaRPr>
+          </a:p>
+        </p:txBody>
+      </p:sp>
+      <p:cxnSp>
+        <p:nvCxnSpPr>
+          <p:cNvPr id="7" name="Egyenes összekötő 6">
+            <a:extLst>
+              <a:ext uri="{FF2B5EF4-FFF2-40B4-BE49-F238E27FC236}">
+                <a16:creationId xmlns:a16="http://schemas.microsoft.com/office/drawing/2014/main" id="{BF9DAD82-9240-F80F-7575-EB85FF9ADA0A}"/>
+              </a:ext>
+            </a:extLst>
+          </p:cNvPr>
+          <p:cNvCxnSpPr/>
+          <p:nvPr/>
+        </p:nvCxnSpPr>
+        <p:spPr>
+          <a:xfrm>
+            <a:off x="5973510" y="3093962"/>
+            <a:ext cx="2811567" cy="0"/>
+          </a:xfrm>
+          <a:prstGeom prst="line">
+            <a:avLst/>
+          </a:prstGeom>
+          <a:ln w="38100">
+            <a:solidFill>
+              <a:schemeClr val="bg1"/>
+            </a:solidFill>
+          </a:ln>
+        </p:spPr>
+        <p:style>
+          <a:lnRef idx="1">
+            <a:schemeClr val="accent1"/>
+          </a:lnRef>
+          <a:fillRef idx="0">
+            <a:schemeClr val="accent1"/>
+          </a:fillRef>
+          <a:effectRef idx="0">
+            <a:schemeClr val="accent1"/>
+          </a:effectRef>
+          <a:fontRef idx="minor">
+            <a:schemeClr val="tx1"/>
+          </a:fontRef>
+        </p:style>
+      </p:cxnSp>
+      <p:sp>
+        <p:nvSpPr>
+          <p:cNvPr id="8" name="Szövegdoboz 7">
+            <a:extLst>
+              <a:ext uri="{FF2B5EF4-FFF2-40B4-BE49-F238E27FC236}">
+                <a16:creationId xmlns:a16="http://schemas.microsoft.com/office/drawing/2014/main" id="{05827A60-3606-AF5F-91B9-E138E8035027}"/>
+              </a:ext>
+            </a:extLst>
+          </p:cNvPr>
+          <p:cNvSpPr txBox="1"/>
+          <p:nvPr/>
+        </p:nvSpPr>
+        <p:spPr>
+          <a:xfrm>
+            <a:off x="5973510" y="3118912"/>
+            <a:ext cx="3673677" cy="523220"/>
+          </a:xfrm>
+          <a:prstGeom prst="rect">
+            <a:avLst/>
+          </a:prstGeom>
+          <a:noFill/>
+        </p:spPr>
+        <p:txBody>
+          <a:bodyPr wrap="square" rtlCol="0">
+            <a:spAutoFit/>
+          </a:bodyPr>
+          <a:lstStyle/>
+          <a:p>
+            <a:r>
+              <a:rPr lang="hu-HU" sz="2800" b="1" dirty="0">
+                <a:solidFill>
+                  <a:schemeClr val="bg1"/>
+                </a:solidFill>
+              </a:rPr>
+              <a:t>része a projektben</a:t>
+            </a:r>
+          </a:p>
+        </p:txBody>
+      </p:sp>
+    </p:spTree>
+    <p:extLst>
+      <p:ext uri="{BB962C8B-B14F-4D97-AF65-F5344CB8AC3E}">
+        <p14:creationId xmlns:p14="http://schemas.microsoft.com/office/powerpoint/2010/main" val="733007864"/>
+      </p:ext>
+    </p:extLst>
+  </p:cSld>
+  <p:clrMapOvr>
+    <a:masterClrMapping/>
+  </p:clrMapOvr>
+  <p:timing>
+    <p:tnLst>
+      <p:par>
+        <p:cTn id="1" dur="indefinite" restart="never" nodeType="tmRoot">
+          <p:childTnLst>
+            <p:seq concurrent="1" nextAc="seek">
+              <p:cTn id="2" dur="indefinite" nodeType="mainSeq">
+                <p:childTnLst>
+                  <p:par>
+                    <p:cTn id="3" fill="hold">
+                      <p:stCondLst>
+                        <p:cond delay="indefinite"/>
+                        <p:cond evt="onBegin" delay="0">
+                          <p:tn val="2"/>
+                        </p:cond>
+                      </p:stCondLst>
+                      <p:childTnLst>
+                        <p:par>
+                          <p:cTn id="4" fill="hold">
+                            <p:stCondLst>
+                              <p:cond delay="0"/>
+                            </p:stCondLst>
+                            <p:childTnLst>
+                              <p:par>
+                                <p:cTn id="5" presetID="10" presetClass="entr" presetSubtype="0" fill="hold" nodeType="withEffect">
+                                  <p:stCondLst>
+                                    <p:cond delay="0"/>
+                                  </p:stCondLst>
+                                  <p:childTnLst>
+                                    <p:set>
+                                      <p:cBhvr>
+                                        <p:cTn id="6" dur="1" fill="hold">
+                                          <p:stCondLst>
+                                            <p:cond delay="0"/>
+                                          </p:stCondLst>
+                                        </p:cTn>
+                                        <p:tgtEl>
+                                          <p:spTgt spid="1026"/>
+                                        </p:tgtEl>
+                                        <p:attrNameLst>
+                                          <p:attrName>style.visibility</p:attrName>
+                                        </p:attrNameLst>
+                                      </p:cBhvr>
+                                      <p:to>
+                                        <p:strVal val="visible"/>
+                                      </p:to>
+                                    </p:set>
+                                    <p:animEffect transition="in" filter="fade">
+                                      <p:cBhvr>
+                                        <p:cTn id="7" dur="500"/>
+                                        <p:tgtEl>
+                                          <p:spTgt spid="1026"/>
+                                        </p:tgtEl>
+                                      </p:cBhvr>
+                                    </p:animEffect>
+                                  </p:childTnLst>
+                                </p:cTn>
+                              </p:par>
+                              <p:par>
+                                <p:cTn id="8" presetID="2" presetClass="entr" presetSubtype="2" fill="hold" grpId="0" nodeType="withEffect">
+                                  <p:stCondLst>
+                                    <p:cond delay="0"/>
+                                  </p:stCondLst>
+                                  <p:childTnLst>
+                                    <p:set>
+                                      <p:cBhvr>
+                                        <p:cTn id="9" dur="1" fill="hold">
+                                          <p:stCondLst>
+                                            <p:cond delay="0"/>
+                                          </p:stCondLst>
+                                        </p:cTn>
+                                        <p:tgtEl>
+                                          <p:spTgt spid="4"/>
+                                        </p:tgtEl>
+                                        <p:attrNameLst>
+                                          <p:attrName>style.visibility</p:attrName>
+                                        </p:attrNameLst>
+                                      </p:cBhvr>
+                                      <p:to>
+                                        <p:strVal val="visible"/>
+                                      </p:to>
+                                    </p:set>
+                                    <p:anim calcmode="lin" valueType="num">
+                                      <p:cBhvr additive="base">
+                                        <p:cTn id="10" dur="500" fill="hold"/>
+                                        <p:tgtEl>
+                                          <p:spTgt spid="4"/>
+                                        </p:tgtEl>
+                                        <p:attrNameLst>
+                                          <p:attrName>ppt_x</p:attrName>
+                                        </p:attrNameLst>
+                                      </p:cBhvr>
+                                      <p:tavLst>
+                                        <p:tav tm="0">
+                                          <p:val>
+                                            <p:strVal val="1+#ppt_w/2"/>
+                                          </p:val>
+                                        </p:tav>
+                                        <p:tav tm="100000">
+                                          <p:val>
+                                            <p:strVal val="#ppt_x"/>
+                                          </p:val>
+                                        </p:tav>
+                                      </p:tavLst>
+                                    </p:anim>
+                                    <p:anim calcmode="lin" valueType="num">
+                                      <p:cBhvr additive="base">
+                                        <p:cTn id="11" dur="500" fill="hold"/>
+                                        <p:tgtEl>
+                                          <p:spTgt spid="4"/>
+                                        </p:tgtEl>
+                                        <p:attrNameLst>
+                                          <p:attrName>ppt_y</p:attrName>
+                                        </p:attrNameLst>
+                                      </p:cBhvr>
+                                      <p:tavLst>
+                                        <p:tav tm="0">
+                                          <p:val>
+                                            <p:strVal val="#ppt_y"/>
+                                          </p:val>
+                                        </p:tav>
+                                        <p:tav tm="100000">
+                                          <p:val>
+                                            <p:strVal val="#ppt_y"/>
+                                          </p:val>
+                                        </p:tav>
+                                      </p:tavLst>
+                                    </p:anim>
+                                  </p:childTnLst>
+                                </p:cTn>
+                              </p:par>
+                              <p:par>
+                                <p:cTn id="12" presetID="2" presetClass="entr" presetSubtype="2" fill="hold" nodeType="withEffect">
+                                  <p:stCondLst>
+                                    <p:cond delay="0"/>
+                                  </p:stCondLst>
+                                  <p:childTnLst>
+                                    <p:set>
+                                      <p:cBhvr>
+                                        <p:cTn id="13" dur="1" fill="hold">
+                                          <p:stCondLst>
+                                            <p:cond delay="0"/>
+                                          </p:stCondLst>
+                                        </p:cTn>
+                                        <p:tgtEl>
+                                          <p:spTgt spid="8">
+                                            <p:txEl>
+                                              <p:pRg st="0" end="0"/>
+                                            </p:txEl>
+                                          </p:spTgt>
+                                        </p:tgtEl>
+                                        <p:attrNameLst>
+                                          <p:attrName>style.visibility</p:attrName>
+                                        </p:attrNameLst>
+                                      </p:cBhvr>
+                                      <p:to>
+                                        <p:strVal val="visible"/>
+                                      </p:to>
+                                    </p:set>
+                                    <p:anim calcmode="lin" valueType="num">
+                                      <p:cBhvr additive="base">
+                                        <p:cTn id="14" dur="500" fill="hold"/>
+                                        <p:tgtEl>
+                                          <p:spTgt spid="8">
+                                            <p:txEl>
+                                              <p:pRg st="0" end="0"/>
+                                            </p:txEl>
+                                          </p:spTgt>
+                                        </p:tgtEl>
+                                        <p:attrNameLst>
+                                          <p:attrName>ppt_x</p:attrName>
+                                        </p:attrNameLst>
+                                      </p:cBhvr>
+                                      <p:tavLst>
+                                        <p:tav tm="0">
+                                          <p:val>
+                                            <p:strVal val="1+#ppt_w/2"/>
+                                          </p:val>
+                                        </p:tav>
+                                        <p:tav tm="100000">
+                                          <p:val>
+                                            <p:strVal val="#ppt_x"/>
+                                          </p:val>
+                                        </p:tav>
+                                      </p:tavLst>
+                                    </p:anim>
+                                    <p:anim calcmode="lin" valueType="num">
+                                      <p:cBhvr additive="base">
+                                        <p:cTn id="15" dur="500" fill="hold"/>
+                                        <p:tgtEl>
+                                          <p:spTgt spid="8">
+                                            <p:txEl>
+                                              <p:pRg st="0" end="0"/>
+                                            </p:txEl>
+                                          </p:spTgt>
+                                        </p:tgtEl>
+                                        <p:attrNameLst>
+                                          <p:attrName>ppt_y</p:attrName>
+                                        </p:attrNameLst>
+                                      </p:cBhvr>
+                                      <p:tavLst>
+                                        <p:tav tm="0">
+                                          <p:val>
+                                            <p:strVal val="#ppt_y"/>
+                                          </p:val>
+                                        </p:tav>
+                                        <p:tav tm="100000">
+                                          <p:val>
+                                            <p:strVal val="#ppt_y"/>
+                                          </p:val>
+                                        </p:tav>
+                                      </p:tavLst>
+                                    </p:anim>
+                                  </p:childTnLst>
+                                </p:cTn>
+                              </p:par>
+                              <p:par>
+                                <p:cTn id="16" presetID="2" presetClass="entr" presetSubtype="2" fill="hold" nodeType="withEffect">
+                                  <p:stCondLst>
+                                    <p:cond delay="0"/>
+                                  </p:stCondLst>
+                                  <p:childTnLst>
+                                    <p:set>
+                                      <p:cBhvr>
+                                        <p:cTn id="17" dur="1" fill="hold">
+                                          <p:stCondLst>
+                                            <p:cond delay="0"/>
+                                          </p:stCondLst>
+                                        </p:cTn>
+                                        <p:tgtEl>
+                                          <p:spTgt spid="7"/>
+                                        </p:tgtEl>
+                                        <p:attrNameLst>
+                                          <p:attrName>style.visibility</p:attrName>
+                                        </p:attrNameLst>
+                                      </p:cBhvr>
+                                      <p:to>
+                                        <p:strVal val="visible"/>
+                                      </p:to>
+                                    </p:set>
+                                    <p:anim calcmode="lin" valueType="num">
+                                      <p:cBhvr additive="base">
+                                        <p:cTn id="18" dur="500" fill="hold"/>
+                                        <p:tgtEl>
+                                          <p:spTgt spid="7"/>
+                                        </p:tgtEl>
+                                        <p:attrNameLst>
+                                          <p:attrName>ppt_x</p:attrName>
+                                        </p:attrNameLst>
+                                      </p:cBhvr>
+                                      <p:tavLst>
+                                        <p:tav tm="0">
+                                          <p:val>
+                                            <p:strVal val="1+#ppt_w/2"/>
+                                          </p:val>
+                                        </p:tav>
+                                        <p:tav tm="100000">
+                                          <p:val>
+                                            <p:strVal val="#ppt_x"/>
+                                          </p:val>
+                                        </p:tav>
+                                      </p:tavLst>
+                                    </p:anim>
+                                    <p:anim calcmode="lin" valueType="num">
+                                      <p:cBhvr additive="base">
+                                        <p:cTn id="19" dur="500" fill="hold"/>
+                                        <p:tgtEl>
+                                          <p:spTgt spid="7"/>
+                                        </p:tgtEl>
+                                        <p:attrNameLst>
+                                          <p:attrName>ppt_y</p:attrName>
+                                        </p:attrNameLst>
+                                      </p:cBhvr>
+                                      <p:tavLst>
+                                        <p:tav tm="0">
+                                          <p:val>
+                                            <p:strVal val="#ppt_y"/>
+                                          </p:val>
+                                        </p:tav>
+                                        <p:tav tm="100000">
+                                          <p:val>
+                                            <p:strVal val="#ppt_y"/>
+                                          </p:val>
+                                        </p:tav>
+                                      </p:tavLst>
+                                    </p:anim>
+                                  </p:childTnLst>
+                                </p:cTn>
+                              </p:par>
+                              <p:par>
+                                <p:cTn id="20" presetID="2" presetClass="entr" presetSubtype="2" fill="hold" nodeType="withEffect">
+                                  <p:stCondLst>
+                                    <p:cond delay="0"/>
+                                  </p:stCondLst>
+                                  <p:childTnLst>
+                                    <p:set>
+                                      <p:cBhvr>
+                                        <p:cTn id="21" dur="1" fill="hold">
+                                          <p:stCondLst>
+                                            <p:cond delay="0"/>
+                                          </p:stCondLst>
+                                        </p:cTn>
+                                        <p:tgtEl>
+                                          <p:spTgt spid="5">
+                                            <p:txEl>
+                                              <p:pRg st="0" end="0"/>
+                                            </p:txEl>
+                                          </p:spTgt>
+                                        </p:tgtEl>
+                                        <p:attrNameLst>
+                                          <p:attrName>style.visibility</p:attrName>
+                                        </p:attrNameLst>
+                                      </p:cBhvr>
+                                      <p:to>
+                                        <p:strVal val="visible"/>
+                                      </p:to>
+                                    </p:set>
+                                    <p:anim calcmode="lin" valueType="num">
+                                      <p:cBhvr additive="base">
+                                        <p:cTn id="22" dur="500" fill="hold"/>
+                                        <p:tgtEl>
+                                          <p:spTgt spid="5">
+                                            <p:txEl>
+                                              <p:pRg st="0" end="0"/>
+                                            </p:txEl>
+                                          </p:spTgt>
+                                        </p:tgtEl>
+                                        <p:attrNameLst>
+                                          <p:attrName>ppt_x</p:attrName>
+                                        </p:attrNameLst>
+                                      </p:cBhvr>
+                                      <p:tavLst>
+                                        <p:tav tm="0">
+                                          <p:val>
+                                            <p:strVal val="1+#ppt_w/2"/>
+                                          </p:val>
+                                        </p:tav>
+                                        <p:tav tm="100000">
+                                          <p:val>
+                                            <p:strVal val="#ppt_x"/>
+                                          </p:val>
+                                        </p:tav>
+                                      </p:tavLst>
+                                    </p:anim>
+                                    <p:anim calcmode="lin" valueType="num">
+                                      <p:cBhvr additive="base">
+                                        <p:cTn id="23" dur="500" fill="hold"/>
+                                        <p:tgtEl>
+                                          <p:spTgt spid="5">
+                                            <p:txEl>
+                                              <p:pRg st="0" end="0"/>
+                                            </p:txEl>
+                                          </p:spTgt>
+                                        </p:tgtEl>
+                                        <p:attrNameLst>
+                                          <p:attrName>ppt_y</p:attrName>
+                                        </p:attrNameLst>
+                                      </p:cBhvr>
+                                      <p:tavLst>
+                                        <p:tav tm="0">
+                                          <p:val>
+                                            <p:strVal val="#ppt_y"/>
+                                          </p:val>
+                                        </p:tav>
+                                        <p:tav tm="100000">
+                                          <p:val>
+                                            <p:strVal val="#ppt_y"/>
+                                          </p:val>
+                                        </p:tav>
+                                      </p:tavLst>
+                                    </p:anim>
+                                  </p:childTnLst>
+                                </p:cTn>
+                              </p:par>
+                            </p:childTnLst>
+                          </p:cTn>
+                        </p:par>
+                      </p:childTnLst>
+                    </p:cTn>
+                  </p:par>
+                </p:childTnLst>
+              </p:cTn>
+              <p:prevCondLst>
+                <p:cond evt="onPrev" delay="0">
+                  <p:tgtEl>
+                    <p:sldTgt/>
+                  </p:tgtEl>
+                </p:cond>
+              </p:prevCondLst>
+              <p:nextCondLst>
+                <p:cond evt="onNext" delay="0">
+                  <p:tgtEl>
+                    <p:sldTgt/>
+                  </p:tgtEl>
+                </p:cond>
+              </p:nextCondLst>
+            </p:seq>
+          </p:childTnLst>
+        </p:cTn>
+      </p:par>
+    </p:tnLst>
+    <p:bldLst>
+      <p:bldP spid="4" grpId="0" animBg="1"/>
+    </p:bldLst>
+  </p:timing>
+</p:sld>
+</file>
+
+<file path=ppt/slides/slide17.xml><?xml version="1.0" encoding="utf-8"?>
+<p:sld xmlns:a="http://schemas.openxmlformats.org/drawingml/2006/main" xmlns:r="http://schemas.openxmlformats.org/officeDocument/2006/relationships" xmlns:p="http://schemas.openxmlformats.org/presentationml/2006/main">
+  <p:cSld>
+    <p:spTree>
+      <p:nvGrpSpPr>
+        <p:cNvPr id="1" name=""/>
+        <p:cNvGrpSpPr/>
+        <p:nvPr/>
+      </p:nvGrpSpPr>
+      <p:grpSpPr>
+        <a:xfrm>
+          <a:off x="0" y="0"/>
+          <a:ext cx="0" cy="0"/>
+          <a:chOff x="0" y="0"/>
+          <a:chExt cx="0" cy="0"/>
+        </a:xfrm>
+      </p:grpSpPr>
+      <p:sp>
+        <p:nvSpPr>
+          <p:cNvPr id="3" name="Tartalom helye 2"/>
+          <p:cNvSpPr>
+            <a:spLocks noGrp="1"/>
+          </p:cNvSpPr>
+          <p:nvPr>
+            <p:ph idx="1"/>
+          </p:nvPr>
+        </p:nvSpPr>
+        <p:spPr>
+          <a:xfrm>
+            <a:off x="339366" y="562048"/>
+            <a:ext cx="6759560" cy="4622694"/>
+          </a:xfrm>
+        </p:spPr>
+        <p:txBody>
+          <a:bodyPr>
+            <a:normAutofit/>
+          </a:bodyPr>
+          <a:lstStyle/>
+          <a:p>
+            <a:pPr>
+              <a:spcBef>
+                <a:spcPts val="600"/>
+              </a:spcBef>
+            </a:pPr>
+            <a:r>
+              <a:rPr lang="hu-HU" sz="3600" b="1" spc="100" dirty="0">
+                <a:solidFill>
+                  <a:schemeClr val="tx2">
+                    <a:lumMod val="50000"/>
+                  </a:schemeClr>
+                </a:solidFill>
+                <a:latin typeface="Inter" panose="02000503000000020004" pitchFamily="2" charset="0"/>
+                <a:ea typeface="Inter" panose="02000503000000020004" pitchFamily="2" charset="0"/>
+              </a:rPr>
+              <a:t>Grafikus tervek ötletadója</a:t>
+            </a:r>
+          </a:p>
+          <a:p>
+            <a:pPr>
+              <a:spcBef>
+                <a:spcPts val="600"/>
+              </a:spcBef>
+            </a:pPr>
+            <a:r>
+              <a:rPr lang="hu-HU" sz="3600" b="1" spc="100" dirty="0">
+                <a:solidFill>
+                  <a:schemeClr val="tx2">
+                    <a:lumMod val="50000"/>
+                  </a:schemeClr>
+                </a:solidFill>
+                <a:latin typeface="Inter" panose="02000503000000020004" pitchFamily="2" charset="0"/>
+                <a:ea typeface="Inter" panose="02000503000000020004" pitchFamily="2" charset="0"/>
+              </a:rPr>
+              <a:t>Scrum szabályainak betartatása</a:t>
+            </a:r>
+          </a:p>
+          <a:p>
+            <a:pPr>
+              <a:spcBef>
+                <a:spcPts val="600"/>
+              </a:spcBef>
+            </a:pPr>
+            <a:r>
+              <a:rPr lang="hu-HU" sz="3600" b="1" spc="100" dirty="0">
+                <a:solidFill>
+                  <a:schemeClr val="tx2">
+                    <a:lumMod val="50000"/>
+                  </a:schemeClr>
+                </a:solidFill>
+                <a:latin typeface="Inter" panose="02000503000000020004" pitchFamily="2" charset="0"/>
+                <a:ea typeface="Inter" panose="02000503000000020004" pitchFamily="2" charset="0"/>
+              </a:rPr>
+              <a:t>Powerpoint befejezése</a:t>
+            </a:r>
+          </a:p>
+          <a:p>
+            <a:pPr>
+              <a:spcBef>
+                <a:spcPts val="600"/>
+              </a:spcBef>
+            </a:pPr>
+            <a:r>
+              <a:rPr lang="hu-HU" sz="3600" b="1" spc="100" dirty="0">
+                <a:solidFill>
+                  <a:schemeClr val="tx2">
+                    <a:lumMod val="50000"/>
+                  </a:schemeClr>
+                </a:solidFill>
+                <a:latin typeface="Inter" panose="02000503000000020004" pitchFamily="2" charset="0"/>
+                <a:ea typeface="Inter" panose="02000503000000020004" pitchFamily="2" charset="0"/>
+              </a:rPr>
+              <a:t>„Rólunk” design, reszponzívitás és Főoldal váz, reszponzívitás</a:t>
+            </a:r>
+          </a:p>
+          <a:p>
+            <a:pPr>
+              <a:spcBef>
+                <a:spcPts val="600"/>
+              </a:spcBef>
+            </a:pPr>
+            <a:r>
+              <a:rPr lang="hu-HU" sz="3600" b="1" spc="100" dirty="0" err="1">
+                <a:solidFill>
+                  <a:schemeClr val="tx2">
+                    <a:lumMod val="50000"/>
+                  </a:schemeClr>
+                </a:solidFill>
+                <a:latin typeface="Inter" panose="02000503000000020004" pitchFamily="2" charset="0"/>
+                <a:ea typeface="Inter" panose="02000503000000020004" pitchFamily="2" charset="0"/>
+              </a:rPr>
+              <a:t>Photoshoppolás</a:t>
+            </a:r>
+            <a:endParaRPr lang="hu-HU" sz="3600" b="1" spc="100" dirty="0">
+              <a:solidFill>
+                <a:schemeClr val="tx2">
+                  <a:lumMod val="50000"/>
+                </a:schemeClr>
+              </a:solidFill>
+              <a:latin typeface="Inter" panose="02000503000000020004" pitchFamily="2" charset="0"/>
+              <a:ea typeface="Inter" panose="02000503000000020004" pitchFamily="2" charset="0"/>
+            </a:endParaRPr>
+          </a:p>
+          <a:p>
+            <a:pPr>
+              <a:spcBef>
+                <a:spcPts val="600"/>
+              </a:spcBef>
+            </a:pPr>
+            <a:r>
+              <a:rPr lang="hu-HU" sz="3600" b="1" spc="100" dirty="0">
+                <a:solidFill>
+                  <a:schemeClr val="tx2">
+                    <a:lumMod val="50000"/>
+                  </a:schemeClr>
+                </a:solidFill>
+                <a:latin typeface="Inter" panose="02000503000000020004" pitchFamily="2" charset="0"/>
+                <a:ea typeface="Inter" panose="02000503000000020004" pitchFamily="2" charset="0"/>
+              </a:rPr>
+              <a:t>Demonstrációs videó vágása</a:t>
+            </a:r>
+          </a:p>
+        </p:txBody>
+      </p:sp>
+      <p:pic>
+        <p:nvPicPr>
+          <p:cNvPr id="5" name="Kép 4">
+            <a:extLst>
+              <a:ext uri="{FF2B5EF4-FFF2-40B4-BE49-F238E27FC236}">
+                <a16:creationId xmlns:a16="http://schemas.microsoft.com/office/drawing/2014/main" id="{422761D0-4205-E3A9-A449-81E703A5BC1A}"/>
+              </a:ext>
+            </a:extLst>
+          </p:cNvPr>
+          <p:cNvPicPr>
+            <a:picLocks noChangeAspect="1"/>
+          </p:cNvPicPr>
+          <p:nvPr/>
+        </p:nvPicPr>
+        <p:blipFill>
+          <a:blip r:embed="rId2" cstate="print">
+            <a:extLst>
+              <a:ext uri="{28A0092B-C50C-407E-A947-70E740481C1C}">
+                <a14:useLocalDpi xmlns:a14="http://schemas.microsoft.com/office/drawing/2010/main" val="0"/>
+              </a:ext>
+            </a:extLst>
+          </a:blip>
+          <a:stretch>
+            <a:fillRect/>
+          </a:stretch>
+        </p:blipFill>
+        <p:spPr>
+          <a:xfrm>
+            <a:off x="7937910" y="562048"/>
+            <a:ext cx="2807066" cy="4990340"/>
+          </a:xfrm>
+          <a:prstGeom prst="rect">
+            <a:avLst/>
+          </a:prstGeom>
+        </p:spPr>
+      </p:pic>
+      <p:sp>
+        <p:nvSpPr>
+          <p:cNvPr id="6" name="Téglalap 5">
+            <a:extLst>
+              <a:ext uri="{FF2B5EF4-FFF2-40B4-BE49-F238E27FC236}">
+                <a16:creationId xmlns:a16="http://schemas.microsoft.com/office/drawing/2014/main" id="{1FA82CAC-CB48-98EF-238B-8064A7924EBA}"/>
+              </a:ext>
+            </a:extLst>
+          </p:cNvPr>
+          <p:cNvSpPr/>
+          <p:nvPr/>
+        </p:nvSpPr>
+        <p:spPr>
+          <a:xfrm>
+            <a:off x="0" y="5842336"/>
+            <a:ext cx="12192000" cy="696287"/>
+          </a:xfrm>
+          <a:prstGeom prst="rect">
+            <a:avLst/>
+          </a:prstGeom>
+          <a:solidFill>
+            <a:srgbClr val="F87474"/>
+          </a:solidFill>
+          <a:ln>
+            <a:noFill/>
+          </a:ln>
+          <a:effectLst>
+            <a:innerShdw blurRad="63500" dist="50800" dir="10800000">
+              <a:prstClr val="black">
+                <a:alpha val="50000"/>
+              </a:prstClr>
+            </a:innerShdw>
+          </a:effectLst>
+        </p:spPr>
+        <p:style>
+          <a:lnRef idx="2">
+            <a:schemeClr val="accent1">
+              <a:shade val="50000"/>
+            </a:schemeClr>
+          </a:lnRef>
+          <a:fillRef idx="1">
+            <a:schemeClr val="accent1"/>
+          </a:fillRef>
+          <a:effectRef idx="0">
+            <a:schemeClr val="accent1"/>
+          </a:effectRef>
+          <a:fontRef idx="minor">
+            <a:schemeClr val="lt1"/>
+          </a:fontRef>
+        </p:style>
+        <p:txBody>
+          <a:bodyPr rtlCol="0" anchor="ctr"/>
+          <a:lstStyle/>
+          <a:p>
+            <a:pPr algn="ctr"/>
+            <a:endParaRPr lang="hu-HU"/>
+          </a:p>
+        </p:txBody>
+      </p:sp>
+    </p:spTree>
+    <p:extLst>
+      <p:ext uri="{BB962C8B-B14F-4D97-AF65-F5344CB8AC3E}">
+        <p14:creationId xmlns:p14="http://schemas.microsoft.com/office/powerpoint/2010/main" val="2605798914"/>
+      </p:ext>
+    </p:extLst>
+  </p:cSld>
+  <p:clrMapOvr>
+    <a:masterClrMapping/>
+  </p:clrMapOvr>
+</p:sld>
+</file>
+
+<file path=ppt/slides/slide18.xml><?xml version="1.0" encoding="utf-8"?>
+<p:sld xmlns:a="http://schemas.openxmlformats.org/drawingml/2006/main" xmlns:r="http://schemas.openxmlformats.org/officeDocument/2006/relationships" xmlns:p="http://schemas.openxmlformats.org/presentationml/2006/main">
+  <p:cSld>
+    <p:spTree>
+      <p:nvGrpSpPr>
+        <p:cNvPr id="1" name=""/>
+        <p:cNvGrpSpPr/>
+        <p:nvPr/>
+      </p:nvGrpSpPr>
+      <p:grpSpPr>
+        <a:xfrm>
+          <a:off x="0" y="0"/>
+          <a:ext cx="0" cy="0"/>
+          <a:chOff x="0" y="0"/>
+          <a:chExt cx="0" cy="0"/>
+        </a:xfrm>
+      </p:grpSpPr>
+      <p:pic>
+        <p:nvPicPr>
+          <p:cNvPr id="3" name="Kép 2">
+            <a:extLst>
+              <a:ext uri="{FF2B5EF4-FFF2-40B4-BE49-F238E27FC236}">
+                <a16:creationId xmlns:a16="http://schemas.microsoft.com/office/drawing/2014/main" id="{9C4A7DE3-B570-A101-052E-B15B03F09C61}"/>
+              </a:ext>
+            </a:extLst>
+          </p:cNvPr>
+          <p:cNvPicPr>
+            <a:picLocks noChangeAspect="1"/>
+          </p:cNvPicPr>
+          <p:nvPr/>
+        </p:nvPicPr>
+        <p:blipFill>
+          <a:blip r:embed="rId2"/>
+          <a:stretch>
+            <a:fillRect/>
+          </a:stretch>
+        </p:blipFill>
+        <p:spPr>
+          <a:xfrm>
+            <a:off x="0" y="0"/>
+            <a:ext cx="6503350" cy="6936907"/>
+          </a:xfrm>
+          <a:prstGeom prst="rect">
+            <a:avLst/>
+          </a:prstGeom>
+        </p:spPr>
+      </p:pic>
+      <p:sp>
+        <p:nvSpPr>
+          <p:cNvPr id="4" name="Téglalap 3">
+            <a:extLst>
+              <a:ext uri="{FF2B5EF4-FFF2-40B4-BE49-F238E27FC236}">
+                <a16:creationId xmlns:a16="http://schemas.microsoft.com/office/drawing/2014/main" id="{FB9D15FA-0B42-C9FA-9674-B0518720DF12}"/>
+              </a:ext>
+            </a:extLst>
+          </p:cNvPr>
+          <p:cNvSpPr/>
+          <p:nvPr/>
+        </p:nvSpPr>
+        <p:spPr>
+          <a:xfrm>
+            <a:off x="4893892" y="1836220"/>
+            <a:ext cx="7298108" cy="3799833"/>
+          </a:xfrm>
+          <a:prstGeom prst="rect">
+            <a:avLst/>
+          </a:prstGeom>
+          <a:solidFill>
+            <a:srgbClr val="3AB0FF"/>
+          </a:solidFill>
+          <a:ln>
+            <a:noFill/>
+          </a:ln>
+          <a:effectLst>
+            <a:innerShdw blurRad="63500" dist="50800" dir="10800000">
+              <a:prstClr val="black">
+                <a:alpha val="50000"/>
+              </a:prstClr>
+            </a:innerShdw>
+          </a:effectLst>
+        </p:spPr>
+        <p:style>
+          <a:lnRef idx="2">
+            <a:schemeClr val="accent1">
+              <a:shade val="50000"/>
+            </a:schemeClr>
+          </a:lnRef>
+          <a:fillRef idx="1">
+            <a:schemeClr val="accent1"/>
+          </a:fillRef>
+          <a:effectRef idx="0">
+            <a:schemeClr val="accent1"/>
+          </a:effectRef>
+          <a:fontRef idx="minor">
+            <a:schemeClr val="lt1"/>
+          </a:fontRef>
+        </p:style>
+        <p:txBody>
+          <a:bodyPr rtlCol="0" anchor="ctr"/>
+          <a:lstStyle/>
+          <a:p>
+            <a:pPr algn="ctr"/>
+            <a:endParaRPr lang="hu-HU" sz="2800" b="1" dirty="0"/>
+          </a:p>
+        </p:txBody>
+      </p:sp>
+      <p:sp>
+        <p:nvSpPr>
+          <p:cNvPr id="5" name="Szövegdoboz 4">
+            <a:extLst>
+              <a:ext uri="{FF2B5EF4-FFF2-40B4-BE49-F238E27FC236}">
+                <a16:creationId xmlns:a16="http://schemas.microsoft.com/office/drawing/2014/main" id="{C21EE10D-C5A2-27B5-8C40-AFA7A6453788}"/>
+              </a:ext>
+            </a:extLst>
+          </p:cNvPr>
+          <p:cNvSpPr txBox="1"/>
+          <p:nvPr/>
+        </p:nvSpPr>
+        <p:spPr>
+          <a:xfrm>
+            <a:off x="5870962" y="2170632"/>
+            <a:ext cx="5093292" cy="923330"/>
+          </a:xfrm>
+          <a:prstGeom prst="rect">
+            <a:avLst/>
+          </a:prstGeom>
+          <a:noFill/>
+        </p:spPr>
+        <p:txBody>
+          <a:bodyPr wrap="square" rtlCol="0">
+            <a:spAutoFit/>
+          </a:bodyPr>
+          <a:lstStyle/>
+          <a:p>
+            <a:r>
+              <a:rPr lang="hu-HU" sz="5400" b="1" dirty="0">
+                <a:solidFill>
+                  <a:schemeClr val="bg1"/>
+                </a:solidFill>
+              </a:rPr>
+              <a:t>Császár András</a:t>
+            </a:r>
+          </a:p>
+        </p:txBody>
+      </p:sp>
+      <p:cxnSp>
+        <p:nvCxnSpPr>
+          <p:cNvPr id="7" name="Egyenes összekötő 6">
+            <a:extLst>
+              <a:ext uri="{FF2B5EF4-FFF2-40B4-BE49-F238E27FC236}">
+                <a16:creationId xmlns:a16="http://schemas.microsoft.com/office/drawing/2014/main" id="{BF9DAD82-9240-F80F-7575-EB85FF9ADA0A}"/>
+              </a:ext>
+            </a:extLst>
+          </p:cNvPr>
+          <p:cNvCxnSpPr/>
+          <p:nvPr/>
+        </p:nvCxnSpPr>
+        <p:spPr>
+          <a:xfrm>
+            <a:off x="5973510" y="3093962"/>
+            <a:ext cx="2811567" cy="0"/>
+          </a:xfrm>
+          <a:prstGeom prst="line">
+            <a:avLst/>
+          </a:prstGeom>
+          <a:ln w="38100">
+            <a:solidFill>
+              <a:schemeClr val="bg1"/>
+            </a:solidFill>
+          </a:ln>
+        </p:spPr>
+        <p:style>
+          <a:lnRef idx="1">
+            <a:schemeClr val="accent1"/>
+          </a:lnRef>
+          <a:fillRef idx="0">
+            <a:schemeClr val="accent1"/>
+          </a:fillRef>
+          <a:effectRef idx="0">
+            <a:schemeClr val="accent1"/>
+          </a:effectRef>
+          <a:fontRef idx="minor">
+            <a:schemeClr val="tx1"/>
+          </a:fontRef>
+        </p:style>
+      </p:cxnSp>
+      <p:sp>
+        <p:nvSpPr>
+          <p:cNvPr id="8" name="Szövegdoboz 7">
+            <a:extLst>
+              <a:ext uri="{FF2B5EF4-FFF2-40B4-BE49-F238E27FC236}">
+                <a16:creationId xmlns:a16="http://schemas.microsoft.com/office/drawing/2014/main" id="{05827A60-3606-AF5F-91B9-E138E8035027}"/>
+              </a:ext>
+            </a:extLst>
+          </p:cNvPr>
+          <p:cNvSpPr txBox="1"/>
+          <p:nvPr/>
+        </p:nvSpPr>
+        <p:spPr>
+          <a:xfrm>
+            <a:off x="5973510" y="3118912"/>
+            <a:ext cx="3673677" cy="523220"/>
+          </a:xfrm>
+          <a:prstGeom prst="rect">
+            <a:avLst/>
+          </a:prstGeom>
+          <a:noFill/>
+        </p:spPr>
+        <p:txBody>
+          <a:bodyPr wrap="square" rtlCol="0">
+            <a:spAutoFit/>
+          </a:bodyPr>
+          <a:lstStyle/>
+          <a:p>
+            <a:r>
+              <a:rPr lang="hu-HU" sz="2800" b="1" dirty="0">
+                <a:solidFill>
+                  <a:schemeClr val="bg1"/>
+                </a:solidFill>
+              </a:rPr>
+              <a:t>része a projektben</a:t>
+            </a:r>
+          </a:p>
+        </p:txBody>
+      </p:sp>
+    </p:spTree>
+    <p:extLst>
+      <p:ext uri="{BB962C8B-B14F-4D97-AF65-F5344CB8AC3E}">
+        <p14:creationId xmlns:p14="http://schemas.microsoft.com/office/powerpoint/2010/main" val="2092024116"/>
+      </p:ext>
+    </p:extLst>
+  </p:cSld>
+  <p:clrMapOvr>
+    <a:masterClrMapping/>
+  </p:clrMapOvr>
+  <p:timing>
+    <p:tnLst>
+      <p:par>
+        <p:cTn id="1" dur="indefinite" restart="never" nodeType="tmRoot">
+          <p:childTnLst>
+            <p:seq concurrent="1" nextAc="seek">
+              <p:cTn id="2" dur="indefinite" nodeType="mainSeq">
+                <p:childTnLst>
+                  <p:par>
+                    <p:cTn id="3" fill="hold">
+                      <p:stCondLst>
+                        <p:cond delay="indefinite"/>
+                        <p:cond evt="onBegin" delay="0">
+                          <p:tn val="2"/>
+                        </p:cond>
+                      </p:stCondLst>
+                      <p:childTnLst>
+                        <p:par>
+                          <p:cTn id="4" fill="hold">
+                            <p:stCondLst>
+                              <p:cond delay="0"/>
+                            </p:stCondLst>
+                            <p:childTnLst>
+                              <p:par>
+                                <p:cTn id="5" presetID="10" presetClass="entr" presetSubtype="0" fill="hold" nodeType="withEffect">
+                                  <p:stCondLst>
+                                    <p:cond delay="0"/>
+                                  </p:stCondLst>
+                                  <p:childTnLst>
+                                    <p:set>
+                                      <p:cBhvr>
+                                        <p:cTn id="6" dur="1" fill="hold">
+                                          <p:stCondLst>
+                                            <p:cond delay="0"/>
+                                          </p:stCondLst>
+                                        </p:cTn>
+                                        <p:tgtEl>
+                                          <p:spTgt spid="3"/>
+                                        </p:tgtEl>
+                                        <p:attrNameLst>
+                                          <p:attrName>style.visibility</p:attrName>
+                                        </p:attrNameLst>
+                                      </p:cBhvr>
+                                      <p:to>
+                                        <p:strVal val="visible"/>
+                                      </p:to>
+                                    </p:set>
+                                    <p:animEffect transition="in" filter="fade">
+                                      <p:cBhvr>
+                                        <p:cTn id="7" dur="500"/>
+                                        <p:tgtEl>
+                                          <p:spTgt spid="3"/>
+                                        </p:tgtEl>
+                                      </p:cBhvr>
+                                    </p:animEffect>
+                                  </p:childTnLst>
+                                </p:cTn>
+                              </p:par>
+                              <p:par>
+                                <p:cTn id="8" presetID="2" presetClass="entr" presetSubtype="2" fill="hold" grpId="0" nodeType="withEffect">
+                                  <p:stCondLst>
+                                    <p:cond delay="0"/>
+                                  </p:stCondLst>
+                                  <p:childTnLst>
+                                    <p:set>
+                                      <p:cBhvr>
+                                        <p:cTn id="9" dur="1" fill="hold">
+                                          <p:stCondLst>
+                                            <p:cond delay="0"/>
+                                          </p:stCondLst>
+                                        </p:cTn>
+                                        <p:tgtEl>
+                                          <p:spTgt spid="4"/>
+                                        </p:tgtEl>
+                                        <p:attrNameLst>
+                                          <p:attrName>style.visibility</p:attrName>
+                                        </p:attrNameLst>
+                                      </p:cBhvr>
+                                      <p:to>
+                                        <p:strVal val="visible"/>
+                                      </p:to>
+                                    </p:set>
+                                    <p:anim calcmode="lin" valueType="num">
+                                      <p:cBhvr additive="base">
+                                        <p:cTn id="10" dur="500" fill="hold"/>
+                                        <p:tgtEl>
+                                          <p:spTgt spid="4"/>
+                                        </p:tgtEl>
+                                        <p:attrNameLst>
+                                          <p:attrName>ppt_x</p:attrName>
+                                        </p:attrNameLst>
+                                      </p:cBhvr>
+                                      <p:tavLst>
+                                        <p:tav tm="0">
+                                          <p:val>
+                                            <p:strVal val="1+#ppt_w/2"/>
+                                          </p:val>
+                                        </p:tav>
+                                        <p:tav tm="100000">
+                                          <p:val>
+                                            <p:strVal val="#ppt_x"/>
+                                          </p:val>
+                                        </p:tav>
+                                      </p:tavLst>
+                                    </p:anim>
+                                    <p:anim calcmode="lin" valueType="num">
+                                      <p:cBhvr additive="base">
+                                        <p:cTn id="11" dur="500" fill="hold"/>
+                                        <p:tgtEl>
+                                          <p:spTgt spid="4"/>
+                                        </p:tgtEl>
+                                        <p:attrNameLst>
+                                          <p:attrName>ppt_y</p:attrName>
+                                        </p:attrNameLst>
+                                      </p:cBhvr>
+                                      <p:tavLst>
+                                        <p:tav tm="0">
+                                          <p:val>
+                                            <p:strVal val="#ppt_y"/>
+                                          </p:val>
+                                        </p:tav>
+                                        <p:tav tm="100000">
+                                          <p:val>
+                                            <p:strVal val="#ppt_y"/>
+                                          </p:val>
+                                        </p:tav>
+                                      </p:tavLst>
+                                    </p:anim>
+                                  </p:childTnLst>
+                                </p:cTn>
+                              </p:par>
+                              <p:par>
+                                <p:cTn id="12" presetID="2" presetClass="entr" presetSubtype="2" fill="hold" nodeType="withEffect">
+                                  <p:stCondLst>
+                                    <p:cond delay="0"/>
+                                  </p:stCondLst>
+                                  <p:childTnLst>
+                                    <p:set>
+                                      <p:cBhvr>
+                                        <p:cTn id="13" dur="1" fill="hold">
+                                          <p:stCondLst>
+                                            <p:cond delay="0"/>
+                                          </p:stCondLst>
+                                        </p:cTn>
+                                        <p:tgtEl>
+                                          <p:spTgt spid="8">
+                                            <p:txEl>
+                                              <p:pRg st="0" end="0"/>
+                                            </p:txEl>
+                                          </p:spTgt>
+                                        </p:tgtEl>
+                                        <p:attrNameLst>
+                                          <p:attrName>style.visibility</p:attrName>
+                                        </p:attrNameLst>
+                                      </p:cBhvr>
+                                      <p:to>
+                                        <p:strVal val="visible"/>
+                                      </p:to>
+                                    </p:set>
+                                    <p:anim calcmode="lin" valueType="num">
+                                      <p:cBhvr additive="base">
+                                        <p:cTn id="14" dur="500" fill="hold"/>
+                                        <p:tgtEl>
+                                          <p:spTgt spid="8">
+                                            <p:txEl>
+                                              <p:pRg st="0" end="0"/>
+                                            </p:txEl>
+                                          </p:spTgt>
+                                        </p:tgtEl>
+                                        <p:attrNameLst>
+                                          <p:attrName>ppt_x</p:attrName>
+                                        </p:attrNameLst>
+                                      </p:cBhvr>
+                                      <p:tavLst>
+                                        <p:tav tm="0">
+                                          <p:val>
+                                            <p:strVal val="1+#ppt_w/2"/>
+                                          </p:val>
+                                        </p:tav>
+                                        <p:tav tm="100000">
+                                          <p:val>
+                                            <p:strVal val="#ppt_x"/>
+                                          </p:val>
+                                        </p:tav>
+                                      </p:tavLst>
+                                    </p:anim>
+                                    <p:anim calcmode="lin" valueType="num">
+                                      <p:cBhvr additive="base">
+                                        <p:cTn id="15" dur="500" fill="hold"/>
+                                        <p:tgtEl>
+                                          <p:spTgt spid="8">
+                                            <p:txEl>
+                                              <p:pRg st="0" end="0"/>
+                                            </p:txEl>
+                                          </p:spTgt>
+                                        </p:tgtEl>
+                                        <p:attrNameLst>
+                                          <p:attrName>ppt_y</p:attrName>
+                                        </p:attrNameLst>
+                                      </p:cBhvr>
+                                      <p:tavLst>
+                                        <p:tav tm="0">
+                                          <p:val>
+                                            <p:strVal val="#ppt_y"/>
+                                          </p:val>
+                                        </p:tav>
+                                        <p:tav tm="100000">
+                                          <p:val>
+                                            <p:strVal val="#ppt_y"/>
+                                          </p:val>
+                                        </p:tav>
+                                      </p:tavLst>
+                                    </p:anim>
+                                  </p:childTnLst>
+                                </p:cTn>
+                              </p:par>
+                              <p:par>
+                                <p:cTn id="16" presetID="2" presetClass="entr" presetSubtype="2" fill="hold" nodeType="withEffect">
+                                  <p:stCondLst>
+                                    <p:cond delay="0"/>
+                                  </p:stCondLst>
+                                  <p:childTnLst>
+                                    <p:set>
+                                      <p:cBhvr>
+                                        <p:cTn id="17" dur="1" fill="hold">
+                                          <p:stCondLst>
+                                            <p:cond delay="0"/>
+                                          </p:stCondLst>
+                                        </p:cTn>
+                                        <p:tgtEl>
+                                          <p:spTgt spid="7"/>
+                                        </p:tgtEl>
+                                        <p:attrNameLst>
+                                          <p:attrName>style.visibility</p:attrName>
+                                        </p:attrNameLst>
+                                      </p:cBhvr>
+                                      <p:to>
+                                        <p:strVal val="visible"/>
+                                      </p:to>
+                                    </p:set>
+                                    <p:anim calcmode="lin" valueType="num">
+                                      <p:cBhvr additive="base">
+                                        <p:cTn id="18" dur="500" fill="hold"/>
+                                        <p:tgtEl>
+                                          <p:spTgt spid="7"/>
+                                        </p:tgtEl>
+                                        <p:attrNameLst>
+                                          <p:attrName>ppt_x</p:attrName>
+                                        </p:attrNameLst>
+                                      </p:cBhvr>
+                                      <p:tavLst>
+                                        <p:tav tm="0">
+                                          <p:val>
+                                            <p:strVal val="1+#ppt_w/2"/>
+                                          </p:val>
+                                        </p:tav>
+                                        <p:tav tm="100000">
+                                          <p:val>
+                                            <p:strVal val="#ppt_x"/>
+                                          </p:val>
+                                        </p:tav>
+                                      </p:tavLst>
+                                    </p:anim>
+                                    <p:anim calcmode="lin" valueType="num">
+                                      <p:cBhvr additive="base">
+                                        <p:cTn id="19" dur="500" fill="hold"/>
+                                        <p:tgtEl>
+                                          <p:spTgt spid="7"/>
+                                        </p:tgtEl>
+                                        <p:attrNameLst>
+                                          <p:attrName>ppt_y</p:attrName>
+                                        </p:attrNameLst>
+                                      </p:cBhvr>
+                                      <p:tavLst>
+                                        <p:tav tm="0">
+                                          <p:val>
+                                            <p:strVal val="#ppt_y"/>
+                                          </p:val>
+                                        </p:tav>
+                                        <p:tav tm="100000">
+                                          <p:val>
+                                            <p:strVal val="#ppt_y"/>
+                                          </p:val>
+                                        </p:tav>
+                                      </p:tavLst>
+                                    </p:anim>
+                                  </p:childTnLst>
+                                </p:cTn>
+                              </p:par>
+                              <p:par>
+                                <p:cTn id="20" presetID="2" presetClass="entr" presetSubtype="2" fill="hold" nodeType="withEffect">
+                                  <p:stCondLst>
+                                    <p:cond delay="0"/>
+                                  </p:stCondLst>
+                                  <p:childTnLst>
+                                    <p:set>
+                                      <p:cBhvr>
+                                        <p:cTn id="21" dur="1" fill="hold">
+                                          <p:stCondLst>
+                                            <p:cond delay="0"/>
+                                          </p:stCondLst>
+                                        </p:cTn>
+                                        <p:tgtEl>
+                                          <p:spTgt spid="5">
+                                            <p:txEl>
+                                              <p:pRg st="0" end="0"/>
+                                            </p:txEl>
+                                          </p:spTgt>
+                                        </p:tgtEl>
+                                        <p:attrNameLst>
+                                          <p:attrName>style.visibility</p:attrName>
+                                        </p:attrNameLst>
+                                      </p:cBhvr>
+                                      <p:to>
+                                        <p:strVal val="visible"/>
+                                      </p:to>
+                                    </p:set>
+                                    <p:anim calcmode="lin" valueType="num">
+                                      <p:cBhvr additive="base">
+                                        <p:cTn id="22" dur="500" fill="hold"/>
+                                        <p:tgtEl>
+                                          <p:spTgt spid="5">
+                                            <p:txEl>
+                                              <p:pRg st="0" end="0"/>
+                                            </p:txEl>
+                                          </p:spTgt>
+                                        </p:tgtEl>
+                                        <p:attrNameLst>
+                                          <p:attrName>ppt_x</p:attrName>
+                                        </p:attrNameLst>
+                                      </p:cBhvr>
+                                      <p:tavLst>
+                                        <p:tav tm="0">
+                                          <p:val>
+                                            <p:strVal val="1+#ppt_w/2"/>
+                                          </p:val>
+                                        </p:tav>
+                                        <p:tav tm="100000">
+                                          <p:val>
+                                            <p:strVal val="#ppt_x"/>
+                                          </p:val>
+                                        </p:tav>
+                                      </p:tavLst>
+                                    </p:anim>
+                                    <p:anim calcmode="lin" valueType="num">
+                                      <p:cBhvr additive="base">
+                                        <p:cTn id="23" dur="500" fill="hold"/>
+                                        <p:tgtEl>
+                                          <p:spTgt spid="5">
+                                            <p:txEl>
+                                              <p:pRg st="0" end="0"/>
+                                            </p:txEl>
+                                          </p:spTgt>
+                                        </p:tgtEl>
+                                        <p:attrNameLst>
+                                          <p:attrName>ppt_y</p:attrName>
+                                        </p:attrNameLst>
+                                      </p:cBhvr>
+                                      <p:tavLst>
+                                        <p:tav tm="0">
+                                          <p:val>
+                                            <p:strVal val="#ppt_y"/>
+                                          </p:val>
+                                        </p:tav>
+                                        <p:tav tm="100000">
+                                          <p:val>
+                                            <p:strVal val="#ppt_y"/>
+                                          </p:val>
+                                        </p:tav>
+                                      </p:tavLst>
+                                    </p:anim>
+                                  </p:childTnLst>
+                                </p:cTn>
+                              </p:par>
+                            </p:childTnLst>
+                          </p:cTn>
+                        </p:par>
+                      </p:childTnLst>
+                    </p:cTn>
+                  </p:par>
+                </p:childTnLst>
+              </p:cTn>
+              <p:prevCondLst>
+                <p:cond evt="onPrev" delay="0">
+                  <p:tgtEl>
+                    <p:sldTgt/>
+                  </p:tgtEl>
+                </p:cond>
+              </p:prevCondLst>
+              <p:nextCondLst>
+                <p:cond evt="onNext" delay="0">
+                  <p:tgtEl>
+                    <p:sldTgt/>
+                  </p:tgtEl>
+                </p:cond>
+              </p:nextCondLst>
+            </p:seq>
+          </p:childTnLst>
+        </p:cTn>
+      </p:par>
+    </p:tnLst>
+    <p:bldLst>
+      <p:bldP spid="4" grpId="0" animBg="1"/>
+    </p:bldLst>
+  </p:timing>
+</p:sld>
+</file>
+
+<file path=ppt/slides/slide19.xml><?xml version="1.0" encoding="utf-8"?>
+<p:sld xmlns:a="http://schemas.openxmlformats.org/drawingml/2006/main" xmlns:r="http://schemas.openxmlformats.org/officeDocument/2006/relationships" xmlns:p="http://schemas.openxmlformats.org/presentationml/2006/main">
+  <p:cSld>
+    <p:spTree>
+      <p:nvGrpSpPr>
+        <p:cNvPr id="1" name=""/>
+        <p:cNvGrpSpPr/>
+        <p:nvPr/>
+      </p:nvGrpSpPr>
+      <p:grpSpPr>
+        <a:xfrm>
+          <a:off x="0" y="0"/>
+          <a:ext cx="0" cy="0"/>
+          <a:chOff x="0" y="0"/>
+          <a:chExt cx="0" cy="0"/>
+        </a:xfrm>
+      </p:grpSpPr>
+      <p:pic>
+        <p:nvPicPr>
+          <p:cNvPr id="3074" name="Picture 2">
+            <a:extLst>
+              <a:ext uri="{FF2B5EF4-FFF2-40B4-BE49-F238E27FC236}">
+                <a16:creationId xmlns:a16="http://schemas.microsoft.com/office/drawing/2014/main" id="{923B1164-DCFB-499F-B104-E9CB009BFC26}"/>
+              </a:ext>
+            </a:extLst>
+          </p:cNvPr>
+          <p:cNvPicPr>
+            <a:picLocks noGrp="1" noChangeAspect="1" noChangeArrowheads="1"/>
+          </p:cNvPicPr>
+          <p:nvPr>
+            <p:ph idx="1"/>
+          </p:nvPr>
+        </p:nvPicPr>
+        <p:blipFill>
+          <a:blip r:embed="rId2">
+            <a:extLst>
+              <a:ext uri="{28A0092B-C50C-407E-A947-70E740481C1C}">
+                <a14:useLocalDpi xmlns:a14="http://schemas.microsoft.com/office/drawing/2010/main" val="0"/>
+              </a:ext>
+            </a:extLst>
+          </a:blip>
+          <a:srcRect/>
+          <a:stretch>
+            <a:fillRect/>
+          </a:stretch>
+        </p:blipFill>
+        <p:spPr bwMode="auto">
+          <a:xfrm>
+            <a:off x="7871382" y="595075"/>
+            <a:ext cx="2583554" cy="5167108"/>
+          </a:xfrm>
+          <a:prstGeom prst="rect">
+            <a:avLst/>
+          </a:prstGeom>
+          <a:noFill/>
+          <a:extLst>
+            <a:ext uri="{909E8E84-426E-40DD-AFC4-6F175D3DCCD1}">
+              <a14:hiddenFill xmlns:a14="http://schemas.microsoft.com/office/drawing/2010/main">
+                <a:solidFill>
+                  <a:srgbClr val="FFFFFF"/>
+                </a:solidFill>
+              </a14:hiddenFill>
+            </a:ext>
+          </a:extLst>
+        </p:spPr>
+      </p:pic>
+      <p:sp>
+        <p:nvSpPr>
+          <p:cNvPr id="4" name="Téglalap 3">
+            <a:extLst>
+              <a:ext uri="{FF2B5EF4-FFF2-40B4-BE49-F238E27FC236}">
+                <a16:creationId xmlns:a16="http://schemas.microsoft.com/office/drawing/2014/main" id="{A9C79836-23D5-B4C1-ED8A-0BD6768C2FD6}"/>
+              </a:ext>
+            </a:extLst>
+          </p:cNvPr>
+          <p:cNvSpPr/>
+          <p:nvPr/>
+        </p:nvSpPr>
+        <p:spPr>
+          <a:xfrm>
+            <a:off x="0" y="6020233"/>
+            <a:ext cx="12192000" cy="696287"/>
+          </a:xfrm>
+          <a:prstGeom prst="rect">
+            <a:avLst/>
+          </a:prstGeom>
+          <a:solidFill>
+            <a:srgbClr val="3AB0FF"/>
+          </a:solidFill>
+          <a:ln>
+            <a:noFill/>
+          </a:ln>
+          <a:effectLst>
+            <a:innerShdw blurRad="63500" dist="50800" dir="10800000">
+              <a:prstClr val="black">
+                <a:alpha val="50000"/>
+              </a:prstClr>
+            </a:innerShdw>
+          </a:effectLst>
+        </p:spPr>
+        <p:style>
+          <a:lnRef idx="2">
+            <a:schemeClr val="accent1">
+              <a:shade val="50000"/>
+            </a:schemeClr>
+          </a:lnRef>
+          <a:fillRef idx="1">
+            <a:schemeClr val="accent1"/>
+          </a:fillRef>
+          <a:effectRef idx="0">
+            <a:schemeClr val="accent1"/>
+          </a:effectRef>
+          <a:fontRef idx="minor">
+            <a:schemeClr val="lt1"/>
+          </a:fontRef>
+        </p:style>
+        <p:txBody>
+          <a:bodyPr rtlCol="0" anchor="ctr"/>
+          <a:lstStyle/>
+          <a:p>
+            <a:pPr algn="ctr"/>
+            <a:endParaRPr lang="hu-HU"/>
+          </a:p>
+        </p:txBody>
+      </p:sp>
+      <p:sp>
+        <p:nvSpPr>
+          <p:cNvPr id="6" name="Szövegdoboz 5">
+            <a:extLst>
+              <a:ext uri="{FF2B5EF4-FFF2-40B4-BE49-F238E27FC236}">
+                <a16:creationId xmlns:a16="http://schemas.microsoft.com/office/drawing/2014/main" id="{64E07D60-2AD0-D47C-9C65-42AD0CC8C4F2}"/>
+              </a:ext>
+            </a:extLst>
+          </p:cNvPr>
+          <p:cNvSpPr txBox="1"/>
+          <p:nvPr/>
+        </p:nvSpPr>
+        <p:spPr>
+          <a:xfrm>
+            <a:off x="737648" y="595075"/>
+            <a:ext cx="6094428" cy="3093154"/>
+          </a:xfrm>
+          <a:prstGeom prst="rect">
+            <a:avLst/>
+          </a:prstGeom>
+          <a:noFill/>
+        </p:spPr>
+        <p:txBody>
+          <a:bodyPr wrap="square">
+            <a:spAutoFit/>
+          </a:bodyPr>
+          <a:lstStyle/>
+          <a:p>
+            <a:pPr marL="285750" indent="-285750">
+              <a:spcBef>
+                <a:spcPts val="600"/>
+              </a:spcBef>
+              <a:buFont typeface="Arial" panose="020B0604020202020204" pitchFamily="34" charset="0"/>
+              <a:buChar char="•"/>
+            </a:pPr>
+            <a:r>
+              <a:rPr lang="hu-HU" sz="3600" b="1" spc="100" dirty="0">
+                <a:solidFill>
+                  <a:schemeClr val="tx2">
+                    <a:lumMod val="50000"/>
+                  </a:schemeClr>
+                </a:solidFill>
+                <a:latin typeface="Inter" panose="02000503000000020004" pitchFamily="2" charset="0"/>
+                <a:ea typeface="Inter" panose="02000503000000020004" pitchFamily="2" charset="0"/>
+              </a:rPr>
+              <a:t>Svelte</a:t>
+            </a:r>
+          </a:p>
+          <a:p>
+            <a:pPr marL="285750" indent="-285750">
+              <a:spcBef>
+                <a:spcPts val="600"/>
+              </a:spcBef>
+              <a:buFont typeface="Arial" panose="020B0604020202020204" pitchFamily="34" charset="0"/>
+              <a:buChar char="•"/>
+            </a:pPr>
+            <a:r>
+              <a:rPr lang="hu-HU" sz="3600" b="1" spc="100" dirty="0">
+                <a:solidFill>
+                  <a:schemeClr val="tx2">
+                    <a:lumMod val="50000"/>
+                  </a:schemeClr>
+                </a:solidFill>
+                <a:latin typeface="Inter" panose="02000503000000020004" pitchFamily="2" charset="0"/>
+                <a:ea typeface="Inter" panose="02000503000000020004" pitchFamily="2" charset="0"/>
+              </a:rPr>
+              <a:t>Backend</a:t>
+            </a:r>
+          </a:p>
+          <a:p>
+            <a:pPr marL="285750" indent="-285750">
+              <a:spcBef>
+                <a:spcPts val="600"/>
+              </a:spcBef>
+              <a:buFont typeface="Arial" panose="020B0604020202020204" pitchFamily="34" charset="0"/>
+              <a:buChar char="•"/>
+            </a:pPr>
+            <a:r>
+              <a:rPr lang="hu-HU" sz="3600" b="1" spc="100" dirty="0">
+                <a:solidFill>
+                  <a:schemeClr val="tx2">
+                    <a:lumMod val="50000"/>
+                  </a:schemeClr>
+                </a:solidFill>
+                <a:latin typeface="Inter" panose="02000503000000020004" pitchFamily="2" charset="0"/>
+                <a:ea typeface="Inter" panose="02000503000000020004" pitchFamily="2" charset="0"/>
+              </a:rPr>
+              <a:t>Main.css elkészítése</a:t>
+            </a:r>
+          </a:p>
+          <a:p>
+            <a:pPr marL="285750" indent="-285750">
+              <a:spcBef>
+                <a:spcPts val="600"/>
+              </a:spcBef>
+              <a:buFont typeface="Arial" panose="020B0604020202020204" pitchFamily="34" charset="0"/>
+              <a:buChar char="•"/>
+            </a:pPr>
+            <a:r>
+              <a:rPr lang="hu-HU" sz="3600" b="1" spc="100" dirty="0">
+                <a:solidFill>
+                  <a:schemeClr val="tx2">
+                    <a:lumMod val="50000"/>
+                  </a:schemeClr>
+                </a:solidFill>
+                <a:latin typeface="Inter" panose="02000503000000020004" pitchFamily="2" charset="0"/>
+                <a:ea typeface="Inter" panose="02000503000000020004" pitchFamily="2" charset="0"/>
+              </a:rPr>
+              <a:t>„Kulimákok” váz, design, reszponzívitás</a:t>
+            </a:r>
+          </a:p>
+        </p:txBody>
+      </p:sp>
+    </p:spTree>
+    <p:extLst>
+      <p:ext uri="{BB962C8B-B14F-4D97-AF65-F5344CB8AC3E}">
+        <p14:creationId xmlns:p14="http://schemas.microsoft.com/office/powerpoint/2010/main" val="1252547542"/>
+      </p:ext>
+    </p:extLst>
+  </p:cSld>
+  <p:clrMapOvr>
+    <a:masterClrMapping/>
+  </p:clrMapOvr>
+</p:sld>
+</file>
+
+<file path=ppt/slides/slide2.xml><?xml version="1.0" encoding="utf-8"?>
+<p:sld xmlns:a="http://schemas.openxmlformats.org/drawingml/2006/main" xmlns:r="http://schemas.openxmlformats.org/officeDocument/2006/relationships" xmlns:p="http://schemas.openxmlformats.org/presentationml/2006/main">
+  <p:cSld>
+    <p:spTree>
+      <p:nvGrpSpPr>
+        <p:cNvPr id="1" name=""/>
+        <p:cNvGrpSpPr/>
+        <p:nvPr/>
+      </p:nvGrpSpPr>
+      <p:grpSpPr>
+        <a:xfrm>
+          <a:off x="0" y="0"/>
+          <a:ext cx="0" cy="0"/>
+          <a:chOff x="0" y="0"/>
+          <a:chExt cx="0" cy="0"/>
+        </a:xfrm>
+      </p:grpSpPr>
+      <p:sp>
+        <p:nvSpPr>
+          <p:cNvPr id="2" name="Cím 1">
+            <a:extLst>
+              <a:ext uri="{FF2B5EF4-FFF2-40B4-BE49-F238E27FC236}">
+                <a16:creationId xmlns:a16="http://schemas.microsoft.com/office/drawing/2014/main" id="{6B66C7D6-00C5-FF99-F044-8144FC0EDEEF}"/>
+              </a:ext>
+            </a:extLst>
+          </p:cNvPr>
           <p:cNvSpPr>
             <a:spLocks noGrp="1"/>
           </p:cNvSpPr>
@@ -3614,21 +5767,14 @@
             <p:ph type="title"/>
           </p:nvPr>
         </p:nvSpPr>
-        <p:spPr>
-          <a:xfrm>
-            <a:off x="809171" y="595085"/>
-            <a:ext cx="10515600" cy="776288"/>
-          </a:xfrm>
-        </p:spPr>
-        <p:txBody>
-          <a:bodyPr>
-            <a:normAutofit/>
-          </a:bodyPr>
+        <p:spPr/>
+        <p:txBody>
+          <a:bodyPr/>
           <a:lstStyle/>
           <a:p>
             <a:pPr algn="ctr"/>
             <a:r>
-              <a:rPr lang="hu-HU" b="1" cap="small" dirty="0">
+              <a:rPr lang="hu-HU" sz="4400" b="1" cap="small" dirty="0">
                 <a:solidFill>
                   <a:srgbClr val="FFB562"/>
                 </a:solidFill>
@@ -3636,11 +5782,849 @@
                 <a:ea typeface="Inter" panose="02000503000000020004" pitchFamily="2" charset="0"/>
                 <a:cs typeface="Arial" panose="020B0604020202020204" pitchFamily="34" charset="0"/>
               </a:rPr>
-              <a:t>Kulimák Máté része a projektben</a:t>
-            </a:r>
-          </a:p>
-        </p:txBody>
-      </p:sp>
+              <a:t>Az oldalról</a:t>
+            </a:r>
+            <a:endParaRPr lang="hu-HU" dirty="0"/>
+          </a:p>
+        </p:txBody>
+      </p:sp>
+      <p:sp>
+        <p:nvSpPr>
+          <p:cNvPr id="3" name="Tartalom helye 2">
+            <a:extLst>
+              <a:ext uri="{FF2B5EF4-FFF2-40B4-BE49-F238E27FC236}">
+                <a16:creationId xmlns:a16="http://schemas.microsoft.com/office/drawing/2014/main" id="{CD253F8F-898D-3F8D-49DB-AEA2950B26CC}"/>
+              </a:ext>
+            </a:extLst>
+          </p:cNvPr>
+          <p:cNvSpPr>
+            <a:spLocks noGrp="1"/>
+          </p:cNvSpPr>
+          <p:nvPr>
+            <p:ph idx="1"/>
+          </p:nvPr>
+        </p:nvSpPr>
+        <p:spPr>
+          <a:xfrm>
+            <a:off x="838200" y="1825625"/>
+            <a:ext cx="4589477" cy="4351338"/>
+          </a:xfrm>
+        </p:spPr>
+        <p:txBody>
+          <a:bodyPr/>
+          <a:lstStyle/>
+          <a:p>
+            <a:r>
+              <a:rPr lang="hu-HU" sz="3600" b="1" spc="100" dirty="0">
+                <a:solidFill>
+                  <a:schemeClr val="tx2">
+                    <a:lumMod val="50000"/>
+                  </a:schemeClr>
+                </a:solidFill>
+                <a:latin typeface="Inter" panose="02000503000000020004" pitchFamily="2" charset="0"/>
+                <a:ea typeface="Inter" panose="02000503000000020004" pitchFamily="2" charset="0"/>
+              </a:rPr>
+              <a:t>Örökbefogadó szervezet</a:t>
+            </a:r>
+          </a:p>
+          <a:p>
+            <a:r>
+              <a:rPr lang="hu-HU" sz="3600" b="1" spc="100" dirty="0">
+                <a:solidFill>
+                  <a:schemeClr val="tx2">
+                    <a:lumMod val="50000"/>
+                  </a:schemeClr>
+                </a:solidFill>
+                <a:latin typeface="Inter" panose="02000503000000020004" pitchFamily="2" charset="0"/>
+                <a:ea typeface="Inter" panose="02000503000000020004" pitchFamily="2" charset="0"/>
+              </a:rPr>
+              <a:t>Több fajta Kulimák</a:t>
+            </a:r>
+          </a:p>
+          <a:p>
+            <a:r>
+              <a:rPr lang="hu-HU" sz="3600" b="1" spc="100" dirty="0">
+                <a:solidFill>
+                  <a:schemeClr val="tx2">
+                    <a:lumMod val="50000"/>
+                  </a:schemeClr>
+                </a:solidFill>
+                <a:latin typeface="Inter" panose="02000503000000020004" pitchFamily="2" charset="0"/>
+                <a:ea typeface="Inter" panose="02000503000000020004" pitchFamily="2" charset="0"/>
+              </a:rPr>
+              <a:t>Scrum</a:t>
+            </a:r>
+          </a:p>
+          <a:p>
+            <a:r>
+              <a:rPr lang="hu-HU" sz="3600" b="1" spc="100" dirty="0">
+                <a:solidFill>
+                  <a:schemeClr val="tx2">
+                    <a:lumMod val="50000"/>
+                  </a:schemeClr>
+                </a:solidFill>
+                <a:latin typeface="Inter" panose="02000503000000020004" pitchFamily="2" charset="0"/>
+                <a:ea typeface="Inter" panose="02000503000000020004" pitchFamily="2" charset="0"/>
+              </a:rPr>
+              <a:t>Nov.14-Feb.08</a:t>
+            </a:r>
+          </a:p>
+          <a:p>
+            <a:r>
+              <a:rPr lang="hu-HU" sz="3600" b="1" spc="100" dirty="0">
+                <a:solidFill>
+                  <a:schemeClr val="tx2">
+                    <a:lumMod val="50000"/>
+                  </a:schemeClr>
+                </a:solidFill>
+                <a:latin typeface="Inter" panose="02000503000000020004" pitchFamily="2" charset="0"/>
+                <a:ea typeface="Inter" panose="02000503000000020004" pitchFamily="2" charset="0"/>
+              </a:rPr>
+              <a:t>Svelte keretrendszer</a:t>
+            </a:r>
+          </a:p>
+          <a:p>
+            <a:endParaRPr lang="hu-HU" b="1" spc="100" dirty="0">
+              <a:solidFill>
+                <a:schemeClr val="tx2">
+                  <a:lumMod val="50000"/>
+                </a:schemeClr>
+              </a:solidFill>
+              <a:latin typeface="Inter" panose="02000503000000020004" pitchFamily="2" charset="0"/>
+              <a:ea typeface="Inter" panose="02000503000000020004" pitchFamily="2" charset="0"/>
+            </a:endParaRPr>
+          </a:p>
+          <a:p>
+            <a:pPr marL="0" indent="0">
+              <a:buNone/>
+            </a:pPr>
+            <a:endParaRPr lang="hu-HU" sz="2800" b="1" spc="100" dirty="0">
+              <a:solidFill>
+                <a:schemeClr val="tx2">
+                  <a:lumMod val="50000"/>
+                </a:schemeClr>
+              </a:solidFill>
+              <a:latin typeface="Inter" panose="02000503000000020004" pitchFamily="2" charset="0"/>
+              <a:ea typeface="Inter" panose="02000503000000020004" pitchFamily="2" charset="0"/>
+            </a:endParaRPr>
+          </a:p>
+          <a:p>
+            <a:pPr marL="0" indent="0">
+              <a:buNone/>
+            </a:pPr>
+            <a:endParaRPr lang="hu-HU" dirty="0"/>
+          </a:p>
+        </p:txBody>
+      </p:sp>
+      <p:pic>
+        <p:nvPicPr>
+          <p:cNvPr id="5" name="Kép 4" descr="&#10;A képen szöveg, viselés, személy, napszemüveg látható">
+            <a:extLst>
+              <a:ext uri="{FF2B5EF4-FFF2-40B4-BE49-F238E27FC236}">
+                <a16:creationId xmlns:a16="http://schemas.microsoft.com/office/drawing/2014/main" id="{58534AE6-0DC8-B3A7-4CE3-0C25B995D40D}"/>
+              </a:ext>
+            </a:extLst>
+          </p:cNvPr>
+          <p:cNvPicPr>
+            <a:picLocks noChangeAspect="1"/>
+          </p:cNvPicPr>
+          <p:nvPr/>
+        </p:nvPicPr>
+        <p:blipFill>
+          <a:blip r:embed="rId2">
+            <a:extLst>
+              <a:ext uri="{28A0092B-C50C-407E-A947-70E740481C1C}">
+                <a14:useLocalDpi xmlns:a14="http://schemas.microsoft.com/office/drawing/2010/main" val="0"/>
+              </a:ext>
+            </a:extLst>
+          </a:blip>
+          <a:stretch>
+            <a:fillRect/>
+          </a:stretch>
+        </p:blipFill>
+        <p:spPr>
+          <a:xfrm>
+            <a:off x="6491979" y="1690688"/>
+            <a:ext cx="4861821" cy="3654310"/>
+          </a:xfrm>
+          <a:prstGeom prst="rect">
+            <a:avLst/>
+          </a:prstGeom>
+        </p:spPr>
+      </p:pic>
+    </p:spTree>
+    <p:extLst>
+      <p:ext uri="{BB962C8B-B14F-4D97-AF65-F5344CB8AC3E}">
+        <p14:creationId xmlns:p14="http://schemas.microsoft.com/office/powerpoint/2010/main" val="3473539221"/>
+      </p:ext>
+    </p:extLst>
+  </p:cSld>
+  <p:clrMapOvr>
+    <a:masterClrMapping/>
+  </p:clrMapOvr>
+</p:sld>
+</file>
+
+<file path=ppt/slides/slide20.xml><?xml version="1.0" encoding="utf-8"?>
+<p:sld xmlns:a="http://schemas.openxmlformats.org/drawingml/2006/main" xmlns:r="http://schemas.openxmlformats.org/officeDocument/2006/relationships" xmlns:p="http://schemas.openxmlformats.org/presentationml/2006/main">
+  <p:cSld>
+    <p:spTree>
+      <p:nvGrpSpPr>
+        <p:cNvPr id="1" name=""/>
+        <p:cNvGrpSpPr/>
+        <p:nvPr/>
+      </p:nvGrpSpPr>
+      <p:grpSpPr>
+        <a:xfrm>
+          <a:off x="0" y="0"/>
+          <a:ext cx="0" cy="0"/>
+          <a:chOff x="0" y="0"/>
+          <a:chExt cx="0" cy="0"/>
+        </a:xfrm>
+      </p:grpSpPr>
+      <p:pic>
+        <p:nvPicPr>
+          <p:cNvPr id="6" name="Kép 5">
+            <a:extLst>
+              <a:ext uri="{FF2B5EF4-FFF2-40B4-BE49-F238E27FC236}">
+                <a16:creationId xmlns:a16="http://schemas.microsoft.com/office/drawing/2014/main" id="{E6DCD308-CB1E-C8BC-2EF1-1083B8E66A6D}"/>
+              </a:ext>
+            </a:extLst>
+          </p:cNvPr>
+          <p:cNvPicPr>
+            <a:picLocks noChangeAspect="1"/>
+          </p:cNvPicPr>
+          <p:nvPr/>
+        </p:nvPicPr>
+        <p:blipFill>
+          <a:blip r:embed="rId2"/>
+          <a:stretch>
+            <a:fillRect/>
+          </a:stretch>
+        </p:blipFill>
+        <p:spPr>
+          <a:xfrm>
+            <a:off x="-440518" y="0"/>
+            <a:ext cx="6876789" cy="6858000"/>
+          </a:xfrm>
+          <a:prstGeom prst="rect">
+            <a:avLst/>
+          </a:prstGeom>
+        </p:spPr>
+      </p:pic>
+      <p:sp>
+        <p:nvSpPr>
+          <p:cNvPr id="4" name="Téglalap 3">
+            <a:extLst>
+              <a:ext uri="{FF2B5EF4-FFF2-40B4-BE49-F238E27FC236}">
+                <a16:creationId xmlns:a16="http://schemas.microsoft.com/office/drawing/2014/main" id="{FB9D15FA-0B42-C9FA-9674-B0518720DF12}"/>
+              </a:ext>
+            </a:extLst>
+          </p:cNvPr>
+          <p:cNvSpPr/>
+          <p:nvPr/>
+        </p:nvSpPr>
+        <p:spPr>
+          <a:xfrm>
+            <a:off x="4893892" y="1836220"/>
+            <a:ext cx="7298108" cy="3799833"/>
+          </a:xfrm>
+          <a:prstGeom prst="rect">
+            <a:avLst/>
+          </a:prstGeom>
+          <a:solidFill>
+            <a:srgbClr val="FFB562"/>
+          </a:solidFill>
+          <a:ln>
+            <a:noFill/>
+          </a:ln>
+          <a:effectLst>
+            <a:innerShdw blurRad="63500" dist="50800" dir="10800000">
+              <a:prstClr val="black">
+                <a:alpha val="50000"/>
+              </a:prstClr>
+            </a:innerShdw>
+          </a:effectLst>
+        </p:spPr>
+        <p:style>
+          <a:lnRef idx="2">
+            <a:schemeClr val="accent1">
+              <a:shade val="50000"/>
+            </a:schemeClr>
+          </a:lnRef>
+          <a:fillRef idx="1">
+            <a:schemeClr val="accent1"/>
+          </a:fillRef>
+          <a:effectRef idx="0">
+            <a:schemeClr val="accent1"/>
+          </a:effectRef>
+          <a:fontRef idx="minor">
+            <a:schemeClr val="lt1"/>
+          </a:fontRef>
+        </p:style>
+        <p:txBody>
+          <a:bodyPr rtlCol="0" anchor="ctr"/>
+          <a:lstStyle/>
+          <a:p>
+            <a:pPr algn="ctr"/>
+            <a:endParaRPr lang="hu-HU" sz="2800" b="1" dirty="0"/>
+          </a:p>
+        </p:txBody>
+      </p:sp>
+      <p:sp>
+        <p:nvSpPr>
+          <p:cNvPr id="5" name="Szövegdoboz 4">
+            <a:extLst>
+              <a:ext uri="{FF2B5EF4-FFF2-40B4-BE49-F238E27FC236}">
+                <a16:creationId xmlns:a16="http://schemas.microsoft.com/office/drawing/2014/main" id="{C21EE10D-C5A2-27B5-8C40-AFA7A6453788}"/>
+              </a:ext>
+            </a:extLst>
+          </p:cNvPr>
+          <p:cNvSpPr txBox="1"/>
+          <p:nvPr/>
+        </p:nvSpPr>
+        <p:spPr>
+          <a:xfrm>
+            <a:off x="5870962" y="2170632"/>
+            <a:ext cx="5093292" cy="923330"/>
+          </a:xfrm>
+          <a:prstGeom prst="rect">
+            <a:avLst/>
+          </a:prstGeom>
+          <a:noFill/>
+        </p:spPr>
+        <p:txBody>
+          <a:bodyPr wrap="square" rtlCol="0">
+            <a:spAutoFit/>
+          </a:bodyPr>
+          <a:lstStyle/>
+          <a:p>
+            <a:r>
+              <a:rPr lang="hu-HU" sz="5400" b="1" dirty="0">
+                <a:solidFill>
+                  <a:schemeClr val="bg1"/>
+                </a:solidFill>
+              </a:rPr>
+              <a:t>Kulimák Máté</a:t>
+            </a:r>
+          </a:p>
+        </p:txBody>
+      </p:sp>
+      <p:cxnSp>
+        <p:nvCxnSpPr>
+          <p:cNvPr id="7" name="Egyenes összekötő 6">
+            <a:extLst>
+              <a:ext uri="{FF2B5EF4-FFF2-40B4-BE49-F238E27FC236}">
+                <a16:creationId xmlns:a16="http://schemas.microsoft.com/office/drawing/2014/main" id="{BF9DAD82-9240-F80F-7575-EB85FF9ADA0A}"/>
+              </a:ext>
+            </a:extLst>
+          </p:cNvPr>
+          <p:cNvCxnSpPr/>
+          <p:nvPr/>
+        </p:nvCxnSpPr>
+        <p:spPr>
+          <a:xfrm>
+            <a:off x="5973510" y="3093962"/>
+            <a:ext cx="2811567" cy="0"/>
+          </a:xfrm>
+          <a:prstGeom prst="line">
+            <a:avLst/>
+          </a:prstGeom>
+          <a:ln w="38100">
+            <a:solidFill>
+              <a:schemeClr val="bg1"/>
+            </a:solidFill>
+          </a:ln>
+        </p:spPr>
+        <p:style>
+          <a:lnRef idx="1">
+            <a:schemeClr val="accent1"/>
+          </a:lnRef>
+          <a:fillRef idx="0">
+            <a:schemeClr val="accent1"/>
+          </a:fillRef>
+          <a:effectRef idx="0">
+            <a:schemeClr val="accent1"/>
+          </a:effectRef>
+          <a:fontRef idx="minor">
+            <a:schemeClr val="tx1"/>
+          </a:fontRef>
+        </p:style>
+      </p:cxnSp>
+      <p:sp>
+        <p:nvSpPr>
+          <p:cNvPr id="8" name="Szövegdoboz 7">
+            <a:extLst>
+              <a:ext uri="{FF2B5EF4-FFF2-40B4-BE49-F238E27FC236}">
+                <a16:creationId xmlns:a16="http://schemas.microsoft.com/office/drawing/2014/main" id="{05827A60-3606-AF5F-91B9-E138E8035027}"/>
+              </a:ext>
+            </a:extLst>
+          </p:cNvPr>
+          <p:cNvSpPr txBox="1"/>
+          <p:nvPr/>
+        </p:nvSpPr>
+        <p:spPr>
+          <a:xfrm>
+            <a:off x="5973510" y="3118912"/>
+            <a:ext cx="3673677" cy="523220"/>
+          </a:xfrm>
+          <a:prstGeom prst="rect">
+            <a:avLst/>
+          </a:prstGeom>
+          <a:noFill/>
+        </p:spPr>
+        <p:txBody>
+          <a:bodyPr wrap="square" rtlCol="0">
+            <a:spAutoFit/>
+          </a:bodyPr>
+          <a:lstStyle/>
+          <a:p>
+            <a:r>
+              <a:rPr lang="hu-HU" sz="2800" b="1" dirty="0">
+                <a:solidFill>
+                  <a:schemeClr val="bg1"/>
+                </a:solidFill>
+              </a:rPr>
+              <a:t>része a projektben</a:t>
+            </a:r>
+          </a:p>
+        </p:txBody>
+      </p:sp>
+    </p:spTree>
+    <p:extLst>
+      <p:ext uri="{BB962C8B-B14F-4D97-AF65-F5344CB8AC3E}">
+        <p14:creationId xmlns:p14="http://schemas.microsoft.com/office/powerpoint/2010/main" val="3647144534"/>
+      </p:ext>
+    </p:extLst>
+  </p:cSld>
+  <p:clrMapOvr>
+    <a:masterClrMapping/>
+  </p:clrMapOvr>
+  <p:timing>
+    <p:tnLst>
+      <p:par>
+        <p:cTn id="1" dur="indefinite" restart="never" nodeType="tmRoot">
+          <p:childTnLst>
+            <p:seq concurrent="1" nextAc="seek">
+              <p:cTn id="2" dur="indefinite" nodeType="mainSeq">
+                <p:childTnLst>
+                  <p:par>
+                    <p:cTn id="3" fill="hold">
+                      <p:stCondLst>
+                        <p:cond delay="indefinite"/>
+                        <p:cond evt="onBegin" delay="0">
+                          <p:tn val="2"/>
+                        </p:cond>
+                      </p:stCondLst>
+                      <p:childTnLst>
+                        <p:par>
+                          <p:cTn id="4" fill="hold">
+                            <p:stCondLst>
+                              <p:cond delay="0"/>
+                            </p:stCondLst>
+                            <p:childTnLst>
+                              <p:par>
+                                <p:cTn id="5" presetID="10" presetClass="entr" presetSubtype="0" fill="hold" nodeType="withEffect">
+                                  <p:stCondLst>
+                                    <p:cond delay="0"/>
+                                  </p:stCondLst>
+                                  <p:childTnLst>
+                                    <p:set>
+                                      <p:cBhvr>
+                                        <p:cTn id="6" dur="1" fill="hold">
+                                          <p:stCondLst>
+                                            <p:cond delay="0"/>
+                                          </p:stCondLst>
+                                        </p:cTn>
+                                        <p:tgtEl>
+                                          <p:spTgt spid="6"/>
+                                        </p:tgtEl>
+                                        <p:attrNameLst>
+                                          <p:attrName>style.visibility</p:attrName>
+                                        </p:attrNameLst>
+                                      </p:cBhvr>
+                                      <p:to>
+                                        <p:strVal val="visible"/>
+                                      </p:to>
+                                    </p:set>
+                                    <p:animEffect transition="in" filter="fade">
+                                      <p:cBhvr>
+                                        <p:cTn id="7" dur="500"/>
+                                        <p:tgtEl>
+                                          <p:spTgt spid="6"/>
+                                        </p:tgtEl>
+                                      </p:cBhvr>
+                                    </p:animEffect>
+                                  </p:childTnLst>
+                                </p:cTn>
+                              </p:par>
+                              <p:par>
+                                <p:cTn id="8" presetID="2" presetClass="entr" presetSubtype="2" fill="hold" grpId="0" nodeType="withEffect">
+                                  <p:stCondLst>
+                                    <p:cond delay="0"/>
+                                  </p:stCondLst>
+                                  <p:childTnLst>
+                                    <p:set>
+                                      <p:cBhvr>
+                                        <p:cTn id="9" dur="1" fill="hold">
+                                          <p:stCondLst>
+                                            <p:cond delay="0"/>
+                                          </p:stCondLst>
+                                        </p:cTn>
+                                        <p:tgtEl>
+                                          <p:spTgt spid="4"/>
+                                        </p:tgtEl>
+                                        <p:attrNameLst>
+                                          <p:attrName>style.visibility</p:attrName>
+                                        </p:attrNameLst>
+                                      </p:cBhvr>
+                                      <p:to>
+                                        <p:strVal val="visible"/>
+                                      </p:to>
+                                    </p:set>
+                                    <p:anim calcmode="lin" valueType="num">
+                                      <p:cBhvr additive="base">
+                                        <p:cTn id="10" dur="500" fill="hold"/>
+                                        <p:tgtEl>
+                                          <p:spTgt spid="4"/>
+                                        </p:tgtEl>
+                                        <p:attrNameLst>
+                                          <p:attrName>ppt_x</p:attrName>
+                                        </p:attrNameLst>
+                                      </p:cBhvr>
+                                      <p:tavLst>
+                                        <p:tav tm="0">
+                                          <p:val>
+                                            <p:strVal val="1+#ppt_w/2"/>
+                                          </p:val>
+                                        </p:tav>
+                                        <p:tav tm="100000">
+                                          <p:val>
+                                            <p:strVal val="#ppt_x"/>
+                                          </p:val>
+                                        </p:tav>
+                                      </p:tavLst>
+                                    </p:anim>
+                                    <p:anim calcmode="lin" valueType="num">
+                                      <p:cBhvr additive="base">
+                                        <p:cTn id="11" dur="500" fill="hold"/>
+                                        <p:tgtEl>
+                                          <p:spTgt spid="4"/>
+                                        </p:tgtEl>
+                                        <p:attrNameLst>
+                                          <p:attrName>ppt_y</p:attrName>
+                                        </p:attrNameLst>
+                                      </p:cBhvr>
+                                      <p:tavLst>
+                                        <p:tav tm="0">
+                                          <p:val>
+                                            <p:strVal val="#ppt_y"/>
+                                          </p:val>
+                                        </p:tav>
+                                        <p:tav tm="100000">
+                                          <p:val>
+                                            <p:strVal val="#ppt_y"/>
+                                          </p:val>
+                                        </p:tav>
+                                      </p:tavLst>
+                                    </p:anim>
+                                  </p:childTnLst>
+                                </p:cTn>
+                              </p:par>
+                              <p:par>
+                                <p:cTn id="12" presetID="2" presetClass="entr" presetSubtype="2" fill="hold" nodeType="withEffect">
+                                  <p:stCondLst>
+                                    <p:cond delay="0"/>
+                                  </p:stCondLst>
+                                  <p:childTnLst>
+                                    <p:set>
+                                      <p:cBhvr>
+                                        <p:cTn id="13" dur="1" fill="hold">
+                                          <p:stCondLst>
+                                            <p:cond delay="0"/>
+                                          </p:stCondLst>
+                                        </p:cTn>
+                                        <p:tgtEl>
+                                          <p:spTgt spid="5">
+                                            <p:txEl>
+                                              <p:pRg st="0" end="0"/>
+                                            </p:txEl>
+                                          </p:spTgt>
+                                        </p:tgtEl>
+                                        <p:attrNameLst>
+                                          <p:attrName>style.visibility</p:attrName>
+                                        </p:attrNameLst>
+                                      </p:cBhvr>
+                                      <p:to>
+                                        <p:strVal val="visible"/>
+                                      </p:to>
+                                    </p:set>
+                                    <p:anim calcmode="lin" valueType="num">
+                                      <p:cBhvr additive="base">
+                                        <p:cTn id="14" dur="500" fill="hold"/>
+                                        <p:tgtEl>
+                                          <p:spTgt spid="5">
+                                            <p:txEl>
+                                              <p:pRg st="0" end="0"/>
+                                            </p:txEl>
+                                          </p:spTgt>
+                                        </p:tgtEl>
+                                        <p:attrNameLst>
+                                          <p:attrName>ppt_x</p:attrName>
+                                        </p:attrNameLst>
+                                      </p:cBhvr>
+                                      <p:tavLst>
+                                        <p:tav tm="0">
+                                          <p:val>
+                                            <p:strVal val="1+#ppt_w/2"/>
+                                          </p:val>
+                                        </p:tav>
+                                        <p:tav tm="100000">
+                                          <p:val>
+                                            <p:strVal val="#ppt_x"/>
+                                          </p:val>
+                                        </p:tav>
+                                      </p:tavLst>
+                                    </p:anim>
+                                    <p:anim calcmode="lin" valueType="num">
+                                      <p:cBhvr additive="base">
+                                        <p:cTn id="15" dur="500" fill="hold"/>
+                                        <p:tgtEl>
+                                          <p:spTgt spid="5">
+                                            <p:txEl>
+                                              <p:pRg st="0" end="0"/>
+                                            </p:txEl>
+                                          </p:spTgt>
+                                        </p:tgtEl>
+                                        <p:attrNameLst>
+                                          <p:attrName>ppt_y</p:attrName>
+                                        </p:attrNameLst>
+                                      </p:cBhvr>
+                                      <p:tavLst>
+                                        <p:tav tm="0">
+                                          <p:val>
+                                            <p:strVal val="#ppt_y"/>
+                                          </p:val>
+                                        </p:tav>
+                                        <p:tav tm="100000">
+                                          <p:val>
+                                            <p:strVal val="#ppt_y"/>
+                                          </p:val>
+                                        </p:tav>
+                                      </p:tavLst>
+                                    </p:anim>
+                                  </p:childTnLst>
+                                </p:cTn>
+                              </p:par>
+                              <p:par>
+                                <p:cTn id="16" presetID="2" presetClass="entr" presetSubtype="2" fill="hold" nodeType="withEffect">
+                                  <p:stCondLst>
+                                    <p:cond delay="0"/>
+                                  </p:stCondLst>
+                                  <p:childTnLst>
+                                    <p:set>
+                                      <p:cBhvr>
+                                        <p:cTn id="17" dur="1" fill="hold">
+                                          <p:stCondLst>
+                                            <p:cond delay="0"/>
+                                          </p:stCondLst>
+                                        </p:cTn>
+                                        <p:tgtEl>
+                                          <p:spTgt spid="7"/>
+                                        </p:tgtEl>
+                                        <p:attrNameLst>
+                                          <p:attrName>style.visibility</p:attrName>
+                                        </p:attrNameLst>
+                                      </p:cBhvr>
+                                      <p:to>
+                                        <p:strVal val="visible"/>
+                                      </p:to>
+                                    </p:set>
+                                    <p:anim calcmode="lin" valueType="num">
+                                      <p:cBhvr additive="base">
+                                        <p:cTn id="18" dur="500" fill="hold"/>
+                                        <p:tgtEl>
+                                          <p:spTgt spid="7"/>
+                                        </p:tgtEl>
+                                        <p:attrNameLst>
+                                          <p:attrName>ppt_x</p:attrName>
+                                        </p:attrNameLst>
+                                      </p:cBhvr>
+                                      <p:tavLst>
+                                        <p:tav tm="0">
+                                          <p:val>
+                                            <p:strVal val="1+#ppt_w/2"/>
+                                          </p:val>
+                                        </p:tav>
+                                        <p:tav tm="100000">
+                                          <p:val>
+                                            <p:strVal val="#ppt_x"/>
+                                          </p:val>
+                                        </p:tav>
+                                      </p:tavLst>
+                                    </p:anim>
+                                    <p:anim calcmode="lin" valueType="num">
+                                      <p:cBhvr additive="base">
+                                        <p:cTn id="19" dur="500" fill="hold"/>
+                                        <p:tgtEl>
+                                          <p:spTgt spid="7"/>
+                                        </p:tgtEl>
+                                        <p:attrNameLst>
+                                          <p:attrName>ppt_y</p:attrName>
+                                        </p:attrNameLst>
+                                      </p:cBhvr>
+                                      <p:tavLst>
+                                        <p:tav tm="0">
+                                          <p:val>
+                                            <p:strVal val="#ppt_y"/>
+                                          </p:val>
+                                        </p:tav>
+                                        <p:tav tm="100000">
+                                          <p:val>
+                                            <p:strVal val="#ppt_y"/>
+                                          </p:val>
+                                        </p:tav>
+                                      </p:tavLst>
+                                    </p:anim>
+                                  </p:childTnLst>
+                                </p:cTn>
+                              </p:par>
+                              <p:par>
+                                <p:cTn id="20" presetID="2" presetClass="entr" presetSubtype="2" fill="hold" nodeType="withEffect">
+                                  <p:stCondLst>
+                                    <p:cond delay="0"/>
+                                  </p:stCondLst>
+                                  <p:childTnLst>
+                                    <p:set>
+                                      <p:cBhvr>
+                                        <p:cTn id="21" dur="1" fill="hold">
+                                          <p:stCondLst>
+                                            <p:cond delay="0"/>
+                                          </p:stCondLst>
+                                        </p:cTn>
+                                        <p:tgtEl>
+                                          <p:spTgt spid="8">
+                                            <p:txEl>
+                                              <p:pRg st="0" end="0"/>
+                                            </p:txEl>
+                                          </p:spTgt>
+                                        </p:tgtEl>
+                                        <p:attrNameLst>
+                                          <p:attrName>style.visibility</p:attrName>
+                                        </p:attrNameLst>
+                                      </p:cBhvr>
+                                      <p:to>
+                                        <p:strVal val="visible"/>
+                                      </p:to>
+                                    </p:set>
+                                    <p:anim calcmode="lin" valueType="num">
+                                      <p:cBhvr additive="base">
+                                        <p:cTn id="22" dur="500" fill="hold"/>
+                                        <p:tgtEl>
+                                          <p:spTgt spid="8">
+                                            <p:txEl>
+                                              <p:pRg st="0" end="0"/>
+                                            </p:txEl>
+                                          </p:spTgt>
+                                        </p:tgtEl>
+                                        <p:attrNameLst>
+                                          <p:attrName>ppt_x</p:attrName>
+                                        </p:attrNameLst>
+                                      </p:cBhvr>
+                                      <p:tavLst>
+                                        <p:tav tm="0">
+                                          <p:val>
+                                            <p:strVal val="1+#ppt_w/2"/>
+                                          </p:val>
+                                        </p:tav>
+                                        <p:tav tm="100000">
+                                          <p:val>
+                                            <p:strVal val="#ppt_x"/>
+                                          </p:val>
+                                        </p:tav>
+                                      </p:tavLst>
+                                    </p:anim>
+                                    <p:anim calcmode="lin" valueType="num">
+                                      <p:cBhvr additive="base">
+                                        <p:cTn id="23" dur="500" fill="hold"/>
+                                        <p:tgtEl>
+                                          <p:spTgt spid="8">
+                                            <p:txEl>
+                                              <p:pRg st="0" end="0"/>
+                                            </p:txEl>
+                                          </p:spTgt>
+                                        </p:tgtEl>
+                                        <p:attrNameLst>
+                                          <p:attrName>ppt_y</p:attrName>
+                                        </p:attrNameLst>
+                                      </p:cBhvr>
+                                      <p:tavLst>
+                                        <p:tav tm="0">
+                                          <p:val>
+                                            <p:strVal val="#ppt_y"/>
+                                          </p:val>
+                                        </p:tav>
+                                        <p:tav tm="100000">
+                                          <p:val>
+                                            <p:strVal val="#ppt_y"/>
+                                          </p:val>
+                                        </p:tav>
+                                      </p:tavLst>
+                                    </p:anim>
+                                  </p:childTnLst>
+                                </p:cTn>
+                              </p:par>
+                            </p:childTnLst>
+                          </p:cTn>
+                        </p:par>
+                      </p:childTnLst>
+                    </p:cTn>
+                  </p:par>
+                </p:childTnLst>
+              </p:cTn>
+              <p:prevCondLst>
+                <p:cond evt="onPrev" delay="0">
+                  <p:tgtEl>
+                    <p:sldTgt/>
+                  </p:tgtEl>
+                </p:cond>
+              </p:prevCondLst>
+              <p:nextCondLst>
+                <p:cond evt="onNext" delay="0">
+                  <p:tgtEl>
+                    <p:sldTgt/>
+                  </p:tgtEl>
+                </p:cond>
+              </p:nextCondLst>
+            </p:seq>
+          </p:childTnLst>
+        </p:cTn>
+      </p:par>
+    </p:tnLst>
+    <p:bldLst>
+      <p:bldP spid="4" grpId="0" animBg="1"/>
+    </p:bldLst>
+  </p:timing>
+</p:sld>
+</file>
+
+<file path=ppt/slides/slide21.xml><?xml version="1.0" encoding="utf-8"?>
+<p:sld xmlns:a="http://schemas.openxmlformats.org/drawingml/2006/main" xmlns:r="http://schemas.openxmlformats.org/officeDocument/2006/relationships" xmlns:p="http://schemas.openxmlformats.org/presentationml/2006/main">
+  <p:cSld>
+    <p:spTree>
+      <p:nvGrpSpPr>
+        <p:cNvPr id="1" name=""/>
+        <p:cNvGrpSpPr/>
+        <p:nvPr/>
+      </p:nvGrpSpPr>
+      <p:grpSpPr>
+        <a:xfrm>
+          <a:off x="0" y="0"/>
+          <a:ext cx="0" cy="0"/>
+          <a:chOff x="0" y="0"/>
+          <a:chExt cx="0" cy="0"/>
+        </a:xfrm>
+      </p:grpSpPr>
       <p:sp>
         <p:nvSpPr>
           <p:cNvPr id="3" name="Tartalom helye 2"/>
@@ -3653,25 +6637,27 @@
         </p:nvSpPr>
         <p:spPr>
           <a:xfrm>
-            <a:off x="809170" y="1971041"/>
-            <a:ext cx="4556460" cy="3765525"/>
+            <a:off x="767224" y="411720"/>
+            <a:ext cx="5532907" cy="5239901"/>
           </a:xfrm>
         </p:spPr>
         <p:txBody>
           <a:bodyPr>
-            <a:normAutofit lnSpcReduction="10000"/>
+            <a:normAutofit/>
           </a:bodyPr>
           <a:lstStyle/>
           <a:p>
-            <a:pPr algn="just">
+            <a:pPr>
               <a:spcBef>
                 <a:spcPts val="600"/>
               </a:spcBef>
             </a:pPr>
             <a:r>
-              <a:rPr lang="hu-HU" spc="100" dirty="0">
+              <a:rPr lang="hu-HU" sz="3600" b="1" spc="100" dirty="0">
                 <a:solidFill>
-                  <a:srgbClr val="F87474"/>
+                  <a:schemeClr val="tx2">
+                    <a:lumMod val="50000"/>
+                  </a:schemeClr>
                 </a:solidFill>
                 <a:latin typeface="Inter" panose="02000503000000020004" pitchFamily="2" charset="0"/>
                 <a:ea typeface="Inter" panose="02000503000000020004" pitchFamily="2" charset="0"/>
@@ -3680,79 +6666,67 @@
             </a:r>
           </a:p>
           <a:p>
-            <a:pPr algn="just">
+            <a:pPr>
               <a:spcBef>
                 <a:spcPts val="600"/>
               </a:spcBef>
             </a:pPr>
             <a:r>
-              <a:rPr lang="hu-HU" spc="100" dirty="0" err="1">
+              <a:rPr lang="hu-HU" sz="3600" b="1" spc="100" dirty="0">
                 <a:solidFill>
-                  <a:srgbClr val="F87474"/>
+                  <a:schemeClr val="tx2">
+                    <a:lumMod val="50000"/>
+                  </a:schemeClr>
                 </a:solidFill>
                 <a:latin typeface="Inter" panose="02000503000000020004" pitchFamily="2" charset="0"/>
                 <a:ea typeface="Inter" panose="02000503000000020004" pitchFamily="2" charset="0"/>
               </a:rPr>
-              <a:t>Powerpoint</a:t>
-            </a:r>
-            <a:r>
-              <a:rPr lang="hu-HU" spc="100" dirty="0">
+              <a:t>Powerpoint vázának elkészítése</a:t>
+            </a:r>
+          </a:p>
+          <a:p>
+            <a:pPr>
+              <a:spcBef>
+                <a:spcPts val="600"/>
+              </a:spcBef>
+            </a:pPr>
+            <a:r>
+              <a:rPr lang="hu-HU" sz="3600" b="1" spc="100" dirty="0">
                 <a:solidFill>
-                  <a:srgbClr val="F87474"/>
+                  <a:schemeClr val="tx2">
+                    <a:lumMod val="50000"/>
+                  </a:schemeClr>
                 </a:solidFill>
                 <a:latin typeface="Inter" panose="02000503000000020004" pitchFamily="2" charset="0"/>
                 <a:ea typeface="Inter" panose="02000503000000020004" pitchFamily="2" charset="0"/>
               </a:rPr>
-              <a:t> elkészítése</a:t>
-            </a:r>
-          </a:p>
-          <a:p>
-            <a:pPr algn="just">
+              <a:t>„A gomb” design és váz</a:t>
+            </a:r>
+          </a:p>
+          <a:p>
+            <a:pPr>
               <a:spcBef>
                 <a:spcPts val="600"/>
               </a:spcBef>
             </a:pPr>
             <a:r>
-              <a:rPr lang="hu-HU" spc="100" dirty="0">
+              <a:rPr lang="hu-HU" sz="3600" b="1" spc="100" dirty="0">
                 <a:solidFill>
-                  <a:srgbClr val="F87474"/>
+                  <a:schemeClr val="tx2">
+                    <a:lumMod val="50000"/>
+                  </a:schemeClr>
                 </a:solidFill>
                 <a:latin typeface="Inter" panose="02000503000000020004" pitchFamily="2" charset="0"/>
                 <a:ea typeface="Inter" panose="02000503000000020004" pitchFamily="2" charset="0"/>
               </a:rPr>
-              <a:t>„A gomb” </a:t>
-            </a:r>
-            <a:r>
-              <a:rPr lang="hu-HU" spc="100" dirty="0" err="1">
+              <a:t>„</a:t>
+            </a:r>
+            <a:r>
+              <a:rPr lang="hu-HU" sz="3600" b="1" spc="100" dirty="0" err="1">
                 <a:solidFill>
-                  <a:srgbClr val="F87474"/>
-                </a:solidFill>
-                <a:latin typeface="Inter" panose="02000503000000020004" pitchFamily="2" charset="0"/>
-                <a:ea typeface="Inter" panose="02000503000000020004" pitchFamily="2" charset="0"/>
-              </a:rPr>
-              <a:t>desing</a:t>
-            </a:r>
-            <a:r>
-              <a:rPr lang="hu-HU" spc="100" dirty="0">
-                <a:solidFill>
-                  <a:srgbClr val="F87474"/>
-                </a:solidFill>
-                <a:latin typeface="Inter" panose="02000503000000020004" pitchFamily="2" charset="0"/>
-                <a:ea typeface="Inter" panose="02000503000000020004" pitchFamily="2" charset="0"/>
-              </a:rPr>
-              <a:t> és váz</a:t>
-            </a:r>
-          </a:p>
-          <a:p>
-            <a:pPr algn="just">
-              <a:spcBef>
-                <a:spcPts val="600"/>
-              </a:spcBef>
-            </a:pPr>
-            <a:r>
-              <a:rPr lang="hu-HU" spc="100" dirty="0" err="1">
-                <a:solidFill>
-                  <a:srgbClr val="F87474"/>
+                  <a:schemeClr val="tx2">
+                    <a:lumMod val="50000"/>
+                  </a:schemeClr>
                 </a:solidFill>
                 <a:latin typeface="Inter" panose="02000503000000020004" pitchFamily="2" charset="0"/>
                 <a:ea typeface="Inter" panose="02000503000000020004" pitchFamily="2" charset="0"/>
@@ -3760,26 +6734,30 @@
               <a:t>Kattingatós</a:t>
             </a:r>
             <a:r>
-              <a:rPr lang="hu-HU" spc="100" dirty="0">
+              <a:rPr lang="hu-HU" sz="3600" b="1" spc="100" dirty="0">
                 <a:solidFill>
-                  <a:srgbClr val="F87474"/>
+                  <a:schemeClr val="tx2">
+                    <a:lumMod val="50000"/>
+                  </a:schemeClr>
                 </a:solidFill>
                 <a:latin typeface="Inter" panose="02000503000000020004" pitchFamily="2" charset="0"/>
                 <a:ea typeface="Inter" panose="02000503000000020004" pitchFamily="2" charset="0"/>
               </a:rPr>
-              <a:t> videó</a:t>
-            </a:r>
-          </a:p>
-          <a:p>
-            <a:pPr algn="just">
+              <a:t>” videó</a:t>
+            </a:r>
+          </a:p>
+          <a:p>
+            <a:pPr>
               <a:spcBef>
                 <a:spcPts val="600"/>
               </a:spcBef>
             </a:pPr>
             <a:r>
-              <a:rPr lang="hu-HU" spc="100" dirty="0">
+              <a:rPr lang="hu-HU" sz="3600" b="1" spc="100" dirty="0">
                 <a:solidFill>
-                  <a:srgbClr val="F87474"/>
+                  <a:schemeClr val="tx2">
+                    <a:lumMod val="50000"/>
+                  </a:schemeClr>
                 </a:solidFill>
                 <a:latin typeface="Inter" panose="02000503000000020004" pitchFamily="2" charset="0"/>
                 <a:ea typeface="Inter" panose="02000503000000020004" pitchFamily="2" charset="0"/>
@@ -3817,8 +6795,8 @@
         </p:blipFill>
         <p:spPr>
           <a:xfrm rot="5400000">
-            <a:off x="6445443" y="2087607"/>
-            <a:ext cx="4627465" cy="3470599"/>
+            <a:off x="7140355" y="1016694"/>
+            <a:ext cx="4839790" cy="3629843"/>
           </a:xfrm>
           <a:prstGeom prst="rect">
             <a:avLst/>
@@ -3839,8 +6817,8 @@
         </p:nvSpPr>
         <p:spPr>
           <a:xfrm>
-            <a:off x="7023876" y="6274440"/>
-            <a:ext cx="3943708" cy="369332"/>
+            <a:off x="7669828" y="5251511"/>
+            <a:ext cx="4208983" cy="400110"/>
           </a:xfrm>
           <a:prstGeom prst="rect">
             <a:avLst/>
@@ -3848,29 +6826,103 @@
           <a:noFill/>
         </p:spPr>
         <p:txBody>
-          <a:bodyPr wrap="none" rtlCol="0">
+          <a:bodyPr wrap="square" rtlCol="0">
             <a:spAutoFit/>
           </a:bodyPr>
           <a:lstStyle/>
           <a:p>
             <a:r>
-              <a:rPr lang="hu-HU" dirty="0">
+              <a:rPr lang="hu-HU" sz="2000" b="1" dirty="0">
+                <a:solidFill>
+                  <a:schemeClr val="tx2">
+                    <a:lumMod val="50000"/>
+                  </a:schemeClr>
+                </a:solidFill>
                 <a:latin typeface="Inter" panose="02000503000000020004" pitchFamily="2" charset="0"/>
                 <a:ea typeface="Inter" panose="02000503000000020004" pitchFamily="2" charset="0"/>
               </a:rPr>
               <a:t>Én ahogy csinálom a </a:t>
             </a:r>
             <a:r>
-              <a:rPr lang="hu-HU" dirty="0" err="1">
+              <a:rPr lang="hu-HU" sz="2000" b="1" dirty="0" err="1">
+                <a:solidFill>
+                  <a:schemeClr val="tx2">
+                    <a:lumMod val="50000"/>
+                  </a:schemeClr>
+                </a:solidFill>
                 <a:latin typeface="Inter" panose="02000503000000020004" pitchFamily="2" charset="0"/>
                 <a:ea typeface="Inter" panose="02000503000000020004" pitchFamily="2" charset="0"/>
               </a:rPr>
               <a:t>powerpointot</a:t>
             </a:r>
-            <a:endParaRPr lang="hu-HU" dirty="0">
+            <a:endParaRPr lang="hu-HU" sz="2000" b="1" dirty="0">
+              <a:solidFill>
+                <a:schemeClr val="tx2">
+                  <a:lumMod val="50000"/>
+                </a:schemeClr>
+              </a:solidFill>
               <a:latin typeface="Inter" panose="02000503000000020004" pitchFamily="2" charset="0"/>
               <a:ea typeface="Inter" panose="02000503000000020004" pitchFamily="2" charset="0"/>
             </a:endParaRPr>
+          </a:p>
+        </p:txBody>
+      </p:sp>
+      <p:sp>
+        <p:nvSpPr>
+          <p:cNvPr id="4" name="Téglalap 3">
+            <a:extLst>
+              <a:ext uri="{FF2B5EF4-FFF2-40B4-BE49-F238E27FC236}">
+                <a16:creationId xmlns:a16="http://schemas.microsoft.com/office/drawing/2014/main" id="{624BAEF5-0C62-C1A8-EBF8-2E1A3510CAB9}"/>
+              </a:ext>
+            </a:extLst>
+          </p:cNvPr>
+          <p:cNvSpPr/>
+          <p:nvPr/>
+        </p:nvSpPr>
+        <p:spPr>
+          <a:xfrm>
+            <a:off x="0" y="5842336"/>
+            <a:ext cx="12192000" cy="696287"/>
+          </a:xfrm>
+          <a:prstGeom prst="rect">
+            <a:avLst/>
+          </a:prstGeom>
+          <a:solidFill>
+            <a:srgbClr val="FFB562"/>
+          </a:solidFill>
+          <a:ln>
+            <a:noFill/>
+          </a:ln>
+          <a:effectLst>
+            <a:innerShdw blurRad="63500" dist="50800" dir="10800000">
+              <a:prstClr val="black">
+                <a:alpha val="50000"/>
+              </a:prstClr>
+            </a:innerShdw>
+          </a:effectLst>
+        </p:spPr>
+        <p:style>
+          <a:lnRef idx="2">
+            <a:schemeClr val="accent1">
+              <a:shade val="50000"/>
+            </a:schemeClr>
+          </a:lnRef>
+          <a:fillRef idx="1">
+            <a:schemeClr val="accent1"/>
+          </a:fillRef>
+          <a:effectRef idx="0">
+            <a:schemeClr val="accent1"/>
+          </a:effectRef>
+          <a:fontRef idx="minor">
+            <a:schemeClr val="lt1"/>
+          </a:fontRef>
+        </p:style>
+        <p:txBody>
+          <a:bodyPr rtlCol="0" anchor="ctr"/>
+          <a:lstStyle/>
+          <a:p>
+            <a:pPr algn="ctr"/>
+            <a:endParaRPr lang="hu-HU"/>
           </a:p>
         </p:txBody>
       </p:sp>
@@ -3887,7 +6939,7 @@
 </p:sld>
 </file>
 
-<file path=ppt/slides/slide17.xml><?xml version="1.0" encoding="utf-8"?>
+<file path=ppt/slides/slide22.xml><?xml version="1.0" encoding="utf-8"?>
 <p:sld xmlns:a="http://schemas.openxmlformats.org/drawingml/2006/main" xmlns:r="http://schemas.openxmlformats.org/officeDocument/2006/relationships" xmlns:p="http://schemas.openxmlformats.org/presentationml/2006/main">
   <p:cSld>
     <p:spTree>
@@ -3916,9 +6968,10 @@
         </p:nvSpPr>
         <p:spPr>
           <a:xfrm>
-            <a:off x="939800" y="1820174"/>
-            <a:ext cx="10515600" cy="2250857"/>
-          </a:xfrm>
+            <a:off x="1038520" y="2766218"/>
+            <a:ext cx="10114960" cy="1325563"/>
+          </a:xfrm>
+          <a:effectLst/>
         </p:spPr>
         <p:txBody>
           <a:bodyPr>
@@ -3941,10 +6994,224 @@
           </a:p>
         </p:txBody>
       </p:sp>
+      <p:sp>
+        <p:nvSpPr>
+          <p:cNvPr id="18" name="Téglalap 17">
+            <a:extLst>
+              <a:ext uri="{FF2B5EF4-FFF2-40B4-BE49-F238E27FC236}">
+                <a16:creationId xmlns:a16="http://schemas.microsoft.com/office/drawing/2014/main" id="{8F57D4F1-A2BC-97DF-EFF7-D3EDF86F3BCE}"/>
+              </a:ext>
+            </a:extLst>
+          </p:cNvPr>
+          <p:cNvSpPr/>
+          <p:nvPr/>
+        </p:nvSpPr>
+        <p:spPr>
+          <a:xfrm rot="2848355">
+            <a:off x="10183224" y="3992123"/>
+            <a:ext cx="3301121" cy="4966695"/>
+          </a:xfrm>
+          <a:prstGeom prst="rect">
+            <a:avLst/>
+          </a:prstGeom>
+          <a:solidFill>
+            <a:srgbClr val="3AB0FF"/>
+          </a:solidFill>
+          <a:ln>
+            <a:noFill/>
+          </a:ln>
+          <a:effectLst>
+            <a:innerShdw blurRad="63500" dist="50800" dir="13500000">
+              <a:prstClr val="black">
+                <a:alpha val="50000"/>
+              </a:prstClr>
+            </a:innerShdw>
+          </a:effectLst>
+        </p:spPr>
+        <p:style>
+          <a:lnRef idx="2">
+            <a:schemeClr val="accent1">
+              <a:shade val="50000"/>
+            </a:schemeClr>
+          </a:lnRef>
+          <a:fillRef idx="1">
+            <a:schemeClr val="accent1"/>
+          </a:fillRef>
+          <a:effectRef idx="0">
+            <a:schemeClr val="accent1"/>
+          </a:effectRef>
+          <a:fontRef idx="minor">
+            <a:schemeClr val="lt1"/>
+          </a:fontRef>
+        </p:style>
+        <p:txBody>
+          <a:bodyPr rtlCol="0" anchor="ctr"/>
+          <a:lstStyle/>
+          <a:p>
+            <a:pPr algn="ctr"/>
+            <a:endParaRPr lang="hu-HU" dirty="0"/>
+          </a:p>
+        </p:txBody>
+      </p:sp>
+      <p:sp>
+        <p:nvSpPr>
+          <p:cNvPr id="19" name="Téglalap 18">
+            <a:extLst>
+              <a:ext uri="{FF2B5EF4-FFF2-40B4-BE49-F238E27FC236}">
+                <a16:creationId xmlns:a16="http://schemas.microsoft.com/office/drawing/2014/main" id="{F7DCB632-A10E-5632-3447-B51CAED5805D}"/>
+              </a:ext>
+            </a:extLst>
+          </p:cNvPr>
+          <p:cNvSpPr/>
+          <p:nvPr/>
+        </p:nvSpPr>
+        <p:spPr>
+          <a:xfrm rot="2848355">
+            <a:off x="-1452519" y="-2010026"/>
+            <a:ext cx="3476520" cy="4264743"/>
+          </a:xfrm>
+          <a:prstGeom prst="rect">
+            <a:avLst/>
+          </a:prstGeom>
+          <a:solidFill>
+            <a:srgbClr val="3AB0FF"/>
+          </a:solidFill>
+          <a:ln>
+            <a:noFill/>
+          </a:ln>
+          <a:effectLst>
+            <a:innerShdw blurRad="114300">
+              <a:prstClr val="black"/>
+            </a:innerShdw>
+          </a:effectLst>
+        </p:spPr>
+        <p:style>
+          <a:lnRef idx="2">
+            <a:schemeClr val="accent1">
+              <a:shade val="50000"/>
+            </a:schemeClr>
+          </a:lnRef>
+          <a:fillRef idx="1">
+            <a:schemeClr val="accent1"/>
+          </a:fillRef>
+          <a:effectRef idx="0">
+            <a:schemeClr val="accent1"/>
+          </a:effectRef>
+          <a:fontRef idx="minor">
+            <a:schemeClr val="lt1"/>
+          </a:fontRef>
+        </p:style>
+        <p:txBody>
+          <a:bodyPr rtlCol="0" anchor="ctr"/>
+          <a:lstStyle/>
+          <a:p>
+            <a:pPr algn="ctr"/>
+            <a:endParaRPr lang="hu-HU" dirty="0"/>
+          </a:p>
+        </p:txBody>
+      </p:sp>
+      <p:sp>
+        <p:nvSpPr>
+          <p:cNvPr id="20" name="Téglalap 19">
+            <a:extLst>
+              <a:ext uri="{FF2B5EF4-FFF2-40B4-BE49-F238E27FC236}">
+                <a16:creationId xmlns:a16="http://schemas.microsoft.com/office/drawing/2014/main" id="{63CBBDFE-A41E-7DFB-0FFA-CB3C8B7000A9}"/>
+              </a:ext>
+            </a:extLst>
+          </p:cNvPr>
+          <p:cNvSpPr/>
+          <p:nvPr/>
+        </p:nvSpPr>
+        <p:spPr>
+          <a:xfrm rot="2832125">
+            <a:off x="-506954" y="-2067058"/>
+            <a:ext cx="3734587" cy="3444254"/>
+          </a:xfrm>
+          <a:prstGeom prst="rect">
+            <a:avLst/>
+          </a:prstGeom>
+          <a:noFill/>
+          <a:ln w="19050">
+            <a:solidFill>
+              <a:schemeClr val="tx1"/>
+            </a:solidFill>
+          </a:ln>
+          <a:effectLst>
+            <a:innerShdw blurRad="114300">
+              <a:prstClr val="black"/>
+            </a:innerShdw>
+          </a:effectLst>
+        </p:spPr>
+        <p:style>
+          <a:lnRef idx="2">
+            <a:schemeClr val="accent1">
+              <a:shade val="50000"/>
+            </a:schemeClr>
+          </a:lnRef>
+          <a:fillRef idx="1">
+            <a:schemeClr val="accent1"/>
+          </a:fillRef>
+          <a:effectRef idx="0">
+            <a:schemeClr val="accent1"/>
+          </a:effectRef>
+          <a:fontRef idx="minor">
+            <a:schemeClr val="lt1"/>
+          </a:fontRef>
+        </p:style>
+        <p:txBody>
+          <a:bodyPr rtlCol="0" anchor="ctr"/>
+          <a:lstStyle/>
+          <a:p>
+            <a:pPr algn="ctr"/>
+            <a:endParaRPr lang="hu-HU"/>
+          </a:p>
+        </p:txBody>
+      </p:sp>
+      <p:cxnSp>
+        <p:nvCxnSpPr>
+          <p:cNvPr id="3" name="Egyenes összekötő 2">
+            <a:extLst>
+              <a:ext uri="{FF2B5EF4-FFF2-40B4-BE49-F238E27FC236}">
+                <a16:creationId xmlns:a16="http://schemas.microsoft.com/office/drawing/2014/main" id="{D95B83D8-60A9-F676-86E6-1075474CBFBB}"/>
+              </a:ext>
+            </a:extLst>
+          </p:cNvPr>
+          <p:cNvCxnSpPr/>
+          <p:nvPr/>
+        </p:nvCxnSpPr>
+        <p:spPr>
+          <a:xfrm>
+            <a:off x="1420420" y="3900341"/>
+            <a:ext cx="3363985" cy="0"/>
+          </a:xfrm>
+          <a:prstGeom prst="line">
+            <a:avLst/>
+          </a:prstGeom>
+          <a:ln w="57150">
+            <a:solidFill>
+              <a:srgbClr val="FFB562"/>
+            </a:solidFill>
+          </a:ln>
+        </p:spPr>
+        <p:style>
+          <a:lnRef idx="1">
+            <a:schemeClr val="accent1"/>
+          </a:lnRef>
+          <a:fillRef idx="0">
+            <a:schemeClr val="accent1"/>
+          </a:fillRef>
+          <a:effectRef idx="0">
+            <a:schemeClr val="accent1"/>
+          </a:effectRef>
+          <a:fontRef idx="minor">
+            <a:schemeClr val="tx1"/>
+          </a:fontRef>
+        </p:style>
+      </p:cxnSp>
     </p:spTree>
     <p:extLst>
       <p:ext uri="{BB962C8B-B14F-4D97-AF65-F5344CB8AC3E}">
-        <p14:creationId xmlns:p14="http://schemas.microsoft.com/office/powerpoint/2010/main" val="843378817"/>
+        <p14:creationId xmlns:p14="http://schemas.microsoft.com/office/powerpoint/2010/main" val="2306580716"/>
       </p:ext>
     </p:extLst>
   </p:cSld>
@@ -3954,7 +7221,7 @@
 </p:sld>
 </file>
 
-<file path=ppt/slides/slide18.xml><?xml version="1.0" encoding="utf-8"?>
+<file path=ppt/slides/slide23.xml><?xml version="1.0" encoding="utf-8"?>
 <p:sld xmlns:a="http://schemas.openxmlformats.org/drawingml/2006/main" xmlns:r="http://schemas.openxmlformats.org/officeDocument/2006/relationships" xmlns:p="http://schemas.openxmlformats.org/presentationml/2006/main">
   <p:cSld>
     <p:spTree>
@@ -3973,6 +7240,96 @@
       </p:grpSpPr>
       <p:sp>
         <p:nvSpPr>
+          <p:cNvPr id="3" name="Háromszög 2">
+            <a:extLst>
+              <a:ext uri="{FF2B5EF4-FFF2-40B4-BE49-F238E27FC236}">
+                <a16:creationId xmlns:a16="http://schemas.microsoft.com/office/drawing/2014/main" id="{E60B0716-6783-ACC2-4A66-75738209141E}"/>
+              </a:ext>
+            </a:extLst>
+          </p:cNvPr>
+          <p:cNvSpPr/>
+          <p:nvPr/>
+        </p:nvSpPr>
+        <p:spPr>
+          <a:xfrm>
+            <a:off x="1484150" y="-38457"/>
+            <a:ext cx="14829120" cy="6934913"/>
+          </a:xfrm>
+          <a:prstGeom prst="triangle">
+            <a:avLst>
+              <a:gd name="adj" fmla="val 49880"/>
+            </a:avLst>
+          </a:prstGeom>
+          <a:solidFill>
+            <a:srgbClr val="FFB562"/>
+          </a:solidFill>
+          <a:ln>
+            <a:noFill/>
+          </a:ln>
+          <a:effectLst>
+            <a:innerShdw blurRad="63500" dist="50800" dir="16200000">
+              <a:prstClr val="black">
+                <a:alpha val="50000"/>
+              </a:prstClr>
+            </a:innerShdw>
+          </a:effectLst>
+        </p:spPr>
+        <p:style>
+          <a:lnRef idx="2">
+            <a:schemeClr val="accent1">
+              <a:shade val="50000"/>
+            </a:schemeClr>
+          </a:lnRef>
+          <a:fillRef idx="1">
+            <a:schemeClr val="accent1"/>
+          </a:fillRef>
+          <a:effectRef idx="0">
+            <a:schemeClr val="accent1"/>
+          </a:effectRef>
+          <a:fontRef idx="minor">
+            <a:schemeClr val="lt1"/>
+          </a:fontRef>
+        </p:style>
+        <p:txBody>
+          <a:bodyPr rtlCol="0" anchor="ctr"/>
+          <a:lstStyle/>
+          <a:p>
+            <a:pPr algn="ctr"/>
+            <a:r>
+              <a:rPr lang="hu-HU" b="1" i="0" dirty="0">
+                <a:solidFill>
+                  <a:srgbClr val="FFB562"/>
+                </a:solidFill>
+                <a:effectLst/>
+                <a:latin typeface="Inter" panose="02000503000000020004"/>
+              </a:rPr>
+              <a:t>Fogadj örökbe, ha teheted...</a:t>
+            </a:r>
+            <a:br>
+              <a:rPr lang="hu-HU" sz="1800" b="1" i="0" dirty="0">
+                <a:solidFill>
+                  <a:srgbClr val="FFB562"/>
+                </a:solidFill>
+                <a:effectLst/>
+                <a:latin typeface="Inter" panose="02000503000000020004"/>
+              </a:rPr>
+            </a:br>
+            <a:r>
+              <a:rPr lang="hu-HU" sz="1800" b="0" i="0" dirty="0">
+                <a:solidFill>
+                  <a:srgbClr val="FFB562"/>
+                </a:solidFill>
+                <a:effectLst/>
+                <a:latin typeface="Inter" panose="02000503000000020004"/>
+              </a:rPr>
+              <a:t>Kulimákok ezrei várnak egy melegszívű törődő gazdira</a:t>
+            </a:r>
+            <a:endParaRPr lang="hu-HU" dirty="0"/>
+          </a:p>
+        </p:txBody>
+      </p:sp>
+      <p:sp>
+        <p:nvSpPr>
           <p:cNvPr id="2" name="Cím 1"/>
           <p:cNvSpPr>
             <a:spLocks noGrp="1"/>
@@ -3983,27 +7340,52 @@
         </p:nvSpPr>
         <p:spPr>
           <a:xfrm>
-            <a:off x="939800" y="2745468"/>
-            <a:ext cx="10515600" cy="1325563"/>
-          </a:xfrm>
+            <a:off x="6096000" y="3346187"/>
+            <a:ext cx="5354425" cy="1325563"/>
+          </a:xfrm>
+          <a:effectLst>
+            <a:outerShdw blurRad="50800" dist="38100" algn="l" rotWithShape="0">
+              <a:prstClr val="black">
+                <a:alpha val="40000"/>
+              </a:prstClr>
+            </a:outerShdw>
+          </a:effectLst>
         </p:spPr>
         <p:txBody>
           <a:bodyPr>
-            <a:normAutofit fontScale="90000"/>
+            <a:noAutofit/>
           </a:bodyPr>
           <a:lstStyle/>
           <a:p>
             <a:pPr algn="ctr"/>
             <a:r>
-              <a:rPr lang="hu-HU" sz="8000" b="1" cap="small" dirty="0">
+              <a:rPr lang="hu-HU" sz="3600" b="1" i="0" dirty="0">
                 <a:solidFill>
-                  <a:srgbClr val="FFB562"/>
+                  <a:schemeClr val="bg1"/>
                 </a:solidFill>
-                <a:latin typeface="Inter" panose="02000503000000020004" pitchFamily="2" charset="0"/>
-                <a:ea typeface="Inter" panose="02000503000000020004" pitchFamily="2" charset="0"/>
-                <a:cs typeface="Arial" panose="020B0604020202020204" pitchFamily="34" charset="0"/>
+                <a:effectLst/>
+                <a:latin typeface="Inter" panose="02000503000000020004"/>
               </a:rPr>
-              <a:t>Köszönjük a figyelmet!</a:t>
+              <a:t>Fogadj örökbe, ha teheted...</a:t>
+            </a:r>
+            <a:br>
+              <a:rPr lang="hu-HU" sz="3600" b="1" i="0" dirty="0">
+                <a:solidFill>
+                  <a:schemeClr val="bg1"/>
+                </a:solidFill>
+                <a:effectLst/>
+                <a:latin typeface="Inter" panose="02000503000000020004"/>
+              </a:rPr>
+            </a:br>
+            <a:r>
+              <a:rPr lang="hu-HU" sz="3600" b="0" i="0" dirty="0">
+                <a:solidFill>
+                  <a:schemeClr val="bg1"/>
+                </a:solidFill>
+                <a:effectLst/>
+                <a:latin typeface="Inter" panose="02000503000000020004"/>
+              </a:rPr>
+              <a:t>Kulimákok ezrei várnak egy melegszívű törődő gazdira</a:t>
             </a:r>
           </a:p>
         </p:txBody>
@@ -4011,7 +7393,7 @@
     </p:spTree>
     <p:extLst>
       <p:ext uri="{BB962C8B-B14F-4D97-AF65-F5344CB8AC3E}">
-        <p14:creationId xmlns:p14="http://schemas.microsoft.com/office/powerpoint/2010/main" val="1472350213"/>
+        <p14:creationId xmlns:p14="http://schemas.microsoft.com/office/powerpoint/2010/main" val="1196009150"/>
       </p:ext>
     </p:extLst>
   </p:cSld>
@@ -4021,7 +7403,7 @@
 </p:sld>
 </file>
 
-<file path=ppt/slides/slide2.xml><?xml version="1.0" encoding="utf-8"?>
+<file path=ppt/slides/slide24.xml><?xml version="1.0" encoding="utf-8"?>
 <p:sld xmlns:a="http://schemas.openxmlformats.org/drawingml/2006/main" xmlns:r="http://schemas.openxmlformats.org/officeDocument/2006/relationships" xmlns:p="http://schemas.openxmlformats.org/presentationml/2006/main">
   <p:cSld>
     <p:spTree>
@@ -4050,13 +7432,13 @@
         </p:nvSpPr>
         <p:spPr>
           <a:xfrm>
-            <a:off x="939800" y="2745468"/>
+            <a:off x="0" y="2766218"/>
             <a:ext cx="10515600" cy="1325563"/>
           </a:xfrm>
         </p:spPr>
         <p:txBody>
           <a:bodyPr>
-            <a:normAutofit/>
+            <a:normAutofit fontScale="90000"/>
           </a:bodyPr>
           <a:lstStyle/>
           <a:p>
@@ -4070,15 +7452,110 @@
                 <a:ea typeface="Inter" panose="02000503000000020004" pitchFamily="2" charset="0"/>
                 <a:cs typeface="Arial" panose="020B0604020202020204" pitchFamily="34" charset="0"/>
               </a:rPr>
-              <a:t>Tervezés</a:t>
-            </a:r>
-          </a:p>
-        </p:txBody>
-      </p:sp>
+              <a:t>Köszönjük a figyelmet!</a:t>
+            </a:r>
+            <a:br>
+              <a:rPr lang="hu-HU" sz="8000" b="1" cap="small" dirty="0">
+                <a:solidFill>
+                  <a:srgbClr val="FFB562"/>
+                </a:solidFill>
+                <a:latin typeface="Inter" panose="02000503000000020004" pitchFamily="2" charset="0"/>
+                <a:ea typeface="Inter" panose="02000503000000020004" pitchFamily="2" charset="0"/>
+                <a:cs typeface="Arial" panose="020B0604020202020204" pitchFamily="34" charset="0"/>
+              </a:rPr>
+            </a:br>
+            <a:endParaRPr lang="hu-HU" sz="8000" b="1" cap="small" dirty="0">
+              <a:solidFill>
+                <a:srgbClr val="FFB562"/>
+              </a:solidFill>
+              <a:latin typeface="Inter" panose="02000503000000020004" pitchFamily="2" charset="0"/>
+              <a:ea typeface="Inter" panose="02000503000000020004" pitchFamily="2" charset="0"/>
+              <a:cs typeface="Arial" panose="020B0604020202020204" pitchFamily="34" charset="0"/>
+            </a:endParaRPr>
+          </a:p>
+        </p:txBody>
+      </p:sp>
+      <p:cxnSp>
+        <p:nvCxnSpPr>
+          <p:cNvPr id="3" name="Egyenes összekötő 2">
+            <a:extLst>
+              <a:ext uri="{FF2B5EF4-FFF2-40B4-BE49-F238E27FC236}">
+                <a16:creationId xmlns:a16="http://schemas.microsoft.com/office/drawing/2014/main" id="{E33EBEAC-2781-5379-D334-EBFED3D2833C}"/>
+              </a:ext>
+            </a:extLst>
+          </p:cNvPr>
+          <p:cNvCxnSpPr/>
+          <p:nvPr/>
+        </p:nvCxnSpPr>
+        <p:spPr>
+          <a:xfrm>
+            <a:off x="1118936" y="3310566"/>
+            <a:ext cx="3363985" cy="0"/>
+          </a:xfrm>
+          <a:prstGeom prst="line">
+            <a:avLst/>
+          </a:prstGeom>
+          <a:ln w="57150">
+            <a:solidFill>
+              <a:srgbClr val="FFB562"/>
+            </a:solidFill>
+          </a:ln>
+        </p:spPr>
+        <p:style>
+          <a:lnRef idx="1">
+            <a:schemeClr val="accent1"/>
+          </a:lnRef>
+          <a:fillRef idx="0">
+            <a:schemeClr val="accent1"/>
+          </a:fillRef>
+          <a:effectRef idx="0">
+            <a:schemeClr val="accent1"/>
+          </a:effectRef>
+          <a:fontRef idx="minor">
+            <a:schemeClr val="tx1"/>
+          </a:fontRef>
+        </p:style>
+      </p:cxnSp>
+      <p:pic>
+        <p:nvPicPr>
+          <p:cNvPr id="4" name="Kép 3" descr="&#10;A képen szöveg, viselés, személy, napszemüveg látható">
+            <a:extLst>
+              <a:ext uri="{FF2B5EF4-FFF2-40B4-BE49-F238E27FC236}">
+                <a16:creationId xmlns:a16="http://schemas.microsoft.com/office/drawing/2014/main" id="{71B76B3D-74B5-6548-D8D0-A24D1CDA7C45}"/>
+              </a:ext>
+            </a:extLst>
+          </p:cNvPr>
+          <p:cNvPicPr>
+            <a:picLocks noChangeAspect="1"/>
+          </p:cNvPicPr>
+          <p:nvPr/>
+        </p:nvPicPr>
+        <p:blipFill>
+          <a:blip r:embed="rId2">
+            <a:extLst>
+              <a:ext uri="{28A0092B-C50C-407E-A947-70E740481C1C}">
+                <a14:useLocalDpi xmlns:a14="http://schemas.microsoft.com/office/drawing/2010/main" val="0"/>
+              </a:ext>
+            </a:extLst>
+          </a:blip>
+          <a:stretch>
+            <a:fillRect/>
+          </a:stretch>
+        </p:blipFill>
+        <p:spPr>
+          <a:xfrm>
+            <a:off x="9627674" y="2448648"/>
+            <a:ext cx="1304292" cy="980350"/>
+          </a:xfrm>
+          <a:prstGeom prst="rect">
+            <a:avLst/>
+          </a:prstGeom>
+        </p:spPr>
+      </p:pic>
     </p:spTree>
     <p:extLst>
       <p:ext uri="{BB962C8B-B14F-4D97-AF65-F5344CB8AC3E}">
-        <p14:creationId xmlns:p14="http://schemas.microsoft.com/office/powerpoint/2010/main" val="4060085066"/>
+        <p14:creationId xmlns:p14="http://schemas.microsoft.com/office/powerpoint/2010/main" val="1472350213"/>
       </p:ext>
     </p:extLst>
   </p:cSld>
@@ -4105,6 +7582,785 @@
           <a:chExt cx="0" cy="0"/>
         </a:xfrm>
       </p:grpSpPr>
+      <p:pic>
+        <p:nvPicPr>
+          <p:cNvPr id="3" name="Picture 4">
+            <a:extLst>
+              <a:ext uri="{FF2B5EF4-FFF2-40B4-BE49-F238E27FC236}">
+                <a16:creationId xmlns:a16="http://schemas.microsoft.com/office/drawing/2014/main" id="{440D6EED-4D16-875D-FBD9-E04A6DC60C39}"/>
+              </a:ext>
+            </a:extLst>
+          </p:cNvPr>
+          <p:cNvPicPr>
+            <a:picLocks noChangeAspect="1" noChangeArrowheads="1"/>
+          </p:cNvPicPr>
+          <p:nvPr/>
+        </p:nvPicPr>
+        <p:blipFill>
+          <a:blip r:embed="rId2">
+            <a:extLst>
+              <a:ext uri="{28A0092B-C50C-407E-A947-70E740481C1C}">
+                <a14:useLocalDpi xmlns:a14="http://schemas.microsoft.com/office/drawing/2010/main" val="0"/>
+              </a:ext>
+            </a:extLst>
+          </a:blip>
+          <a:srcRect/>
+          <a:stretch>
+            <a:fillRect/>
+          </a:stretch>
+        </p:blipFill>
+        <p:spPr bwMode="auto">
+          <a:xfrm>
+            <a:off x="-29362" y="0"/>
+            <a:ext cx="12250723" cy="6858000"/>
+          </a:xfrm>
+          <a:prstGeom prst="rect">
+            <a:avLst/>
+          </a:prstGeom>
+          <a:noFill/>
+          <a:extLst>
+            <a:ext uri="{909E8E84-426E-40DD-AFC4-6F175D3DCCD1}">
+              <a14:hiddenFill xmlns:a14="http://schemas.microsoft.com/office/drawing/2010/main">
+                <a:solidFill>
+                  <a:srgbClr val="FFFFFF"/>
+                </a:solidFill>
+              </a14:hiddenFill>
+            </a:ext>
+          </a:extLst>
+        </p:spPr>
+      </p:pic>
+      <p:grpSp>
+        <p:nvGrpSpPr>
+          <p:cNvPr id="2" name="Csoportba foglalás 1">
+            <a:extLst>
+              <a:ext uri="{FF2B5EF4-FFF2-40B4-BE49-F238E27FC236}">
+                <a16:creationId xmlns:a16="http://schemas.microsoft.com/office/drawing/2014/main" id="{285C6BC6-9583-47AB-416A-92A60D573506}"/>
+              </a:ext>
+            </a:extLst>
+          </p:cNvPr>
+          <p:cNvGrpSpPr/>
+          <p:nvPr/>
+        </p:nvGrpSpPr>
+        <p:grpSpPr>
+          <a:xfrm>
+            <a:off x="-58724" y="0"/>
+            <a:ext cx="12309447" cy="6858000"/>
+            <a:chOff x="-1746432" y="-838986"/>
+            <a:chExt cx="12252707" cy="6858000"/>
+          </a:xfrm>
+        </p:grpSpPr>
+        <p:pic>
+          <p:nvPicPr>
+            <p:cNvPr id="2052" name="Picture 4">
+              <a:extLst>
+                <a:ext uri="{FF2B5EF4-FFF2-40B4-BE49-F238E27FC236}">
+                  <a16:creationId xmlns:a16="http://schemas.microsoft.com/office/drawing/2014/main" id="{6D216EDC-9BDE-E1A0-6E69-993C26FBB564}"/>
+                </a:ext>
+              </a:extLst>
+            </p:cNvPr>
+            <p:cNvPicPr>
+              <a:picLocks noChangeAspect="1" noChangeArrowheads="1"/>
+            </p:cNvPicPr>
+            <p:nvPr/>
+          </p:nvPicPr>
+          <p:blipFill>
+            <a:blip r:embed="rId3">
+              <a:extLst>
+                <a:ext uri="{BEBA8EAE-BF5A-486C-A8C5-ECC9F3942E4B}">
+                  <a14:imgProps xmlns:a14="http://schemas.microsoft.com/office/drawing/2010/main">
+                    <a14:imgLayer r:embed="rId4">
+                      <a14:imgEffect>
+                        <a14:brightnessContrast bright="-40000" contrast="20000"/>
+                      </a14:imgEffect>
+                    </a14:imgLayer>
+                  </a14:imgProps>
+                </a:ext>
+                <a:ext uri="{28A0092B-C50C-407E-A947-70E740481C1C}">
+                  <a14:useLocalDpi xmlns:a14="http://schemas.microsoft.com/office/drawing/2010/main" val="0"/>
+                </a:ext>
+              </a:extLst>
+            </a:blip>
+            <a:srcRect/>
+            <a:stretch>
+              <a:fillRect/>
+            </a:stretch>
+          </p:blipFill>
+          <p:spPr bwMode="auto">
+            <a:xfrm>
+              <a:off x="-1687979" y="-838986"/>
+              <a:ext cx="12194254" cy="6858000"/>
+            </a:xfrm>
+            <a:prstGeom prst="rect">
+              <a:avLst/>
+            </a:prstGeom>
+            <a:noFill/>
+            <a:extLst>
+              <a:ext uri="{909E8E84-426E-40DD-AFC4-6F175D3DCCD1}">
+                <a14:hiddenFill xmlns:a14="http://schemas.microsoft.com/office/drawing/2010/main">
+                  <a:solidFill>
+                    <a:srgbClr val="FFFFFF"/>
+                  </a:solidFill>
+                </a14:hiddenFill>
+              </a:ext>
+            </a:extLst>
+          </p:spPr>
+        </p:pic>
+        <p:pic>
+          <p:nvPicPr>
+            <p:cNvPr id="2054" name="Picture 6">
+              <a:extLst>
+                <a:ext uri="{FF2B5EF4-FFF2-40B4-BE49-F238E27FC236}">
+                  <a16:creationId xmlns:a16="http://schemas.microsoft.com/office/drawing/2014/main" id="{4F13AE34-05E1-56D7-CC72-3F576620E57C}"/>
+                </a:ext>
+              </a:extLst>
+            </p:cNvPr>
+            <p:cNvPicPr>
+              <a:picLocks noChangeAspect="1" noChangeArrowheads="1"/>
+            </p:cNvPicPr>
+            <p:nvPr/>
+          </p:nvPicPr>
+          <p:blipFill rotWithShape="1">
+            <a:blip r:embed="rId2">
+              <a:extLst>
+                <a:ext uri="{28A0092B-C50C-407E-A947-70E740481C1C}">
+                  <a14:useLocalDpi xmlns:a14="http://schemas.microsoft.com/office/drawing/2010/main" val="0"/>
+                </a:ext>
+              </a:extLst>
+            </a:blip>
+            <a:srcRect r="77430"/>
+            <a:stretch/>
+          </p:blipFill>
+          <p:spPr bwMode="auto">
+            <a:xfrm>
+              <a:off x="-1746432" y="-838986"/>
+              <a:ext cx="2747256" cy="6845580"/>
+            </a:xfrm>
+            <a:prstGeom prst="rect">
+              <a:avLst/>
+            </a:prstGeom>
+            <a:noFill/>
+            <a:extLst>
+              <a:ext uri="{909E8E84-426E-40DD-AFC4-6F175D3DCCD1}">
+                <a14:hiddenFill xmlns:a14="http://schemas.microsoft.com/office/drawing/2010/main">
+                  <a:solidFill>
+                    <a:srgbClr val="FFFFFF"/>
+                  </a:solidFill>
+                </a14:hiddenFill>
+              </a:ext>
+            </a:extLst>
+          </p:spPr>
+        </p:pic>
+      </p:grpSp>
+      <p:pic>
+        <p:nvPicPr>
+          <p:cNvPr id="4" name="Picture 4">
+            <a:extLst>
+              <a:ext uri="{FF2B5EF4-FFF2-40B4-BE49-F238E27FC236}">
+                <a16:creationId xmlns:a16="http://schemas.microsoft.com/office/drawing/2014/main" id="{00CC03E7-8CF3-D167-9BAF-79843A08A86D}"/>
+              </a:ext>
+            </a:extLst>
+          </p:cNvPr>
+          <p:cNvPicPr>
+            <a:picLocks noChangeAspect="1" noChangeArrowheads="1"/>
+          </p:cNvPicPr>
+          <p:nvPr/>
+        </p:nvPicPr>
+        <p:blipFill>
+          <a:blip r:embed="rId5">
+            <a:extLst>
+              <a:ext uri="{BEBA8EAE-BF5A-486C-A8C5-ECC9F3942E4B}">
+                <a14:imgProps xmlns:a14="http://schemas.microsoft.com/office/drawing/2010/main">
+                  <a14:imgLayer r:embed="rId4">
+                    <a14:imgEffect>
+                      <a14:brightnessContrast bright="-40000"/>
+                    </a14:imgEffect>
+                  </a14:imgLayer>
+                </a14:imgProps>
+              </a:ext>
+              <a:ext uri="{28A0092B-C50C-407E-A947-70E740481C1C}">
+                <a14:useLocalDpi xmlns:a14="http://schemas.microsoft.com/office/drawing/2010/main" val="0"/>
+              </a:ext>
+            </a:extLst>
+          </a:blip>
+          <a:srcRect/>
+          <a:stretch>
+            <a:fillRect/>
+          </a:stretch>
+        </p:blipFill>
+        <p:spPr bwMode="auto">
+          <a:xfrm>
+            <a:off x="-58723" y="12420"/>
+            <a:ext cx="12250723" cy="6858000"/>
+          </a:xfrm>
+          <a:prstGeom prst="rect">
+            <a:avLst/>
+          </a:prstGeom>
+          <a:noFill/>
+          <a:extLst>
+            <a:ext uri="{909E8E84-426E-40DD-AFC4-6F175D3DCCD1}">
+              <a14:hiddenFill xmlns:a14="http://schemas.microsoft.com/office/drawing/2010/main">
+                <a:solidFill>
+                  <a:srgbClr val="FFFFFF"/>
+                </a:solidFill>
+              </a14:hiddenFill>
+            </a:ext>
+          </a:extLst>
+        </p:spPr>
+      </p:pic>
+      <p:pic>
+        <p:nvPicPr>
+          <p:cNvPr id="5" name="Picture 4">
+            <a:extLst>
+              <a:ext uri="{FF2B5EF4-FFF2-40B4-BE49-F238E27FC236}">
+                <a16:creationId xmlns:a16="http://schemas.microsoft.com/office/drawing/2014/main" id="{22266206-7C4B-B8C2-CB85-5A1EA8D61014}"/>
+              </a:ext>
+            </a:extLst>
+          </p:cNvPr>
+          <p:cNvPicPr>
+            <a:picLocks noChangeAspect="1" noChangeArrowheads="1"/>
+          </p:cNvPicPr>
+          <p:nvPr/>
+        </p:nvPicPr>
+        <p:blipFill rotWithShape="1">
+          <a:blip r:embed="rId6">
+            <a:extLst>
+              <a:ext uri="{28A0092B-C50C-407E-A947-70E740481C1C}">
+                <a14:useLocalDpi xmlns:a14="http://schemas.microsoft.com/office/drawing/2010/main" val="0"/>
+              </a:ext>
+            </a:extLst>
+          </a:blip>
+          <a:srcRect l="23397" t="550" r="78" b="-550"/>
+          <a:stretch/>
+        </p:blipFill>
+        <p:spPr bwMode="auto">
+          <a:xfrm>
+            <a:off x="2776775" y="12420"/>
+            <a:ext cx="9374957" cy="6858000"/>
+          </a:xfrm>
+          <a:prstGeom prst="rect">
+            <a:avLst/>
+          </a:prstGeom>
+          <a:noFill/>
+          <a:extLst>
+            <a:ext uri="{909E8E84-426E-40DD-AFC4-6F175D3DCCD1}">
+              <a14:hiddenFill xmlns:a14="http://schemas.microsoft.com/office/drawing/2010/main">
+                <a:solidFill>
+                  <a:srgbClr val="FFFFFF"/>
+                </a:solidFill>
+              </a14:hiddenFill>
+            </a:ext>
+          </a:extLst>
+        </p:spPr>
+      </p:pic>
+    </p:spTree>
+    <p:extLst>
+      <p:ext uri="{BB962C8B-B14F-4D97-AF65-F5344CB8AC3E}">
+        <p14:creationId xmlns:p14="http://schemas.microsoft.com/office/powerpoint/2010/main" val="3324886788"/>
+      </p:ext>
+    </p:extLst>
+  </p:cSld>
+  <p:clrMapOvr>
+    <a:masterClrMapping/>
+  </p:clrMapOvr>
+  <p:timing>
+    <p:tnLst>
+      <p:par>
+        <p:cTn id="1" dur="indefinite" restart="never" nodeType="tmRoot">
+          <p:childTnLst>
+            <p:seq concurrent="1" nextAc="seek">
+              <p:cTn id="2" dur="indefinite" nodeType="mainSeq">
+                <p:childTnLst>
+                  <p:par>
+                    <p:cTn id="3" fill="hold">
+                      <p:stCondLst>
+                        <p:cond delay="indefinite"/>
+                        <p:cond evt="onBegin" delay="0">
+                          <p:tn val="2"/>
+                        </p:cond>
+                      </p:stCondLst>
+                      <p:childTnLst>
+                        <p:par>
+                          <p:cTn id="4" fill="hold">
+                            <p:stCondLst>
+                              <p:cond delay="0"/>
+                            </p:stCondLst>
+                            <p:childTnLst>
+                              <p:par>
+                                <p:cTn id="5" presetID="1" presetClass="entr" presetSubtype="0" fill="hold" nodeType="withEffect">
+                                  <p:stCondLst>
+                                    <p:cond delay="0"/>
+                                  </p:stCondLst>
+                                  <p:childTnLst>
+                                    <p:set>
+                                      <p:cBhvr>
+                                        <p:cTn id="6" dur="1" fill="hold">
+                                          <p:stCondLst>
+                                            <p:cond delay="0"/>
+                                          </p:stCondLst>
+                                        </p:cTn>
+                                        <p:tgtEl>
+                                          <p:spTgt spid="3"/>
+                                        </p:tgtEl>
+                                        <p:attrNameLst>
+                                          <p:attrName>style.visibility</p:attrName>
+                                        </p:attrNameLst>
+                                      </p:cBhvr>
+                                      <p:to>
+                                        <p:strVal val="visible"/>
+                                      </p:to>
+                                    </p:set>
+                                  </p:childTnLst>
+                                </p:cTn>
+                              </p:par>
+                            </p:childTnLst>
+                          </p:cTn>
+                        </p:par>
+                      </p:childTnLst>
+                    </p:cTn>
+                  </p:par>
+                  <p:par>
+                    <p:cTn id="7" fill="hold">
+                      <p:stCondLst>
+                        <p:cond delay="indefinite"/>
+                      </p:stCondLst>
+                      <p:childTnLst>
+                        <p:par>
+                          <p:cTn id="8" fill="hold">
+                            <p:stCondLst>
+                              <p:cond delay="0"/>
+                            </p:stCondLst>
+                            <p:childTnLst>
+                              <p:par>
+                                <p:cTn id="9" presetID="1" presetClass="entr" presetSubtype="0" fill="hold" nodeType="clickEffect">
+                                  <p:stCondLst>
+                                    <p:cond delay="0"/>
+                                  </p:stCondLst>
+                                  <p:childTnLst>
+                                    <p:set>
+                                      <p:cBhvr>
+                                        <p:cTn id="10" dur="1" fill="hold">
+                                          <p:stCondLst>
+                                            <p:cond delay="0"/>
+                                          </p:stCondLst>
+                                        </p:cTn>
+                                        <p:tgtEl>
+                                          <p:spTgt spid="2"/>
+                                        </p:tgtEl>
+                                        <p:attrNameLst>
+                                          <p:attrName>style.visibility</p:attrName>
+                                        </p:attrNameLst>
+                                      </p:cBhvr>
+                                      <p:to>
+                                        <p:strVal val="visible"/>
+                                      </p:to>
+                                    </p:set>
+                                  </p:childTnLst>
+                                </p:cTn>
+                              </p:par>
+                            </p:childTnLst>
+                          </p:cTn>
+                        </p:par>
+                      </p:childTnLst>
+                    </p:cTn>
+                  </p:par>
+                  <p:par>
+                    <p:cTn id="11" fill="hold">
+                      <p:stCondLst>
+                        <p:cond delay="indefinite"/>
+                      </p:stCondLst>
+                      <p:childTnLst>
+                        <p:par>
+                          <p:cTn id="12" fill="hold">
+                            <p:stCondLst>
+                              <p:cond delay="0"/>
+                            </p:stCondLst>
+                            <p:childTnLst>
+                              <p:par>
+                                <p:cTn id="13" presetID="1" presetClass="entr" presetSubtype="0" fill="hold" nodeType="clickEffect">
+                                  <p:stCondLst>
+                                    <p:cond delay="0"/>
+                                  </p:stCondLst>
+                                  <p:childTnLst>
+                                    <p:set>
+                                      <p:cBhvr>
+                                        <p:cTn id="14" dur="1" fill="hold">
+                                          <p:stCondLst>
+                                            <p:cond delay="0"/>
+                                          </p:stCondLst>
+                                        </p:cTn>
+                                        <p:tgtEl>
+                                          <p:spTgt spid="4"/>
+                                        </p:tgtEl>
+                                        <p:attrNameLst>
+                                          <p:attrName>style.visibility</p:attrName>
+                                        </p:attrNameLst>
+                                      </p:cBhvr>
+                                      <p:to>
+                                        <p:strVal val="visible"/>
+                                      </p:to>
+                                    </p:set>
+                                  </p:childTnLst>
+                                </p:cTn>
+                              </p:par>
+                              <p:par>
+                                <p:cTn id="15" presetID="1" presetClass="entr" presetSubtype="0" fill="hold" nodeType="withEffect">
+                                  <p:stCondLst>
+                                    <p:cond delay="0"/>
+                                  </p:stCondLst>
+                                  <p:childTnLst>
+                                    <p:set>
+                                      <p:cBhvr>
+                                        <p:cTn id="16" dur="1" fill="hold">
+                                          <p:stCondLst>
+                                            <p:cond delay="0"/>
+                                          </p:stCondLst>
+                                        </p:cTn>
+                                        <p:tgtEl>
+                                          <p:spTgt spid="5"/>
+                                        </p:tgtEl>
+                                        <p:attrNameLst>
+                                          <p:attrName>style.visibility</p:attrName>
+                                        </p:attrNameLst>
+                                      </p:cBhvr>
+                                      <p:to>
+                                        <p:strVal val="visible"/>
+                                      </p:to>
+                                    </p:set>
+                                  </p:childTnLst>
+                                </p:cTn>
+                              </p:par>
+                            </p:childTnLst>
+                          </p:cTn>
+                        </p:par>
+                      </p:childTnLst>
+                    </p:cTn>
+                  </p:par>
+                </p:childTnLst>
+              </p:cTn>
+              <p:prevCondLst>
+                <p:cond evt="onPrev" delay="0">
+                  <p:tgtEl>
+                    <p:sldTgt/>
+                  </p:tgtEl>
+                </p:cond>
+              </p:prevCondLst>
+              <p:nextCondLst>
+                <p:cond evt="onNext" delay="0">
+                  <p:tgtEl>
+                    <p:sldTgt/>
+                  </p:tgtEl>
+                </p:cond>
+              </p:nextCondLst>
+            </p:seq>
+          </p:childTnLst>
+        </p:cTn>
+      </p:par>
+    </p:tnLst>
+  </p:timing>
+</p:sld>
+</file>
+
+<file path=ppt/slides/slide4.xml><?xml version="1.0" encoding="utf-8"?>
+<p:sld xmlns:a="http://schemas.openxmlformats.org/drawingml/2006/main" xmlns:r="http://schemas.openxmlformats.org/officeDocument/2006/relationships" xmlns:p="http://schemas.openxmlformats.org/presentationml/2006/main">
+  <p:cSld>
+    <p:spTree>
+      <p:nvGrpSpPr>
+        <p:cNvPr id="1" name=""/>
+        <p:cNvGrpSpPr/>
+        <p:nvPr/>
+      </p:nvGrpSpPr>
+      <p:grpSpPr>
+        <a:xfrm>
+          <a:off x="0" y="0"/>
+          <a:ext cx="0" cy="0"/>
+          <a:chOff x="0" y="0"/>
+          <a:chExt cx="0" cy="0"/>
+        </a:xfrm>
+      </p:grpSpPr>
+      <p:sp>
+        <p:nvSpPr>
+          <p:cNvPr id="2" name="Cím 1"/>
+          <p:cNvSpPr>
+            <a:spLocks noGrp="1"/>
+          </p:cNvSpPr>
+          <p:nvPr>
+            <p:ph type="title"/>
+          </p:nvPr>
+        </p:nvSpPr>
+        <p:spPr>
+          <a:xfrm>
+            <a:off x="3892625" y="2766218"/>
+            <a:ext cx="4406750" cy="1325563"/>
+          </a:xfrm>
+          <a:effectLst/>
+        </p:spPr>
+        <p:txBody>
+          <a:bodyPr>
+            <a:normAutofit/>
+          </a:bodyPr>
+          <a:lstStyle/>
+          <a:p>
+            <a:pPr algn="ctr"/>
+            <a:r>
+              <a:rPr lang="hu-HU" sz="8000" b="1" cap="small" dirty="0">
+                <a:solidFill>
+                  <a:srgbClr val="FFB562"/>
+                </a:solidFill>
+                <a:latin typeface="Inter" panose="02000503000000020004" pitchFamily="2" charset="0"/>
+                <a:ea typeface="Inter" panose="02000503000000020004" pitchFamily="2" charset="0"/>
+                <a:cs typeface="Arial" panose="020B0604020202020204" pitchFamily="34" charset="0"/>
+              </a:rPr>
+              <a:t>Tervezés</a:t>
+            </a:r>
+          </a:p>
+        </p:txBody>
+      </p:sp>
+      <p:sp>
+        <p:nvSpPr>
+          <p:cNvPr id="18" name="Téglalap 17">
+            <a:extLst>
+              <a:ext uri="{FF2B5EF4-FFF2-40B4-BE49-F238E27FC236}">
+                <a16:creationId xmlns:a16="http://schemas.microsoft.com/office/drawing/2014/main" id="{8F57D4F1-A2BC-97DF-EFF7-D3EDF86F3BCE}"/>
+              </a:ext>
+            </a:extLst>
+          </p:cNvPr>
+          <p:cNvSpPr/>
+          <p:nvPr/>
+        </p:nvSpPr>
+        <p:spPr>
+          <a:xfrm rot="2848355">
+            <a:off x="10183224" y="3992123"/>
+            <a:ext cx="3301121" cy="4966695"/>
+          </a:xfrm>
+          <a:prstGeom prst="rect">
+            <a:avLst/>
+          </a:prstGeom>
+          <a:solidFill>
+            <a:srgbClr val="F87474"/>
+          </a:solidFill>
+          <a:ln>
+            <a:noFill/>
+          </a:ln>
+          <a:effectLst>
+            <a:innerShdw blurRad="63500" dist="50800" dir="13500000">
+              <a:prstClr val="black">
+                <a:alpha val="50000"/>
+              </a:prstClr>
+            </a:innerShdw>
+          </a:effectLst>
+        </p:spPr>
+        <p:style>
+          <a:lnRef idx="2">
+            <a:schemeClr val="accent1">
+              <a:shade val="50000"/>
+            </a:schemeClr>
+          </a:lnRef>
+          <a:fillRef idx="1">
+            <a:schemeClr val="accent1"/>
+          </a:fillRef>
+          <a:effectRef idx="0">
+            <a:schemeClr val="accent1"/>
+          </a:effectRef>
+          <a:fontRef idx="minor">
+            <a:schemeClr val="lt1"/>
+          </a:fontRef>
+        </p:style>
+        <p:txBody>
+          <a:bodyPr rtlCol="0" anchor="ctr"/>
+          <a:lstStyle/>
+          <a:p>
+            <a:pPr algn="ctr"/>
+            <a:endParaRPr lang="hu-HU"/>
+          </a:p>
+        </p:txBody>
+      </p:sp>
+      <p:sp>
+        <p:nvSpPr>
+          <p:cNvPr id="19" name="Téglalap 18">
+            <a:extLst>
+              <a:ext uri="{FF2B5EF4-FFF2-40B4-BE49-F238E27FC236}">
+                <a16:creationId xmlns:a16="http://schemas.microsoft.com/office/drawing/2014/main" id="{F7DCB632-A10E-5632-3447-B51CAED5805D}"/>
+              </a:ext>
+            </a:extLst>
+          </p:cNvPr>
+          <p:cNvSpPr/>
+          <p:nvPr/>
+        </p:nvSpPr>
+        <p:spPr>
+          <a:xfrm rot="2848355">
+            <a:off x="-1452519" y="-2010026"/>
+            <a:ext cx="3476520" cy="4264743"/>
+          </a:xfrm>
+          <a:prstGeom prst="rect">
+            <a:avLst/>
+          </a:prstGeom>
+          <a:solidFill>
+            <a:srgbClr val="F87474"/>
+          </a:solidFill>
+          <a:ln>
+            <a:noFill/>
+          </a:ln>
+          <a:effectLst>
+            <a:innerShdw blurRad="114300">
+              <a:prstClr val="black"/>
+            </a:innerShdw>
+          </a:effectLst>
+        </p:spPr>
+        <p:style>
+          <a:lnRef idx="2">
+            <a:schemeClr val="accent1">
+              <a:shade val="50000"/>
+            </a:schemeClr>
+          </a:lnRef>
+          <a:fillRef idx="1">
+            <a:schemeClr val="accent1"/>
+          </a:fillRef>
+          <a:effectRef idx="0">
+            <a:schemeClr val="accent1"/>
+          </a:effectRef>
+          <a:fontRef idx="minor">
+            <a:schemeClr val="lt1"/>
+          </a:fontRef>
+        </p:style>
+        <p:txBody>
+          <a:bodyPr rtlCol="0" anchor="ctr"/>
+          <a:lstStyle/>
+          <a:p>
+            <a:pPr algn="ctr"/>
+            <a:endParaRPr lang="hu-HU"/>
+          </a:p>
+        </p:txBody>
+      </p:sp>
+      <p:sp>
+        <p:nvSpPr>
+          <p:cNvPr id="20" name="Téglalap 19">
+            <a:extLst>
+              <a:ext uri="{FF2B5EF4-FFF2-40B4-BE49-F238E27FC236}">
+                <a16:creationId xmlns:a16="http://schemas.microsoft.com/office/drawing/2014/main" id="{63CBBDFE-A41E-7DFB-0FFA-CB3C8B7000A9}"/>
+              </a:ext>
+            </a:extLst>
+          </p:cNvPr>
+          <p:cNvSpPr/>
+          <p:nvPr/>
+        </p:nvSpPr>
+        <p:spPr>
+          <a:xfrm rot="2832125">
+            <a:off x="-506954" y="-2067058"/>
+            <a:ext cx="3734587" cy="3444254"/>
+          </a:xfrm>
+          <a:prstGeom prst="rect">
+            <a:avLst/>
+          </a:prstGeom>
+          <a:noFill/>
+          <a:ln w="19050">
+            <a:solidFill>
+              <a:schemeClr val="tx1"/>
+            </a:solidFill>
+          </a:ln>
+          <a:effectLst>
+            <a:innerShdw blurRad="114300">
+              <a:prstClr val="black"/>
+            </a:innerShdw>
+          </a:effectLst>
+        </p:spPr>
+        <p:style>
+          <a:lnRef idx="2">
+            <a:schemeClr val="accent1">
+              <a:shade val="50000"/>
+            </a:schemeClr>
+          </a:lnRef>
+          <a:fillRef idx="1">
+            <a:schemeClr val="accent1"/>
+          </a:fillRef>
+          <a:effectRef idx="0">
+            <a:schemeClr val="accent1"/>
+          </a:effectRef>
+          <a:fontRef idx="minor">
+            <a:schemeClr val="lt1"/>
+          </a:fontRef>
+        </p:style>
+        <p:txBody>
+          <a:bodyPr rtlCol="0" anchor="ctr"/>
+          <a:lstStyle/>
+          <a:p>
+            <a:pPr algn="ctr"/>
+            <a:endParaRPr lang="hu-HU"/>
+          </a:p>
+        </p:txBody>
+      </p:sp>
+      <p:cxnSp>
+        <p:nvCxnSpPr>
+          <p:cNvPr id="21" name="Egyenes összekötő 20">
+            <a:extLst>
+              <a:ext uri="{FF2B5EF4-FFF2-40B4-BE49-F238E27FC236}">
+                <a16:creationId xmlns:a16="http://schemas.microsoft.com/office/drawing/2014/main" id="{ABD3140E-7104-7201-5949-5049F71FAC3C}"/>
+              </a:ext>
+            </a:extLst>
+          </p:cNvPr>
+          <p:cNvCxnSpPr>
+            <a:cxnSpLocks/>
+          </p:cNvCxnSpPr>
+          <p:nvPr/>
+        </p:nvCxnSpPr>
+        <p:spPr>
+          <a:xfrm>
+            <a:off x="4436997" y="3900341"/>
+            <a:ext cx="1379341" cy="0"/>
+          </a:xfrm>
+          <a:prstGeom prst="line">
+            <a:avLst/>
+          </a:prstGeom>
+          <a:ln w="57150">
+            <a:solidFill>
+              <a:srgbClr val="FFB562"/>
+            </a:solidFill>
+          </a:ln>
+        </p:spPr>
+        <p:style>
+          <a:lnRef idx="1">
+            <a:schemeClr val="accent1"/>
+          </a:lnRef>
+          <a:fillRef idx="0">
+            <a:schemeClr val="accent1"/>
+          </a:fillRef>
+          <a:effectRef idx="0">
+            <a:schemeClr val="accent1"/>
+          </a:effectRef>
+          <a:fontRef idx="minor">
+            <a:schemeClr val="tx1"/>
+          </a:fontRef>
+        </p:style>
+      </p:cxnSp>
+    </p:spTree>
+    <p:extLst>
+      <p:ext uri="{BB962C8B-B14F-4D97-AF65-F5344CB8AC3E}">
+        <p14:creationId xmlns:p14="http://schemas.microsoft.com/office/powerpoint/2010/main" val="4060085066"/>
+      </p:ext>
+    </p:extLst>
+  </p:cSld>
+  <p:clrMapOvr>
+    <a:masterClrMapping/>
+  </p:clrMapOvr>
+</p:sld>
+</file>
+
+<file path=ppt/slides/slide5.xml><?xml version="1.0" encoding="utf-8"?>
+<p:sld xmlns:a="http://schemas.openxmlformats.org/drawingml/2006/main" xmlns:r="http://schemas.openxmlformats.org/officeDocument/2006/relationships" xmlns:p="http://schemas.openxmlformats.org/presentationml/2006/main">
+  <p:cSld>
+    <p:spTree>
+      <p:nvGrpSpPr>
+        <p:cNvPr id="1" name=""/>
+        <p:cNvGrpSpPr/>
+        <p:nvPr/>
+      </p:nvGrpSpPr>
+      <p:grpSpPr>
+        <a:xfrm>
+          <a:off x="0" y="0"/>
+          <a:ext cx="0" cy="0"/>
+          <a:chOff x="0" y="0"/>
+          <a:chExt cx="0" cy="0"/>
+        </a:xfrm>
+      </p:grpSpPr>
       <p:sp>
         <p:nvSpPr>
           <p:cNvPr id="2" name="Cím 1"/>
@@ -4184,7 +8440,7 @@
 </p:sld>
 </file>
 
-<file path=ppt/slides/slide4.xml><?xml version="1.0" encoding="utf-8"?>
+<file path=ppt/slides/slide6.xml><?xml version="1.0" encoding="utf-8"?>
 <p:sld xmlns:a="http://schemas.openxmlformats.org/drawingml/2006/main" xmlns:r="http://schemas.openxmlformats.org/officeDocument/2006/relationships" xmlns:p="http://schemas.openxmlformats.org/presentationml/2006/main">
   <p:cSld>
     <p:spTree>
@@ -4557,7 +8813,7 @@
 </p:sld>
 </file>
 
-<file path=ppt/slides/slide5.xml><?xml version="1.0" encoding="utf-8"?>
+<file path=ppt/slides/slide7.xml><?xml version="1.0" encoding="utf-8"?>
 <p:sld xmlns:a="http://schemas.openxmlformats.org/drawingml/2006/main" xmlns:r="http://schemas.openxmlformats.org/officeDocument/2006/relationships" xmlns:p="http://schemas.openxmlformats.org/presentationml/2006/main">
   <p:cSld>
     <p:spTree>
@@ -4646,7 +8902,7 @@
         </p:nvSpPr>
         <p:spPr>
           <a:xfrm>
-            <a:off x="9131297" y="2552598"/>
+            <a:off x="8888183" y="1095602"/>
             <a:ext cx="2755903" cy="584775"/>
           </a:xfrm>
           <a:prstGeom prst="rect">
@@ -4661,23 +8917,36 @@
           <a:lstStyle/>
           <a:p>
             <a:r>
-              <a:rPr lang="hu-HU" sz="3200" dirty="0">
+              <a:rPr lang="hu-HU" sz="3200" b="1" dirty="0">
                 <a:solidFill>
-                  <a:srgbClr val="F87474"/>
+                  <a:schemeClr val="tx2">
+                    <a:lumMod val="50000"/>
+                  </a:schemeClr>
                 </a:solidFill>
                 <a:latin typeface="Inter" panose="02000503000000020004" pitchFamily="2" charset="0"/>
                 <a:ea typeface="Inter" panose="02000503000000020004" pitchFamily="2" charset="0"/>
-                <a:hlinkClick r:id="rId3"/>
+                <a:hlinkClick r:id="rId3">
+                  <a:extLst>
+                    <a:ext uri="{A12FA001-AC4F-418D-AE19-62706E023703}">
+                      <ahyp:hlinkClr xmlns:ahyp="http://schemas.microsoft.com/office/drawing/2018/hyperlinkcolor" val="tx"/>
+                    </a:ext>
+                  </a:extLst>
+                </a:hlinkClick>
               </a:rPr>
               <a:t>Colorhunt.co</a:t>
             </a:r>
-            <a:endParaRPr lang="hu-HU" sz="3200" dirty="0">
-              <a:solidFill>
-                <a:srgbClr val="F87474"/>
-              </a:solidFill>
-              <a:latin typeface="Inter" panose="02000503000000020004" pitchFamily="2" charset="0"/>
-              <a:ea typeface="Inter" panose="02000503000000020004" pitchFamily="2" charset="0"/>
-            </a:endParaRPr>
+            <a:r>
+              <a:rPr lang="hu-HU" sz="3200" b="1" dirty="0">
+                <a:solidFill>
+                  <a:schemeClr val="tx2">
+                    <a:lumMod val="50000"/>
+                  </a:schemeClr>
+                </a:solidFill>
+                <a:latin typeface="Inter" panose="02000503000000020004" pitchFamily="2" charset="0"/>
+                <a:ea typeface="Inter" panose="02000503000000020004" pitchFamily="2" charset="0"/>
+              </a:rPr>
+              <a:t>  </a:t>
+            </a:r>
           </a:p>
         </p:txBody>
       </p:sp>
@@ -4694,7 +8963,7 @@
 </p:sld>
 </file>
 
-<file path=ppt/slides/slide6.xml><?xml version="1.0" encoding="utf-8"?>
+<file path=ppt/slides/slide8.xml><?xml version="1.0" encoding="utf-8"?>
 <p:sld xmlns:a="http://schemas.openxmlformats.org/drawingml/2006/main" xmlns:r="http://schemas.openxmlformats.org/officeDocument/2006/relationships" xmlns:p="http://schemas.openxmlformats.org/presentationml/2006/main">
   <p:cSld>
     <p:spTree>
@@ -4789,7 +9058,7 @@
         </p:blipFill>
         <p:spPr>
           <a:xfrm>
-            <a:off x="169563" y="1273402"/>
+            <a:off x="2785089" y="1095602"/>
             <a:ext cx="8510654" cy="5140098"/>
           </a:xfrm>
         </p:spPr>
@@ -4807,7 +9076,7 @@
 </p:sld>
 </file>
 
-<file path=ppt/slides/slide7.xml><?xml version="1.0" encoding="utf-8"?>
+<file path=ppt/slides/slide9.xml><?xml version="1.0" encoding="utf-8"?>
 <p:sld xmlns:a="http://schemas.openxmlformats.org/drawingml/2006/main" xmlns:r="http://schemas.openxmlformats.org/officeDocument/2006/relationships" xmlns:p="http://schemas.openxmlformats.org/presentationml/2006/main">
   <p:cSld>
     <p:spTree>
@@ -4899,6 +9168,11 @@
             <a:pPr algn="ctr"/>
             <a:r>
               <a:rPr lang="hu-HU" dirty="0" err="1">
+                <a:solidFill>
+                  <a:schemeClr val="tx2">
+                    <a:lumMod val="50000"/>
+                  </a:schemeClr>
+                </a:solidFill>
                 <a:latin typeface="Inter" panose="02000503000000020004" pitchFamily="2" charset="0"/>
                 <a:ea typeface="Inter" panose="02000503000000020004" pitchFamily="2" charset="0"/>
               </a:rPr>
@@ -4906,6 +9180,11 @@
             </a:r>
             <a:r>
               <a:rPr lang="hu-HU" dirty="0">
+                <a:solidFill>
+                  <a:schemeClr val="tx2">
+                    <a:lumMod val="50000"/>
+                  </a:schemeClr>
+                </a:solidFill>
                 <a:latin typeface="Inter" panose="02000503000000020004" pitchFamily="2" charset="0"/>
                 <a:ea typeface="Inter" panose="02000503000000020004" pitchFamily="2" charset="0"/>
               </a:rPr>
@@ -4965,6 +9244,11 @@
             <a:pPr algn="ctr"/>
             <a:r>
               <a:rPr lang="hu-HU" dirty="0" err="1">
+                <a:solidFill>
+                  <a:schemeClr val="tx2">
+                    <a:lumMod val="50000"/>
+                  </a:schemeClr>
+                </a:solidFill>
                 <a:latin typeface="Inter" panose="02000503000000020004" pitchFamily="2" charset="0"/>
                 <a:ea typeface="Inter" panose="02000503000000020004" pitchFamily="2" charset="0"/>
               </a:rPr>
@@ -4972,6 +9256,11 @@
             </a:r>
             <a:r>
               <a:rPr lang="hu-HU" dirty="0">
+                <a:solidFill>
+                  <a:schemeClr val="tx2">
+                    <a:lumMod val="50000"/>
+                  </a:schemeClr>
+                </a:solidFill>
                 <a:latin typeface="Inter" panose="02000503000000020004" pitchFamily="2" charset="0"/>
                 <a:ea typeface="Inter" panose="02000503000000020004" pitchFamily="2" charset="0"/>
               </a:rPr>
@@ -5733,159 +10022,6 @@
 </p:sld>
 </file>
 
-<file path=ppt/slides/slide8.xml><?xml version="1.0" encoding="utf-8"?>
-<p:sld xmlns:a="http://schemas.openxmlformats.org/drawingml/2006/main" xmlns:r="http://schemas.openxmlformats.org/officeDocument/2006/relationships" xmlns:p="http://schemas.openxmlformats.org/presentationml/2006/main">
-  <p:cSld>
-    <p:spTree>
-      <p:nvGrpSpPr>
-        <p:cNvPr id="1" name=""/>
-        <p:cNvGrpSpPr/>
-        <p:nvPr/>
-      </p:nvGrpSpPr>
-      <p:grpSpPr>
-        <a:xfrm>
-          <a:off x="0" y="0"/>
-          <a:ext cx="0" cy="0"/>
-          <a:chOff x="0" y="0"/>
-          <a:chExt cx="0" cy="0"/>
-        </a:xfrm>
-      </p:grpSpPr>
-      <p:sp>
-        <p:nvSpPr>
-          <p:cNvPr id="2" name="Cím 1"/>
-          <p:cNvSpPr>
-            <a:spLocks noGrp="1"/>
-          </p:cNvSpPr>
-          <p:nvPr>
-            <p:ph type="title"/>
-          </p:nvPr>
-        </p:nvSpPr>
-        <p:spPr>
-          <a:xfrm>
-            <a:off x="939800" y="2745468"/>
-            <a:ext cx="10515600" cy="1325563"/>
-          </a:xfrm>
-        </p:spPr>
-        <p:txBody>
-          <a:bodyPr>
-            <a:normAutofit/>
-          </a:bodyPr>
-          <a:lstStyle/>
-          <a:p>
-            <a:pPr algn="ctr"/>
-            <a:r>
-              <a:rPr lang="hu-HU" sz="8000" b="1" cap="small" dirty="0">
-                <a:solidFill>
-                  <a:srgbClr val="FFB562"/>
-                </a:solidFill>
-                <a:latin typeface="Inter" panose="02000503000000020004" pitchFamily="2" charset="0"/>
-                <a:ea typeface="Inter" panose="02000503000000020004" pitchFamily="2" charset="0"/>
-                <a:cs typeface="Arial" panose="020B0604020202020204" pitchFamily="34" charset="0"/>
-              </a:rPr>
-              <a:t>A projekt felépítése</a:t>
-            </a:r>
-          </a:p>
-        </p:txBody>
-      </p:sp>
-    </p:spTree>
-    <p:extLst>
-      <p:ext uri="{BB962C8B-B14F-4D97-AF65-F5344CB8AC3E}">
-        <p14:creationId xmlns:p14="http://schemas.microsoft.com/office/powerpoint/2010/main" val="3910073332"/>
-      </p:ext>
-    </p:extLst>
-  </p:cSld>
-  <p:clrMapOvr>
-    <a:masterClrMapping/>
-  </p:clrMapOvr>
-</p:sld>
-</file>
-
-<file path=ppt/slides/slide9.xml><?xml version="1.0" encoding="utf-8"?>
-<p:sld xmlns:a="http://schemas.openxmlformats.org/drawingml/2006/main" xmlns:r="http://schemas.openxmlformats.org/officeDocument/2006/relationships" xmlns:p="http://schemas.openxmlformats.org/presentationml/2006/main">
-  <p:cSld>
-    <p:spTree>
-      <p:nvGrpSpPr>
-        <p:cNvPr id="1" name=""/>
-        <p:cNvGrpSpPr/>
-        <p:nvPr/>
-      </p:nvGrpSpPr>
-      <p:grpSpPr>
-        <a:xfrm>
-          <a:off x="0" y="0"/>
-          <a:ext cx="0" cy="0"/>
-          <a:chOff x="0" y="0"/>
-          <a:chExt cx="0" cy="0"/>
-        </a:xfrm>
-      </p:grpSpPr>
-      <p:sp>
-        <p:nvSpPr>
-          <p:cNvPr id="2" name="Cím 1"/>
-          <p:cNvSpPr>
-            <a:spLocks noGrp="1"/>
-          </p:cNvSpPr>
-          <p:nvPr>
-            <p:ph type="title"/>
-          </p:nvPr>
-        </p:nvSpPr>
-        <p:spPr>
-          <a:xfrm>
-            <a:off x="809171" y="595085"/>
-            <a:ext cx="10515600" cy="776288"/>
-          </a:xfrm>
-        </p:spPr>
-        <p:txBody>
-          <a:bodyPr>
-            <a:normAutofit/>
-          </a:bodyPr>
-          <a:lstStyle/>
-          <a:p>
-            <a:pPr algn="ctr"/>
-            <a:r>
-              <a:rPr lang="hu-HU" b="1" cap="small" dirty="0">
-                <a:solidFill>
-                  <a:srgbClr val="FFB562"/>
-                </a:solidFill>
-                <a:latin typeface="Inter" panose="02000503000000020004" pitchFamily="2" charset="0"/>
-                <a:ea typeface="Inter" panose="02000503000000020004" pitchFamily="2" charset="0"/>
-                <a:cs typeface="Arial" panose="020B0604020202020204" pitchFamily="34" charset="0"/>
-              </a:rPr>
-              <a:t>Főoldal</a:t>
-            </a:r>
-          </a:p>
-        </p:txBody>
-      </p:sp>
-      <p:sp>
-        <p:nvSpPr>
-          <p:cNvPr id="3" name="Tartalom helye 2"/>
-          <p:cNvSpPr>
-            <a:spLocks noGrp="1"/>
-          </p:cNvSpPr>
-          <p:nvPr>
-            <p:ph idx="1"/>
-          </p:nvPr>
-        </p:nvSpPr>
-        <p:spPr/>
-        <p:txBody>
-          <a:bodyPr/>
-          <a:lstStyle/>
-          <a:p>
-            <a:endParaRPr lang="hu-HU"/>
-          </a:p>
-        </p:txBody>
-      </p:sp>
-    </p:spTree>
-    <p:extLst>
-      <p:ext uri="{BB962C8B-B14F-4D97-AF65-F5344CB8AC3E}">
-        <p14:creationId xmlns:p14="http://schemas.microsoft.com/office/powerpoint/2010/main" val="97081689"/>
-      </p:ext>
-    </p:extLst>
-  </p:cSld>
-  <p:clrMapOvr>
-    <a:masterClrMapping/>
-  </p:clrMapOvr>
-</p:sld>
-</file>
-
 <file path=ppt/theme/theme1.xml><?xml version="1.0" encoding="utf-8"?>
 <a:theme xmlns:a="http://schemas.openxmlformats.org/drawingml/2006/main" name="Office Theme">
   <a:themeElements>

--- a/ikt projektfeladat.pptx
+++ b/ikt projektfeladat.pptx
@@ -266,7 +266,7 @@
           <a:p>
             <a:fld id="{38C4BF85-5AB0-4169-A990-10DF94846CFA}" type="datetimeFigureOut">
               <a:rPr lang="hu-HU" smtClean="0"/>
-              <a:t>2023. 02. 07.</a:t>
+              <a:t>2023. 02. 08.</a:t>
             </a:fld>
             <a:endParaRPr lang="hu-HU"/>
           </a:p>
@@ -436,7 +436,7 @@
           <a:p>
             <a:fld id="{38C4BF85-5AB0-4169-A990-10DF94846CFA}" type="datetimeFigureOut">
               <a:rPr lang="hu-HU" smtClean="0"/>
-              <a:t>2023. 02. 07.</a:t>
+              <a:t>2023. 02. 08.</a:t>
             </a:fld>
             <a:endParaRPr lang="hu-HU"/>
           </a:p>
@@ -616,7 +616,7 @@
           <a:p>
             <a:fld id="{38C4BF85-5AB0-4169-A990-10DF94846CFA}" type="datetimeFigureOut">
               <a:rPr lang="hu-HU" smtClean="0"/>
-              <a:t>2023. 02. 07.</a:t>
+              <a:t>2023. 02. 08.</a:t>
             </a:fld>
             <a:endParaRPr lang="hu-HU"/>
           </a:p>
@@ -786,7 +786,7 @@
           <a:p>
             <a:fld id="{38C4BF85-5AB0-4169-A990-10DF94846CFA}" type="datetimeFigureOut">
               <a:rPr lang="hu-HU" smtClean="0"/>
-              <a:t>2023. 02. 07.</a:t>
+              <a:t>2023. 02. 08.</a:t>
             </a:fld>
             <a:endParaRPr lang="hu-HU"/>
           </a:p>
@@ -1032,7 +1032,7 @@
           <a:p>
             <a:fld id="{38C4BF85-5AB0-4169-A990-10DF94846CFA}" type="datetimeFigureOut">
               <a:rPr lang="hu-HU" smtClean="0"/>
-              <a:t>2023. 02. 07.</a:t>
+              <a:t>2023. 02. 08.</a:t>
             </a:fld>
             <a:endParaRPr lang="hu-HU"/>
           </a:p>
@@ -1264,7 +1264,7 @@
           <a:p>
             <a:fld id="{38C4BF85-5AB0-4169-A990-10DF94846CFA}" type="datetimeFigureOut">
               <a:rPr lang="hu-HU" smtClean="0"/>
-              <a:t>2023. 02. 07.</a:t>
+              <a:t>2023. 02. 08.</a:t>
             </a:fld>
             <a:endParaRPr lang="hu-HU"/>
           </a:p>
@@ -1631,7 +1631,7 @@
           <a:p>
             <a:fld id="{38C4BF85-5AB0-4169-A990-10DF94846CFA}" type="datetimeFigureOut">
               <a:rPr lang="hu-HU" smtClean="0"/>
-              <a:t>2023. 02. 07.</a:t>
+              <a:t>2023. 02. 08.</a:t>
             </a:fld>
             <a:endParaRPr lang="hu-HU"/>
           </a:p>
@@ -1749,7 +1749,7 @@
           <a:p>
             <a:fld id="{38C4BF85-5AB0-4169-A990-10DF94846CFA}" type="datetimeFigureOut">
               <a:rPr lang="hu-HU" smtClean="0"/>
-              <a:t>2023. 02. 07.</a:t>
+              <a:t>2023. 02. 08.</a:t>
             </a:fld>
             <a:endParaRPr lang="hu-HU"/>
           </a:p>
@@ -1844,7 +1844,7 @@
           <a:p>
             <a:fld id="{38C4BF85-5AB0-4169-A990-10DF94846CFA}" type="datetimeFigureOut">
               <a:rPr lang="hu-HU" smtClean="0"/>
-              <a:t>2023. 02. 07.</a:t>
+              <a:t>2023. 02. 08.</a:t>
             </a:fld>
             <a:endParaRPr lang="hu-HU"/>
           </a:p>
@@ -2121,7 +2121,7 @@
           <a:p>
             <a:fld id="{38C4BF85-5AB0-4169-A990-10DF94846CFA}" type="datetimeFigureOut">
               <a:rPr lang="hu-HU" smtClean="0"/>
-              <a:t>2023. 02. 07.</a:t>
+              <a:t>2023. 02. 08.</a:t>
             </a:fld>
             <a:endParaRPr lang="hu-HU"/>
           </a:p>
@@ -2378,7 +2378,7 @@
           <a:p>
             <a:fld id="{38C4BF85-5AB0-4169-A990-10DF94846CFA}" type="datetimeFigureOut">
               <a:rPr lang="hu-HU" smtClean="0"/>
-              <a:t>2023. 02. 07.</a:t>
+              <a:t>2023. 02. 08.</a:t>
             </a:fld>
             <a:endParaRPr lang="hu-HU"/>
           </a:p>
@@ -2591,7 +2591,7 @@
           <a:p>
             <a:fld id="{38C4BF85-5AB0-4169-A990-10DF94846CFA}" type="datetimeFigureOut">
               <a:rPr lang="hu-HU" smtClean="0"/>
-              <a:t>2023. 02. 07.</a:t>
+              <a:t>2023. 02. 08.</a:t>
             </a:fld>
             <a:endParaRPr lang="hu-HU"/>
           </a:p>
@@ -3160,11 +3160,11 @@
   <p:clrMapOvr>
     <a:masterClrMapping/>
   </p:clrMapOvr>
-  <mc:AlternateContent xmlns:mc="http://schemas.openxmlformats.org/markup-compatibility/2006">
-    <mc:Choice xmlns:p14="http://schemas.microsoft.com/office/powerpoint/2010/main" Requires="p14">
+  <mc:AlternateContent xmlns:mc="http://schemas.openxmlformats.org/markup-compatibility/2006" xmlns:p14="http://schemas.microsoft.com/office/powerpoint/2010/main">
+    <mc:Choice Requires="p14">
       <p:transition p14:dur="10"/>
     </mc:Choice>
-    <mc:Fallback>
+    <mc:Fallback xmlns="">
       <p:transition/>
     </mc:Fallback>
   </mc:AlternateContent>
@@ -3200,13 +3200,13 @@
         </p:nvSpPr>
         <p:spPr>
           <a:xfrm>
-            <a:off x="2063342" y="2766218"/>
+            <a:off x="263557" y="3316554"/>
             <a:ext cx="8065316" cy="1325563"/>
           </a:xfrm>
         </p:spPr>
         <p:txBody>
           <a:bodyPr>
-            <a:normAutofit/>
+            <a:normAutofit fontScale="90000"/>
           </a:bodyPr>
           <a:lstStyle/>
           <a:p>
@@ -3825,13 +3825,13 @@
         </p:nvSpPr>
         <p:spPr>
           <a:xfrm>
-            <a:off x="939800" y="2745468"/>
+            <a:off x="838200" y="2766218"/>
             <a:ext cx="10515600" cy="1325563"/>
           </a:xfrm>
         </p:spPr>
         <p:txBody>
           <a:bodyPr>
-            <a:normAutofit/>
+            <a:normAutofit fontScale="90000"/>
           </a:bodyPr>
           <a:lstStyle/>
           <a:p>
@@ -4598,7 +4598,7 @@
         </p:nvSpPr>
         <p:spPr>
           <a:xfrm>
-            <a:off x="339366" y="562048"/>
+            <a:off x="330036" y="562048"/>
             <a:ext cx="6759560" cy="4622694"/>
           </a:xfrm>
         </p:spPr>
@@ -4614,7 +4614,7 @@
               </a:spcBef>
             </a:pPr>
             <a:r>
-              <a:rPr lang="hu-HU" sz="3600" b="1" spc="100" dirty="0">
+              <a:rPr lang="hu-HU" sz="3200" spc="100" dirty="0">
                 <a:solidFill>
                   <a:schemeClr val="tx2">
                     <a:lumMod val="50000"/>
@@ -4633,7 +4633,7 @@
               </a:spcBef>
             </a:pPr>
             <a:r>
-              <a:rPr lang="hu-HU" sz="3600" b="1" spc="100" dirty="0">
+              <a:rPr lang="hu-HU" sz="3200" spc="100" dirty="0">
                 <a:solidFill>
                   <a:schemeClr val="tx2">
                     <a:lumMod val="50000"/>
@@ -4652,7 +4652,7 @@
               </a:spcBef>
             </a:pPr>
             <a:r>
-              <a:rPr lang="hu-HU" sz="3600" b="1" spc="100" dirty="0">
+              <a:rPr lang="hu-HU" sz="3200" spc="100" dirty="0">
                 <a:solidFill>
                   <a:schemeClr val="tx2">
                     <a:lumMod val="50000"/>
@@ -4671,7 +4671,7 @@
               </a:spcBef>
             </a:pPr>
             <a:r>
-              <a:rPr lang="hu-HU" sz="3600" b="1" spc="100" dirty="0">
+              <a:rPr lang="hu-HU" sz="3200" spc="100" dirty="0">
                 <a:solidFill>
                   <a:schemeClr val="tx2">
                     <a:lumMod val="50000"/>
@@ -4690,7 +4690,7 @@
               </a:spcBef>
             </a:pPr>
             <a:r>
-              <a:rPr lang="hu-HU" sz="3600" b="1" spc="100" dirty="0" err="1">
+              <a:rPr lang="hu-HU" sz="3200" spc="100" dirty="0" err="1">
                 <a:solidFill>
                   <a:schemeClr val="tx2">
                     <a:lumMod val="50000"/>
@@ -4701,7 +4701,7 @@
               </a:rPr>
               <a:t>Photoshoppolás</a:t>
             </a:r>
-            <a:endParaRPr lang="hu-HU" sz="3600" b="1" spc="100" dirty="0">
+            <a:endParaRPr lang="hu-HU" sz="3200" spc="100" dirty="0">
               <a:solidFill>
                 <a:schemeClr val="tx2">
                   <a:lumMod val="50000"/>
@@ -4718,7 +4718,7 @@
               </a:spcBef>
             </a:pPr>
             <a:r>
-              <a:rPr lang="hu-HU" sz="3600" b="1" spc="100" dirty="0">
+              <a:rPr lang="hu-HU" sz="3200" spc="100" dirty="0">
                 <a:solidFill>
                   <a:schemeClr val="tx2">
                     <a:lumMod val="50000"/>
@@ -5623,7 +5623,7 @@
         <p:spPr>
           <a:xfrm>
             <a:off x="737648" y="595075"/>
-            <a:ext cx="6094428" cy="3093154"/>
+            <a:ext cx="6094428" cy="2785378"/>
           </a:xfrm>
           <a:prstGeom prst="rect">
             <a:avLst/>
@@ -5644,7 +5644,7 @@
               <a:buChar char="•"/>
             </a:pPr>
             <a:r>
-              <a:rPr lang="hu-HU" sz="3600" b="1" spc="100" dirty="0">
+              <a:rPr lang="hu-HU" sz="3200" spc="100" dirty="0">
                 <a:solidFill>
                   <a:schemeClr val="tx2">
                     <a:lumMod val="50000"/>
@@ -5665,7 +5665,7 @@
               <a:buChar char="•"/>
             </a:pPr>
             <a:r>
-              <a:rPr lang="hu-HU" sz="3600" b="1" spc="100" dirty="0">
+              <a:rPr lang="hu-HU" sz="3200" spc="100" dirty="0">
                 <a:solidFill>
                   <a:schemeClr val="tx2">
                     <a:lumMod val="50000"/>
@@ -5686,7 +5686,7 @@
               <a:buChar char="•"/>
             </a:pPr>
             <a:r>
-              <a:rPr lang="hu-HU" sz="3600" b="1" spc="100" dirty="0">
+              <a:rPr lang="hu-HU" sz="3200" spc="100" dirty="0">
                 <a:solidFill>
                   <a:schemeClr val="tx2">
                     <a:lumMod val="50000"/>
@@ -5707,7 +5707,7 @@
               <a:buChar char="•"/>
             </a:pPr>
             <a:r>
-              <a:rPr lang="hu-HU" sz="3600" b="1" spc="100" dirty="0">
+              <a:rPr lang="hu-HU" sz="3200" spc="100" dirty="0">
                 <a:solidFill>
                   <a:schemeClr val="tx2">
                     <a:lumMod val="50000"/>
@@ -6653,7 +6653,7 @@
               </a:spcBef>
             </a:pPr>
             <a:r>
-              <a:rPr lang="hu-HU" sz="3600" b="1" spc="100" dirty="0">
+              <a:rPr lang="hu-HU" sz="3200" spc="100" dirty="0">
                 <a:solidFill>
                   <a:schemeClr val="tx2">
                     <a:lumMod val="50000"/>
@@ -6672,7 +6672,7 @@
               </a:spcBef>
             </a:pPr>
             <a:r>
-              <a:rPr lang="hu-HU" sz="3600" b="1" spc="100" dirty="0">
+              <a:rPr lang="hu-HU" sz="3200" spc="100" dirty="0">
                 <a:solidFill>
                   <a:schemeClr val="tx2">
                     <a:lumMod val="50000"/>
@@ -6691,7 +6691,7 @@
               </a:spcBef>
             </a:pPr>
             <a:r>
-              <a:rPr lang="hu-HU" sz="3600" b="1" spc="100" dirty="0">
+              <a:rPr lang="hu-HU" sz="3200" spc="100" dirty="0">
                 <a:solidFill>
                   <a:schemeClr val="tx2">
                     <a:lumMod val="50000"/>
@@ -6710,7 +6710,7 @@
               </a:spcBef>
             </a:pPr>
             <a:r>
-              <a:rPr lang="hu-HU" sz="3600" b="1" spc="100" dirty="0">
+              <a:rPr lang="hu-HU" sz="3200" spc="100" dirty="0">
                 <a:solidFill>
                   <a:schemeClr val="tx2">
                     <a:lumMod val="50000"/>
@@ -6722,7 +6722,7 @@
               <a:t>„</a:t>
             </a:r>
             <a:r>
-              <a:rPr lang="hu-HU" sz="3600" b="1" spc="100" dirty="0" err="1">
+              <a:rPr lang="hu-HU" sz="3200" spc="100" dirty="0" err="1">
                 <a:solidFill>
                   <a:schemeClr val="tx2">
                     <a:lumMod val="50000"/>
@@ -6734,7 +6734,7 @@
               <a:t>Kattingatós</a:t>
             </a:r>
             <a:r>
-              <a:rPr lang="hu-HU" sz="3600" b="1" spc="100" dirty="0">
+              <a:rPr lang="hu-HU" sz="3200" spc="100" dirty="0">
                 <a:solidFill>
                   <a:schemeClr val="tx2">
                     <a:lumMod val="50000"/>
@@ -6753,7 +6753,7 @@
               </a:spcBef>
             </a:pPr>
             <a:r>
-              <a:rPr lang="hu-HU" sz="3600" b="1" spc="100" dirty="0">
+              <a:rPr lang="hu-HU" sz="3200" spc="100" dirty="0">
                 <a:solidFill>
                   <a:schemeClr val="tx2">
                     <a:lumMod val="50000"/>
@@ -6817,8 +6817,8 @@
         </p:nvSpPr>
         <p:spPr>
           <a:xfrm>
-            <a:off x="7669828" y="5251511"/>
-            <a:ext cx="4208983" cy="400110"/>
+            <a:off x="7299164" y="5326583"/>
+            <a:ext cx="4522172" cy="400110"/>
           </a:xfrm>
           <a:prstGeom prst="rect">
             <a:avLst/>
@@ -6832,7 +6832,7 @@
           <a:lstStyle/>
           <a:p>
             <a:r>
-              <a:rPr lang="hu-HU" sz="2000" b="1" dirty="0">
+              <a:rPr lang="hu-HU" sz="2000" dirty="0">
                 <a:solidFill>
                   <a:schemeClr val="tx2">
                     <a:lumMod val="50000"/>
@@ -6844,7 +6844,7 @@
               <a:t>Én ahogy csinálom a </a:t>
             </a:r>
             <a:r>
-              <a:rPr lang="hu-HU" sz="2000" b="1" dirty="0" err="1">
+              <a:rPr lang="hu-HU" sz="2000" dirty="0" err="1">
                 <a:solidFill>
                   <a:schemeClr val="tx2">
                     <a:lumMod val="50000"/>
@@ -6855,7 +6855,7 @@
               </a:rPr>
               <a:t>powerpointot</a:t>
             </a:r>
-            <a:endParaRPr lang="hu-HU" sz="2000" b="1" dirty="0">
+            <a:endParaRPr lang="hu-HU" sz="2000" dirty="0">
               <a:solidFill>
                 <a:schemeClr val="tx2">
                   <a:lumMod val="50000"/>
@@ -6968,7 +6968,7 @@
         </p:nvSpPr>
         <p:spPr>
           <a:xfrm>
-            <a:off x="1038520" y="2766218"/>
+            <a:off x="-399755" y="3350494"/>
             <a:ext cx="10114960" cy="1325563"/>
           </a:xfrm>
           <a:effectLst/>
@@ -7432,7 +7432,7 @@
         </p:nvSpPr>
         <p:spPr>
           <a:xfrm>
-            <a:off x="0" y="2766218"/>
+            <a:off x="838200" y="2766218"/>
             <a:ext cx="10515600" cy="1325563"/>
           </a:xfrm>
         </p:spPr>
@@ -7544,7 +7544,7 @@
         </p:blipFill>
         <p:spPr>
           <a:xfrm>
-            <a:off x="9627674" y="2448648"/>
+            <a:off x="186054" y="5877650"/>
             <a:ext cx="1304292" cy="980350"/>
           </a:xfrm>
           <a:prstGeom prst="rect">
@@ -8089,8 +8089,8 @@
         </p:nvSpPr>
         <p:spPr>
           <a:xfrm>
-            <a:off x="3892625" y="2766218"/>
-            <a:ext cx="4406750" cy="1325563"/>
+            <a:off x="3892624" y="2766218"/>
+            <a:ext cx="4870375" cy="1325563"/>
           </a:xfrm>
           <a:effectLst/>
         </p:spPr>
